--- a/presentation/Final Presentation_mGrid.pptx
+++ b/presentation/Final Presentation_mGrid.pptx
@@ -15,8 +15,8 @@
     <p:sldId id="270" r:id="rId6"/>
     <p:sldId id="271" r:id="rId7"/>
     <p:sldId id="272" r:id="rId8"/>
-    <p:sldId id="273" r:id="rId9"/>
-    <p:sldId id="274" r:id="rId10"/>
+    <p:sldId id="276" r:id="rId9"/>
+    <p:sldId id="277" r:id="rId10"/>
     <p:sldId id="267" r:id="rId11"/>
   </p:sldIdLst>
   <p:sldSz cx="9144000" cy="6858000" type="screen4x3"/>
@@ -116,6 +116,22 @@
       </a:defRPr>
     </a:lvl9pPr>
   </p:defaultTextStyle>
+  <p:extLst>
+    <p:ext uri="{EFAFB233-063F-42B5-8137-9DF3F51BA10A}">
+      <p15:sldGuideLst xmlns:p15="http://schemas.microsoft.com/office/powerpoint/2012/main">
+        <p15:guide id="1" orient="horz" pos="2160">
+          <p15:clr>
+            <a:srgbClr val="A4A3A4"/>
+          </p15:clr>
+        </p15:guide>
+        <p15:guide id="2" pos="2880">
+          <p15:clr>
+            <a:srgbClr val="A4A3A4"/>
+          </p15:clr>
+        </p15:guide>
+      </p15:sldGuideLst>
+    </p:ext>
+  </p:extLst>
 </p:presentation>
 </file>
 
@@ -3645,11 +3661,6 @@
               </a:rPr>
               <a:t> with Electric Vehicles</a:t>
             </a:r>
-            <a:endParaRPr lang="en-US" altLang="ko-KR" sz="2400" b="1" dirty="0" smtClean="0">
-              <a:latin typeface="Ebrima" panose="02000000000000000000" pitchFamily="2" charset="0"/>
-              <a:ea typeface="Ebrima" panose="02000000000000000000" pitchFamily="2" charset="0"/>
-              <a:cs typeface="Ebrima" panose="02000000000000000000" pitchFamily="2" charset="0"/>
-            </a:endParaRPr>
           </a:p>
           <a:p>
             <a:pPr algn="ctr"/>
@@ -3667,15 +3678,7 @@
                 <a:ea typeface="Ebrima" panose="02000000000000000000" pitchFamily="2" charset="0"/>
                 <a:cs typeface="Ebrima" panose="02000000000000000000" pitchFamily="2" charset="0"/>
               </a:rPr>
-              <a:t>Modelling and Simulatin</a:t>
-            </a:r>
-            <a:r>
-              <a:rPr lang="en-US" altLang="ko-KR" b="1" dirty="0" smtClean="0">
-                <a:latin typeface="Ebrima" panose="02000000000000000000" pitchFamily="2" charset="0"/>
-                <a:ea typeface="Ebrima" panose="02000000000000000000" pitchFamily="2" charset="0"/>
-                <a:cs typeface="Ebrima" panose="02000000000000000000" pitchFamily="2" charset="0"/>
-              </a:rPr>
-              <a:t>g</a:t>
+              <a:t>Modelling and Simulating</a:t>
             </a:r>
           </a:p>
           <a:p>
@@ -3707,11 +3710,6 @@
               </a:rPr>
               <a:t>14 December 2015</a:t>
             </a:r>
-            <a:endParaRPr lang="en-US" altLang="ko-KR" b="1" dirty="0" smtClean="0">
-              <a:latin typeface="Ebrima" panose="02000000000000000000" pitchFamily="2" charset="0"/>
-              <a:ea typeface="Ebrima" panose="02000000000000000000" pitchFamily="2" charset="0"/>
-              <a:cs typeface="Ebrima" panose="02000000000000000000" pitchFamily="2" charset="0"/>
-            </a:endParaRPr>
           </a:p>
         </p:txBody>
       </p:sp>
@@ -3751,7 +3749,15 @@
                 <a:ea typeface="Ebrima" panose="02000000000000000000" pitchFamily="2" charset="0"/>
                 <a:cs typeface="Ebrima" panose="02000000000000000000" pitchFamily="2" charset="0"/>
               </a:rPr>
-              <a:t>ING</a:t>
+              <a:t>INGLIANG </a:t>
+            </a:r>
+            <a:r>
+              <a:rPr lang="en-US" altLang="ko-KR" sz="2400" b="1" dirty="0" smtClean="0">
+                <a:latin typeface="Ebrima" panose="02000000000000000000" pitchFamily="2" charset="0"/>
+                <a:ea typeface="Ebrima" panose="02000000000000000000" pitchFamily="2" charset="0"/>
+                <a:cs typeface="Ebrima" panose="02000000000000000000" pitchFamily="2" charset="0"/>
+              </a:rPr>
+              <a:t>F</a:t>
             </a:r>
             <a:r>
               <a:rPr lang="en-US" altLang="ko-KR" sz="2000" b="1" dirty="0" smtClean="0">
@@ -3759,37 +3765,8 @@
                 <a:ea typeface="Ebrima" panose="02000000000000000000" pitchFamily="2" charset="0"/>
                 <a:cs typeface="Ebrima" panose="02000000000000000000" pitchFamily="2" charset="0"/>
               </a:rPr>
-              <a:t>LIANG</a:t>
-            </a:r>
-            <a:r>
-              <a:rPr lang="en-US" altLang="ko-KR" sz="2000" b="1" dirty="0" smtClean="0">
-                <a:latin typeface="Ebrima" panose="02000000000000000000" pitchFamily="2" charset="0"/>
-                <a:ea typeface="Ebrima" panose="02000000000000000000" pitchFamily="2" charset="0"/>
-                <a:cs typeface="Ebrima" panose="02000000000000000000" pitchFamily="2" charset="0"/>
-              </a:rPr>
-              <a:t> </a:t>
-            </a:r>
-            <a:r>
-              <a:rPr lang="en-US" altLang="ko-KR" sz="2400" b="1" dirty="0" smtClean="0">
-                <a:latin typeface="Ebrima" panose="02000000000000000000" pitchFamily="2" charset="0"/>
-                <a:ea typeface="Ebrima" panose="02000000000000000000" pitchFamily="2" charset="0"/>
-                <a:cs typeface="Ebrima" panose="02000000000000000000" pitchFamily="2" charset="0"/>
-              </a:rPr>
-              <a:t>F</a:t>
-            </a:r>
-            <a:r>
-              <a:rPr lang="en-US" altLang="ko-KR" sz="2000" b="1" dirty="0" smtClean="0">
-                <a:latin typeface="Ebrima" panose="02000000000000000000" pitchFamily="2" charset="0"/>
-                <a:ea typeface="Ebrima" panose="02000000000000000000" pitchFamily="2" charset="0"/>
-                <a:cs typeface="Ebrima" panose="02000000000000000000" pitchFamily="2" charset="0"/>
-              </a:rPr>
               <a:t>ANG</a:t>
             </a:r>
-            <a:endParaRPr lang="en-US" altLang="ko-KR" sz="2000" b="1" dirty="0" smtClean="0">
-              <a:latin typeface="Ebrima" panose="02000000000000000000" pitchFamily="2" charset="0"/>
-              <a:ea typeface="Ebrima" panose="02000000000000000000" pitchFamily="2" charset="0"/>
-              <a:cs typeface="Ebrima" panose="02000000000000000000" pitchFamily="2" charset="0"/>
-            </a:endParaRPr>
           </a:p>
           <a:p>
             <a:r>
@@ -6323,7 +6300,7 @@
                         </a:spcAft>
                       </a:pPr>
                       <a:r>
-                        <a:rPr lang="en-GB" sz="1800">
+                        <a:rPr lang="en-GB" sz="1800" dirty="0">
                           <a:effectLst/>
                           <a:latin typeface="Ebrima" panose="02000000000000000000" pitchFamily="2" charset="0"/>
                           <a:ea typeface="Ebrima" panose="02000000000000000000" pitchFamily="2" charset="0"/>
@@ -6331,7 +6308,7 @@
                         </a:rPr>
                         <a:t>Number of Steps</a:t>
                       </a:r>
-                      <a:endParaRPr lang="ko-KR" sz="1800">
+                      <a:endParaRPr lang="ko-KR" sz="1800" dirty="0">
                         <a:effectLst/>
                         <a:latin typeface="Ebrima" panose="02000000000000000000" pitchFamily="2" charset="0"/>
                         <a:ea typeface="바탕"/>
@@ -6919,6 +6896,359 @@
       </p:grpSpPr>
       <p:sp>
         <p:nvSpPr>
+          <p:cNvPr id="19" name="TextBox 14"/>
+          <p:cNvSpPr txBox="1"/>
+          <p:nvPr/>
+        </p:nvSpPr>
+        <p:spPr>
+          <a:xfrm>
+            <a:off x="107504" y="1925402"/>
+            <a:ext cx="4329608" cy="4708981"/>
+          </a:xfrm>
+          <a:prstGeom prst="rect">
+            <a:avLst/>
+          </a:prstGeom>
+          <a:noFill/>
+        </p:spPr>
+        <p:txBody>
+          <a:bodyPr wrap="square" rtlCol="0">
+            <a:spAutoFit/>
+          </a:bodyPr>
+          <a:lstStyle/>
+          <a:p>
+            <a:pPr marL="342900" indent="-342900">
+              <a:lnSpc>
+                <a:spcPct val="150000"/>
+              </a:lnSpc>
+              <a:buFont typeface="Arial" panose="020B0604020202020204" pitchFamily="34" charset="0"/>
+              <a:buChar char="•"/>
+            </a:pPr>
+            <a:r>
+              <a:rPr lang="en-US" altLang="ko-KR" sz="2000" b="1" dirty="0" smtClean="0">
+                <a:solidFill>
+                  <a:schemeClr val="accent6"/>
+                </a:solidFill>
+                <a:latin typeface="Ebrima" panose="02000000000000000000" pitchFamily="2" charset="0"/>
+                <a:cs typeface="Ebrima" panose="02000000000000000000" pitchFamily="2" charset="0"/>
+              </a:rPr>
+              <a:t>Peak</a:t>
+            </a:r>
+            <a:r>
+              <a:rPr lang="en-US" altLang="ko-KR" sz="2000" b="1" dirty="0" smtClean="0">
+                <a:latin typeface="Ebrima" panose="02000000000000000000" pitchFamily="2" charset="0"/>
+                <a:cs typeface="Ebrima" panose="02000000000000000000" pitchFamily="2" charset="0"/>
+              </a:rPr>
+              <a:t> - </a:t>
+            </a:r>
+            <a:r>
+              <a:rPr lang="en-US" altLang="ko-KR" sz="2000" b="1" dirty="0" smtClean="0">
+                <a:solidFill>
+                  <a:srgbClr val="00B050"/>
+                </a:solidFill>
+                <a:latin typeface="Ebrima" panose="02000000000000000000" pitchFamily="2" charset="0"/>
+                <a:cs typeface="Ebrima" panose="02000000000000000000" pitchFamily="2" charset="0"/>
+              </a:rPr>
+              <a:t>Valley</a:t>
+            </a:r>
+            <a:endParaRPr lang="en-US" altLang="ko-KR" sz="2000" b="1" dirty="0" smtClean="0">
+              <a:solidFill>
+                <a:srgbClr val="00B050"/>
+              </a:solidFill>
+              <a:latin typeface="Ebrima" panose="02000000000000000000" pitchFamily="2" charset="0"/>
+              <a:cs typeface="Ebrima" panose="02000000000000000000" pitchFamily="2" charset="0"/>
+            </a:endParaRPr>
+          </a:p>
+          <a:p>
+            <a:pPr>
+              <a:lnSpc>
+                <a:spcPct val="150000"/>
+              </a:lnSpc>
+            </a:pPr>
+            <a:r>
+              <a:rPr lang="en-US" altLang="ko-KR" sz="2000" dirty="0" smtClean="0">
+                <a:latin typeface="Ebrima" panose="02000000000000000000" pitchFamily="2" charset="0"/>
+                <a:cs typeface="Ebrima" panose="02000000000000000000" pitchFamily="2" charset="0"/>
+              </a:rPr>
+              <a:t>-&gt; </a:t>
+            </a:r>
+            <a:r>
+              <a:rPr lang="en-US" altLang="ko-KR" sz="2000" dirty="0">
+                <a:latin typeface="Ebrima" panose="02000000000000000000" pitchFamily="2" charset="0"/>
+                <a:cs typeface="Ebrima" panose="02000000000000000000" pitchFamily="2" charset="0"/>
+              </a:rPr>
+              <a:t>Robustness of the </a:t>
+            </a:r>
+            <a:r>
+              <a:rPr lang="en-US" altLang="ko-KR" sz="2000" dirty="0" smtClean="0">
+                <a:latin typeface="Ebrima" panose="02000000000000000000" pitchFamily="2" charset="0"/>
+                <a:cs typeface="Ebrima" panose="02000000000000000000" pitchFamily="2" charset="0"/>
+              </a:rPr>
+              <a:t>grid</a:t>
+            </a:r>
+          </a:p>
+          <a:p>
+            <a:pPr marL="342900" indent="-342900">
+              <a:lnSpc>
+                <a:spcPct val="150000"/>
+              </a:lnSpc>
+              <a:buFont typeface="Arial" panose="020B0604020202020204" pitchFamily="34" charset="0"/>
+              <a:buChar char="•"/>
+            </a:pPr>
+            <a:r>
+              <a:rPr lang="en-US" altLang="ko-KR" sz="2000" b="1" dirty="0" smtClean="0">
+                <a:latin typeface="Ebrima" panose="02000000000000000000" pitchFamily="2" charset="0"/>
+                <a:cs typeface="Ebrima" panose="02000000000000000000" pitchFamily="2" charset="0"/>
+              </a:rPr>
+              <a:t>Off/ </a:t>
+            </a:r>
+            <a:r>
+              <a:rPr lang="en-US" altLang="ko-KR" sz="2000" b="1" dirty="0" smtClean="0">
+                <a:solidFill>
+                  <a:srgbClr val="FFC000"/>
+                </a:solidFill>
+                <a:latin typeface="Ebrima" panose="02000000000000000000" pitchFamily="2" charset="0"/>
+                <a:cs typeface="Ebrima" panose="02000000000000000000" pitchFamily="2" charset="0"/>
+              </a:rPr>
+              <a:t>Peak Pricing</a:t>
+            </a:r>
+            <a:endParaRPr lang="en-US" altLang="ko-KR" sz="2000" b="1" dirty="0">
+              <a:solidFill>
+                <a:srgbClr val="FFC000"/>
+              </a:solidFill>
+              <a:latin typeface="Ebrima" panose="02000000000000000000" pitchFamily="2" charset="0"/>
+              <a:cs typeface="Ebrima" panose="02000000000000000000" pitchFamily="2" charset="0"/>
+            </a:endParaRPr>
+          </a:p>
+          <a:p>
+            <a:pPr>
+              <a:lnSpc>
+                <a:spcPct val="150000"/>
+              </a:lnSpc>
+            </a:pPr>
+            <a:r>
+              <a:rPr lang="en-US" altLang="ko-KR" sz="2000" dirty="0">
+                <a:latin typeface="Ebrima" panose="02000000000000000000" pitchFamily="2" charset="0"/>
+                <a:cs typeface="Ebrima" panose="02000000000000000000" pitchFamily="2" charset="0"/>
+              </a:rPr>
+              <a:t>-&gt; </a:t>
+            </a:r>
+            <a:r>
+              <a:rPr lang="en-US" altLang="ko-KR" sz="2000" dirty="0" smtClean="0">
+                <a:latin typeface="Ebrima" panose="02000000000000000000" pitchFamily="2" charset="0"/>
+                <a:cs typeface="Ebrima" panose="02000000000000000000" pitchFamily="2" charset="0"/>
+              </a:rPr>
+              <a:t>Cost for the customers</a:t>
+            </a:r>
+          </a:p>
+          <a:p>
+            <a:pPr marL="342900" indent="-342900">
+              <a:lnSpc>
+                <a:spcPct val="150000"/>
+              </a:lnSpc>
+              <a:buFont typeface="Arial" panose="020B0604020202020204" pitchFamily="34" charset="0"/>
+              <a:buChar char="•"/>
+            </a:pPr>
+            <a:r>
+              <a:rPr lang="en-US" altLang="ko-KR" sz="2000" b="1" dirty="0">
+                <a:latin typeface="Ebrima" panose="02000000000000000000" pitchFamily="2" charset="0"/>
+                <a:cs typeface="Ebrima" panose="02000000000000000000" pitchFamily="2" charset="0"/>
+              </a:rPr>
+              <a:t>Diurnal Driving</a:t>
+            </a:r>
+          </a:p>
+          <a:p>
+            <a:pPr>
+              <a:lnSpc>
+                <a:spcPct val="150000"/>
+              </a:lnSpc>
+            </a:pPr>
+            <a:endParaRPr lang="en-US" altLang="ko-KR" sz="2000" dirty="0">
+              <a:latin typeface="Ebrima" panose="02000000000000000000" pitchFamily="2" charset="0"/>
+              <a:cs typeface="Ebrima" panose="02000000000000000000" pitchFamily="2" charset="0"/>
+            </a:endParaRPr>
+          </a:p>
+          <a:p>
+            <a:pPr>
+              <a:lnSpc>
+                <a:spcPct val="150000"/>
+              </a:lnSpc>
+            </a:pPr>
+            <a:endParaRPr lang="en-US" altLang="ko-KR" sz="2000" dirty="0" smtClean="0">
+              <a:latin typeface="Ebrima" panose="02000000000000000000" pitchFamily="2" charset="0"/>
+              <a:cs typeface="Ebrima" panose="02000000000000000000" pitchFamily="2" charset="0"/>
+            </a:endParaRPr>
+          </a:p>
+          <a:p>
+            <a:pPr>
+              <a:lnSpc>
+                <a:spcPct val="150000"/>
+              </a:lnSpc>
+            </a:pPr>
+            <a:endParaRPr lang="en-US" altLang="ko-KR" sz="2000" dirty="0">
+              <a:latin typeface="Ebrima" panose="02000000000000000000" pitchFamily="2" charset="0"/>
+              <a:cs typeface="Ebrima" panose="02000000000000000000" pitchFamily="2" charset="0"/>
+            </a:endParaRPr>
+          </a:p>
+          <a:p>
+            <a:pPr>
+              <a:lnSpc>
+                <a:spcPct val="150000"/>
+              </a:lnSpc>
+            </a:pPr>
+            <a:endParaRPr lang="en-US" altLang="ko-KR" sz="2000" dirty="0" smtClean="0">
+              <a:latin typeface="Ebrima" panose="02000000000000000000" pitchFamily="2" charset="0"/>
+              <a:cs typeface="Ebrima" panose="02000000000000000000" pitchFamily="2" charset="0"/>
+            </a:endParaRPr>
+          </a:p>
+          <a:p>
+            <a:pPr>
+              <a:lnSpc>
+                <a:spcPct val="150000"/>
+              </a:lnSpc>
+            </a:pPr>
+            <a:endParaRPr lang="en-US" altLang="ko-KR" sz="2000" dirty="0" smtClean="0">
+              <a:latin typeface="Ebrima" panose="02000000000000000000" pitchFamily="2" charset="0"/>
+              <a:cs typeface="Ebrima" panose="02000000000000000000" pitchFamily="2" charset="0"/>
+            </a:endParaRPr>
+          </a:p>
+        </p:txBody>
+      </p:sp>
+      <p:pic>
+        <p:nvPicPr>
+          <p:cNvPr id="3" name="图片 2"/>
+          <p:cNvPicPr>
+            <a:picLocks noChangeAspect="1"/>
+          </p:cNvPicPr>
+          <p:nvPr/>
+        </p:nvPicPr>
+        <p:blipFill>
+          <a:blip r:embed="rId2"/>
+          <a:stretch>
+            <a:fillRect/>
+          </a:stretch>
+        </p:blipFill>
+        <p:spPr>
+          <a:xfrm>
+            <a:off x="3059832" y="908721"/>
+            <a:ext cx="6120000" cy="4602585"/>
+          </a:xfrm>
+          <a:prstGeom prst="rect">
+            <a:avLst/>
+          </a:prstGeom>
+        </p:spPr>
+      </p:pic>
+      <p:cxnSp>
+        <p:nvCxnSpPr>
+          <p:cNvPr id="8" name="直线连接符 7"/>
+          <p:cNvCxnSpPr/>
+          <p:nvPr/>
+        </p:nvCxnSpPr>
+        <p:spPr>
+          <a:xfrm>
+            <a:off x="3635216" y="4725144"/>
+            <a:ext cx="5400600" cy="0"/>
+          </a:xfrm>
+          <a:prstGeom prst="line">
+            <a:avLst/>
+          </a:prstGeom>
+          <a:ln w="28575"/>
+        </p:spPr>
+        <p:style>
+          <a:lnRef idx="1">
+            <a:schemeClr val="accent3"/>
+          </a:lnRef>
+          <a:fillRef idx="0">
+            <a:schemeClr val="accent3"/>
+          </a:fillRef>
+          <a:effectRef idx="0">
+            <a:schemeClr val="accent3"/>
+          </a:effectRef>
+          <a:fontRef idx="minor">
+            <a:schemeClr val="tx1"/>
+          </a:fontRef>
+        </p:style>
+      </p:cxnSp>
+      <p:cxnSp>
+        <p:nvCxnSpPr>
+          <p:cNvPr id="9" name="直线连接符 8"/>
+          <p:cNvCxnSpPr/>
+          <p:nvPr/>
+        </p:nvCxnSpPr>
+        <p:spPr>
+          <a:xfrm>
+            <a:off x="3635216" y="3356992"/>
+            <a:ext cx="5400600" cy="0"/>
+          </a:xfrm>
+          <a:prstGeom prst="line">
+            <a:avLst/>
+          </a:prstGeom>
+          <a:ln w="28575"/>
+        </p:spPr>
+        <p:style>
+          <a:lnRef idx="1">
+            <a:schemeClr val="accent6"/>
+          </a:lnRef>
+          <a:fillRef idx="0">
+            <a:schemeClr val="accent6"/>
+          </a:fillRef>
+          <a:effectRef idx="0">
+            <a:schemeClr val="accent6"/>
+          </a:effectRef>
+          <a:fontRef idx="minor">
+            <a:schemeClr val="tx1"/>
+          </a:fontRef>
+        </p:style>
+      </p:cxnSp>
+      <p:sp>
+        <p:nvSpPr>
+          <p:cNvPr id="10" name="矩形 9"/>
+          <p:cNvSpPr/>
+          <p:nvPr/>
+        </p:nvSpPr>
+        <p:spPr>
+          <a:xfrm>
+            <a:off x="6299512" y="1268760"/>
+            <a:ext cx="1800200" cy="3744416"/>
+          </a:xfrm>
+          <a:prstGeom prst="rect">
+            <a:avLst/>
+          </a:prstGeom>
+          <a:solidFill>
+            <a:srgbClr val="FFC000">
+              <a:alpha val="30000"/>
+            </a:srgbClr>
+          </a:solidFill>
+          <a:ln>
+            <a:noFill/>
+          </a:ln>
+        </p:spPr>
+        <p:style>
+          <a:lnRef idx="2">
+            <a:schemeClr val="accent1">
+              <a:shade val="50000"/>
+            </a:schemeClr>
+          </a:lnRef>
+          <a:fillRef idx="1">
+            <a:schemeClr val="accent1"/>
+          </a:fillRef>
+          <a:effectRef idx="0">
+            <a:schemeClr val="accent1"/>
+          </a:effectRef>
+          <a:fontRef idx="minor">
+            <a:schemeClr val="lt1"/>
+          </a:fontRef>
+        </p:style>
+        <p:txBody>
+          <a:bodyPr rtlCol="0" anchor="ctr"/>
+          <a:lstStyle/>
+          <a:p>
+            <a:pPr algn="ctr"/>
+            <a:endParaRPr kumimoji="1" lang="zh-CN" altLang="en-US"/>
+          </a:p>
+        </p:txBody>
+      </p:sp>
+      <p:sp>
+        <p:nvSpPr>
           <p:cNvPr id="4" name="직사각형 3"/>
           <p:cNvSpPr/>
           <p:nvPr/>
@@ -6972,7 +7302,7 @@
         <p:spPr>
           <a:xfrm>
             <a:off x="107504" y="44624"/>
-            <a:ext cx="6300192" cy="646331"/>
+            <a:ext cx="8784976" cy="646331"/>
           </a:xfrm>
           <a:prstGeom prst="rect">
             <a:avLst/>
@@ -6991,7 +7321,7 @@
                 <a:ea typeface="Ebrima" panose="02000000000000000000" pitchFamily="2" charset="0"/>
                 <a:cs typeface="Ebrima" panose="02000000000000000000" pitchFamily="2" charset="0"/>
               </a:rPr>
-              <a:t>A</a:t>
+              <a:t>R</a:t>
             </a:r>
             <a:r>
               <a:rPr lang="en-US" altLang="ko-KR" sz="2800" b="1" dirty="0" smtClean="0">
@@ -6999,7 +7329,7 @@
                 <a:ea typeface="Ebrima" panose="02000000000000000000" pitchFamily="2" charset="0"/>
                 <a:cs typeface="Ebrima" panose="02000000000000000000" pitchFamily="2" charset="0"/>
               </a:rPr>
-              <a:t>LTERNATIVE </a:t>
+              <a:t>ESULTS AND </a:t>
             </a:r>
             <a:r>
               <a:rPr lang="en-US" altLang="ko-KR" sz="3600" b="1" dirty="0" smtClean="0">
@@ -7007,7 +7337,7 @@
                 <a:ea typeface="Ebrima" panose="02000000000000000000" pitchFamily="2" charset="0"/>
                 <a:cs typeface="Ebrima" panose="02000000000000000000" pitchFamily="2" charset="0"/>
               </a:rPr>
-              <a:t>P</a:t>
+              <a:t>D</a:t>
             </a:r>
             <a:r>
               <a:rPr lang="en-US" altLang="ko-KR" sz="2800" b="1" dirty="0" smtClean="0">
@@ -7015,750 +7345,75 @@
                 <a:ea typeface="Ebrima" panose="02000000000000000000" pitchFamily="2" charset="0"/>
                 <a:cs typeface="Ebrima" panose="02000000000000000000" pitchFamily="2" charset="0"/>
               </a:rPr>
-              <a:t>LANS</a:t>
-            </a:r>
-            <a:endParaRPr lang="ko-KR" altLang="en-US" sz="2800" b="1" dirty="0">
+              <a:t>ISCUSSION- </a:t>
+            </a:r>
+            <a:r>
+              <a:rPr lang="en-US" altLang="ko-KR" sz="2400" b="1" dirty="0" smtClean="0">
+                <a:latin typeface="Ebrima" panose="02000000000000000000" pitchFamily="2" charset="0"/>
+                <a:ea typeface="Ebrima" panose="02000000000000000000" pitchFamily="2" charset="0"/>
+                <a:cs typeface="Ebrima" panose="02000000000000000000" pitchFamily="2" charset="0"/>
+              </a:rPr>
+              <a:t>Preliminary </a:t>
+            </a:r>
+            <a:r>
+              <a:rPr lang="en-US" altLang="ko-KR" sz="2400" b="1" dirty="0">
+                <a:latin typeface="Ebrima" panose="02000000000000000000" pitchFamily="2" charset="0"/>
+                <a:ea typeface="Ebrima" panose="02000000000000000000" pitchFamily="2" charset="0"/>
+                <a:cs typeface="Ebrima" panose="02000000000000000000" pitchFamily="2" charset="0"/>
+              </a:rPr>
+              <a:t>Experiment</a:t>
+            </a:r>
+            <a:endParaRPr lang="ko-KR" altLang="en-US" sz="2400" b="1" dirty="0">
               <a:latin typeface="Ebrima" panose="02000000000000000000" pitchFamily="2" charset="0"/>
               <a:cs typeface="Ebrima" panose="02000000000000000000" pitchFamily="2" charset="0"/>
             </a:endParaRPr>
           </a:p>
         </p:txBody>
       </p:sp>
-      <p:grpSp>
-        <p:nvGrpSpPr>
-          <p:cNvPr id="8" name="그룹 7"/>
-          <p:cNvGrpSpPr/>
+      <p:sp>
+        <p:nvSpPr>
+          <p:cNvPr id="11" name="TextBox 20"/>
+          <p:cNvSpPr txBox="1"/>
           <p:nvPr/>
-        </p:nvGrpSpPr>
-        <p:grpSpPr>
-          <a:xfrm>
-            <a:off x="252000" y="764696"/>
-            <a:ext cx="8640000" cy="3240000"/>
-            <a:chOff x="504000" y="764696"/>
-            <a:chExt cx="8640000" cy="3240000"/>
-          </a:xfrm>
-        </p:grpSpPr>
-        <p:pic>
-          <p:nvPicPr>
-            <p:cNvPr id="3" name="그림 2"/>
-            <p:cNvPicPr>
-              <a:picLocks noChangeAspect="1"/>
-            </p:cNvPicPr>
-            <p:nvPr/>
-          </p:nvPicPr>
-          <p:blipFill>
-            <a:blip r:embed="rId2">
-              <a:extLst>
-                <a:ext uri="{28A0092B-C50C-407E-A947-70E740481C1C}">
-                  <a14:useLocalDpi xmlns:a14="http://schemas.microsoft.com/office/drawing/2010/main" val="0"/>
-                </a:ext>
-              </a:extLst>
-            </a:blip>
-            <a:stretch>
-              <a:fillRect/>
-            </a:stretch>
-          </p:blipFill>
-          <p:spPr>
-            <a:xfrm>
-              <a:off x="504000" y="764696"/>
-              <a:ext cx="4320000" cy="3240000"/>
-            </a:xfrm>
-            <a:prstGeom prst="rect">
-              <a:avLst/>
-            </a:prstGeom>
-          </p:spPr>
-        </p:pic>
-        <p:pic>
-          <p:nvPicPr>
-            <p:cNvPr id="6" name="그림 5"/>
-            <p:cNvPicPr>
-              <a:picLocks noChangeAspect="1"/>
-            </p:cNvPicPr>
-            <p:nvPr/>
-          </p:nvPicPr>
-          <p:blipFill>
-            <a:blip r:embed="rId3">
-              <a:extLst>
-                <a:ext uri="{28A0092B-C50C-407E-A947-70E740481C1C}">
-                  <a14:useLocalDpi xmlns:a14="http://schemas.microsoft.com/office/drawing/2010/main" val="0"/>
-                </a:ext>
-              </a:extLst>
-            </a:blip>
-            <a:stretch>
-              <a:fillRect/>
-            </a:stretch>
-          </p:blipFill>
-          <p:spPr>
-            <a:xfrm>
-              <a:off x="4824000" y="764696"/>
-              <a:ext cx="4320000" cy="3240000"/>
-            </a:xfrm>
-            <a:prstGeom prst="rect">
-              <a:avLst/>
-            </a:prstGeom>
-          </p:spPr>
-        </p:pic>
-      </p:grpSp>
-      <p:graphicFrame>
-        <p:nvGraphicFramePr>
-          <p:cNvPr id="10" name="표 9"/>
-          <p:cNvGraphicFramePr>
-            <a:graphicFrameLocks noGrp="1"/>
-          </p:cNvGraphicFramePr>
-          <p:nvPr>
-            <p:extLst>
-              <p:ext uri="{D42A27DB-BD31-4B8C-83A1-F6EECF244321}">
-                <p14:modId xmlns:p14="http://schemas.microsoft.com/office/powerpoint/2010/main" val="1701499915"/>
-              </p:ext>
-            </p:extLst>
-          </p:nvPr>
-        </p:nvGraphicFramePr>
-        <p:xfrm>
-          <a:off x="1524000" y="4149080"/>
-          <a:ext cx="6096000" cy="2595512"/>
-        </p:xfrm>
-        <a:graphic>
-          <a:graphicData uri="http://schemas.openxmlformats.org/drawingml/2006/table">
-            <a:tbl>
-              <a:tblPr firstRow="1" bandRow="1">
-                <a:tableStyleId>{5C22544A-7EE6-4342-B048-85BDC9FD1C3A}</a:tableStyleId>
-              </a:tblPr>
-              <a:tblGrid>
-                <a:gridCol w="2032000"/>
-                <a:gridCol w="2032000"/>
-                <a:gridCol w="2032000"/>
-              </a:tblGrid>
-              <a:tr h="370472">
-                <a:tc>
-                  <a:txBody>
-                    <a:bodyPr/>
-                    <a:lstStyle/>
-                    <a:p>
-                      <a:pPr algn="ctr">
-                        <a:spcAft>
-                          <a:spcPts val="0"/>
-                        </a:spcAft>
-                      </a:pPr>
-                      <a:r>
-                        <a:rPr lang="en-GB" sz="1800" dirty="0">
-                          <a:effectLst/>
-                          <a:latin typeface="Ebrima" panose="02000000000000000000" pitchFamily="2" charset="0"/>
-                          <a:ea typeface="Ebrima" panose="02000000000000000000" pitchFamily="2" charset="0"/>
-                          <a:cs typeface="Ebrima" panose="02000000000000000000" pitchFamily="2" charset="0"/>
-                        </a:rPr>
-                        <a:t> </a:t>
-                      </a:r>
-                      <a:endParaRPr lang="ko-KR" sz="1800" dirty="0">
-                        <a:effectLst/>
-                        <a:latin typeface="Ebrima" panose="02000000000000000000" pitchFamily="2" charset="0"/>
-                        <a:ea typeface="바탕"/>
-                        <a:cs typeface="Ebrima" panose="02000000000000000000" pitchFamily="2" charset="0"/>
-                      </a:endParaRPr>
-                    </a:p>
-                  </a:txBody>
-                  <a:tcPr marL="68580" marR="68580" marT="0" marB="0" anchor="ctr"/>
-                </a:tc>
-                <a:tc>
-                  <a:txBody>
-                    <a:bodyPr/>
-                    <a:lstStyle/>
-                    <a:p>
-                      <a:pPr algn="ctr">
-                        <a:spcAft>
-                          <a:spcPts val="0"/>
-                        </a:spcAft>
-                      </a:pPr>
-                      <a:r>
-                        <a:rPr lang="en-GB" sz="1800" dirty="0">
-                          <a:effectLst/>
-                          <a:latin typeface="Ebrima" panose="02000000000000000000" pitchFamily="2" charset="0"/>
-                          <a:ea typeface="Ebrima" panose="02000000000000000000" pitchFamily="2" charset="0"/>
-                          <a:cs typeface="Ebrima" panose="02000000000000000000" pitchFamily="2" charset="0"/>
-                        </a:rPr>
-                        <a:t>Start</a:t>
-                      </a:r>
-                      <a:endParaRPr lang="ko-KR" sz="1800" dirty="0">
-                        <a:effectLst/>
-                        <a:latin typeface="Ebrima" panose="02000000000000000000" pitchFamily="2" charset="0"/>
-                        <a:ea typeface="바탕"/>
-                        <a:cs typeface="Ebrima" panose="02000000000000000000" pitchFamily="2" charset="0"/>
-                      </a:endParaRPr>
-                    </a:p>
-                  </a:txBody>
-                  <a:tcPr marL="68580" marR="68580" marT="0" marB="0" anchor="ctr"/>
-                </a:tc>
-                <a:tc>
-                  <a:txBody>
-                    <a:bodyPr/>
-                    <a:lstStyle/>
-                    <a:p>
-                      <a:pPr algn="ctr">
-                        <a:spcAft>
-                          <a:spcPts val="0"/>
-                        </a:spcAft>
-                      </a:pPr>
-                      <a:r>
-                        <a:rPr lang="en-GB" sz="1800">
-                          <a:effectLst/>
-                          <a:latin typeface="Ebrima" panose="02000000000000000000" pitchFamily="2" charset="0"/>
-                          <a:ea typeface="Ebrima" panose="02000000000000000000" pitchFamily="2" charset="0"/>
-                          <a:cs typeface="Ebrima" panose="02000000000000000000" pitchFamily="2" charset="0"/>
-                        </a:rPr>
-                        <a:t>Number of Steps</a:t>
-                      </a:r>
-                      <a:endParaRPr lang="ko-KR" sz="1800">
-                        <a:effectLst/>
-                        <a:latin typeface="Ebrima" panose="02000000000000000000" pitchFamily="2" charset="0"/>
-                        <a:ea typeface="바탕"/>
-                        <a:cs typeface="Ebrima" panose="02000000000000000000" pitchFamily="2" charset="0"/>
-                      </a:endParaRPr>
-                    </a:p>
-                  </a:txBody>
-                  <a:tcPr marL="68580" marR="68580" marT="0" marB="0" anchor="ctr"/>
-                </a:tc>
-              </a:tr>
-              <a:tr h="370840">
-                <a:tc>
-                  <a:txBody>
-                    <a:bodyPr/>
-                    <a:lstStyle/>
-                    <a:p>
-                      <a:pPr algn="ctr">
-                        <a:spcAft>
-                          <a:spcPts val="0"/>
-                        </a:spcAft>
-                      </a:pPr>
-                      <a:r>
-                        <a:rPr lang="en-GB" sz="1800" dirty="0">
-                          <a:effectLst/>
-                          <a:latin typeface="Ebrima" panose="02000000000000000000" pitchFamily="2" charset="0"/>
-                          <a:ea typeface="Ebrima" panose="02000000000000000000" pitchFamily="2" charset="0"/>
-                          <a:cs typeface="Ebrima" panose="02000000000000000000" pitchFamily="2" charset="0"/>
-                        </a:rPr>
-                        <a:t>Original Plan</a:t>
-                      </a:r>
-                      <a:endParaRPr lang="ko-KR" sz="1800" dirty="0">
-                        <a:effectLst/>
-                        <a:latin typeface="Ebrima" panose="02000000000000000000" pitchFamily="2" charset="0"/>
-                        <a:ea typeface="바탕"/>
-                        <a:cs typeface="Ebrima" panose="02000000000000000000" pitchFamily="2" charset="0"/>
-                      </a:endParaRPr>
-                    </a:p>
-                  </a:txBody>
-                  <a:tcPr marL="68580" marR="68580" marT="0" marB="0" anchor="ctr"/>
-                </a:tc>
-                <a:tc>
-                  <a:txBody>
-                    <a:bodyPr/>
-                    <a:lstStyle/>
-                    <a:p>
-                      <a:pPr algn="ctr">
-                        <a:spcAft>
-                          <a:spcPts val="0"/>
-                        </a:spcAft>
-                      </a:pPr>
-                      <a:r>
-                        <a:rPr lang="en-GB" sz="1800" dirty="0">
-                          <a:effectLst/>
-                          <a:latin typeface="Ebrima" panose="02000000000000000000" pitchFamily="2" charset="0"/>
-                          <a:ea typeface="Ebrima" panose="02000000000000000000" pitchFamily="2" charset="0"/>
-                          <a:cs typeface="Ebrima" panose="02000000000000000000" pitchFamily="2" charset="0"/>
-                        </a:rPr>
-                        <a:t>Immediate</a:t>
-                      </a:r>
-                      <a:endParaRPr lang="ko-KR" sz="1800" dirty="0">
-                        <a:effectLst/>
-                        <a:latin typeface="Ebrima" panose="02000000000000000000" pitchFamily="2" charset="0"/>
-                        <a:ea typeface="바탕"/>
-                        <a:cs typeface="Ebrima" panose="02000000000000000000" pitchFamily="2" charset="0"/>
-                      </a:endParaRPr>
-                    </a:p>
-                  </a:txBody>
-                  <a:tcPr marL="68580" marR="68580" marT="0" marB="0" anchor="ctr"/>
-                </a:tc>
-                <a:tc>
-                  <a:txBody>
-                    <a:bodyPr/>
-                    <a:lstStyle/>
-                    <a:p>
-                      <a:pPr algn="ctr">
-                        <a:spcAft>
-                          <a:spcPts val="0"/>
-                        </a:spcAft>
-                      </a:pPr>
-                      <a:r>
-                        <a:rPr lang="en-GB" sz="1800">
-                          <a:effectLst/>
-                          <a:latin typeface="Ebrima" panose="02000000000000000000" pitchFamily="2" charset="0"/>
-                          <a:ea typeface="Ebrima" panose="02000000000000000000" pitchFamily="2" charset="0"/>
-                          <a:cs typeface="Ebrima" panose="02000000000000000000" pitchFamily="2" charset="0"/>
-                        </a:rPr>
-                        <a:t>1</a:t>
-                      </a:r>
-                      <a:endParaRPr lang="ko-KR" sz="1800">
-                        <a:effectLst/>
-                        <a:latin typeface="Ebrima" panose="02000000000000000000" pitchFamily="2" charset="0"/>
-                        <a:ea typeface="바탕"/>
-                        <a:cs typeface="Ebrima" panose="02000000000000000000" pitchFamily="2" charset="0"/>
-                      </a:endParaRPr>
-                    </a:p>
-                  </a:txBody>
-                  <a:tcPr marL="68580" marR="68580" marT="0" marB="0" anchor="ctr"/>
-                </a:tc>
-              </a:tr>
-              <a:tr h="370840">
-                <a:tc>
-                  <a:txBody>
-                    <a:bodyPr/>
-                    <a:lstStyle/>
-                    <a:p>
-                      <a:pPr algn="ctr">
-                        <a:spcAft>
-                          <a:spcPts val="0"/>
-                        </a:spcAft>
-                      </a:pPr>
-                      <a:r>
-                        <a:rPr lang="en-GB" sz="1800">
-                          <a:effectLst/>
-                          <a:latin typeface="Ebrima" panose="02000000000000000000" pitchFamily="2" charset="0"/>
-                          <a:ea typeface="Ebrima" panose="02000000000000000000" pitchFamily="2" charset="0"/>
-                          <a:cs typeface="Ebrima" panose="02000000000000000000" pitchFamily="2" charset="0"/>
-                        </a:rPr>
-                        <a:t>Alternative Plan 1</a:t>
-                      </a:r>
-                      <a:endParaRPr lang="ko-KR" sz="1800">
-                        <a:effectLst/>
-                        <a:latin typeface="Ebrima" panose="02000000000000000000" pitchFamily="2" charset="0"/>
-                        <a:ea typeface="바탕"/>
-                        <a:cs typeface="Ebrima" panose="02000000000000000000" pitchFamily="2" charset="0"/>
-                      </a:endParaRPr>
-                    </a:p>
-                  </a:txBody>
-                  <a:tcPr marL="68580" marR="68580" marT="0" marB="0" anchor="ctr"/>
-                </a:tc>
-                <a:tc>
-                  <a:txBody>
-                    <a:bodyPr/>
-                    <a:lstStyle/>
-                    <a:p>
-                      <a:pPr algn="ctr">
-                        <a:spcAft>
-                          <a:spcPts val="0"/>
-                        </a:spcAft>
-                      </a:pPr>
-                      <a:r>
-                        <a:rPr lang="en-GB" sz="1800" dirty="0">
-                          <a:effectLst/>
-                          <a:latin typeface="Ebrima" panose="02000000000000000000" pitchFamily="2" charset="0"/>
-                          <a:ea typeface="Ebrima" panose="02000000000000000000" pitchFamily="2" charset="0"/>
-                          <a:cs typeface="Ebrima" panose="02000000000000000000" pitchFamily="2" charset="0"/>
-                        </a:rPr>
-                        <a:t>Random</a:t>
-                      </a:r>
-                      <a:endParaRPr lang="ko-KR" sz="1800" dirty="0">
-                        <a:effectLst/>
-                        <a:latin typeface="Ebrima" panose="02000000000000000000" pitchFamily="2" charset="0"/>
-                        <a:ea typeface="바탕"/>
-                        <a:cs typeface="Ebrima" panose="02000000000000000000" pitchFamily="2" charset="0"/>
-                      </a:endParaRPr>
-                    </a:p>
-                  </a:txBody>
-                  <a:tcPr marL="68580" marR="68580" marT="0" marB="0" anchor="ctr"/>
-                </a:tc>
-                <a:tc>
-                  <a:txBody>
-                    <a:bodyPr/>
-                    <a:lstStyle/>
-                    <a:p>
-                      <a:pPr algn="ctr">
-                        <a:spcAft>
-                          <a:spcPts val="0"/>
-                        </a:spcAft>
-                      </a:pPr>
-                      <a:r>
-                        <a:rPr lang="en-GB" sz="1800">
-                          <a:effectLst/>
-                          <a:latin typeface="Ebrima" panose="02000000000000000000" pitchFamily="2" charset="0"/>
-                          <a:ea typeface="Ebrima" panose="02000000000000000000" pitchFamily="2" charset="0"/>
-                          <a:cs typeface="Ebrima" panose="02000000000000000000" pitchFamily="2" charset="0"/>
-                        </a:rPr>
-                        <a:t>1</a:t>
-                      </a:r>
-                      <a:endParaRPr lang="ko-KR" sz="1800">
-                        <a:effectLst/>
-                        <a:latin typeface="Ebrima" panose="02000000000000000000" pitchFamily="2" charset="0"/>
-                        <a:ea typeface="바탕"/>
-                        <a:cs typeface="Ebrima" panose="02000000000000000000" pitchFamily="2" charset="0"/>
-                      </a:endParaRPr>
-                    </a:p>
-                  </a:txBody>
-                  <a:tcPr marL="68580" marR="68580" marT="0" marB="0" anchor="ctr"/>
-                </a:tc>
-              </a:tr>
-              <a:tr h="370840">
-                <a:tc>
-                  <a:txBody>
-                    <a:bodyPr/>
-                    <a:lstStyle/>
-                    <a:p>
-                      <a:pPr algn="ctr">
-                        <a:spcAft>
-                          <a:spcPts val="0"/>
-                        </a:spcAft>
-                      </a:pPr>
-                      <a:r>
-                        <a:rPr lang="en-GB" sz="1800">
-                          <a:effectLst/>
-                          <a:latin typeface="Ebrima" panose="02000000000000000000" pitchFamily="2" charset="0"/>
-                          <a:ea typeface="Ebrima" panose="02000000000000000000" pitchFamily="2" charset="0"/>
-                          <a:cs typeface="Ebrima" panose="02000000000000000000" pitchFamily="2" charset="0"/>
-                        </a:rPr>
-                        <a:t>Alternative Plan 2</a:t>
-                      </a:r>
-                      <a:endParaRPr lang="ko-KR" sz="1800">
-                        <a:effectLst/>
-                        <a:latin typeface="Ebrima" panose="02000000000000000000" pitchFamily="2" charset="0"/>
-                        <a:ea typeface="바탕"/>
-                        <a:cs typeface="Ebrima" panose="02000000000000000000" pitchFamily="2" charset="0"/>
-                      </a:endParaRPr>
-                    </a:p>
-                  </a:txBody>
-                  <a:tcPr marL="68580" marR="68580" marT="0" marB="0" anchor="ctr"/>
-                </a:tc>
-                <a:tc>
-                  <a:txBody>
-                    <a:bodyPr/>
-                    <a:lstStyle/>
-                    <a:p>
-                      <a:pPr algn="ctr">
-                        <a:spcAft>
-                          <a:spcPts val="0"/>
-                        </a:spcAft>
-                      </a:pPr>
-                      <a:r>
-                        <a:rPr lang="en-GB" sz="1800" dirty="0">
-                          <a:effectLst/>
-                          <a:latin typeface="Ebrima" panose="02000000000000000000" pitchFamily="2" charset="0"/>
-                          <a:ea typeface="Ebrima" panose="02000000000000000000" pitchFamily="2" charset="0"/>
-                          <a:cs typeface="Ebrima" panose="02000000000000000000" pitchFamily="2" charset="0"/>
-                        </a:rPr>
-                        <a:t>Immediate</a:t>
-                      </a:r>
-                      <a:endParaRPr lang="ko-KR" sz="1800" dirty="0">
-                        <a:effectLst/>
-                        <a:latin typeface="Ebrima" panose="02000000000000000000" pitchFamily="2" charset="0"/>
-                        <a:ea typeface="바탕"/>
-                        <a:cs typeface="Ebrima" panose="02000000000000000000" pitchFamily="2" charset="0"/>
-                      </a:endParaRPr>
-                    </a:p>
-                  </a:txBody>
-                  <a:tcPr marL="68580" marR="68580" marT="0" marB="0" anchor="ctr"/>
-                </a:tc>
-                <a:tc>
-                  <a:txBody>
-                    <a:bodyPr/>
-                    <a:lstStyle/>
-                    <a:p>
-                      <a:pPr algn="ctr">
-                        <a:spcAft>
-                          <a:spcPts val="0"/>
-                        </a:spcAft>
-                      </a:pPr>
-                      <a:r>
-                        <a:rPr lang="en-GB" sz="1800">
-                          <a:effectLst/>
-                          <a:latin typeface="Ebrima" panose="02000000000000000000" pitchFamily="2" charset="0"/>
-                          <a:ea typeface="Ebrima" panose="02000000000000000000" pitchFamily="2" charset="0"/>
-                          <a:cs typeface="Ebrima" panose="02000000000000000000" pitchFamily="2" charset="0"/>
-                        </a:rPr>
-                        <a:t>2</a:t>
-                      </a:r>
-                      <a:endParaRPr lang="ko-KR" sz="1800">
-                        <a:effectLst/>
-                        <a:latin typeface="Ebrima" panose="02000000000000000000" pitchFamily="2" charset="0"/>
-                        <a:ea typeface="바탕"/>
-                        <a:cs typeface="Ebrima" panose="02000000000000000000" pitchFamily="2" charset="0"/>
-                      </a:endParaRPr>
-                    </a:p>
-                  </a:txBody>
-                  <a:tcPr marL="68580" marR="68580" marT="0" marB="0" anchor="ctr"/>
-                </a:tc>
-              </a:tr>
-              <a:tr h="370840">
-                <a:tc>
-                  <a:txBody>
-                    <a:bodyPr/>
-                    <a:lstStyle/>
-                    <a:p>
-                      <a:pPr algn="ctr">
-                        <a:spcAft>
-                          <a:spcPts val="0"/>
-                        </a:spcAft>
-                      </a:pPr>
-                      <a:r>
-                        <a:rPr lang="en-GB" sz="1800">
-                          <a:effectLst/>
-                          <a:latin typeface="Ebrima" panose="02000000000000000000" pitchFamily="2" charset="0"/>
-                          <a:ea typeface="Ebrima" panose="02000000000000000000" pitchFamily="2" charset="0"/>
-                          <a:cs typeface="Ebrima" panose="02000000000000000000" pitchFamily="2" charset="0"/>
-                        </a:rPr>
-                        <a:t>Alternative Plan 3</a:t>
-                      </a:r>
-                      <a:endParaRPr lang="ko-KR" sz="1800">
-                        <a:effectLst/>
-                        <a:latin typeface="Ebrima" panose="02000000000000000000" pitchFamily="2" charset="0"/>
-                        <a:ea typeface="바탕"/>
-                        <a:cs typeface="Ebrima" panose="02000000000000000000" pitchFamily="2" charset="0"/>
-                      </a:endParaRPr>
-                    </a:p>
-                  </a:txBody>
-                  <a:tcPr marL="68580" marR="68580" marT="0" marB="0" anchor="ctr"/>
-                </a:tc>
-                <a:tc>
-                  <a:txBody>
-                    <a:bodyPr/>
-                    <a:lstStyle/>
-                    <a:p>
-                      <a:pPr algn="ctr">
-                        <a:spcAft>
-                          <a:spcPts val="0"/>
-                        </a:spcAft>
-                      </a:pPr>
-                      <a:r>
-                        <a:rPr lang="en-GB" sz="1800" dirty="0">
-                          <a:effectLst/>
-                          <a:latin typeface="Ebrima" panose="02000000000000000000" pitchFamily="2" charset="0"/>
-                          <a:ea typeface="Ebrima" panose="02000000000000000000" pitchFamily="2" charset="0"/>
-                          <a:cs typeface="Ebrima" panose="02000000000000000000" pitchFamily="2" charset="0"/>
-                        </a:rPr>
-                        <a:t>Random</a:t>
-                      </a:r>
-                      <a:endParaRPr lang="ko-KR" sz="1800" dirty="0">
-                        <a:effectLst/>
-                        <a:latin typeface="Ebrima" panose="02000000000000000000" pitchFamily="2" charset="0"/>
-                        <a:ea typeface="바탕"/>
-                        <a:cs typeface="Ebrima" panose="02000000000000000000" pitchFamily="2" charset="0"/>
-                      </a:endParaRPr>
-                    </a:p>
-                  </a:txBody>
-                  <a:tcPr marL="68580" marR="68580" marT="0" marB="0" anchor="ctr"/>
-                </a:tc>
-                <a:tc>
-                  <a:txBody>
-                    <a:bodyPr/>
-                    <a:lstStyle/>
-                    <a:p>
-                      <a:pPr algn="ctr">
-                        <a:spcAft>
-                          <a:spcPts val="0"/>
-                        </a:spcAft>
-                      </a:pPr>
-                      <a:r>
-                        <a:rPr lang="en-GB" sz="1800" dirty="0">
-                          <a:effectLst/>
-                          <a:latin typeface="Ebrima" panose="02000000000000000000" pitchFamily="2" charset="0"/>
-                          <a:ea typeface="Ebrima" panose="02000000000000000000" pitchFamily="2" charset="0"/>
-                          <a:cs typeface="Ebrima" panose="02000000000000000000" pitchFamily="2" charset="0"/>
-                        </a:rPr>
-                        <a:t>2</a:t>
-                      </a:r>
-                      <a:endParaRPr lang="ko-KR" sz="1800" dirty="0">
-                        <a:effectLst/>
-                        <a:latin typeface="Ebrima" panose="02000000000000000000" pitchFamily="2" charset="0"/>
-                        <a:ea typeface="바탕"/>
-                        <a:cs typeface="Ebrima" panose="02000000000000000000" pitchFamily="2" charset="0"/>
-                      </a:endParaRPr>
-                    </a:p>
-                  </a:txBody>
-                  <a:tcPr marL="68580" marR="68580" marT="0" marB="0" anchor="ctr"/>
-                </a:tc>
-              </a:tr>
-              <a:tr h="370840">
-                <a:tc>
-                  <a:txBody>
-                    <a:bodyPr/>
-                    <a:lstStyle/>
-                    <a:p>
-                      <a:pPr algn="ctr">
-                        <a:spcAft>
-                          <a:spcPts val="0"/>
-                        </a:spcAft>
-                      </a:pPr>
-                      <a:r>
-                        <a:rPr lang="en-GB" sz="1800">
-                          <a:effectLst/>
-                          <a:latin typeface="Ebrima" panose="02000000000000000000" pitchFamily="2" charset="0"/>
-                          <a:ea typeface="Ebrima" panose="02000000000000000000" pitchFamily="2" charset="0"/>
-                          <a:cs typeface="Ebrima" panose="02000000000000000000" pitchFamily="2" charset="0"/>
-                        </a:rPr>
-                        <a:t>Alternative Plan 4</a:t>
-                      </a:r>
-                      <a:endParaRPr lang="ko-KR" sz="1800">
-                        <a:effectLst/>
-                        <a:latin typeface="Ebrima" panose="02000000000000000000" pitchFamily="2" charset="0"/>
-                        <a:ea typeface="바탕"/>
-                        <a:cs typeface="Ebrima" panose="02000000000000000000" pitchFamily="2" charset="0"/>
-                      </a:endParaRPr>
-                    </a:p>
-                  </a:txBody>
-                  <a:tcPr marL="68580" marR="68580" marT="0" marB="0" anchor="ctr"/>
-                </a:tc>
-                <a:tc>
-                  <a:txBody>
-                    <a:bodyPr/>
-                    <a:lstStyle/>
-                    <a:p>
-                      <a:pPr algn="ctr">
-                        <a:spcAft>
-                          <a:spcPts val="0"/>
-                        </a:spcAft>
-                      </a:pPr>
-                      <a:r>
-                        <a:rPr lang="en-GB" sz="1800">
-                          <a:effectLst/>
-                          <a:latin typeface="Ebrima" panose="02000000000000000000" pitchFamily="2" charset="0"/>
-                          <a:ea typeface="Ebrima" panose="02000000000000000000" pitchFamily="2" charset="0"/>
-                          <a:cs typeface="Ebrima" panose="02000000000000000000" pitchFamily="2" charset="0"/>
-                        </a:rPr>
-                        <a:t>Immediate</a:t>
-                      </a:r>
-                      <a:endParaRPr lang="ko-KR" sz="1800">
-                        <a:effectLst/>
-                        <a:latin typeface="Ebrima" panose="02000000000000000000" pitchFamily="2" charset="0"/>
-                        <a:ea typeface="바탕"/>
-                        <a:cs typeface="Ebrima" panose="02000000000000000000" pitchFamily="2" charset="0"/>
-                      </a:endParaRPr>
-                    </a:p>
-                  </a:txBody>
-                  <a:tcPr marL="68580" marR="68580" marT="0" marB="0" anchor="ctr"/>
-                </a:tc>
-                <a:tc>
-                  <a:txBody>
-                    <a:bodyPr/>
-                    <a:lstStyle/>
-                    <a:p>
-                      <a:pPr algn="ctr">
-                        <a:spcAft>
-                          <a:spcPts val="0"/>
-                        </a:spcAft>
-                      </a:pPr>
-                      <a:r>
-                        <a:rPr lang="en-GB" sz="1800" dirty="0">
-                          <a:effectLst/>
-                          <a:latin typeface="Ebrima" panose="02000000000000000000" pitchFamily="2" charset="0"/>
-                          <a:ea typeface="Ebrima" panose="02000000000000000000" pitchFamily="2" charset="0"/>
-                          <a:cs typeface="Ebrima" panose="02000000000000000000" pitchFamily="2" charset="0"/>
-                        </a:rPr>
-                        <a:t>3</a:t>
-                      </a:r>
-                      <a:endParaRPr lang="ko-KR" sz="1800" dirty="0">
-                        <a:effectLst/>
-                        <a:latin typeface="Ebrima" panose="02000000000000000000" pitchFamily="2" charset="0"/>
-                        <a:ea typeface="바탕"/>
-                        <a:cs typeface="Ebrima" panose="02000000000000000000" pitchFamily="2" charset="0"/>
-                      </a:endParaRPr>
-                    </a:p>
-                  </a:txBody>
-                  <a:tcPr marL="68580" marR="68580" marT="0" marB="0" anchor="ctr"/>
-                </a:tc>
-              </a:tr>
-              <a:tr h="370840">
-                <a:tc>
-                  <a:txBody>
-                    <a:bodyPr/>
-                    <a:lstStyle/>
-                    <a:p>
-                      <a:pPr algn="ctr">
-                        <a:spcAft>
-                          <a:spcPts val="0"/>
-                        </a:spcAft>
-                      </a:pPr>
-                      <a:r>
-                        <a:rPr lang="en-GB" sz="1800">
-                          <a:effectLst/>
-                          <a:latin typeface="Ebrima" panose="02000000000000000000" pitchFamily="2" charset="0"/>
-                          <a:ea typeface="Ebrima" panose="02000000000000000000" pitchFamily="2" charset="0"/>
-                          <a:cs typeface="Ebrima" panose="02000000000000000000" pitchFamily="2" charset="0"/>
-                        </a:rPr>
-                        <a:t>Alternative Plan 5</a:t>
-                      </a:r>
-                      <a:endParaRPr lang="ko-KR" sz="1800">
-                        <a:effectLst/>
-                        <a:latin typeface="Ebrima" panose="02000000000000000000" pitchFamily="2" charset="0"/>
-                        <a:ea typeface="바탕"/>
-                        <a:cs typeface="Ebrima" panose="02000000000000000000" pitchFamily="2" charset="0"/>
-                      </a:endParaRPr>
-                    </a:p>
-                  </a:txBody>
-                  <a:tcPr marL="68580" marR="68580" marT="0" marB="0" anchor="ctr"/>
-                </a:tc>
-                <a:tc>
-                  <a:txBody>
-                    <a:bodyPr/>
-                    <a:lstStyle/>
-                    <a:p>
-                      <a:pPr algn="ctr">
-                        <a:spcAft>
-                          <a:spcPts val="0"/>
-                        </a:spcAft>
-                      </a:pPr>
-                      <a:r>
-                        <a:rPr lang="en-GB" sz="1800">
-                          <a:effectLst/>
-                          <a:latin typeface="Ebrima" panose="02000000000000000000" pitchFamily="2" charset="0"/>
-                          <a:ea typeface="Ebrima" panose="02000000000000000000" pitchFamily="2" charset="0"/>
-                          <a:cs typeface="Ebrima" panose="02000000000000000000" pitchFamily="2" charset="0"/>
-                        </a:rPr>
-                        <a:t>Random</a:t>
-                      </a:r>
-                      <a:endParaRPr lang="ko-KR" sz="1800">
-                        <a:effectLst/>
-                        <a:latin typeface="Ebrima" panose="02000000000000000000" pitchFamily="2" charset="0"/>
-                        <a:ea typeface="바탕"/>
-                        <a:cs typeface="Ebrima" panose="02000000000000000000" pitchFamily="2" charset="0"/>
-                      </a:endParaRPr>
-                    </a:p>
-                  </a:txBody>
-                  <a:tcPr marL="68580" marR="68580" marT="0" marB="0" anchor="ctr"/>
-                </a:tc>
-                <a:tc>
-                  <a:txBody>
-                    <a:bodyPr/>
-                    <a:lstStyle/>
-                    <a:p>
-                      <a:pPr algn="ctr">
-                        <a:spcAft>
-                          <a:spcPts val="0"/>
-                        </a:spcAft>
-                      </a:pPr>
-                      <a:r>
-                        <a:rPr lang="en-GB" sz="1800" dirty="0">
-                          <a:effectLst/>
-                          <a:latin typeface="Ebrima" panose="02000000000000000000" pitchFamily="2" charset="0"/>
-                          <a:ea typeface="Ebrima" panose="02000000000000000000" pitchFamily="2" charset="0"/>
-                          <a:cs typeface="Ebrima" panose="02000000000000000000" pitchFamily="2" charset="0"/>
-                        </a:rPr>
-                        <a:t>3</a:t>
-                      </a:r>
-                      <a:endParaRPr lang="ko-KR" sz="1800" dirty="0">
-                        <a:effectLst/>
-                        <a:latin typeface="Ebrima" panose="02000000000000000000" pitchFamily="2" charset="0"/>
-                        <a:ea typeface="바탕"/>
-                        <a:cs typeface="Ebrima" panose="02000000000000000000" pitchFamily="2" charset="0"/>
-                      </a:endParaRPr>
-                    </a:p>
-                  </a:txBody>
-                  <a:tcPr marL="68580" marR="68580" marT="0" marB="0" anchor="ctr"/>
-                </a:tc>
-              </a:tr>
-            </a:tbl>
-          </a:graphicData>
-        </a:graphic>
-      </p:graphicFrame>
+        </p:nvSpPr>
+        <p:spPr>
+          <a:xfrm>
+            <a:off x="251520" y="1364905"/>
+            <a:ext cx="2160000" cy="400110"/>
+          </a:xfrm>
+          <a:prstGeom prst="rect">
+            <a:avLst/>
+          </a:prstGeom>
+          <a:solidFill>
+            <a:srgbClr val="97E4FF"/>
+          </a:solidFill>
+        </p:spPr>
+        <p:txBody>
+          <a:bodyPr wrap="square" rtlCol="0">
+            <a:spAutoFit/>
+          </a:bodyPr>
+          <a:lstStyle/>
+          <a:p>
+            <a:pPr algn="ctr"/>
+            <a:r>
+              <a:rPr lang="en-US" altLang="ko-KR" sz="2000" b="1" dirty="0" smtClean="0">
+                <a:latin typeface="Ebrima" panose="02000000000000000000" pitchFamily="2" charset="0"/>
+                <a:ea typeface="Ebrima" panose="02000000000000000000" pitchFamily="2" charset="0"/>
+                <a:cs typeface="Ebrima" panose="02000000000000000000" pitchFamily="2" charset="0"/>
+              </a:rPr>
+              <a:t>Original</a:t>
+            </a:r>
+            <a:endParaRPr lang="ko-KR" altLang="en-US" sz="2000" b="1" dirty="0">
+              <a:latin typeface="Ebrima" panose="02000000000000000000" pitchFamily="2" charset="0"/>
+              <a:cs typeface="Ebrima" panose="02000000000000000000" pitchFamily="2" charset="0"/>
+            </a:endParaRPr>
+          </a:p>
+        </p:txBody>
+      </p:sp>
     </p:spTree>
     <p:extLst>
       <p:ext uri="{BB962C8B-B14F-4D97-AF65-F5344CB8AC3E}">
-        <p14:creationId xmlns:p14="http://schemas.microsoft.com/office/powerpoint/2010/main" val="1217893747"/>
+        <p14:creationId xmlns:p14="http://schemas.microsoft.com/office/powerpoint/2010/main" val="1882690702"/>
       </p:ext>
     </p:extLst>
   </p:cSld>
@@ -7792,6 +7447,274 @@
           <a:chExt cx="0" cy="0"/>
         </a:xfrm>
       </p:grpSpPr>
+      <p:pic>
+        <p:nvPicPr>
+          <p:cNvPr id="3" name="图片 2"/>
+          <p:cNvPicPr>
+            <a:picLocks noChangeAspect="1"/>
+          </p:cNvPicPr>
+          <p:nvPr/>
+        </p:nvPicPr>
+        <p:blipFill>
+          <a:blip r:embed="rId2"/>
+          <a:stretch>
+            <a:fillRect/>
+          </a:stretch>
+        </p:blipFill>
+        <p:spPr>
+          <a:xfrm>
+            <a:off x="3059832" y="908721"/>
+            <a:ext cx="6120000" cy="4602585"/>
+          </a:xfrm>
+          <a:prstGeom prst="rect">
+            <a:avLst/>
+          </a:prstGeom>
+        </p:spPr>
+      </p:pic>
+      <p:pic>
+        <p:nvPicPr>
+          <p:cNvPr id="17" name="图片 16"/>
+          <p:cNvPicPr>
+            <a:picLocks noChangeAspect="1"/>
+          </p:cNvPicPr>
+          <p:nvPr/>
+        </p:nvPicPr>
+        <p:blipFill>
+          <a:blip r:embed="rId3"/>
+          <a:stretch>
+            <a:fillRect/>
+          </a:stretch>
+        </p:blipFill>
+        <p:spPr>
+          <a:xfrm>
+            <a:off x="3059832" y="908720"/>
+            <a:ext cx="6120000" cy="4602586"/>
+          </a:xfrm>
+          <a:prstGeom prst="rect">
+            <a:avLst/>
+          </a:prstGeom>
+        </p:spPr>
+      </p:pic>
+      <p:cxnSp>
+        <p:nvCxnSpPr>
+          <p:cNvPr id="8" name="直线连接符 7"/>
+          <p:cNvCxnSpPr/>
+          <p:nvPr/>
+        </p:nvCxnSpPr>
+        <p:spPr>
+          <a:xfrm>
+            <a:off x="3635216" y="4725144"/>
+            <a:ext cx="5400600" cy="0"/>
+          </a:xfrm>
+          <a:prstGeom prst="line">
+            <a:avLst/>
+          </a:prstGeom>
+          <a:ln w="28575"/>
+        </p:spPr>
+        <p:style>
+          <a:lnRef idx="1">
+            <a:schemeClr val="accent3"/>
+          </a:lnRef>
+          <a:fillRef idx="0">
+            <a:schemeClr val="accent3"/>
+          </a:fillRef>
+          <a:effectRef idx="0">
+            <a:schemeClr val="accent3"/>
+          </a:effectRef>
+          <a:fontRef idx="minor">
+            <a:schemeClr val="tx1"/>
+          </a:fontRef>
+        </p:style>
+      </p:cxnSp>
+      <p:cxnSp>
+        <p:nvCxnSpPr>
+          <p:cNvPr id="9" name="直线连接符 8"/>
+          <p:cNvCxnSpPr/>
+          <p:nvPr/>
+        </p:nvCxnSpPr>
+        <p:spPr>
+          <a:xfrm>
+            <a:off x="3635216" y="3356992"/>
+            <a:ext cx="5400600" cy="0"/>
+          </a:xfrm>
+          <a:prstGeom prst="line">
+            <a:avLst/>
+          </a:prstGeom>
+          <a:ln w="28575"/>
+        </p:spPr>
+        <p:style>
+          <a:lnRef idx="1">
+            <a:schemeClr val="accent6"/>
+          </a:lnRef>
+          <a:fillRef idx="0">
+            <a:schemeClr val="accent6"/>
+          </a:fillRef>
+          <a:effectRef idx="0">
+            <a:schemeClr val="accent6"/>
+          </a:effectRef>
+          <a:fontRef idx="minor">
+            <a:schemeClr val="tx1"/>
+          </a:fontRef>
+        </p:style>
+      </p:cxnSp>
+      <p:sp>
+        <p:nvSpPr>
+          <p:cNvPr id="10" name="矩形 9"/>
+          <p:cNvSpPr/>
+          <p:nvPr/>
+        </p:nvSpPr>
+        <p:spPr>
+          <a:xfrm>
+            <a:off x="6299512" y="1268760"/>
+            <a:ext cx="1800200" cy="3744416"/>
+          </a:xfrm>
+          <a:prstGeom prst="rect">
+            <a:avLst/>
+          </a:prstGeom>
+          <a:solidFill>
+            <a:srgbClr val="FFC000">
+              <a:alpha val="30000"/>
+            </a:srgbClr>
+          </a:solidFill>
+          <a:ln>
+            <a:noFill/>
+          </a:ln>
+        </p:spPr>
+        <p:style>
+          <a:lnRef idx="2">
+            <a:schemeClr val="accent1">
+              <a:shade val="50000"/>
+            </a:schemeClr>
+          </a:lnRef>
+          <a:fillRef idx="1">
+            <a:schemeClr val="accent1"/>
+          </a:fillRef>
+          <a:effectRef idx="0">
+            <a:schemeClr val="accent1"/>
+          </a:effectRef>
+          <a:fontRef idx="minor">
+            <a:schemeClr val="lt1"/>
+          </a:fontRef>
+        </p:style>
+        <p:txBody>
+          <a:bodyPr rtlCol="0" anchor="ctr"/>
+          <a:lstStyle/>
+          <a:p>
+            <a:pPr algn="ctr"/>
+            <a:endParaRPr kumimoji="1" lang="zh-CN" altLang="en-US"/>
+          </a:p>
+        </p:txBody>
+      </p:sp>
+      <p:sp>
+        <p:nvSpPr>
+          <p:cNvPr id="16" name="TextBox 23"/>
+          <p:cNvSpPr txBox="1"/>
+          <p:nvPr/>
+        </p:nvSpPr>
+        <p:spPr>
+          <a:xfrm>
+            <a:off x="108003" y="1803588"/>
+            <a:ext cx="3095846" cy="3785652"/>
+          </a:xfrm>
+          <a:prstGeom prst="rect">
+            <a:avLst/>
+          </a:prstGeom>
+          <a:noFill/>
+        </p:spPr>
+        <p:txBody>
+          <a:bodyPr wrap="square" rtlCol="0">
+            <a:spAutoFit/>
+          </a:bodyPr>
+          <a:lstStyle/>
+          <a:p>
+            <a:pPr marL="342900" indent="-342900">
+              <a:lnSpc>
+                <a:spcPct val="120000"/>
+              </a:lnSpc>
+              <a:buFont typeface="Arial" panose="020B0604020202020204" pitchFamily="34" charset="0"/>
+              <a:buChar char="•"/>
+            </a:pPr>
+            <a:r>
+              <a:rPr lang="en-US" altLang="ko-KR" sz="2000" dirty="0" smtClean="0">
+                <a:latin typeface="Ebrima" panose="02000000000000000000" pitchFamily="2" charset="0"/>
+                <a:ea typeface="Ebrima" panose="02000000000000000000" pitchFamily="2" charset="0"/>
+                <a:cs typeface="Ebrima" panose="02000000000000000000" pitchFamily="2" charset="0"/>
+              </a:rPr>
+              <a:t>Optimization for 	Robustness</a:t>
+            </a:r>
+          </a:p>
+          <a:p>
+            <a:pPr marL="342900" indent="-342900">
+              <a:lnSpc>
+                <a:spcPct val="120000"/>
+              </a:lnSpc>
+              <a:buFont typeface="Arial" panose="020B0604020202020204" pitchFamily="34" charset="0"/>
+              <a:buChar char="•"/>
+            </a:pPr>
+            <a:r>
+              <a:rPr lang="en-US" altLang="ko-KR" sz="2000" dirty="0" smtClean="0">
+                <a:latin typeface="Ebrima" panose="02000000000000000000" pitchFamily="2" charset="0"/>
+                <a:ea typeface="Ebrima" panose="02000000000000000000" pitchFamily="2" charset="0"/>
+                <a:cs typeface="Ebrima" panose="02000000000000000000" pitchFamily="2" charset="0"/>
+              </a:rPr>
+              <a:t>SCHEME 1(0,1,1,1): 	good AP1</a:t>
+            </a:r>
+          </a:p>
+          <a:p>
+            <a:pPr>
+              <a:lnSpc>
+                <a:spcPct val="120000"/>
+              </a:lnSpc>
+            </a:pPr>
+            <a:r>
+              <a:rPr lang="en-US" altLang="ko-KR" sz="2000" dirty="0" smtClean="0">
+                <a:latin typeface="Ebrima" panose="02000000000000000000" pitchFamily="2" charset="0"/>
+                <a:ea typeface="Ebrima" panose="02000000000000000000" pitchFamily="2" charset="0"/>
+                <a:cs typeface="Ebrima" panose="02000000000000000000" pitchFamily="2" charset="0"/>
+              </a:rPr>
+              <a:t>-&gt;  SCHEME 2(0,2,2,2), 	4(0,4,4,4): </a:t>
+            </a:r>
+          </a:p>
+          <a:p>
+            <a:pPr>
+              <a:lnSpc>
+                <a:spcPct val="120000"/>
+              </a:lnSpc>
+            </a:pPr>
+            <a:r>
+              <a:rPr lang="en-US" altLang="ko-KR" sz="2000" dirty="0" smtClean="0">
+                <a:latin typeface="Ebrima" panose="02000000000000000000" pitchFamily="2" charset="0"/>
+                <a:ea typeface="Ebrima" panose="02000000000000000000" pitchFamily="2" charset="0"/>
+                <a:cs typeface="Ebrima" panose="02000000000000000000" pitchFamily="2" charset="0"/>
+              </a:rPr>
+              <a:t>	Random starting 	for AP 2 and 4 	needed</a:t>
+            </a:r>
+            <a:endParaRPr lang="en-US" altLang="ko-KR" sz="2000" dirty="0">
+              <a:latin typeface="Ebrima" panose="02000000000000000000" pitchFamily="2" charset="0"/>
+              <a:ea typeface="Ebrima" panose="02000000000000000000" pitchFamily="2" charset="0"/>
+              <a:cs typeface="Ebrima" panose="02000000000000000000" pitchFamily="2" charset="0"/>
+            </a:endParaRPr>
+          </a:p>
+          <a:p>
+            <a:pPr>
+              <a:lnSpc>
+                <a:spcPct val="120000"/>
+              </a:lnSpc>
+            </a:pPr>
+            <a:r>
+              <a:rPr lang="en-US" altLang="ko-KR" sz="2000" dirty="0" smtClean="0">
+                <a:latin typeface="Ebrima" panose="02000000000000000000" pitchFamily="2" charset="0"/>
+                <a:cs typeface="Ebrima" panose="02000000000000000000" pitchFamily="2" charset="0"/>
+              </a:rPr>
+              <a:t>-&gt;  Optimization for cost</a:t>
+            </a:r>
+            <a:endParaRPr lang="en-US" altLang="ko-KR" sz="2000" dirty="0">
+              <a:latin typeface="Ebrima" panose="02000000000000000000" pitchFamily="2" charset="0"/>
+              <a:cs typeface="Ebrima" panose="02000000000000000000" pitchFamily="2" charset="0"/>
+            </a:endParaRPr>
+          </a:p>
+        </p:txBody>
+      </p:sp>
       <p:sp>
         <p:nvSpPr>
           <p:cNvPr id="4" name="직사각형 3"/>
@@ -7847,7 +7770,7 @@
         <p:spPr>
           <a:xfrm>
             <a:off x="107504" y="44624"/>
-            <a:ext cx="6624496" cy="646331"/>
+            <a:ext cx="8784976" cy="646331"/>
           </a:xfrm>
           <a:prstGeom prst="rect">
             <a:avLst/>
@@ -7890,19 +7813,562 @@
                 <a:ea typeface="Ebrima" panose="02000000000000000000" pitchFamily="2" charset="0"/>
                 <a:cs typeface="Ebrima" panose="02000000000000000000" pitchFamily="2" charset="0"/>
               </a:rPr>
-              <a:t>ISCUSSION</a:t>
-            </a:r>
-            <a:endParaRPr lang="ko-KR" altLang="en-US" sz="2800" b="1" dirty="0">
+              <a:t>ISCUSSION- </a:t>
+            </a:r>
+            <a:r>
+              <a:rPr lang="en-US" altLang="ko-KR" sz="2400" b="1" dirty="0" smtClean="0">
+                <a:latin typeface="Ebrima" panose="02000000000000000000" pitchFamily="2" charset="0"/>
+                <a:ea typeface="Ebrima" panose="02000000000000000000" pitchFamily="2" charset="0"/>
+                <a:cs typeface="Ebrima" panose="02000000000000000000" pitchFamily="2" charset="0"/>
+              </a:rPr>
+              <a:t>Preliminary </a:t>
+            </a:r>
+            <a:r>
+              <a:rPr lang="en-US" altLang="ko-KR" sz="2400" b="1" dirty="0">
+                <a:latin typeface="Ebrima" panose="02000000000000000000" pitchFamily="2" charset="0"/>
+                <a:ea typeface="Ebrima" panose="02000000000000000000" pitchFamily="2" charset="0"/>
+                <a:cs typeface="Ebrima" panose="02000000000000000000" pitchFamily="2" charset="0"/>
+              </a:rPr>
+              <a:t>Experiment</a:t>
+            </a:r>
+            <a:endParaRPr lang="ko-KR" altLang="en-US" sz="2400" b="1" dirty="0">
               <a:latin typeface="Ebrima" panose="02000000000000000000" pitchFamily="2" charset="0"/>
               <a:cs typeface="Ebrima" panose="02000000000000000000" pitchFamily="2" charset="0"/>
             </a:endParaRPr>
           </a:p>
         </p:txBody>
       </p:sp>
+      <p:sp>
+        <p:nvSpPr>
+          <p:cNvPr id="11" name="TextBox 20"/>
+          <p:cNvSpPr txBox="1"/>
+          <p:nvPr/>
+        </p:nvSpPr>
+        <p:spPr>
+          <a:xfrm>
+            <a:off x="251520" y="1364905"/>
+            <a:ext cx="2160000" cy="400110"/>
+          </a:xfrm>
+          <a:prstGeom prst="rect">
+            <a:avLst/>
+          </a:prstGeom>
+          <a:solidFill>
+            <a:srgbClr val="97E4FF"/>
+          </a:solidFill>
+        </p:spPr>
+        <p:txBody>
+          <a:bodyPr wrap="square" rtlCol="0">
+            <a:spAutoFit/>
+          </a:bodyPr>
+          <a:lstStyle/>
+          <a:p>
+            <a:pPr algn="ctr"/>
+            <a:r>
+              <a:rPr lang="en-US" altLang="ko-KR" sz="2000" b="1" dirty="0" smtClean="0">
+                <a:latin typeface="Ebrima" panose="02000000000000000000" pitchFamily="2" charset="0"/>
+                <a:ea typeface="Ebrima" panose="02000000000000000000" pitchFamily="2" charset="0"/>
+                <a:cs typeface="Ebrima" panose="02000000000000000000" pitchFamily="2" charset="0"/>
+              </a:rPr>
+              <a:t>Results</a:t>
+            </a:r>
+            <a:endParaRPr lang="ko-KR" altLang="en-US" sz="2000" b="1" dirty="0">
+              <a:latin typeface="Ebrima" panose="02000000000000000000" pitchFamily="2" charset="0"/>
+              <a:cs typeface="Ebrima" panose="02000000000000000000" pitchFamily="2" charset="0"/>
+            </a:endParaRPr>
+          </a:p>
+        </p:txBody>
+      </p:sp>
+      <p:graphicFrame>
+        <p:nvGraphicFramePr>
+          <p:cNvPr id="13" name="표 9"/>
+          <p:cNvGraphicFramePr>
+            <a:graphicFrameLocks noGrp="1"/>
+          </p:cNvGraphicFramePr>
+          <p:nvPr>
+            <p:extLst>
+              <p:ext uri="{D42A27DB-BD31-4B8C-83A1-F6EECF244321}">
+                <p14:modId xmlns:p14="http://schemas.microsoft.com/office/powerpoint/2010/main" val="1670809211"/>
+              </p:ext>
+            </p:extLst>
+          </p:nvPr>
+        </p:nvGraphicFramePr>
+        <p:xfrm>
+          <a:off x="3383324" y="5445225"/>
+          <a:ext cx="5760676" cy="1386970"/>
+        </p:xfrm>
+        <a:graphic>
+          <a:graphicData uri="http://schemas.openxmlformats.org/drawingml/2006/table">
+            <a:tbl>
+              <a:tblPr firstRow="1" bandRow="1">
+                <a:tableStyleId>{5C22544A-7EE6-4342-B048-85BDC9FD1C3A}</a:tableStyleId>
+              </a:tblPr>
+              <a:tblGrid>
+                <a:gridCol w="1296155"/>
+                <a:gridCol w="3024356"/>
+                <a:gridCol w="1440165"/>
+              </a:tblGrid>
+              <a:tr h="277174">
+                <a:tc>
+                  <a:txBody>
+                    <a:bodyPr/>
+                    <a:lstStyle/>
+                    <a:p>
+                      <a:pPr algn="ctr">
+                        <a:spcAft>
+                          <a:spcPts val="0"/>
+                        </a:spcAft>
+                      </a:pPr>
+                      <a:r>
+                        <a:rPr lang="en-GB" sz="1600" dirty="0" smtClean="0">
+                          <a:effectLst/>
+                          <a:latin typeface="Ebrima" panose="02000000000000000000" pitchFamily="2" charset="0"/>
+                          <a:ea typeface="Ebrima" panose="02000000000000000000" pitchFamily="2" charset="0"/>
+                          <a:cs typeface="Ebrima" panose="02000000000000000000" pitchFamily="2" charset="0"/>
+                        </a:rPr>
+                        <a:t>Plan</a:t>
+                      </a:r>
+                      <a:r>
+                        <a:rPr lang="en-GB" sz="1600" dirty="0">
+                          <a:effectLst/>
+                          <a:latin typeface="Ebrima" panose="02000000000000000000" pitchFamily="2" charset="0"/>
+                          <a:ea typeface="Ebrima" panose="02000000000000000000" pitchFamily="2" charset="0"/>
+                          <a:cs typeface="Ebrima" panose="02000000000000000000" pitchFamily="2" charset="0"/>
+                        </a:rPr>
+                        <a:t> </a:t>
+                      </a:r>
+                      <a:endParaRPr lang="ko-KR" sz="1600" dirty="0">
+                        <a:effectLst/>
+                        <a:latin typeface="Ebrima" panose="02000000000000000000" pitchFamily="2" charset="0"/>
+                        <a:ea typeface="바탕"/>
+                        <a:cs typeface="Ebrima" panose="02000000000000000000" pitchFamily="2" charset="0"/>
+                      </a:endParaRPr>
+                    </a:p>
+                  </a:txBody>
+                  <a:tcPr marL="68580" marR="68580" marT="0" marB="0" anchor="ctr"/>
+                </a:tc>
+                <a:tc>
+                  <a:txBody>
+                    <a:bodyPr/>
+                    <a:lstStyle/>
+                    <a:p>
+                      <a:pPr algn="ctr">
+                        <a:spcAft>
+                          <a:spcPts val="0"/>
+                        </a:spcAft>
+                      </a:pPr>
+                      <a:r>
+                        <a:rPr lang="en-GB" sz="1600" dirty="0">
+                          <a:effectLst/>
+                          <a:latin typeface="Ebrima" panose="02000000000000000000" pitchFamily="2" charset="0"/>
+                          <a:ea typeface="Ebrima" panose="02000000000000000000" pitchFamily="2" charset="0"/>
+                          <a:cs typeface="Ebrima" panose="02000000000000000000" pitchFamily="2" charset="0"/>
+                        </a:rPr>
+                        <a:t>Start</a:t>
+                      </a:r>
+                      <a:endParaRPr lang="ko-KR" sz="1600" dirty="0">
+                        <a:effectLst/>
+                        <a:latin typeface="Ebrima" panose="02000000000000000000" pitchFamily="2" charset="0"/>
+                        <a:ea typeface="바탕"/>
+                        <a:cs typeface="Ebrima" panose="02000000000000000000" pitchFamily="2" charset="0"/>
+                      </a:endParaRPr>
+                    </a:p>
+                  </a:txBody>
+                  <a:tcPr marL="68580" marR="68580" marT="0" marB="0" anchor="ctr"/>
+                </a:tc>
+                <a:tc>
+                  <a:txBody>
+                    <a:bodyPr/>
+                    <a:lstStyle/>
+                    <a:p>
+                      <a:pPr algn="ctr">
+                        <a:spcAft>
+                          <a:spcPts val="0"/>
+                        </a:spcAft>
+                      </a:pPr>
+                      <a:r>
+                        <a:rPr lang="en-GB" sz="1600" dirty="0" smtClean="0">
+                          <a:effectLst/>
+                          <a:latin typeface="Ebrima" panose="02000000000000000000" pitchFamily="2" charset="0"/>
+                          <a:ea typeface="Ebrima" panose="02000000000000000000" pitchFamily="2" charset="0"/>
+                          <a:cs typeface="Ebrima" panose="02000000000000000000" pitchFamily="2" charset="0"/>
+                        </a:rPr>
+                        <a:t>Steps</a:t>
+                      </a:r>
+                      <a:endParaRPr lang="ko-KR" sz="1600" dirty="0">
+                        <a:effectLst/>
+                        <a:latin typeface="Ebrima" panose="02000000000000000000" pitchFamily="2" charset="0"/>
+                        <a:ea typeface="바탕"/>
+                        <a:cs typeface="Ebrima" panose="02000000000000000000" pitchFamily="2" charset="0"/>
+                      </a:endParaRPr>
+                    </a:p>
+                  </a:txBody>
+                  <a:tcPr marL="68580" marR="68580" marT="0" marB="0" anchor="ctr"/>
+                </a:tc>
+              </a:tr>
+              <a:tr h="277449">
+                <a:tc>
+                  <a:txBody>
+                    <a:bodyPr/>
+                    <a:lstStyle/>
+                    <a:p>
+                      <a:pPr algn="ctr">
+                        <a:spcAft>
+                          <a:spcPts val="0"/>
+                        </a:spcAft>
+                      </a:pPr>
+                      <a:r>
+                        <a:rPr lang="en-US" altLang="ko-KR" sz="1600" dirty="0" smtClean="0">
+                          <a:effectLst/>
+                          <a:latin typeface="Ebrima" panose="02000000000000000000" pitchFamily="2" charset="0"/>
+                          <a:ea typeface="바탕"/>
+                          <a:cs typeface="Ebrima" panose="02000000000000000000" pitchFamily="2" charset="0"/>
+                        </a:rPr>
+                        <a:t>0</a:t>
+                      </a:r>
+                      <a:endParaRPr lang="ko-KR" sz="1600" dirty="0">
+                        <a:effectLst/>
+                        <a:latin typeface="Ebrima" panose="02000000000000000000" pitchFamily="2" charset="0"/>
+                        <a:ea typeface="바탕"/>
+                        <a:cs typeface="Ebrima" panose="02000000000000000000" pitchFamily="2" charset="0"/>
+                      </a:endParaRPr>
+                    </a:p>
+                  </a:txBody>
+                  <a:tcPr marL="68580" marR="68580" marT="0" marB="0" anchor="ctr"/>
+                </a:tc>
+                <a:tc>
+                  <a:txBody>
+                    <a:bodyPr/>
+                    <a:lstStyle/>
+                    <a:p>
+                      <a:pPr algn="ctr">
+                        <a:spcAft>
+                          <a:spcPts val="0"/>
+                        </a:spcAft>
+                      </a:pPr>
+                      <a:r>
+                        <a:rPr lang="en-GB" sz="1600" dirty="0">
+                          <a:effectLst/>
+                          <a:latin typeface="Ebrima" panose="02000000000000000000" pitchFamily="2" charset="0"/>
+                          <a:ea typeface="Ebrima" panose="02000000000000000000" pitchFamily="2" charset="0"/>
+                          <a:cs typeface="Ebrima" panose="02000000000000000000" pitchFamily="2" charset="0"/>
+                        </a:rPr>
+                        <a:t>Immediate</a:t>
+                      </a:r>
+                      <a:endParaRPr lang="ko-KR" sz="1600" dirty="0">
+                        <a:effectLst/>
+                        <a:latin typeface="Ebrima" panose="02000000000000000000" pitchFamily="2" charset="0"/>
+                        <a:ea typeface="바탕"/>
+                        <a:cs typeface="Ebrima" panose="02000000000000000000" pitchFamily="2" charset="0"/>
+                      </a:endParaRPr>
+                    </a:p>
+                  </a:txBody>
+                  <a:tcPr marL="68580" marR="68580" marT="0" marB="0" anchor="ctr"/>
+                </a:tc>
+                <a:tc>
+                  <a:txBody>
+                    <a:bodyPr/>
+                    <a:lstStyle/>
+                    <a:p>
+                      <a:pPr algn="ctr">
+                        <a:spcAft>
+                          <a:spcPts val="0"/>
+                        </a:spcAft>
+                      </a:pPr>
+                      <a:r>
+                        <a:rPr lang="en-GB" sz="1600">
+                          <a:effectLst/>
+                          <a:latin typeface="Ebrima" panose="02000000000000000000" pitchFamily="2" charset="0"/>
+                          <a:ea typeface="Ebrima" panose="02000000000000000000" pitchFamily="2" charset="0"/>
+                          <a:cs typeface="Ebrima" panose="02000000000000000000" pitchFamily="2" charset="0"/>
+                        </a:rPr>
+                        <a:t>1</a:t>
+                      </a:r>
+                      <a:endParaRPr lang="ko-KR" sz="1600">
+                        <a:effectLst/>
+                        <a:latin typeface="Ebrima" panose="02000000000000000000" pitchFamily="2" charset="0"/>
+                        <a:ea typeface="바탕"/>
+                        <a:cs typeface="Ebrima" panose="02000000000000000000" pitchFamily="2" charset="0"/>
+                      </a:endParaRPr>
+                    </a:p>
+                  </a:txBody>
+                  <a:tcPr marL="68580" marR="68580" marT="0" marB="0" anchor="ctr"/>
+                </a:tc>
+              </a:tr>
+              <a:tr h="277449">
+                <a:tc>
+                  <a:txBody>
+                    <a:bodyPr/>
+                    <a:lstStyle/>
+                    <a:p>
+                      <a:pPr algn="ctr">
+                        <a:spcAft>
+                          <a:spcPts val="0"/>
+                        </a:spcAft>
+                      </a:pPr>
+                      <a:r>
+                        <a:rPr lang="en-GB" sz="1600" dirty="0" smtClean="0">
+                          <a:effectLst/>
+                          <a:latin typeface="Ebrima" panose="02000000000000000000" pitchFamily="2" charset="0"/>
+                          <a:ea typeface="Ebrima" panose="02000000000000000000" pitchFamily="2" charset="0"/>
+                          <a:cs typeface="Ebrima" panose="02000000000000000000" pitchFamily="2" charset="0"/>
+                        </a:rPr>
+                        <a:t>1</a:t>
+                      </a:r>
+                      <a:endParaRPr lang="ko-KR" sz="1600" dirty="0">
+                        <a:effectLst/>
+                        <a:latin typeface="Ebrima" panose="02000000000000000000" pitchFamily="2" charset="0"/>
+                        <a:ea typeface="바탕"/>
+                        <a:cs typeface="Ebrima" panose="02000000000000000000" pitchFamily="2" charset="0"/>
+                      </a:endParaRPr>
+                    </a:p>
+                  </a:txBody>
+                  <a:tcPr marL="68580" marR="68580" marT="0" marB="0" anchor="ctr"/>
+                </a:tc>
+                <a:tc>
+                  <a:txBody>
+                    <a:bodyPr/>
+                    <a:lstStyle/>
+                    <a:p>
+                      <a:pPr algn="ctr">
+                        <a:spcAft>
+                          <a:spcPts val="0"/>
+                        </a:spcAft>
+                      </a:pPr>
+                      <a:r>
+                        <a:rPr lang="en-GB" sz="1600" dirty="0">
+                          <a:effectLst/>
+                          <a:latin typeface="Ebrima" panose="02000000000000000000" pitchFamily="2" charset="0"/>
+                          <a:ea typeface="Ebrima" panose="02000000000000000000" pitchFamily="2" charset="0"/>
+                          <a:cs typeface="Ebrima" panose="02000000000000000000" pitchFamily="2" charset="0"/>
+                        </a:rPr>
+                        <a:t>Random</a:t>
+                      </a:r>
+                      <a:endParaRPr lang="ko-KR" sz="1600" dirty="0">
+                        <a:effectLst/>
+                        <a:latin typeface="Ebrima" panose="02000000000000000000" pitchFamily="2" charset="0"/>
+                        <a:ea typeface="바탕"/>
+                        <a:cs typeface="Ebrima" panose="02000000000000000000" pitchFamily="2" charset="0"/>
+                      </a:endParaRPr>
+                    </a:p>
+                  </a:txBody>
+                  <a:tcPr marL="68580" marR="68580" marT="0" marB="0" anchor="ctr"/>
+                </a:tc>
+                <a:tc>
+                  <a:txBody>
+                    <a:bodyPr/>
+                    <a:lstStyle/>
+                    <a:p>
+                      <a:pPr algn="ctr">
+                        <a:spcAft>
+                          <a:spcPts val="0"/>
+                        </a:spcAft>
+                      </a:pPr>
+                      <a:r>
+                        <a:rPr lang="en-GB" sz="1600">
+                          <a:effectLst/>
+                          <a:latin typeface="Ebrima" panose="02000000000000000000" pitchFamily="2" charset="0"/>
+                          <a:ea typeface="Ebrima" panose="02000000000000000000" pitchFamily="2" charset="0"/>
+                          <a:cs typeface="Ebrima" panose="02000000000000000000" pitchFamily="2" charset="0"/>
+                        </a:rPr>
+                        <a:t>1</a:t>
+                      </a:r>
+                      <a:endParaRPr lang="ko-KR" sz="1600">
+                        <a:effectLst/>
+                        <a:latin typeface="Ebrima" panose="02000000000000000000" pitchFamily="2" charset="0"/>
+                        <a:ea typeface="바탕"/>
+                        <a:cs typeface="Ebrima" panose="02000000000000000000" pitchFamily="2" charset="0"/>
+                      </a:endParaRPr>
+                    </a:p>
+                  </a:txBody>
+                  <a:tcPr marL="68580" marR="68580" marT="0" marB="0" anchor="ctr"/>
+                </a:tc>
+              </a:tr>
+              <a:tr h="277449">
+                <a:tc>
+                  <a:txBody>
+                    <a:bodyPr/>
+                    <a:lstStyle/>
+                    <a:p>
+                      <a:pPr algn="ctr">
+                        <a:spcAft>
+                          <a:spcPts val="0"/>
+                        </a:spcAft>
+                      </a:pPr>
+                      <a:r>
+                        <a:rPr lang="en-GB" sz="1600" dirty="0" smtClean="0">
+                          <a:effectLst/>
+                          <a:latin typeface="Ebrima" panose="02000000000000000000" pitchFamily="2" charset="0"/>
+                          <a:ea typeface="Ebrima" panose="02000000000000000000" pitchFamily="2" charset="0"/>
+                          <a:cs typeface="Ebrima" panose="02000000000000000000" pitchFamily="2" charset="0"/>
+                        </a:rPr>
+                        <a:t>2</a:t>
+                      </a:r>
+                      <a:endParaRPr lang="ko-KR" sz="1600" dirty="0">
+                        <a:effectLst/>
+                        <a:latin typeface="Ebrima" panose="02000000000000000000" pitchFamily="2" charset="0"/>
+                        <a:ea typeface="바탕"/>
+                        <a:cs typeface="Ebrima" panose="02000000000000000000" pitchFamily="2" charset="0"/>
+                      </a:endParaRPr>
+                    </a:p>
+                  </a:txBody>
+                  <a:tcPr marL="68580" marR="68580" marT="0" marB="0" anchor="ctr"/>
+                </a:tc>
+                <a:tc>
+                  <a:txBody>
+                    <a:bodyPr/>
+                    <a:lstStyle/>
+                    <a:p>
+                      <a:pPr algn="ctr">
+                        <a:spcAft>
+                          <a:spcPts val="0"/>
+                        </a:spcAft>
+                      </a:pPr>
+                      <a:r>
+                        <a:rPr lang="en-GB" sz="1600" dirty="0">
+                          <a:effectLst/>
+                          <a:latin typeface="Ebrima" panose="02000000000000000000" pitchFamily="2" charset="0"/>
+                          <a:ea typeface="Ebrima" panose="02000000000000000000" pitchFamily="2" charset="0"/>
+                          <a:cs typeface="Ebrima" panose="02000000000000000000" pitchFamily="2" charset="0"/>
+                        </a:rPr>
+                        <a:t>Immediate</a:t>
+                      </a:r>
+                      <a:endParaRPr lang="ko-KR" sz="1600" dirty="0">
+                        <a:effectLst/>
+                        <a:latin typeface="Ebrima" panose="02000000000000000000" pitchFamily="2" charset="0"/>
+                        <a:ea typeface="바탕"/>
+                        <a:cs typeface="Ebrima" panose="02000000000000000000" pitchFamily="2" charset="0"/>
+                      </a:endParaRPr>
+                    </a:p>
+                  </a:txBody>
+                  <a:tcPr marL="68580" marR="68580" marT="0" marB="0" anchor="ctr"/>
+                </a:tc>
+                <a:tc>
+                  <a:txBody>
+                    <a:bodyPr/>
+                    <a:lstStyle/>
+                    <a:p>
+                      <a:pPr algn="ctr">
+                        <a:spcAft>
+                          <a:spcPts val="0"/>
+                        </a:spcAft>
+                      </a:pPr>
+                      <a:r>
+                        <a:rPr lang="en-GB" sz="1600">
+                          <a:effectLst/>
+                          <a:latin typeface="Ebrima" panose="02000000000000000000" pitchFamily="2" charset="0"/>
+                          <a:ea typeface="Ebrima" panose="02000000000000000000" pitchFamily="2" charset="0"/>
+                          <a:cs typeface="Ebrima" panose="02000000000000000000" pitchFamily="2" charset="0"/>
+                        </a:rPr>
+                        <a:t>2</a:t>
+                      </a:r>
+                      <a:endParaRPr lang="ko-KR" sz="1600">
+                        <a:effectLst/>
+                        <a:latin typeface="Ebrima" panose="02000000000000000000" pitchFamily="2" charset="0"/>
+                        <a:ea typeface="바탕"/>
+                        <a:cs typeface="Ebrima" panose="02000000000000000000" pitchFamily="2" charset="0"/>
+                      </a:endParaRPr>
+                    </a:p>
+                  </a:txBody>
+                  <a:tcPr marL="68580" marR="68580" marT="0" marB="0" anchor="ctr"/>
+                </a:tc>
+              </a:tr>
+              <a:tr h="277449">
+                <a:tc>
+                  <a:txBody>
+                    <a:bodyPr/>
+                    <a:lstStyle/>
+                    <a:p>
+                      <a:pPr algn="ctr">
+                        <a:spcAft>
+                          <a:spcPts val="0"/>
+                        </a:spcAft>
+                      </a:pPr>
+                      <a:r>
+                        <a:rPr lang="en-GB" sz="1600" dirty="0" smtClean="0">
+                          <a:effectLst/>
+                          <a:latin typeface="Ebrima" panose="02000000000000000000" pitchFamily="2" charset="0"/>
+                          <a:ea typeface="Ebrima" panose="02000000000000000000" pitchFamily="2" charset="0"/>
+                          <a:cs typeface="Ebrima" panose="02000000000000000000" pitchFamily="2" charset="0"/>
+                        </a:rPr>
+                        <a:t>4</a:t>
+                      </a:r>
+                      <a:endParaRPr lang="ko-KR" sz="1600" dirty="0">
+                        <a:effectLst/>
+                        <a:latin typeface="Ebrima" panose="02000000000000000000" pitchFamily="2" charset="0"/>
+                        <a:ea typeface="바탕"/>
+                        <a:cs typeface="Ebrima" panose="02000000000000000000" pitchFamily="2" charset="0"/>
+                      </a:endParaRPr>
+                    </a:p>
+                  </a:txBody>
+                  <a:tcPr marL="68580" marR="68580" marT="0" marB="0" anchor="ctr"/>
+                </a:tc>
+                <a:tc>
+                  <a:txBody>
+                    <a:bodyPr/>
+                    <a:lstStyle/>
+                    <a:p>
+                      <a:pPr algn="ctr">
+                        <a:spcAft>
+                          <a:spcPts val="0"/>
+                        </a:spcAft>
+                      </a:pPr>
+                      <a:r>
+                        <a:rPr lang="en-GB" sz="1600" dirty="0">
+                          <a:effectLst/>
+                          <a:latin typeface="Ebrima" panose="02000000000000000000" pitchFamily="2" charset="0"/>
+                          <a:ea typeface="Ebrima" panose="02000000000000000000" pitchFamily="2" charset="0"/>
+                          <a:cs typeface="Ebrima" panose="02000000000000000000" pitchFamily="2" charset="0"/>
+                        </a:rPr>
+                        <a:t>Immediate</a:t>
+                      </a:r>
+                      <a:endParaRPr lang="ko-KR" sz="1600" dirty="0">
+                        <a:effectLst/>
+                        <a:latin typeface="Ebrima" panose="02000000000000000000" pitchFamily="2" charset="0"/>
+                        <a:ea typeface="바탕"/>
+                        <a:cs typeface="Ebrima" panose="02000000000000000000" pitchFamily="2" charset="0"/>
+                      </a:endParaRPr>
+                    </a:p>
+                  </a:txBody>
+                  <a:tcPr marL="68580" marR="68580" marT="0" marB="0" anchor="ctr"/>
+                </a:tc>
+                <a:tc>
+                  <a:txBody>
+                    <a:bodyPr/>
+                    <a:lstStyle/>
+                    <a:p>
+                      <a:pPr algn="ctr">
+                        <a:spcAft>
+                          <a:spcPts val="0"/>
+                        </a:spcAft>
+                      </a:pPr>
+                      <a:r>
+                        <a:rPr lang="en-GB" sz="1600" dirty="0">
+                          <a:effectLst/>
+                          <a:latin typeface="Ebrima" panose="02000000000000000000" pitchFamily="2" charset="0"/>
+                          <a:ea typeface="Ebrima" panose="02000000000000000000" pitchFamily="2" charset="0"/>
+                          <a:cs typeface="Ebrima" panose="02000000000000000000" pitchFamily="2" charset="0"/>
+                        </a:rPr>
+                        <a:t>3</a:t>
+                      </a:r>
+                      <a:endParaRPr lang="ko-KR" sz="1600" dirty="0">
+                        <a:effectLst/>
+                        <a:latin typeface="Ebrima" panose="02000000000000000000" pitchFamily="2" charset="0"/>
+                        <a:ea typeface="바탕"/>
+                        <a:cs typeface="Ebrima" panose="02000000000000000000" pitchFamily="2" charset="0"/>
+                      </a:endParaRPr>
+                    </a:p>
+                  </a:txBody>
+                  <a:tcPr marL="68580" marR="68580" marT="0" marB="0" anchor="ctr"/>
+                </a:tc>
+              </a:tr>
+            </a:tbl>
+          </a:graphicData>
+        </a:graphic>
+      </p:graphicFrame>
     </p:spTree>
     <p:extLst>
       <p:ext uri="{BB962C8B-B14F-4D97-AF65-F5344CB8AC3E}">
-        <p14:creationId xmlns:p14="http://schemas.microsoft.com/office/powerpoint/2010/main" val="4055719351"/>
+        <p14:creationId xmlns:p14="http://schemas.microsoft.com/office/powerpoint/2010/main" val="743238141"/>
       </p:ext>
     </p:extLst>
   </p:cSld>

--- a/presentation/Final Presentation_mGrid.pptx
+++ b/presentation/Final Presentation_mGrid.pptx
@@ -5,7 +5,7 @@
     <p:sldMasterId id="2147483648" r:id="rId1"/>
   </p:sldMasterIdLst>
   <p:notesMasterIdLst>
-    <p:notesMasterId r:id="rId12"/>
+    <p:notesMasterId r:id="rId18"/>
   </p:notesMasterIdLst>
   <p:sldIdLst>
     <p:sldId id="256" r:id="rId2"/>
@@ -17,7 +17,13 @@
     <p:sldId id="272" r:id="rId8"/>
     <p:sldId id="276" r:id="rId9"/>
     <p:sldId id="277" r:id="rId10"/>
-    <p:sldId id="267" r:id="rId11"/>
+    <p:sldId id="278" r:id="rId11"/>
+    <p:sldId id="279" r:id="rId12"/>
+    <p:sldId id="280" r:id="rId13"/>
+    <p:sldId id="281" r:id="rId14"/>
+    <p:sldId id="282" r:id="rId15"/>
+    <p:sldId id="284" r:id="rId16"/>
+    <p:sldId id="267" r:id="rId17"/>
   </p:sldIdLst>
   <p:sldSz cx="9144000" cy="6858000" type="screen4x3"/>
   <p:notesSz cx="6858000" cy="9144000"/>
@@ -118,7 +124,7 @@
   </p:defaultTextStyle>
   <p:extLst>
     <p:ext uri="{EFAFB233-063F-42B5-8137-9DF3F51BA10A}">
-      <p15:sldGuideLst xmlns:p15="http://schemas.microsoft.com/office/powerpoint/2012/main">
+      <p15:sldGuideLst xmlns:p15="http://schemas.microsoft.com/office/powerpoint/2012/main" xmlns="">
         <p15:guide id="1" orient="horz" pos="2160">
           <p15:clr>
             <a:srgbClr val="A4A3A4"/>
@@ -567,6 +573,90 @@
     <p:extLst>
       <p:ext uri="{BB962C8B-B14F-4D97-AF65-F5344CB8AC3E}">
         <p14:creationId xmlns:p14="http://schemas.microsoft.com/office/powerpoint/2010/main" val="3593848737"/>
+      </p:ext>
+    </p:extLst>
+  </p:cSld>
+  <p:clrMapOvr>
+    <a:masterClrMapping/>
+  </p:clrMapOvr>
+</p:notes>
+</file>
+
+<file path=ppt/notesSlides/notesSlide2.xml><?xml version="1.0" encoding="utf-8"?>
+<p:notes xmlns:a="http://schemas.openxmlformats.org/drawingml/2006/main" xmlns:r="http://schemas.openxmlformats.org/officeDocument/2006/relationships" xmlns:p="http://schemas.openxmlformats.org/presentationml/2006/main">
+  <p:cSld>
+    <p:spTree>
+      <p:nvGrpSpPr>
+        <p:cNvPr id="1" name=""/>
+        <p:cNvGrpSpPr/>
+        <p:nvPr/>
+      </p:nvGrpSpPr>
+      <p:grpSpPr>
+        <a:xfrm>
+          <a:off x="0" y="0"/>
+          <a:ext cx="0" cy="0"/>
+          <a:chOff x="0" y="0"/>
+          <a:chExt cx="0" cy="0"/>
+        </a:xfrm>
+      </p:grpSpPr>
+      <p:sp>
+        <p:nvSpPr>
+          <p:cNvPr id="2" name="슬라이드 이미지 개체 틀 1"/>
+          <p:cNvSpPr>
+            <a:spLocks noGrp="1" noRot="1" noChangeAspect="1"/>
+          </p:cNvSpPr>
+          <p:nvPr>
+            <p:ph type="sldImg"/>
+          </p:nvPr>
+        </p:nvSpPr>
+        <p:spPr/>
+      </p:sp>
+      <p:sp>
+        <p:nvSpPr>
+          <p:cNvPr id="3" name="슬라이드 노트 개체 틀 2"/>
+          <p:cNvSpPr>
+            <a:spLocks noGrp="1"/>
+          </p:cNvSpPr>
+          <p:nvPr>
+            <p:ph type="body" idx="1"/>
+          </p:nvPr>
+        </p:nvSpPr>
+        <p:spPr/>
+        <p:txBody>
+          <a:bodyPr/>
+          <a:lstStyle/>
+          <a:p>
+            <a:endParaRPr lang="ko-KR" altLang="en-US" dirty="0"/>
+          </a:p>
+        </p:txBody>
+      </p:sp>
+      <p:sp>
+        <p:nvSpPr>
+          <p:cNvPr id="4" name="슬라이드 번호 개체 틀 3"/>
+          <p:cNvSpPr>
+            <a:spLocks noGrp="1"/>
+          </p:cNvSpPr>
+          <p:nvPr>
+            <p:ph type="sldNum" sz="quarter" idx="10"/>
+          </p:nvPr>
+        </p:nvSpPr>
+        <p:spPr/>
+        <p:txBody>
+          <a:bodyPr/>
+          <a:lstStyle/>
+          <a:p>
+            <a:fld id="{E7DC0F98-266E-43BE-BBF8-44B0FE519896}" type="slidenum">
+              <a:rPr lang="ko-KR" altLang="en-US" smtClean="0"/>
+              <a:t>15</a:t>
+            </a:fld>
+            <a:endParaRPr lang="ko-KR" altLang="en-US"/>
+          </a:p>
+        </p:txBody>
+      </p:sp>
+    </p:spTree>
+    <p:extLst>
+      <p:ext uri="{BB962C8B-B14F-4D97-AF65-F5344CB8AC3E}">
+        <p14:creationId xmlns:p14="http://schemas.microsoft.com/office/powerpoint/2010/main" val="4261722059"/>
       </p:ext>
     </p:extLst>
   </p:cSld>
@@ -3879,6 +3969,30 @@
           <a:chExt cx="0" cy="0"/>
         </a:xfrm>
       </p:grpSpPr>
+      <p:pic>
+        <p:nvPicPr>
+          <p:cNvPr id="9" name="图片 8"/>
+          <p:cNvPicPr>
+            <a:picLocks noChangeAspect="1"/>
+          </p:cNvPicPr>
+          <p:nvPr/>
+        </p:nvPicPr>
+        <p:blipFill>
+          <a:blip r:embed="rId2"/>
+          <a:stretch>
+            <a:fillRect/>
+          </a:stretch>
+        </p:blipFill>
+        <p:spPr>
+          <a:xfrm>
+            <a:off x="107504" y="2533951"/>
+            <a:ext cx="9029537" cy="4167619"/>
+          </a:xfrm>
+          <a:prstGeom prst="rect">
+            <a:avLst/>
+          </a:prstGeom>
+        </p:spPr>
+      </p:pic>
       <p:sp>
         <p:nvSpPr>
           <p:cNvPr id="4" name="직사각형 3"/>
@@ -3933,6 +4047,5438 @@
         </p:nvSpPr>
         <p:spPr>
           <a:xfrm>
+            <a:off x="107504" y="44626"/>
+            <a:ext cx="8813758" cy="646331"/>
+          </a:xfrm>
+          <a:prstGeom prst="rect">
+            <a:avLst/>
+          </a:prstGeom>
+          <a:noFill/>
+        </p:spPr>
+        <p:txBody>
+          <a:bodyPr wrap="square" rtlCol="0">
+            <a:spAutoFit/>
+          </a:bodyPr>
+          <a:lstStyle/>
+          <a:p>
+            <a:r>
+              <a:rPr lang="en-US" altLang="ko-KR" sz="3600" b="1" dirty="0" smtClean="0">
+                <a:latin typeface="Ebrima" panose="02000000000000000000" pitchFamily="2" charset="0"/>
+                <a:ea typeface="Ebrima" panose="02000000000000000000" pitchFamily="2" charset="0"/>
+                <a:cs typeface="Ebrima" panose="02000000000000000000" pitchFamily="2" charset="0"/>
+              </a:rPr>
+              <a:t>R</a:t>
+            </a:r>
+            <a:r>
+              <a:rPr lang="en-US" altLang="ko-KR" sz="2800" b="1" dirty="0" smtClean="0">
+                <a:latin typeface="Ebrima" panose="02000000000000000000" pitchFamily="2" charset="0"/>
+                <a:ea typeface="Ebrima" panose="02000000000000000000" pitchFamily="2" charset="0"/>
+                <a:cs typeface="Ebrima" panose="02000000000000000000" pitchFamily="2" charset="0"/>
+              </a:rPr>
+              <a:t>ESULTS: </a:t>
+            </a:r>
+            <a:r>
+              <a:rPr lang="en-US" altLang="ko-KR" sz="3600" b="1" dirty="0" smtClean="0">
+                <a:latin typeface="Ebrima" panose="02000000000000000000" pitchFamily="2" charset="0"/>
+                <a:ea typeface="Ebrima" panose="02000000000000000000" pitchFamily="2" charset="0"/>
+                <a:cs typeface="Ebrima" panose="02000000000000000000" pitchFamily="2" charset="0"/>
+              </a:rPr>
+              <a:t>I</a:t>
+            </a:r>
+            <a:r>
+              <a:rPr lang="en-US" altLang="ko-KR" sz="2800" b="1" dirty="0" smtClean="0">
+                <a:latin typeface="Ebrima" panose="02000000000000000000" pitchFamily="2" charset="0"/>
+                <a:ea typeface="Ebrima" panose="02000000000000000000" pitchFamily="2" charset="0"/>
+                <a:cs typeface="Ebrima" panose="02000000000000000000" pitchFamily="2" charset="0"/>
+              </a:rPr>
+              <a:t>MPROVING </a:t>
+            </a:r>
+            <a:r>
+              <a:rPr lang="en-US" altLang="ko-KR" sz="3600" b="1" dirty="0" smtClean="0">
+                <a:latin typeface="Ebrima" panose="02000000000000000000" pitchFamily="2" charset="0"/>
+                <a:ea typeface="Ebrima" panose="02000000000000000000" pitchFamily="2" charset="0"/>
+                <a:cs typeface="Ebrima" panose="02000000000000000000" pitchFamily="2" charset="0"/>
+              </a:rPr>
+              <a:t>R</a:t>
+            </a:r>
+            <a:r>
+              <a:rPr lang="en-US" altLang="ko-KR" sz="2800" b="1" dirty="0" smtClean="0">
+                <a:latin typeface="Ebrima" panose="02000000000000000000" pitchFamily="2" charset="0"/>
+                <a:ea typeface="Ebrima" panose="02000000000000000000" pitchFamily="2" charset="0"/>
+                <a:cs typeface="Ebrima" panose="02000000000000000000" pitchFamily="2" charset="0"/>
+              </a:rPr>
+              <a:t>OBUSTNESS</a:t>
+            </a:r>
+            <a:endParaRPr lang="ko-KR" altLang="en-US" sz="2800" b="1" dirty="0">
+              <a:latin typeface="Ebrima" panose="02000000000000000000" pitchFamily="2" charset="0"/>
+              <a:cs typeface="Ebrima" panose="02000000000000000000" pitchFamily="2" charset="0"/>
+            </a:endParaRPr>
+          </a:p>
+        </p:txBody>
+      </p:sp>
+      <p:graphicFrame>
+        <p:nvGraphicFramePr>
+          <p:cNvPr id="2" name="表格 1"/>
+          <p:cNvGraphicFramePr>
+            <a:graphicFrameLocks noGrp="1"/>
+          </p:cNvGraphicFramePr>
+          <p:nvPr>
+            <p:extLst>
+              <p:ext uri="{D42A27DB-BD31-4B8C-83A1-F6EECF244321}">
+                <p14:modId xmlns:p14="http://schemas.microsoft.com/office/powerpoint/2010/main" val="3644225810"/>
+              </p:ext>
+            </p:extLst>
+          </p:nvPr>
+        </p:nvGraphicFramePr>
+        <p:xfrm>
+          <a:off x="263770" y="863292"/>
+          <a:ext cx="3569676" cy="1498325"/>
+        </p:xfrm>
+        <a:graphic>
+          <a:graphicData uri="http://schemas.openxmlformats.org/drawingml/2006/table">
+            <a:tbl>
+              <a:tblPr firstRow="1" bandRow="1">
+                <a:tableStyleId>{5C22544A-7EE6-4342-B048-85BDC9FD1C3A}</a:tableStyleId>
+              </a:tblPr>
+              <a:tblGrid>
+                <a:gridCol w="1752599"/>
+                <a:gridCol w="1113693"/>
+                <a:gridCol w="703384"/>
+              </a:tblGrid>
+              <a:tr h="367528">
+                <a:tc>
+                  <a:txBody>
+                    <a:bodyPr/>
+                    <a:lstStyle/>
+                    <a:p>
+                      <a:pPr algn="ctr">
+                        <a:spcAft>
+                          <a:spcPts val="0"/>
+                        </a:spcAft>
+                      </a:pPr>
+                      <a:r>
+                        <a:rPr lang="en-GB" sz="1400" b="1" dirty="0">
+                          <a:effectLst/>
+                          <a:latin typeface="Ebrima" panose="02000000000000000000" pitchFamily="2" charset="0"/>
+                          <a:ea typeface="Ebrima" panose="02000000000000000000" pitchFamily="2" charset="0"/>
+                          <a:cs typeface="Ebrima" panose="02000000000000000000" pitchFamily="2" charset="0"/>
+                        </a:rPr>
+                        <a:t> </a:t>
+                      </a:r>
+                      <a:endParaRPr lang="ko-KR" sz="1400" b="1" dirty="0">
+                        <a:effectLst/>
+                        <a:latin typeface="Ebrima" panose="02000000000000000000" pitchFamily="2" charset="0"/>
+                        <a:ea typeface="바탕"/>
+                        <a:cs typeface="Ebrima" panose="02000000000000000000" pitchFamily="2" charset="0"/>
+                      </a:endParaRPr>
+                    </a:p>
+                  </a:txBody>
+                  <a:tcPr marL="68580" marR="68580" marT="0" marB="0" anchor="ctr"/>
+                </a:tc>
+                <a:tc>
+                  <a:txBody>
+                    <a:bodyPr/>
+                    <a:lstStyle/>
+                    <a:p>
+                      <a:pPr algn="ctr">
+                        <a:spcAft>
+                          <a:spcPts val="0"/>
+                        </a:spcAft>
+                      </a:pPr>
+                      <a:r>
+                        <a:rPr lang="en-GB" sz="1400" b="1" dirty="0">
+                          <a:effectLst/>
+                          <a:latin typeface="Ebrima" panose="02000000000000000000" pitchFamily="2" charset="0"/>
+                          <a:ea typeface="Ebrima" panose="02000000000000000000" pitchFamily="2" charset="0"/>
+                          <a:cs typeface="Ebrima" panose="02000000000000000000" pitchFamily="2" charset="0"/>
+                        </a:rPr>
+                        <a:t>Start</a:t>
+                      </a:r>
+                      <a:endParaRPr lang="ko-KR" sz="1400" b="1" dirty="0">
+                        <a:effectLst/>
+                        <a:latin typeface="Ebrima" panose="02000000000000000000" pitchFamily="2" charset="0"/>
+                        <a:ea typeface="바탕"/>
+                        <a:cs typeface="Ebrima" panose="02000000000000000000" pitchFamily="2" charset="0"/>
+                      </a:endParaRPr>
+                    </a:p>
+                  </a:txBody>
+                  <a:tcPr marL="68580" marR="68580" marT="0" marB="0" anchor="ctr"/>
+                </a:tc>
+                <a:tc>
+                  <a:txBody>
+                    <a:bodyPr/>
+                    <a:lstStyle/>
+                    <a:p>
+                      <a:pPr algn="ctr">
+                        <a:spcAft>
+                          <a:spcPts val="0"/>
+                        </a:spcAft>
+                      </a:pPr>
+                      <a:r>
+                        <a:rPr lang="en-GB" sz="1400" b="1" dirty="0" smtClean="0">
+                          <a:effectLst/>
+                          <a:latin typeface="Ebrima" panose="02000000000000000000" pitchFamily="2" charset="0"/>
+                          <a:ea typeface="Ebrima" panose="02000000000000000000" pitchFamily="2" charset="0"/>
+                          <a:cs typeface="Ebrima" panose="02000000000000000000" pitchFamily="2" charset="0"/>
+                        </a:rPr>
+                        <a:t>Steps</a:t>
+                      </a:r>
+                      <a:endParaRPr lang="ko-KR" sz="1400" b="1" dirty="0">
+                        <a:effectLst/>
+                        <a:latin typeface="Ebrima" panose="02000000000000000000" pitchFamily="2" charset="0"/>
+                        <a:ea typeface="바탕"/>
+                        <a:cs typeface="Ebrima" panose="02000000000000000000" pitchFamily="2" charset="0"/>
+                      </a:endParaRPr>
+                    </a:p>
+                  </a:txBody>
+                  <a:tcPr marL="68580" marR="68580" marT="0" marB="0" anchor="ctr"/>
+                </a:tc>
+              </a:tr>
+              <a:tr h="367528">
+                <a:tc>
+                  <a:txBody>
+                    <a:bodyPr/>
+                    <a:lstStyle/>
+                    <a:p>
+                      <a:pPr algn="ctr">
+                        <a:spcAft>
+                          <a:spcPts val="0"/>
+                        </a:spcAft>
+                      </a:pPr>
+                      <a:r>
+                        <a:rPr lang="en-GB" sz="1400" b="1" dirty="0" smtClean="0">
+                          <a:effectLst/>
+                          <a:latin typeface="Ebrima" panose="02000000000000000000" pitchFamily="2" charset="0"/>
+                          <a:ea typeface="Ebrima" panose="02000000000000000000" pitchFamily="2" charset="0"/>
+                          <a:cs typeface="Ebrima" panose="02000000000000000000" pitchFamily="2" charset="0"/>
+                        </a:rPr>
+                        <a:t>Benchmark</a:t>
+                      </a:r>
+                      <a:endParaRPr lang="ko-KR" sz="1400" b="1" dirty="0">
+                        <a:effectLst/>
+                        <a:latin typeface="Ebrima" panose="02000000000000000000" pitchFamily="2" charset="0"/>
+                        <a:ea typeface="바탕"/>
+                        <a:cs typeface="Ebrima" panose="02000000000000000000" pitchFamily="2" charset="0"/>
+                      </a:endParaRPr>
+                    </a:p>
+                  </a:txBody>
+                  <a:tcPr marL="68580" marR="68580" marT="0" marB="0" anchor="ctr"/>
+                </a:tc>
+                <a:tc>
+                  <a:txBody>
+                    <a:bodyPr/>
+                    <a:lstStyle/>
+                    <a:p>
+                      <a:pPr algn="ctr">
+                        <a:spcAft>
+                          <a:spcPts val="0"/>
+                        </a:spcAft>
+                      </a:pPr>
+                      <a:r>
+                        <a:rPr lang="en-GB" sz="1400" b="1" dirty="0">
+                          <a:effectLst/>
+                          <a:latin typeface="Ebrima" panose="02000000000000000000" pitchFamily="2" charset="0"/>
+                          <a:ea typeface="Ebrima" panose="02000000000000000000" pitchFamily="2" charset="0"/>
+                          <a:cs typeface="Ebrima" panose="02000000000000000000" pitchFamily="2" charset="0"/>
+                        </a:rPr>
+                        <a:t>Immediate</a:t>
+                      </a:r>
+                      <a:endParaRPr lang="ko-KR" sz="1400" b="1" dirty="0">
+                        <a:effectLst/>
+                        <a:latin typeface="Ebrima" panose="02000000000000000000" pitchFamily="2" charset="0"/>
+                        <a:ea typeface="바탕"/>
+                        <a:cs typeface="Ebrima" panose="02000000000000000000" pitchFamily="2" charset="0"/>
+                      </a:endParaRPr>
+                    </a:p>
+                  </a:txBody>
+                  <a:tcPr marL="68580" marR="68580" marT="0" marB="0" anchor="ctr"/>
+                </a:tc>
+                <a:tc>
+                  <a:txBody>
+                    <a:bodyPr/>
+                    <a:lstStyle/>
+                    <a:p>
+                      <a:pPr algn="ctr">
+                        <a:spcAft>
+                          <a:spcPts val="0"/>
+                        </a:spcAft>
+                      </a:pPr>
+                      <a:r>
+                        <a:rPr lang="en-GB" sz="1400" b="1" dirty="0">
+                          <a:effectLst/>
+                          <a:latin typeface="Ebrima" panose="02000000000000000000" pitchFamily="2" charset="0"/>
+                          <a:ea typeface="Ebrima" panose="02000000000000000000" pitchFamily="2" charset="0"/>
+                          <a:cs typeface="Ebrima" panose="02000000000000000000" pitchFamily="2" charset="0"/>
+                        </a:rPr>
+                        <a:t>1</a:t>
+                      </a:r>
+                      <a:endParaRPr lang="ko-KR" sz="1400" b="1" dirty="0">
+                        <a:effectLst/>
+                        <a:latin typeface="Ebrima" panose="02000000000000000000" pitchFamily="2" charset="0"/>
+                        <a:ea typeface="바탕"/>
+                        <a:cs typeface="Ebrima" panose="02000000000000000000" pitchFamily="2" charset="0"/>
+                      </a:endParaRPr>
+                    </a:p>
+                  </a:txBody>
+                  <a:tcPr marL="68580" marR="68580" marT="0" marB="0" anchor="ctr"/>
+                </a:tc>
+              </a:tr>
+              <a:tr h="254423">
+                <a:tc>
+                  <a:txBody>
+                    <a:bodyPr/>
+                    <a:lstStyle/>
+                    <a:p>
+                      <a:pPr algn="ctr">
+                        <a:spcAft>
+                          <a:spcPts val="0"/>
+                        </a:spcAft>
+                      </a:pPr>
+                      <a:r>
+                        <a:rPr lang="en-GB" sz="1400" b="1">
+                          <a:effectLst/>
+                          <a:latin typeface="Ebrima" panose="02000000000000000000" pitchFamily="2" charset="0"/>
+                          <a:ea typeface="Ebrima" panose="02000000000000000000" pitchFamily="2" charset="0"/>
+                          <a:cs typeface="Ebrima" panose="02000000000000000000" pitchFamily="2" charset="0"/>
+                        </a:rPr>
+                        <a:t>Alternative Plan 1</a:t>
+                      </a:r>
+                      <a:endParaRPr lang="ko-KR" sz="1400" b="1">
+                        <a:effectLst/>
+                        <a:latin typeface="Ebrima" panose="02000000000000000000" pitchFamily="2" charset="0"/>
+                        <a:ea typeface="바탕"/>
+                        <a:cs typeface="Ebrima" panose="02000000000000000000" pitchFamily="2" charset="0"/>
+                      </a:endParaRPr>
+                    </a:p>
+                  </a:txBody>
+                  <a:tcPr marL="68580" marR="68580" marT="0" marB="0" anchor="ctr"/>
+                </a:tc>
+                <a:tc>
+                  <a:txBody>
+                    <a:bodyPr/>
+                    <a:lstStyle/>
+                    <a:p>
+                      <a:pPr algn="ctr">
+                        <a:spcAft>
+                          <a:spcPts val="0"/>
+                        </a:spcAft>
+                      </a:pPr>
+                      <a:r>
+                        <a:rPr lang="en-GB" sz="1400" b="1" dirty="0">
+                          <a:effectLst/>
+                          <a:latin typeface="Ebrima" panose="02000000000000000000" pitchFamily="2" charset="0"/>
+                          <a:ea typeface="Ebrima" panose="02000000000000000000" pitchFamily="2" charset="0"/>
+                          <a:cs typeface="Ebrima" panose="02000000000000000000" pitchFamily="2" charset="0"/>
+                        </a:rPr>
+                        <a:t>Random</a:t>
+                      </a:r>
+                      <a:endParaRPr lang="ko-KR" sz="1400" b="1" dirty="0">
+                        <a:effectLst/>
+                        <a:latin typeface="Ebrima" panose="02000000000000000000" pitchFamily="2" charset="0"/>
+                        <a:ea typeface="바탕"/>
+                        <a:cs typeface="Ebrima" panose="02000000000000000000" pitchFamily="2" charset="0"/>
+                      </a:endParaRPr>
+                    </a:p>
+                  </a:txBody>
+                  <a:tcPr marL="68580" marR="68580" marT="0" marB="0" anchor="ctr"/>
+                </a:tc>
+                <a:tc>
+                  <a:txBody>
+                    <a:bodyPr/>
+                    <a:lstStyle/>
+                    <a:p>
+                      <a:pPr algn="ctr">
+                        <a:spcAft>
+                          <a:spcPts val="0"/>
+                        </a:spcAft>
+                      </a:pPr>
+                      <a:r>
+                        <a:rPr lang="en-GB" sz="1400" b="1" dirty="0">
+                          <a:effectLst/>
+                          <a:latin typeface="Ebrima" panose="02000000000000000000" pitchFamily="2" charset="0"/>
+                          <a:ea typeface="Ebrima" panose="02000000000000000000" pitchFamily="2" charset="0"/>
+                          <a:cs typeface="Ebrima" panose="02000000000000000000" pitchFamily="2" charset="0"/>
+                        </a:rPr>
+                        <a:t>1</a:t>
+                      </a:r>
+                      <a:endParaRPr lang="ko-KR" sz="1400" b="1" dirty="0">
+                        <a:effectLst/>
+                        <a:latin typeface="Ebrima" panose="02000000000000000000" pitchFamily="2" charset="0"/>
+                        <a:ea typeface="바탕"/>
+                        <a:cs typeface="Ebrima" panose="02000000000000000000" pitchFamily="2" charset="0"/>
+                      </a:endParaRPr>
+                    </a:p>
+                  </a:txBody>
+                  <a:tcPr marL="68580" marR="68580" marT="0" marB="0" anchor="ctr"/>
+                </a:tc>
+              </a:tr>
+              <a:tr h="254423">
+                <a:tc>
+                  <a:txBody>
+                    <a:bodyPr/>
+                    <a:lstStyle/>
+                    <a:p>
+                      <a:pPr algn="ctr">
+                        <a:spcAft>
+                          <a:spcPts val="0"/>
+                        </a:spcAft>
+                      </a:pPr>
+                      <a:r>
+                        <a:rPr lang="en-GB" sz="1400" b="1" dirty="0">
+                          <a:effectLst/>
+                          <a:latin typeface="Ebrima" panose="02000000000000000000" pitchFamily="2" charset="0"/>
+                          <a:ea typeface="Ebrima" panose="02000000000000000000" pitchFamily="2" charset="0"/>
+                          <a:cs typeface="Ebrima" panose="02000000000000000000" pitchFamily="2" charset="0"/>
+                        </a:rPr>
+                        <a:t>Alternative Plan 3</a:t>
+                      </a:r>
+                      <a:endParaRPr lang="ko-KR" sz="1400" b="1" dirty="0">
+                        <a:effectLst/>
+                        <a:latin typeface="Ebrima" panose="02000000000000000000" pitchFamily="2" charset="0"/>
+                        <a:ea typeface="바탕"/>
+                        <a:cs typeface="Ebrima" panose="02000000000000000000" pitchFamily="2" charset="0"/>
+                      </a:endParaRPr>
+                    </a:p>
+                  </a:txBody>
+                  <a:tcPr marL="68580" marR="68580" marT="0" marB="0" anchor="ctr"/>
+                </a:tc>
+                <a:tc>
+                  <a:txBody>
+                    <a:bodyPr/>
+                    <a:lstStyle/>
+                    <a:p>
+                      <a:pPr algn="ctr">
+                        <a:spcAft>
+                          <a:spcPts val="0"/>
+                        </a:spcAft>
+                      </a:pPr>
+                      <a:r>
+                        <a:rPr lang="en-GB" sz="1400" b="1" dirty="0">
+                          <a:effectLst/>
+                          <a:latin typeface="Ebrima" panose="02000000000000000000" pitchFamily="2" charset="0"/>
+                          <a:ea typeface="Ebrima" panose="02000000000000000000" pitchFamily="2" charset="0"/>
+                          <a:cs typeface="Ebrima" panose="02000000000000000000" pitchFamily="2" charset="0"/>
+                        </a:rPr>
+                        <a:t>Random</a:t>
+                      </a:r>
+                      <a:endParaRPr lang="ko-KR" sz="1400" b="1" dirty="0">
+                        <a:effectLst/>
+                        <a:latin typeface="Ebrima" panose="02000000000000000000" pitchFamily="2" charset="0"/>
+                        <a:ea typeface="바탕"/>
+                        <a:cs typeface="Ebrima" panose="02000000000000000000" pitchFamily="2" charset="0"/>
+                      </a:endParaRPr>
+                    </a:p>
+                  </a:txBody>
+                  <a:tcPr marL="68580" marR="68580" marT="0" marB="0" anchor="ctr"/>
+                </a:tc>
+                <a:tc>
+                  <a:txBody>
+                    <a:bodyPr/>
+                    <a:lstStyle/>
+                    <a:p>
+                      <a:pPr algn="ctr">
+                        <a:spcAft>
+                          <a:spcPts val="0"/>
+                        </a:spcAft>
+                      </a:pPr>
+                      <a:r>
+                        <a:rPr lang="en-GB" sz="1400" b="1" dirty="0">
+                          <a:effectLst/>
+                          <a:latin typeface="Ebrima" panose="02000000000000000000" pitchFamily="2" charset="0"/>
+                          <a:ea typeface="Ebrima" panose="02000000000000000000" pitchFamily="2" charset="0"/>
+                          <a:cs typeface="Ebrima" panose="02000000000000000000" pitchFamily="2" charset="0"/>
+                        </a:rPr>
+                        <a:t>2</a:t>
+                      </a:r>
+                      <a:endParaRPr lang="ko-KR" sz="1400" b="1" dirty="0">
+                        <a:effectLst/>
+                        <a:latin typeface="Ebrima" panose="02000000000000000000" pitchFamily="2" charset="0"/>
+                        <a:ea typeface="바탕"/>
+                        <a:cs typeface="Ebrima" panose="02000000000000000000" pitchFamily="2" charset="0"/>
+                      </a:endParaRPr>
+                    </a:p>
+                  </a:txBody>
+                  <a:tcPr marL="68580" marR="68580" marT="0" marB="0" anchor="ctr"/>
+                </a:tc>
+              </a:tr>
+              <a:tr h="254423">
+                <a:tc>
+                  <a:txBody>
+                    <a:bodyPr/>
+                    <a:lstStyle/>
+                    <a:p>
+                      <a:pPr algn="ctr">
+                        <a:spcAft>
+                          <a:spcPts val="0"/>
+                        </a:spcAft>
+                      </a:pPr>
+                      <a:r>
+                        <a:rPr lang="en-GB" sz="1400" b="1" dirty="0">
+                          <a:effectLst/>
+                          <a:latin typeface="Ebrima" panose="02000000000000000000" pitchFamily="2" charset="0"/>
+                          <a:ea typeface="Ebrima" panose="02000000000000000000" pitchFamily="2" charset="0"/>
+                          <a:cs typeface="Ebrima" panose="02000000000000000000" pitchFamily="2" charset="0"/>
+                        </a:rPr>
+                        <a:t>Alternative Plan 5</a:t>
+                      </a:r>
+                      <a:endParaRPr lang="ko-KR" sz="1400" b="1" dirty="0">
+                        <a:effectLst/>
+                        <a:latin typeface="Ebrima" panose="02000000000000000000" pitchFamily="2" charset="0"/>
+                        <a:ea typeface="바탕"/>
+                        <a:cs typeface="Ebrima" panose="02000000000000000000" pitchFamily="2" charset="0"/>
+                      </a:endParaRPr>
+                    </a:p>
+                  </a:txBody>
+                  <a:tcPr marL="68580" marR="68580" marT="0" marB="0" anchor="ctr"/>
+                </a:tc>
+                <a:tc>
+                  <a:txBody>
+                    <a:bodyPr/>
+                    <a:lstStyle/>
+                    <a:p>
+                      <a:pPr algn="ctr">
+                        <a:spcAft>
+                          <a:spcPts val="0"/>
+                        </a:spcAft>
+                      </a:pPr>
+                      <a:r>
+                        <a:rPr lang="en-GB" sz="1400" b="1">
+                          <a:effectLst/>
+                          <a:latin typeface="Ebrima" panose="02000000000000000000" pitchFamily="2" charset="0"/>
+                          <a:ea typeface="Ebrima" panose="02000000000000000000" pitchFamily="2" charset="0"/>
+                          <a:cs typeface="Ebrima" panose="02000000000000000000" pitchFamily="2" charset="0"/>
+                        </a:rPr>
+                        <a:t>Random</a:t>
+                      </a:r>
+                      <a:endParaRPr lang="ko-KR" sz="1400" b="1">
+                        <a:effectLst/>
+                        <a:latin typeface="Ebrima" panose="02000000000000000000" pitchFamily="2" charset="0"/>
+                        <a:ea typeface="바탕"/>
+                        <a:cs typeface="Ebrima" panose="02000000000000000000" pitchFamily="2" charset="0"/>
+                      </a:endParaRPr>
+                    </a:p>
+                  </a:txBody>
+                  <a:tcPr marL="68580" marR="68580" marT="0" marB="0" anchor="ctr"/>
+                </a:tc>
+                <a:tc>
+                  <a:txBody>
+                    <a:bodyPr/>
+                    <a:lstStyle/>
+                    <a:p>
+                      <a:pPr algn="ctr">
+                        <a:spcAft>
+                          <a:spcPts val="0"/>
+                        </a:spcAft>
+                      </a:pPr>
+                      <a:r>
+                        <a:rPr lang="en-GB" sz="1400" b="1" dirty="0">
+                          <a:effectLst/>
+                          <a:latin typeface="Ebrima" panose="02000000000000000000" pitchFamily="2" charset="0"/>
+                          <a:ea typeface="Ebrima" panose="02000000000000000000" pitchFamily="2" charset="0"/>
+                          <a:cs typeface="Ebrima" panose="02000000000000000000" pitchFamily="2" charset="0"/>
+                        </a:rPr>
+                        <a:t>3</a:t>
+                      </a:r>
+                      <a:endParaRPr lang="ko-KR" sz="1400" b="1" dirty="0">
+                        <a:effectLst/>
+                        <a:latin typeface="Ebrima" panose="02000000000000000000" pitchFamily="2" charset="0"/>
+                        <a:ea typeface="바탕"/>
+                        <a:cs typeface="Ebrima" panose="02000000000000000000" pitchFamily="2" charset="0"/>
+                      </a:endParaRPr>
+                    </a:p>
+                  </a:txBody>
+                  <a:tcPr marL="68580" marR="68580" marT="0" marB="0" anchor="ctr"/>
+                </a:tc>
+              </a:tr>
+            </a:tbl>
+          </a:graphicData>
+        </a:graphic>
+      </p:graphicFrame>
+      <p:sp>
+        <p:nvSpPr>
+          <p:cNvPr id="3" name="矩形 2"/>
+          <p:cNvSpPr/>
+          <p:nvPr/>
+        </p:nvSpPr>
+        <p:spPr>
+          <a:xfrm>
+            <a:off x="4032738" y="863292"/>
+            <a:ext cx="4888524" cy="1973104"/>
+          </a:xfrm>
+          <a:prstGeom prst="rect">
+            <a:avLst/>
+          </a:prstGeom>
+        </p:spPr>
+        <p:txBody>
+          <a:bodyPr wrap="square">
+            <a:spAutoFit/>
+          </a:bodyPr>
+          <a:lstStyle/>
+          <a:p>
+            <a:pPr marL="342900" lvl="0" indent="-342900" latinLnBrk="0">
+              <a:lnSpc>
+                <a:spcPct val="107000"/>
+              </a:lnSpc>
+              <a:spcAft>
+                <a:spcPts val="800"/>
+              </a:spcAft>
+              <a:buFont typeface="+mj-lt"/>
+              <a:buAutoNum type="alphaLcParenBoth"/>
+            </a:pPr>
+            <a:r>
+              <a:rPr lang="en-US" dirty="0" smtClean="0">
+                <a:effectLst/>
+                <a:latin typeface="Ebrima" panose="02000000000000000000" pitchFamily="2" charset="0"/>
+                <a:ea typeface="Ebrima" panose="02000000000000000000" pitchFamily="2" charset="0"/>
+                <a:cs typeface="Ebrima" panose="02000000000000000000" pitchFamily="2" charset="0"/>
+              </a:rPr>
+              <a:t>All four schemes with </a:t>
+            </a:r>
+            <a:r>
+              <a:rPr lang="en-US" b="1" dirty="0" smtClean="0">
+                <a:solidFill>
+                  <a:srgbClr val="C00000"/>
+                </a:solidFill>
+                <a:effectLst/>
+                <a:latin typeface="Ebrima" panose="02000000000000000000" pitchFamily="2" charset="0"/>
+                <a:ea typeface="Ebrima" panose="02000000000000000000" pitchFamily="2" charset="0"/>
+                <a:cs typeface="Ebrima" panose="02000000000000000000" pitchFamily="2" charset="0"/>
+              </a:rPr>
+              <a:t>alternative </a:t>
+            </a:r>
+            <a:r>
+              <a:rPr lang="en-US" b="1" dirty="0" smtClean="0">
+                <a:solidFill>
+                  <a:srgbClr val="C00000"/>
+                </a:solidFill>
+                <a:effectLst/>
+                <a:latin typeface="Ebrima" panose="02000000000000000000" pitchFamily="2" charset="0"/>
+                <a:ea typeface="Ebrima" panose="02000000000000000000" pitchFamily="2" charset="0"/>
+                <a:cs typeface="Ebrima" panose="02000000000000000000" pitchFamily="2" charset="0"/>
+              </a:rPr>
+              <a:t>plans   </a:t>
+            </a:r>
+            <a:r>
+              <a:rPr lang="en-US" dirty="0" smtClean="0">
+                <a:effectLst/>
+                <a:latin typeface="Ebrima" panose="02000000000000000000" pitchFamily="2" charset="0"/>
+                <a:ea typeface="Ebrima" panose="02000000000000000000" pitchFamily="2" charset="0"/>
+                <a:cs typeface="Ebrima" panose="02000000000000000000" pitchFamily="2" charset="0"/>
+              </a:rPr>
+              <a:t>can </a:t>
+            </a:r>
+            <a:r>
+              <a:rPr lang="en-US" dirty="0" smtClean="0">
+                <a:effectLst/>
+                <a:latin typeface="Ebrima" panose="02000000000000000000" pitchFamily="2" charset="0"/>
+                <a:ea typeface="Ebrima" panose="02000000000000000000" pitchFamily="2" charset="0"/>
+                <a:cs typeface="Ebrima" panose="02000000000000000000" pitchFamily="2" charset="0"/>
+              </a:rPr>
+              <a:t>significantly </a:t>
+            </a:r>
+            <a:r>
+              <a:rPr lang="en-US" b="1" dirty="0" smtClean="0">
+                <a:solidFill>
+                  <a:srgbClr val="C00000"/>
+                </a:solidFill>
+                <a:effectLst/>
+                <a:latin typeface="Ebrima" panose="02000000000000000000" pitchFamily="2" charset="0"/>
+                <a:ea typeface="Ebrima" panose="02000000000000000000" pitchFamily="2" charset="0"/>
+                <a:cs typeface="Ebrima" panose="02000000000000000000" pitchFamily="2" charset="0"/>
+              </a:rPr>
+              <a:t>improve robustness</a:t>
+            </a:r>
+            <a:r>
+              <a:rPr lang="en-US" dirty="0" smtClean="0">
+                <a:latin typeface="Ebrima" panose="02000000000000000000" pitchFamily="2" charset="0"/>
+                <a:ea typeface="Ebrima" panose="02000000000000000000" pitchFamily="2" charset="0"/>
+                <a:cs typeface="Ebrima" panose="02000000000000000000" pitchFamily="2" charset="0"/>
+              </a:rPr>
+              <a:t> throughout the</a:t>
+            </a:r>
+            <a:r>
+              <a:rPr lang="en-US" dirty="0" smtClean="0">
+                <a:effectLst/>
+                <a:latin typeface="Ebrima" panose="02000000000000000000" pitchFamily="2" charset="0"/>
+                <a:ea typeface="Ebrima" panose="02000000000000000000" pitchFamily="2" charset="0"/>
+                <a:cs typeface="Ebrima" panose="02000000000000000000" pitchFamily="2" charset="0"/>
+              </a:rPr>
+              <a:t> day</a:t>
+            </a:r>
+            <a:endParaRPr lang="en-US" dirty="0" smtClean="0">
+              <a:effectLst/>
+              <a:latin typeface="Ebrima" panose="02000000000000000000" pitchFamily="2" charset="0"/>
+              <a:ea typeface="Ebrima" panose="02000000000000000000" pitchFamily="2" charset="0"/>
+              <a:cs typeface="Ebrima" panose="02000000000000000000" pitchFamily="2" charset="0"/>
+            </a:endParaRPr>
+          </a:p>
+          <a:p>
+            <a:pPr marL="342900" indent="-342900" latinLnBrk="0">
+              <a:lnSpc>
+                <a:spcPct val="107000"/>
+              </a:lnSpc>
+              <a:spcAft>
+                <a:spcPts val="800"/>
+              </a:spcAft>
+              <a:buFont typeface="+mj-lt"/>
+              <a:buAutoNum type="alphaLcParenBoth"/>
+            </a:pPr>
+            <a:r>
+              <a:rPr lang="en-US" dirty="0">
+                <a:latin typeface="Ebrima" panose="02000000000000000000" pitchFamily="2" charset="0"/>
+                <a:ea typeface="Ebrima" panose="02000000000000000000" pitchFamily="2" charset="0"/>
+                <a:cs typeface="Ebrima" panose="02000000000000000000" pitchFamily="2" charset="0"/>
+              </a:rPr>
+              <a:t>The </a:t>
+            </a:r>
+            <a:r>
+              <a:rPr lang="en-US" b="1" dirty="0" smtClean="0">
+                <a:solidFill>
+                  <a:srgbClr val="C00000"/>
+                </a:solidFill>
+                <a:latin typeface="Ebrima" panose="02000000000000000000" pitchFamily="2" charset="0"/>
+                <a:ea typeface="Ebrima" panose="02000000000000000000" pitchFamily="2" charset="0"/>
+                <a:cs typeface="Ebrima" panose="02000000000000000000" pitchFamily="2" charset="0"/>
+              </a:rPr>
+              <a:t>number of charging </a:t>
+            </a:r>
+            <a:r>
+              <a:rPr lang="en-US" b="1" dirty="0">
+                <a:solidFill>
+                  <a:srgbClr val="C00000"/>
+                </a:solidFill>
+                <a:latin typeface="Ebrima" panose="02000000000000000000" pitchFamily="2" charset="0"/>
+                <a:ea typeface="Ebrima" panose="02000000000000000000" pitchFamily="2" charset="0"/>
+                <a:cs typeface="Ebrima" panose="02000000000000000000" pitchFamily="2" charset="0"/>
+              </a:rPr>
+              <a:t>steps </a:t>
+            </a:r>
+            <a:r>
+              <a:rPr lang="en-US" dirty="0">
+                <a:latin typeface="Ebrima" panose="02000000000000000000" pitchFamily="2" charset="0"/>
+                <a:ea typeface="Ebrima" panose="02000000000000000000" pitchFamily="2" charset="0"/>
+                <a:cs typeface="Ebrima" panose="02000000000000000000" pitchFamily="2" charset="0"/>
+              </a:rPr>
+              <a:t>in </a:t>
+            </a:r>
+            <a:r>
+              <a:rPr lang="en-US" dirty="0" smtClean="0">
+                <a:latin typeface="Ebrima" panose="02000000000000000000" pitchFamily="2" charset="0"/>
+                <a:ea typeface="Ebrima" panose="02000000000000000000" pitchFamily="2" charset="0"/>
+                <a:cs typeface="Ebrima" panose="02000000000000000000" pitchFamily="2" charset="0"/>
+              </a:rPr>
+              <a:t>alternative </a:t>
+            </a:r>
+            <a:r>
+              <a:rPr lang="en-US" dirty="0">
+                <a:latin typeface="Ebrima" panose="02000000000000000000" pitchFamily="2" charset="0"/>
+                <a:ea typeface="Ebrima" panose="02000000000000000000" pitchFamily="2" charset="0"/>
+                <a:cs typeface="Ebrima" panose="02000000000000000000" pitchFamily="2" charset="0"/>
+              </a:rPr>
+              <a:t>charging plans </a:t>
+            </a:r>
+            <a:r>
+              <a:rPr lang="en-US" b="1" dirty="0" smtClean="0">
+                <a:solidFill>
+                  <a:srgbClr val="C00000"/>
+                </a:solidFill>
+                <a:latin typeface="Ebrima" panose="02000000000000000000" pitchFamily="2" charset="0"/>
+                <a:ea typeface="Ebrima" panose="02000000000000000000" pitchFamily="2" charset="0"/>
+                <a:cs typeface="Ebrima" panose="02000000000000000000" pitchFamily="2" charset="0"/>
+              </a:rPr>
+              <a:t>does </a:t>
+            </a:r>
+            <a:r>
+              <a:rPr lang="en-US" b="1" dirty="0">
+                <a:solidFill>
+                  <a:srgbClr val="C00000"/>
+                </a:solidFill>
+                <a:latin typeface="Ebrima" panose="02000000000000000000" pitchFamily="2" charset="0"/>
+                <a:ea typeface="Ebrima" panose="02000000000000000000" pitchFamily="2" charset="0"/>
+                <a:cs typeface="Ebrima" panose="02000000000000000000" pitchFamily="2" charset="0"/>
+              </a:rPr>
+              <a:t>not </a:t>
+            </a:r>
+            <a:r>
+              <a:rPr lang="en-US" dirty="0">
+                <a:latin typeface="Ebrima" panose="02000000000000000000" pitchFamily="2" charset="0"/>
+                <a:ea typeface="Ebrima" panose="02000000000000000000" pitchFamily="2" charset="0"/>
+                <a:cs typeface="Ebrima" panose="02000000000000000000" pitchFamily="2" charset="0"/>
+              </a:rPr>
+              <a:t>make </a:t>
+            </a:r>
+            <a:r>
+              <a:rPr lang="en-US" dirty="0" smtClean="0">
+                <a:latin typeface="Ebrima" panose="02000000000000000000" pitchFamily="2" charset="0"/>
+                <a:ea typeface="Ebrima" panose="02000000000000000000" pitchFamily="2" charset="0"/>
+                <a:cs typeface="Ebrima" panose="02000000000000000000" pitchFamily="2" charset="0"/>
+              </a:rPr>
+              <a:t>significant </a:t>
+            </a:r>
+            <a:r>
+              <a:rPr lang="en-US" dirty="0" smtClean="0">
+                <a:latin typeface="Ebrima" panose="02000000000000000000" pitchFamily="2" charset="0"/>
+                <a:ea typeface="Ebrima" panose="02000000000000000000" pitchFamily="2" charset="0"/>
+                <a:cs typeface="Ebrima" panose="02000000000000000000" pitchFamily="2" charset="0"/>
+              </a:rPr>
+              <a:t>differences</a:t>
+            </a:r>
+            <a:endParaRPr lang="en-US" dirty="0">
+              <a:latin typeface="Ebrima" panose="02000000000000000000" pitchFamily="2" charset="0"/>
+              <a:ea typeface="Ebrima" panose="02000000000000000000" pitchFamily="2" charset="0"/>
+              <a:cs typeface="Ebrima" panose="02000000000000000000" pitchFamily="2" charset="0"/>
+            </a:endParaRPr>
+          </a:p>
+        </p:txBody>
+      </p:sp>
+      <p:cxnSp>
+        <p:nvCxnSpPr>
+          <p:cNvPr id="11" name="直接连接符 10"/>
+          <p:cNvCxnSpPr>
+            <a:endCxn id="16" idx="0"/>
+          </p:cNvCxnSpPr>
+          <p:nvPr/>
+        </p:nvCxnSpPr>
+        <p:spPr>
+          <a:xfrm>
+            <a:off x="7057293" y="5005754"/>
+            <a:ext cx="0" cy="513384"/>
+          </a:xfrm>
+          <a:prstGeom prst="line">
+            <a:avLst/>
+          </a:prstGeom>
+        </p:spPr>
+        <p:style>
+          <a:lnRef idx="3">
+            <a:schemeClr val="accent2"/>
+          </a:lnRef>
+          <a:fillRef idx="0">
+            <a:schemeClr val="accent2"/>
+          </a:fillRef>
+          <a:effectRef idx="2">
+            <a:schemeClr val="accent2"/>
+          </a:effectRef>
+          <a:fontRef idx="minor">
+            <a:schemeClr val="tx1"/>
+          </a:fontRef>
+        </p:style>
+      </p:cxnSp>
+      <p:sp>
+        <p:nvSpPr>
+          <p:cNvPr id="16" name="文本框 15"/>
+          <p:cNvSpPr txBox="1"/>
+          <p:nvPr/>
+        </p:nvSpPr>
+        <p:spPr>
+          <a:xfrm>
+            <a:off x="5767754" y="5519138"/>
+            <a:ext cx="2579078" cy="369332"/>
+          </a:xfrm>
+          <a:prstGeom prst="rect">
+            <a:avLst/>
+          </a:prstGeom>
+        </p:spPr>
+        <p:style>
+          <a:lnRef idx="2">
+            <a:schemeClr val="accent2"/>
+          </a:lnRef>
+          <a:fillRef idx="1">
+            <a:schemeClr val="lt1"/>
+          </a:fillRef>
+          <a:effectRef idx="0">
+            <a:schemeClr val="accent2"/>
+          </a:effectRef>
+          <a:fontRef idx="minor">
+            <a:schemeClr val="dk1"/>
+          </a:fontRef>
+        </p:style>
+        <p:txBody>
+          <a:bodyPr wrap="square" rtlCol="0">
+            <a:spAutoFit/>
+          </a:bodyPr>
+          <a:lstStyle/>
+          <a:p>
+            <a:pPr algn="ctr" latinLnBrk="0"/>
+            <a:r>
+              <a:rPr lang="en-US" dirty="0" smtClean="0">
+                <a:latin typeface="Ebrima" panose="02000000000000000000" pitchFamily="2" charset="0"/>
+                <a:ea typeface="Ebrima" panose="02000000000000000000" pitchFamily="2" charset="0"/>
+                <a:cs typeface="Ebrima" panose="02000000000000000000" pitchFamily="2" charset="0"/>
+              </a:rPr>
+              <a:t>With different </a:t>
+            </a:r>
+            <a:r>
+              <a:rPr lang="en-US" dirty="0" smtClean="0">
+                <a:latin typeface="Ebrima" panose="02000000000000000000" pitchFamily="2" charset="0"/>
+                <a:ea typeface="Ebrima" panose="02000000000000000000" pitchFamily="2" charset="0"/>
+                <a:cs typeface="Ebrima" panose="02000000000000000000" pitchFamily="2" charset="0"/>
+              </a:rPr>
+              <a:t>schemes</a:t>
+            </a:r>
+            <a:endParaRPr lang="en-US" dirty="0">
+              <a:latin typeface="Ebrima" panose="02000000000000000000" pitchFamily="2" charset="0"/>
+              <a:ea typeface="Ebrima" panose="02000000000000000000" pitchFamily="2" charset="0"/>
+              <a:cs typeface="Ebrima" panose="02000000000000000000" pitchFamily="2" charset="0"/>
+            </a:endParaRPr>
+          </a:p>
+        </p:txBody>
+      </p:sp>
+      <p:cxnSp>
+        <p:nvCxnSpPr>
+          <p:cNvPr id="17" name="直接连接符 16"/>
+          <p:cNvCxnSpPr/>
+          <p:nvPr/>
+        </p:nvCxnSpPr>
+        <p:spPr>
+          <a:xfrm rot="5400000">
+            <a:off x="6414756" y="3282234"/>
+            <a:ext cx="0" cy="328246"/>
+          </a:xfrm>
+          <a:prstGeom prst="line">
+            <a:avLst/>
+          </a:prstGeom>
+        </p:spPr>
+        <p:style>
+          <a:lnRef idx="3">
+            <a:schemeClr val="accent2"/>
+          </a:lnRef>
+          <a:fillRef idx="0">
+            <a:schemeClr val="accent2"/>
+          </a:fillRef>
+          <a:effectRef idx="2">
+            <a:schemeClr val="accent2"/>
+          </a:effectRef>
+          <a:fontRef idx="minor">
+            <a:schemeClr val="tx1"/>
+          </a:fontRef>
+        </p:style>
+      </p:cxnSp>
+      <p:sp>
+        <p:nvSpPr>
+          <p:cNvPr id="18" name="文本框 17"/>
+          <p:cNvSpPr txBox="1"/>
+          <p:nvPr/>
+        </p:nvSpPr>
+        <p:spPr>
+          <a:xfrm>
+            <a:off x="5004779" y="3261691"/>
+            <a:ext cx="1316386" cy="369332"/>
+          </a:xfrm>
+          <a:prstGeom prst="rect">
+            <a:avLst/>
+          </a:prstGeom>
+        </p:spPr>
+        <p:style>
+          <a:lnRef idx="2">
+            <a:schemeClr val="accent2"/>
+          </a:lnRef>
+          <a:fillRef idx="1">
+            <a:schemeClr val="lt1"/>
+          </a:fillRef>
+          <a:effectRef idx="0">
+            <a:schemeClr val="accent2"/>
+          </a:effectRef>
+          <a:fontRef idx="minor">
+            <a:schemeClr val="dk1"/>
+          </a:fontRef>
+        </p:style>
+        <p:txBody>
+          <a:bodyPr wrap="none" rtlCol="0">
+            <a:spAutoFit/>
+          </a:bodyPr>
+          <a:lstStyle/>
+          <a:p>
+            <a:r>
+              <a:rPr lang="en-US" dirty="0" smtClean="0">
+                <a:latin typeface="Ebrima" panose="02000000000000000000" pitchFamily="2" charset="0"/>
+                <a:ea typeface="Ebrima" panose="02000000000000000000" pitchFamily="2" charset="0"/>
+                <a:cs typeface="Ebrima" panose="02000000000000000000" pitchFamily="2" charset="0"/>
+              </a:rPr>
+              <a:t>Benchmark</a:t>
+            </a:r>
+            <a:endParaRPr lang="en-US" dirty="0">
+              <a:latin typeface="Ebrima" panose="02000000000000000000" pitchFamily="2" charset="0"/>
+              <a:ea typeface="Ebrima" panose="02000000000000000000" pitchFamily="2" charset="0"/>
+              <a:cs typeface="Ebrima" panose="02000000000000000000" pitchFamily="2" charset="0"/>
+            </a:endParaRPr>
+          </a:p>
+        </p:txBody>
+      </p:sp>
+    </p:spTree>
+    <p:extLst>
+      <p:ext uri="{BB962C8B-B14F-4D97-AF65-F5344CB8AC3E}">
+        <p14:creationId xmlns:p14="http://schemas.microsoft.com/office/powerpoint/2010/main" val="3590589106"/>
+      </p:ext>
+    </p:extLst>
+  </p:cSld>
+  <p:clrMapOvr>
+    <a:masterClrMapping/>
+  </p:clrMapOvr>
+  <p:timing>
+    <p:tnLst>
+      <p:par>
+        <p:cTn id="1" dur="indefinite" restart="never" nodeType="tmRoot"/>
+      </p:par>
+    </p:tnLst>
+  </p:timing>
+</p:sld>
+</file>
+
+<file path=ppt/slides/slide11.xml><?xml version="1.0" encoding="utf-8"?>
+<p:sld xmlns:a="http://schemas.openxmlformats.org/drawingml/2006/main" xmlns:r="http://schemas.openxmlformats.org/officeDocument/2006/relationships" xmlns:p="http://schemas.openxmlformats.org/presentationml/2006/main">
+  <p:cSld>
+    <p:spTree>
+      <p:nvGrpSpPr>
+        <p:cNvPr id="1" name=""/>
+        <p:cNvGrpSpPr/>
+        <p:nvPr/>
+      </p:nvGrpSpPr>
+      <p:grpSpPr>
+        <a:xfrm>
+          <a:off x="0" y="0"/>
+          <a:ext cx="0" cy="0"/>
+          <a:chOff x="0" y="0"/>
+          <a:chExt cx="0" cy="0"/>
+        </a:xfrm>
+      </p:grpSpPr>
+      <p:pic>
+        <p:nvPicPr>
+          <p:cNvPr id="7" name="图片 6"/>
+          <p:cNvPicPr>
+            <a:picLocks noChangeAspect="1"/>
+          </p:cNvPicPr>
+          <p:nvPr/>
+        </p:nvPicPr>
+        <p:blipFill>
+          <a:blip r:embed="rId2"/>
+          <a:stretch>
+            <a:fillRect/>
+          </a:stretch>
+        </p:blipFill>
+        <p:spPr>
+          <a:xfrm>
+            <a:off x="35169" y="2375834"/>
+            <a:ext cx="9190430" cy="4482166"/>
+          </a:xfrm>
+          <a:prstGeom prst="rect">
+            <a:avLst/>
+          </a:prstGeom>
+        </p:spPr>
+      </p:pic>
+      <p:sp>
+        <p:nvSpPr>
+          <p:cNvPr id="4" name="직사각형 3"/>
+          <p:cNvSpPr/>
+          <p:nvPr/>
+        </p:nvSpPr>
+        <p:spPr>
+          <a:xfrm>
+            <a:off x="-16295" y="692696"/>
+            <a:ext cx="9176590" cy="72000"/>
+          </a:xfrm>
+          <a:prstGeom prst="rect">
+            <a:avLst/>
+          </a:prstGeom>
+          <a:solidFill>
+            <a:srgbClr val="0070C0"/>
+          </a:solidFill>
+          <a:ln>
+            <a:noFill/>
+          </a:ln>
+        </p:spPr>
+        <p:style>
+          <a:lnRef idx="2">
+            <a:schemeClr val="accent1">
+              <a:shade val="50000"/>
+            </a:schemeClr>
+          </a:lnRef>
+          <a:fillRef idx="1">
+            <a:schemeClr val="accent1"/>
+          </a:fillRef>
+          <a:effectRef idx="0">
+            <a:schemeClr val="accent1"/>
+          </a:effectRef>
+          <a:fontRef idx="minor">
+            <a:schemeClr val="lt1"/>
+          </a:fontRef>
+        </p:style>
+        <p:txBody>
+          <a:bodyPr rtlCol="0" anchor="ctr"/>
+          <a:lstStyle/>
+          <a:p>
+            <a:pPr algn="ctr"/>
+            <a:endParaRPr lang="ko-KR" altLang="en-US"/>
+          </a:p>
+        </p:txBody>
+      </p:sp>
+      <p:graphicFrame>
+        <p:nvGraphicFramePr>
+          <p:cNvPr id="2" name="表格 1"/>
+          <p:cNvGraphicFramePr>
+            <a:graphicFrameLocks noGrp="1"/>
+          </p:cNvGraphicFramePr>
+          <p:nvPr>
+            <p:extLst>
+              <p:ext uri="{D42A27DB-BD31-4B8C-83A1-F6EECF244321}">
+                <p14:modId xmlns:p14="http://schemas.microsoft.com/office/powerpoint/2010/main" val="3423749632"/>
+              </p:ext>
+            </p:extLst>
+          </p:nvPr>
+        </p:nvGraphicFramePr>
+        <p:xfrm>
+          <a:off x="263768" y="785445"/>
+          <a:ext cx="4226170" cy="1516649"/>
+        </p:xfrm>
+        <a:graphic>
+          <a:graphicData uri="http://schemas.openxmlformats.org/drawingml/2006/table">
+            <a:tbl>
+              <a:tblPr firstRow="1" bandRow="1">
+                <a:tableStyleId>{5C22544A-7EE6-4342-B048-85BDC9FD1C3A}</a:tableStyleId>
+              </a:tblPr>
+              <a:tblGrid>
+                <a:gridCol w="2397578"/>
+                <a:gridCol w="1828592"/>
+              </a:tblGrid>
+              <a:tr h="355396">
+                <a:tc>
+                  <a:txBody>
+                    <a:bodyPr/>
+                    <a:lstStyle/>
+                    <a:p>
+                      <a:pPr algn="ctr">
+                        <a:spcAft>
+                          <a:spcPts val="0"/>
+                        </a:spcAft>
+                      </a:pPr>
+                      <a:r>
+                        <a:rPr lang="en-GB" sz="1600" b="1" dirty="0">
+                          <a:effectLst/>
+                          <a:latin typeface="Ebrima" panose="02000000000000000000" pitchFamily="2" charset="0"/>
+                          <a:ea typeface="Ebrima" panose="02000000000000000000" pitchFamily="2" charset="0"/>
+                          <a:cs typeface="Ebrima" panose="02000000000000000000" pitchFamily="2" charset="0"/>
+                        </a:rPr>
+                        <a:t> </a:t>
+                      </a:r>
+                      <a:r>
+                        <a:rPr lang="en-GB" sz="1600" b="1" dirty="0" smtClean="0">
+                          <a:effectLst/>
+                          <a:latin typeface="Ebrima" panose="02000000000000000000" pitchFamily="2" charset="0"/>
+                          <a:ea typeface="Ebrima" panose="02000000000000000000" pitchFamily="2" charset="0"/>
+                          <a:cs typeface="Ebrima" panose="02000000000000000000" pitchFamily="2" charset="0"/>
+                        </a:rPr>
+                        <a:t>Experiment Variables</a:t>
+                      </a:r>
+                      <a:endParaRPr lang="ko-KR" sz="1600" b="1" dirty="0">
+                        <a:effectLst/>
+                        <a:latin typeface="Ebrima" panose="02000000000000000000" pitchFamily="2" charset="0"/>
+                        <a:ea typeface="바탕"/>
+                        <a:cs typeface="Ebrima" panose="02000000000000000000" pitchFamily="2" charset="0"/>
+                      </a:endParaRPr>
+                    </a:p>
+                  </a:txBody>
+                  <a:tcPr marL="68580" marR="68580" marT="0" marB="0" anchor="ctr"/>
+                </a:tc>
+                <a:tc>
+                  <a:txBody>
+                    <a:bodyPr/>
+                    <a:lstStyle/>
+                    <a:p>
+                      <a:pPr algn="ctr">
+                        <a:lnSpc>
+                          <a:spcPct val="107000"/>
+                        </a:lnSpc>
+                        <a:spcAft>
+                          <a:spcPts val="0"/>
+                        </a:spcAft>
+                      </a:pPr>
+                      <a:r>
+                        <a:rPr lang="en-US" sz="1600" b="1" kern="1200" dirty="0" smtClean="0">
+                          <a:solidFill>
+                            <a:schemeClr val="lt1"/>
+                          </a:solidFill>
+                          <a:effectLst/>
+                          <a:latin typeface="Ebrima" panose="02000000000000000000" pitchFamily="2" charset="0"/>
+                          <a:ea typeface="Ebrima" panose="02000000000000000000" pitchFamily="2" charset="0"/>
+                          <a:cs typeface="Ebrima" panose="02000000000000000000" pitchFamily="2" charset="0"/>
+                        </a:rPr>
+                        <a:t>Values</a:t>
+                      </a:r>
+                      <a:endParaRPr lang="en-US" sz="1600" b="1" kern="1200" dirty="0">
+                        <a:solidFill>
+                          <a:schemeClr val="lt1"/>
+                        </a:solidFill>
+                        <a:effectLst/>
+                        <a:latin typeface="Ebrima" panose="02000000000000000000" pitchFamily="2" charset="0"/>
+                        <a:ea typeface="Ebrima" panose="02000000000000000000" pitchFamily="2" charset="0"/>
+                        <a:cs typeface="Ebrima" panose="02000000000000000000" pitchFamily="2" charset="0"/>
+                      </a:endParaRPr>
+                    </a:p>
+                  </a:txBody>
+                  <a:tcPr marL="68580" marR="68580" marT="0" marB="0" anchor="ctr"/>
+                </a:tc>
+              </a:tr>
+              <a:tr h="870940">
+                <a:tc>
+                  <a:txBody>
+                    <a:bodyPr/>
+                    <a:lstStyle/>
+                    <a:p>
+                      <a:pPr algn="ctr">
+                        <a:spcAft>
+                          <a:spcPts val="0"/>
+                        </a:spcAft>
+                      </a:pPr>
+                      <a:r>
+                        <a:rPr lang="en-GB" altLang="ko-KR" sz="1600" b="1" dirty="0" smtClean="0">
+                          <a:effectLst/>
+                          <a:latin typeface="Ebrima" panose="02000000000000000000" pitchFamily="2" charset="0"/>
+                          <a:ea typeface="Ebrima" panose="02000000000000000000" pitchFamily="2" charset="0"/>
+                          <a:cs typeface="Ebrima" panose="02000000000000000000" pitchFamily="2" charset="0"/>
+                        </a:rPr>
+                        <a:t>Number of</a:t>
+                      </a:r>
+                    </a:p>
+                    <a:p>
+                      <a:pPr algn="ctr">
+                        <a:spcAft>
+                          <a:spcPts val="0"/>
+                        </a:spcAft>
+                      </a:pPr>
+                      <a:r>
+                        <a:rPr lang="en-GB" altLang="ko-KR" sz="1600" b="1" dirty="0" smtClean="0">
+                          <a:effectLst/>
+                          <a:latin typeface="Ebrima" panose="02000000000000000000" pitchFamily="2" charset="0"/>
+                          <a:ea typeface="Ebrima" panose="02000000000000000000" pitchFamily="2" charset="0"/>
+                          <a:cs typeface="Ebrima" panose="02000000000000000000" pitchFamily="2" charset="0"/>
+                        </a:rPr>
+                        <a:t>“Flexible”</a:t>
+                      </a:r>
+                      <a:r>
+                        <a:rPr lang="en-GB" altLang="ko-KR" sz="1600" b="1" baseline="0" dirty="0" smtClean="0">
+                          <a:effectLst/>
+                          <a:latin typeface="Ebrima" panose="02000000000000000000" pitchFamily="2" charset="0"/>
+                          <a:ea typeface="Ebrima" panose="02000000000000000000" pitchFamily="2" charset="0"/>
+                          <a:cs typeface="Ebrima" panose="02000000000000000000" pitchFamily="2" charset="0"/>
+                        </a:rPr>
+                        <a:t> </a:t>
+                      </a:r>
+                      <a:r>
+                        <a:rPr lang="en-GB" altLang="ko-KR" sz="1600" b="1" dirty="0" smtClean="0">
+                          <a:effectLst/>
+                          <a:latin typeface="Ebrima" panose="02000000000000000000" pitchFamily="2" charset="0"/>
+                          <a:ea typeface="Ebrima" panose="02000000000000000000" pitchFamily="2" charset="0"/>
+                          <a:cs typeface="Ebrima" panose="02000000000000000000" pitchFamily="2" charset="0"/>
+                        </a:rPr>
+                        <a:t>EVs</a:t>
+                      </a:r>
+                      <a:endParaRPr lang="ko-KR" sz="1600" b="1" dirty="0">
+                        <a:effectLst/>
+                        <a:latin typeface="Ebrima" panose="02000000000000000000" pitchFamily="2" charset="0"/>
+                        <a:ea typeface="바탕"/>
+                        <a:cs typeface="Ebrima" panose="02000000000000000000" pitchFamily="2" charset="0"/>
+                      </a:endParaRPr>
+                    </a:p>
+                  </a:txBody>
+                  <a:tcPr marL="68580" marR="68580" marT="0" marB="0" anchor="ctr"/>
+                </a:tc>
+                <a:tc>
+                  <a:txBody>
+                    <a:bodyPr/>
+                    <a:lstStyle/>
+                    <a:p>
+                      <a:pPr marL="0" marR="0" indent="0" algn="ctr" defTabSz="914400" rtl="0" eaLnBrk="1" fontAlgn="auto" latinLnBrk="0" hangingPunct="1">
+                        <a:lnSpc>
+                          <a:spcPct val="100000"/>
+                        </a:lnSpc>
+                        <a:spcBef>
+                          <a:spcPts val="0"/>
+                        </a:spcBef>
+                        <a:spcAft>
+                          <a:spcPts val="0"/>
+                        </a:spcAft>
+                        <a:buClrTx/>
+                        <a:buSzTx/>
+                        <a:buFontTx/>
+                        <a:buNone/>
+                        <a:tabLst/>
+                        <a:defRPr/>
+                      </a:pPr>
+                      <a:r>
+                        <a:rPr lang="en-US" altLang="ko-KR" sz="1600" b="1" dirty="0" smtClean="0">
+                          <a:effectLst/>
+                          <a:latin typeface="Ebrima" panose="02000000000000000000" pitchFamily="2" charset="0"/>
+                          <a:ea typeface="바탕"/>
+                          <a:cs typeface="Ebrima" panose="02000000000000000000" pitchFamily="2" charset="0"/>
+                        </a:rPr>
+                        <a:t>0</a:t>
+                      </a:r>
+                      <a:r>
+                        <a:rPr lang="en-US" altLang="ko-KR" sz="1600" b="1" dirty="0" smtClean="0">
+                          <a:effectLst/>
+                          <a:latin typeface="Ebrima" panose="02000000000000000000" pitchFamily="2" charset="0"/>
+                          <a:ea typeface="바탕"/>
+                          <a:cs typeface="Ebrima" panose="02000000000000000000" pitchFamily="2" charset="0"/>
+                        </a:rPr>
+                        <a:t>%, </a:t>
+                      </a:r>
+                      <a:r>
+                        <a:rPr lang="en-US" altLang="ko-KR" sz="1600" b="1" dirty="0" smtClean="0">
+                          <a:effectLst/>
+                          <a:latin typeface="Ebrima" panose="02000000000000000000" pitchFamily="2" charset="0"/>
+                          <a:ea typeface="바탕"/>
+                          <a:cs typeface="Ebrima" panose="02000000000000000000" pitchFamily="2" charset="0"/>
+                        </a:rPr>
+                        <a:t>20</a:t>
+                      </a:r>
+                      <a:r>
+                        <a:rPr lang="en-US" altLang="ko-KR" sz="1600" b="1" dirty="0" smtClean="0">
+                          <a:effectLst/>
+                          <a:latin typeface="Ebrima" panose="02000000000000000000" pitchFamily="2" charset="0"/>
+                          <a:ea typeface="바탕"/>
+                          <a:cs typeface="Ebrima" panose="02000000000000000000" pitchFamily="2" charset="0"/>
+                        </a:rPr>
+                        <a:t>%, </a:t>
+                      </a:r>
+                      <a:r>
+                        <a:rPr lang="en-US" altLang="ko-KR" sz="1600" b="1" dirty="0" smtClean="0">
+                          <a:effectLst/>
+                          <a:latin typeface="Ebrima" panose="02000000000000000000" pitchFamily="2" charset="0"/>
+                          <a:ea typeface="바탕"/>
+                          <a:cs typeface="Ebrima" panose="02000000000000000000" pitchFamily="2" charset="0"/>
+                        </a:rPr>
+                        <a:t>40</a:t>
+                      </a:r>
+                      <a:r>
+                        <a:rPr lang="en-US" altLang="ko-KR" sz="1600" b="1" dirty="0" smtClean="0">
+                          <a:effectLst/>
+                          <a:latin typeface="Ebrima" panose="02000000000000000000" pitchFamily="2" charset="0"/>
+                          <a:ea typeface="바탕"/>
+                          <a:cs typeface="Ebrima" panose="02000000000000000000" pitchFamily="2" charset="0"/>
+                        </a:rPr>
+                        <a:t>%, </a:t>
+                      </a:r>
+                      <a:r>
+                        <a:rPr lang="en-US" altLang="ko-KR" sz="1600" b="1" dirty="0" smtClean="0">
+                          <a:effectLst/>
+                          <a:latin typeface="Ebrima" panose="02000000000000000000" pitchFamily="2" charset="0"/>
+                          <a:ea typeface="바탕"/>
+                          <a:cs typeface="Ebrima" panose="02000000000000000000" pitchFamily="2" charset="0"/>
+                        </a:rPr>
+                        <a:t>60</a:t>
+                      </a:r>
+                      <a:r>
+                        <a:rPr lang="en-US" altLang="ko-KR" sz="1600" b="1" dirty="0" smtClean="0">
+                          <a:effectLst/>
+                          <a:latin typeface="Ebrima" panose="02000000000000000000" pitchFamily="2" charset="0"/>
+                          <a:ea typeface="바탕"/>
+                          <a:cs typeface="Ebrima" panose="02000000000000000000" pitchFamily="2" charset="0"/>
+                        </a:rPr>
+                        <a:t>%,</a:t>
+                      </a:r>
+                      <a:r>
+                        <a:rPr lang="en-US" altLang="ko-KR" sz="1600" b="1" baseline="0" dirty="0" smtClean="0">
+                          <a:effectLst/>
+                          <a:latin typeface="Ebrima" panose="02000000000000000000" pitchFamily="2" charset="0"/>
+                          <a:ea typeface="바탕"/>
+                          <a:cs typeface="Ebrima" panose="02000000000000000000" pitchFamily="2" charset="0"/>
+                        </a:rPr>
+                        <a:t> </a:t>
+                      </a:r>
+                      <a:r>
+                        <a:rPr lang="en-US" altLang="ko-KR" sz="1600" b="1" baseline="0" dirty="0" smtClean="0">
+                          <a:effectLst/>
+                          <a:latin typeface="Ebrima" panose="02000000000000000000" pitchFamily="2" charset="0"/>
+                          <a:ea typeface="바탕"/>
+                          <a:cs typeface="Ebrima" panose="02000000000000000000" pitchFamily="2" charset="0"/>
+                        </a:rPr>
+                        <a:t>80</a:t>
+                      </a:r>
+                      <a:r>
+                        <a:rPr lang="en-US" altLang="ko-KR" sz="1600" b="1" baseline="0" dirty="0" smtClean="0">
+                          <a:effectLst/>
+                          <a:latin typeface="Ebrima" panose="02000000000000000000" pitchFamily="2" charset="0"/>
+                          <a:ea typeface="바탕"/>
+                          <a:cs typeface="Ebrima" panose="02000000000000000000" pitchFamily="2" charset="0"/>
+                        </a:rPr>
+                        <a:t>%, </a:t>
+                      </a:r>
+                      <a:r>
+                        <a:rPr lang="en-US" altLang="ko-KR" sz="1600" b="1" baseline="0" dirty="0" smtClean="0">
+                          <a:effectLst/>
+                          <a:latin typeface="Ebrima" panose="02000000000000000000" pitchFamily="2" charset="0"/>
+                          <a:ea typeface="바탕"/>
+                          <a:cs typeface="Ebrima" panose="02000000000000000000" pitchFamily="2" charset="0"/>
+                        </a:rPr>
+                        <a:t>100%</a:t>
+                      </a:r>
+                      <a:endParaRPr lang="ko-KR" altLang="en-US" sz="1600" b="1" dirty="0" smtClean="0">
+                        <a:effectLst/>
+                        <a:latin typeface="Ebrima" panose="02000000000000000000" pitchFamily="2" charset="0"/>
+                        <a:ea typeface="바탕"/>
+                        <a:cs typeface="Ebrima" panose="02000000000000000000" pitchFamily="2" charset="0"/>
+                      </a:endParaRPr>
+                    </a:p>
+                  </a:txBody>
+                  <a:tcPr marL="68580" marR="68580" marT="0" marB="0" anchor="ctr"/>
+                </a:tc>
+              </a:tr>
+              <a:tr h="290313">
+                <a:tc>
+                  <a:txBody>
+                    <a:bodyPr/>
+                    <a:lstStyle/>
+                    <a:p>
+                      <a:pPr algn="ctr">
+                        <a:spcAft>
+                          <a:spcPts val="0"/>
+                        </a:spcAft>
+                      </a:pPr>
+                      <a:r>
+                        <a:rPr lang="en-GB" sz="1600" b="1" dirty="0" smtClean="0">
+                          <a:effectLst/>
+                          <a:latin typeface="Ebrima" panose="02000000000000000000" pitchFamily="2" charset="0"/>
+                          <a:ea typeface="Ebrima" panose="02000000000000000000" pitchFamily="2" charset="0"/>
+                          <a:cs typeface="Ebrima" panose="02000000000000000000" pitchFamily="2" charset="0"/>
+                        </a:rPr>
+                        <a:t>Scheme</a:t>
+                      </a:r>
+                      <a:endParaRPr lang="ko-KR" sz="1600" b="1" dirty="0">
+                        <a:effectLst/>
+                        <a:latin typeface="Ebrima" panose="02000000000000000000" pitchFamily="2" charset="0"/>
+                        <a:ea typeface="바탕"/>
+                        <a:cs typeface="Ebrima" panose="02000000000000000000" pitchFamily="2" charset="0"/>
+                      </a:endParaRPr>
+                    </a:p>
+                  </a:txBody>
+                  <a:tcPr marL="68580" marR="68580" marT="0" marB="0" anchor="ctr"/>
+                </a:tc>
+                <a:tc>
+                  <a:txBody>
+                    <a:bodyPr/>
+                    <a:lstStyle/>
+                    <a:p>
+                      <a:pPr algn="ctr">
+                        <a:spcAft>
+                          <a:spcPts val="0"/>
+                        </a:spcAft>
+                      </a:pPr>
+                      <a:r>
+                        <a:rPr lang="en-GB" sz="1600" b="1" dirty="0" smtClean="0">
+                          <a:effectLst/>
+                          <a:latin typeface="Ebrima" panose="02000000000000000000" pitchFamily="2" charset="0"/>
+                          <a:ea typeface="Ebrima" panose="02000000000000000000" pitchFamily="2" charset="0"/>
+                          <a:cs typeface="Ebrima" panose="02000000000000000000" pitchFamily="2" charset="0"/>
+                        </a:rPr>
+                        <a:t>[0, 1, 3, 5]</a:t>
+                      </a:r>
+                      <a:endParaRPr lang="ko-KR" sz="1600" b="1" dirty="0">
+                        <a:effectLst/>
+                        <a:latin typeface="Ebrima" panose="02000000000000000000" pitchFamily="2" charset="0"/>
+                        <a:ea typeface="바탕"/>
+                        <a:cs typeface="Ebrima" panose="02000000000000000000" pitchFamily="2" charset="0"/>
+                      </a:endParaRPr>
+                    </a:p>
+                  </a:txBody>
+                  <a:tcPr marL="68580" marR="68580" marT="0" marB="0" anchor="ctr"/>
+                </a:tc>
+              </a:tr>
+            </a:tbl>
+          </a:graphicData>
+        </a:graphic>
+      </p:graphicFrame>
+      <p:sp>
+        <p:nvSpPr>
+          <p:cNvPr id="3" name="矩形 2"/>
+          <p:cNvSpPr/>
+          <p:nvPr/>
+        </p:nvSpPr>
+        <p:spPr>
+          <a:xfrm>
+            <a:off x="4670929" y="892477"/>
+            <a:ext cx="4725607" cy="1080296"/>
+          </a:xfrm>
+          <a:prstGeom prst="rect">
+            <a:avLst/>
+          </a:prstGeom>
+          <a:solidFill>
+            <a:schemeClr val="bg1"/>
+          </a:solidFill>
+        </p:spPr>
+        <p:txBody>
+          <a:bodyPr wrap="square">
+            <a:spAutoFit/>
+          </a:bodyPr>
+          <a:lstStyle/>
+          <a:p>
+            <a:pPr lvl="0" latinLnBrk="0">
+              <a:lnSpc>
+                <a:spcPct val="107000"/>
+              </a:lnSpc>
+              <a:spcAft>
+                <a:spcPts val="800"/>
+              </a:spcAft>
+            </a:pPr>
+            <a:r>
+              <a:rPr lang="en-US" sz="2000" dirty="0" smtClean="0">
+                <a:effectLst/>
+                <a:latin typeface="Ebrima" panose="02000000000000000000" pitchFamily="2" charset="0"/>
+                <a:ea typeface="Ebrima" panose="02000000000000000000" pitchFamily="2" charset="0"/>
+                <a:cs typeface="Ebrima" panose="02000000000000000000" pitchFamily="2" charset="0"/>
+              </a:rPr>
+              <a:t>(c) </a:t>
+            </a:r>
+            <a:r>
+              <a:rPr lang="en-US" sz="2000" dirty="0" smtClean="0">
+                <a:effectLst/>
+                <a:latin typeface="Ebrima" panose="02000000000000000000" pitchFamily="2" charset="0"/>
+                <a:ea typeface="Ebrima" panose="02000000000000000000" pitchFamily="2" charset="0"/>
+                <a:cs typeface="Ebrima" panose="02000000000000000000" pitchFamily="2" charset="0"/>
+              </a:rPr>
+              <a:t>The </a:t>
+            </a:r>
+            <a:r>
+              <a:rPr lang="en-US" sz="2000" b="1" dirty="0" smtClean="0">
+                <a:solidFill>
+                  <a:srgbClr val="C00000"/>
+                </a:solidFill>
+                <a:effectLst/>
+                <a:latin typeface="Ebrima" panose="02000000000000000000" pitchFamily="2" charset="0"/>
+                <a:ea typeface="Ebrima" panose="02000000000000000000" pitchFamily="2" charset="0"/>
+                <a:cs typeface="Ebrima" panose="02000000000000000000" pitchFamily="2" charset="0"/>
+              </a:rPr>
+              <a:t>more EVs</a:t>
+            </a:r>
+            <a:r>
+              <a:rPr lang="en-US" sz="2000" dirty="0" smtClean="0">
+                <a:effectLst/>
+                <a:latin typeface="Ebrima" panose="02000000000000000000" pitchFamily="2" charset="0"/>
+                <a:ea typeface="Ebrima" panose="02000000000000000000" pitchFamily="2" charset="0"/>
+                <a:cs typeface="Ebrima" panose="02000000000000000000" pitchFamily="2" charset="0"/>
+              </a:rPr>
+              <a:t> accept alternative plans, the </a:t>
+            </a:r>
+            <a:r>
+              <a:rPr lang="en-US" sz="2000" b="1" dirty="0" smtClean="0">
+                <a:solidFill>
+                  <a:srgbClr val="C00000"/>
+                </a:solidFill>
+                <a:effectLst/>
+                <a:latin typeface="Ebrima" panose="02000000000000000000" pitchFamily="2" charset="0"/>
+                <a:ea typeface="Ebrima" panose="02000000000000000000" pitchFamily="2" charset="0"/>
+                <a:cs typeface="Ebrima" panose="02000000000000000000" pitchFamily="2" charset="0"/>
+              </a:rPr>
+              <a:t>more robust </a:t>
+            </a:r>
+            <a:r>
+              <a:rPr lang="en-US" sz="2000" dirty="0" smtClean="0">
+                <a:effectLst/>
+                <a:latin typeface="Ebrima" panose="02000000000000000000" pitchFamily="2" charset="0"/>
+                <a:ea typeface="Ebrima" panose="02000000000000000000" pitchFamily="2" charset="0"/>
+                <a:cs typeface="Ebrima" panose="02000000000000000000" pitchFamily="2" charset="0"/>
+              </a:rPr>
+              <a:t>the grid becomes</a:t>
+            </a:r>
+            <a:endParaRPr lang="en-US" sz="2000" dirty="0" smtClean="0">
+              <a:effectLst/>
+              <a:latin typeface="Ebrima" panose="02000000000000000000" pitchFamily="2" charset="0"/>
+              <a:ea typeface="Ebrima" panose="02000000000000000000" pitchFamily="2" charset="0"/>
+              <a:cs typeface="Ebrima" panose="02000000000000000000" pitchFamily="2" charset="0"/>
+            </a:endParaRPr>
+          </a:p>
+        </p:txBody>
+      </p:sp>
+      <p:sp>
+        <p:nvSpPr>
+          <p:cNvPr id="18" name="椭圆 17"/>
+          <p:cNvSpPr/>
+          <p:nvPr/>
+        </p:nvSpPr>
+        <p:spPr>
+          <a:xfrm>
+            <a:off x="6236676" y="2681421"/>
+            <a:ext cx="1055077" cy="2784230"/>
+          </a:xfrm>
+          <a:prstGeom prst="ellipse">
+            <a:avLst/>
+          </a:prstGeom>
+          <a:noFill/>
+          <a:ln w="38100">
+            <a:solidFill>
+              <a:srgbClr val="FF0000"/>
+            </a:solidFill>
+            <a:prstDash val="sysDot"/>
+          </a:ln>
+        </p:spPr>
+        <p:style>
+          <a:lnRef idx="1">
+            <a:schemeClr val="accent3"/>
+          </a:lnRef>
+          <a:fillRef idx="2">
+            <a:schemeClr val="accent3"/>
+          </a:fillRef>
+          <a:effectRef idx="1">
+            <a:schemeClr val="accent3"/>
+          </a:effectRef>
+          <a:fontRef idx="minor">
+            <a:schemeClr val="dk1"/>
+          </a:fontRef>
+        </p:style>
+        <p:txBody>
+          <a:bodyPr rtlCol="0" anchor="ctr"/>
+          <a:lstStyle/>
+          <a:p>
+            <a:pPr algn="ctr"/>
+            <a:endParaRPr lang="en-US"/>
+          </a:p>
+        </p:txBody>
+      </p:sp>
+      <p:sp>
+        <p:nvSpPr>
+          <p:cNvPr id="21" name="椭圆 20"/>
+          <p:cNvSpPr/>
+          <p:nvPr/>
+        </p:nvSpPr>
+        <p:spPr>
+          <a:xfrm rot="16200000">
+            <a:off x="1653663" y="3610955"/>
+            <a:ext cx="1643207" cy="3655130"/>
+          </a:xfrm>
+          <a:prstGeom prst="ellipse">
+            <a:avLst/>
+          </a:prstGeom>
+          <a:noFill/>
+          <a:ln w="38100">
+            <a:solidFill>
+              <a:srgbClr val="FF0000"/>
+            </a:solidFill>
+            <a:prstDash val="sysDot"/>
+          </a:ln>
+        </p:spPr>
+        <p:style>
+          <a:lnRef idx="1">
+            <a:schemeClr val="accent3"/>
+          </a:lnRef>
+          <a:fillRef idx="2">
+            <a:schemeClr val="accent3"/>
+          </a:fillRef>
+          <a:effectRef idx="1">
+            <a:schemeClr val="accent3"/>
+          </a:effectRef>
+          <a:fontRef idx="minor">
+            <a:schemeClr val="dk1"/>
+          </a:fontRef>
+        </p:style>
+        <p:txBody>
+          <a:bodyPr rtlCol="0" anchor="ctr"/>
+          <a:lstStyle/>
+          <a:p>
+            <a:pPr algn="ctr"/>
+            <a:endParaRPr lang="en-US"/>
+          </a:p>
+        </p:txBody>
+      </p:sp>
+      <p:sp>
+        <p:nvSpPr>
+          <p:cNvPr id="9" name="TextBox 8"/>
+          <p:cNvSpPr txBox="1"/>
+          <p:nvPr/>
+        </p:nvSpPr>
+        <p:spPr>
+          <a:xfrm>
+            <a:off x="107504" y="44626"/>
+            <a:ext cx="8813758" cy="646331"/>
+          </a:xfrm>
+          <a:prstGeom prst="rect">
+            <a:avLst/>
+          </a:prstGeom>
+          <a:noFill/>
+        </p:spPr>
+        <p:txBody>
+          <a:bodyPr wrap="square" rtlCol="0">
+            <a:spAutoFit/>
+          </a:bodyPr>
+          <a:lstStyle/>
+          <a:p>
+            <a:r>
+              <a:rPr lang="en-US" altLang="ko-KR" sz="3600" b="1" dirty="0" smtClean="0">
+                <a:latin typeface="Ebrima" panose="02000000000000000000" pitchFamily="2" charset="0"/>
+                <a:ea typeface="Ebrima" panose="02000000000000000000" pitchFamily="2" charset="0"/>
+                <a:cs typeface="Ebrima" panose="02000000000000000000" pitchFamily="2" charset="0"/>
+              </a:rPr>
+              <a:t>R</a:t>
+            </a:r>
+            <a:r>
+              <a:rPr lang="en-US" altLang="ko-KR" sz="2800" b="1" dirty="0" smtClean="0">
+                <a:latin typeface="Ebrima" panose="02000000000000000000" pitchFamily="2" charset="0"/>
+                <a:ea typeface="Ebrima" panose="02000000000000000000" pitchFamily="2" charset="0"/>
+                <a:cs typeface="Ebrima" panose="02000000000000000000" pitchFamily="2" charset="0"/>
+              </a:rPr>
+              <a:t>ESULTS: </a:t>
+            </a:r>
+            <a:r>
+              <a:rPr lang="en-US" altLang="ko-KR" sz="3600" b="1" dirty="0" smtClean="0">
+                <a:latin typeface="Ebrima" panose="02000000000000000000" pitchFamily="2" charset="0"/>
+                <a:ea typeface="Ebrima" panose="02000000000000000000" pitchFamily="2" charset="0"/>
+                <a:cs typeface="Ebrima" panose="02000000000000000000" pitchFamily="2" charset="0"/>
+              </a:rPr>
+              <a:t>I</a:t>
+            </a:r>
+            <a:r>
+              <a:rPr lang="en-US" altLang="ko-KR" sz="2800" b="1" dirty="0" smtClean="0">
+                <a:latin typeface="Ebrima" panose="02000000000000000000" pitchFamily="2" charset="0"/>
+                <a:ea typeface="Ebrima" panose="02000000000000000000" pitchFamily="2" charset="0"/>
+                <a:cs typeface="Ebrima" panose="02000000000000000000" pitchFamily="2" charset="0"/>
+              </a:rPr>
+              <a:t>MPROVING </a:t>
+            </a:r>
+            <a:r>
+              <a:rPr lang="en-US" altLang="ko-KR" sz="3600" b="1" dirty="0" smtClean="0">
+                <a:latin typeface="Ebrima" panose="02000000000000000000" pitchFamily="2" charset="0"/>
+                <a:ea typeface="Ebrima" panose="02000000000000000000" pitchFamily="2" charset="0"/>
+                <a:cs typeface="Ebrima" panose="02000000000000000000" pitchFamily="2" charset="0"/>
+              </a:rPr>
+              <a:t>R</a:t>
+            </a:r>
+            <a:r>
+              <a:rPr lang="en-US" altLang="ko-KR" sz="2800" b="1" dirty="0" smtClean="0">
+                <a:latin typeface="Ebrima" panose="02000000000000000000" pitchFamily="2" charset="0"/>
+                <a:ea typeface="Ebrima" panose="02000000000000000000" pitchFamily="2" charset="0"/>
+                <a:cs typeface="Ebrima" panose="02000000000000000000" pitchFamily="2" charset="0"/>
+              </a:rPr>
+              <a:t>OBUSTNESS</a:t>
+            </a:r>
+            <a:endParaRPr lang="ko-KR" altLang="en-US" sz="2800" b="1" dirty="0">
+              <a:latin typeface="Ebrima" panose="02000000000000000000" pitchFamily="2" charset="0"/>
+              <a:cs typeface="Ebrima" panose="02000000000000000000" pitchFamily="2" charset="0"/>
+            </a:endParaRPr>
+          </a:p>
+        </p:txBody>
+      </p:sp>
+    </p:spTree>
+    <p:extLst>
+      <p:ext uri="{BB962C8B-B14F-4D97-AF65-F5344CB8AC3E}">
+        <p14:creationId xmlns:p14="http://schemas.microsoft.com/office/powerpoint/2010/main" val="2984842618"/>
+      </p:ext>
+    </p:extLst>
+  </p:cSld>
+  <p:clrMapOvr>
+    <a:masterClrMapping/>
+  </p:clrMapOvr>
+  <p:timing>
+    <p:tnLst>
+      <p:par>
+        <p:cTn id="1" dur="indefinite" restart="never" nodeType="tmRoot"/>
+      </p:par>
+    </p:tnLst>
+  </p:timing>
+</p:sld>
+</file>
+
+<file path=ppt/slides/slide12.xml><?xml version="1.0" encoding="utf-8"?>
+<p:sld xmlns:a="http://schemas.openxmlformats.org/drawingml/2006/main" xmlns:r="http://schemas.openxmlformats.org/officeDocument/2006/relationships" xmlns:p="http://schemas.openxmlformats.org/presentationml/2006/main">
+  <p:cSld>
+    <p:spTree>
+      <p:nvGrpSpPr>
+        <p:cNvPr id="1" name=""/>
+        <p:cNvGrpSpPr/>
+        <p:nvPr/>
+      </p:nvGrpSpPr>
+      <p:grpSpPr>
+        <a:xfrm>
+          <a:off x="0" y="0"/>
+          <a:ext cx="0" cy="0"/>
+          <a:chOff x="0" y="0"/>
+          <a:chExt cx="0" cy="0"/>
+        </a:xfrm>
+      </p:grpSpPr>
+      <p:pic>
+        <p:nvPicPr>
+          <p:cNvPr id="10" name="图片 9"/>
+          <p:cNvPicPr/>
+          <p:nvPr/>
+        </p:nvPicPr>
+        <p:blipFill>
+          <a:blip r:embed="rId2">
+            <a:extLst>
+              <a:ext uri="{28A0092B-C50C-407E-A947-70E740481C1C}">
+                <a14:useLocalDpi xmlns:a14="http://schemas.microsoft.com/office/drawing/2010/main" val="0"/>
+              </a:ext>
+            </a:extLst>
+          </a:blip>
+          <a:srcRect/>
+          <a:stretch>
+            <a:fillRect/>
+          </a:stretch>
+        </p:blipFill>
+        <p:spPr bwMode="auto">
+          <a:xfrm>
+            <a:off x="35169" y="861712"/>
+            <a:ext cx="5451231" cy="3042073"/>
+          </a:xfrm>
+          <a:prstGeom prst="rect">
+            <a:avLst/>
+          </a:prstGeom>
+          <a:noFill/>
+        </p:spPr>
+      </p:pic>
+      <p:sp>
+        <p:nvSpPr>
+          <p:cNvPr id="4" name="직사각형 3"/>
+          <p:cNvSpPr/>
+          <p:nvPr/>
+        </p:nvSpPr>
+        <p:spPr>
+          <a:xfrm>
+            <a:off x="-16295" y="692696"/>
+            <a:ext cx="9176590" cy="72000"/>
+          </a:xfrm>
+          <a:prstGeom prst="rect">
+            <a:avLst/>
+          </a:prstGeom>
+          <a:solidFill>
+            <a:srgbClr val="0070C0"/>
+          </a:solidFill>
+          <a:ln>
+            <a:noFill/>
+          </a:ln>
+        </p:spPr>
+        <p:style>
+          <a:lnRef idx="2">
+            <a:schemeClr val="accent1">
+              <a:shade val="50000"/>
+            </a:schemeClr>
+          </a:lnRef>
+          <a:fillRef idx="1">
+            <a:schemeClr val="accent1"/>
+          </a:fillRef>
+          <a:effectRef idx="0">
+            <a:schemeClr val="accent1"/>
+          </a:effectRef>
+          <a:fontRef idx="minor">
+            <a:schemeClr val="lt1"/>
+          </a:fontRef>
+        </p:style>
+        <p:txBody>
+          <a:bodyPr rtlCol="0" anchor="ctr"/>
+          <a:lstStyle/>
+          <a:p>
+            <a:pPr algn="ctr"/>
+            <a:endParaRPr lang="ko-KR" altLang="en-US"/>
+          </a:p>
+        </p:txBody>
+      </p:sp>
+      <p:sp>
+        <p:nvSpPr>
+          <p:cNvPr id="3" name="矩形 2"/>
+          <p:cNvSpPr/>
+          <p:nvPr/>
+        </p:nvSpPr>
+        <p:spPr>
+          <a:xfrm>
+            <a:off x="5724128" y="1197167"/>
+            <a:ext cx="3197134" cy="2068259"/>
+          </a:xfrm>
+          <a:prstGeom prst="rect">
+            <a:avLst/>
+          </a:prstGeom>
+        </p:spPr>
+        <p:txBody>
+          <a:bodyPr wrap="square">
+            <a:spAutoFit/>
+          </a:bodyPr>
+          <a:lstStyle/>
+          <a:p>
+            <a:pPr lvl="0" latinLnBrk="0">
+              <a:lnSpc>
+                <a:spcPct val="107000"/>
+              </a:lnSpc>
+              <a:spcAft>
+                <a:spcPts val="800"/>
+              </a:spcAft>
+            </a:pPr>
+            <a:r>
+              <a:rPr lang="en-US" sz="2000" dirty="0" smtClean="0">
+                <a:latin typeface="Ebrima" panose="02000000000000000000" pitchFamily="2" charset="0"/>
+                <a:ea typeface="Ebrima" panose="02000000000000000000" pitchFamily="2" charset="0"/>
+                <a:cs typeface="Ebrima" panose="02000000000000000000" pitchFamily="2" charset="0"/>
+              </a:rPr>
+              <a:t>(d) The </a:t>
+            </a:r>
+            <a:r>
+              <a:rPr lang="en-US" sz="2000" dirty="0">
+                <a:latin typeface="Ebrima" panose="02000000000000000000" pitchFamily="2" charset="0"/>
+                <a:ea typeface="Ebrima" panose="02000000000000000000" pitchFamily="2" charset="0"/>
+                <a:cs typeface="Ebrima" panose="02000000000000000000" pitchFamily="2" charset="0"/>
+              </a:rPr>
+              <a:t>grid robustness, </a:t>
+            </a:r>
+            <a:r>
+              <a:rPr lang="en-US" sz="2000" dirty="0" smtClean="0">
+                <a:latin typeface="Ebrima" panose="02000000000000000000" pitchFamily="2" charset="0"/>
+                <a:ea typeface="Ebrima" panose="02000000000000000000" pitchFamily="2" charset="0"/>
+                <a:cs typeface="Ebrima" panose="02000000000000000000" pitchFamily="2" charset="0"/>
+              </a:rPr>
+              <a:t>measured </a:t>
+            </a:r>
+            <a:r>
+              <a:rPr lang="en-US" sz="2000" dirty="0">
+                <a:latin typeface="Ebrima" panose="02000000000000000000" pitchFamily="2" charset="0"/>
+                <a:ea typeface="Ebrima" panose="02000000000000000000" pitchFamily="2" charset="0"/>
+                <a:cs typeface="Ebrima" panose="02000000000000000000" pitchFamily="2" charset="0"/>
+              </a:rPr>
+              <a:t>in standard deviation, has </a:t>
+            </a:r>
+            <a:r>
+              <a:rPr lang="en-US" sz="2000" dirty="0" smtClean="0">
+                <a:latin typeface="Ebrima" panose="02000000000000000000" pitchFamily="2" charset="0"/>
+                <a:ea typeface="Ebrima" panose="02000000000000000000" pitchFamily="2" charset="0"/>
+                <a:cs typeface="Ebrima" panose="02000000000000000000" pitchFamily="2" charset="0"/>
+              </a:rPr>
+              <a:t>a </a:t>
+            </a:r>
+            <a:r>
+              <a:rPr lang="en-US" sz="2000" b="1" dirty="0" smtClean="0">
+                <a:solidFill>
+                  <a:schemeClr val="accent2"/>
+                </a:solidFill>
+                <a:latin typeface="Ebrima" panose="02000000000000000000" pitchFamily="2" charset="0"/>
+                <a:ea typeface="Ebrima" panose="02000000000000000000" pitchFamily="2" charset="0"/>
+                <a:cs typeface="Ebrima" panose="02000000000000000000" pitchFamily="2" charset="0"/>
+              </a:rPr>
+              <a:t>negative </a:t>
+            </a:r>
+            <a:r>
+              <a:rPr lang="en-US" sz="2000" b="1" dirty="0">
+                <a:solidFill>
+                  <a:schemeClr val="accent2"/>
+                </a:solidFill>
+                <a:latin typeface="Ebrima" panose="02000000000000000000" pitchFamily="2" charset="0"/>
+                <a:ea typeface="Ebrima" panose="02000000000000000000" pitchFamily="2" charset="0"/>
+                <a:cs typeface="Ebrima" panose="02000000000000000000" pitchFamily="2" charset="0"/>
+              </a:rPr>
+              <a:t>near-linear </a:t>
+            </a:r>
+            <a:r>
+              <a:rPr lang="en-US" sz="2000" b="1" dirty="0" smtClean="0">
+                <a:solidFill>
+                  <a:schemeClr val="accent2"/>
+                </a:solidFill>
+                <a:latin typeface="Ebrima" panose="02000000000000000000" pitchFamily="2" charset="0"/>
+                <a:ea typeface="Ebrima" panose="02000000000000000000" pitchFamily="2" charset="0"/>
+                <a:cs typeface="Ebrima" panose="02000000000000000000" pitchFamily="2" charset="0"/>
+              </a:rPr>
+              <a:t>correlation</a:t>
+            </a:r>
+            <a:r>
+              <a:rPr lang="en-US" sz="2000" dirty="0" smtClean="0">
+                <a:latin typeface="Ebrima" panose="02000000000000000000" pitchFamily="2" charset="0"/>
+                <a:ea typeface="Ebrima" panose="02000000000000000000" pitchFamily="2" charset="0"/>
+                <a:cs typeface="Ebrima" panose="02000000000000000000" pitchFamily="2" charset="0"/>
+              </a:rPr>
+              <a:t> </a:t>
+            </a:r>
+            <a:r>
+              <a:rPr lang="en-US" sz="2000" dirty="0">
+                <a:latin typeface="Ebrima" panose="02000000000000000000" pitchFamily="2" charset="0"/>
+                <a:ea typeface="Ebrima" panose="02000000000000000000" pitchFamily="2" charset="0"/>
+                <a:cs typeface="Ebrima" panose="02000000000000000000" pitchFamily="2" charset="0"/>
+              </a:rPr>
+              <a:t>with the percentage of flexible </a:t>
+            </a:r>
+            <a:r>
+              <a:rPr lang="en-US" sz="2000" dirty="0" smtClean="0">
+                <a:latin typeface="Ebrima" panose="02000000000000000000" pitchFamily="2" charset="0"/>
+                <a:ea typeface="Ebrima" panose="02000000000000000000" pitchFamily="2" charset="0"/>
+                <a:cs typeface="Ebrima" panose="02000000000000000000" pitchFamily="2" charset="0"/>
+              </a:rPr>
+              <a:t>EVs</a:t>
+            </a:r>
+            <a:endParaRPr lang="en-US" sz="2000" dirty="0">
+              <a:latin typeface="Ebrima" panose="02000000000000000000" pitchFamily="2" charset="0"/>
+              <a:ea typeface="Ebrima" panose="02000000000000000000" pitchFamily="2" charset="0"/>
+              <a:cs typeface="Ebrima" panose="02000000000000000000" pitchFamily="2" charset="0"/>
+            </a:endParaRPr>
+          </a:p>
+        </p:txBody>
+      </p:sp>
+      <p:pic>
+        <p:nvPicPr>
+          <p:cNvPr id="8" name="图片 7"/>
+          <p:cNvPicPr>
+            <a:picLocks noChangeAspect="1"/>
+          </p:cNvPicPr>
+          <p:nvPr/>
+        </p:nvPicPr>
+        <p:blipFill>
+          <a:blip r:embed="rId3"/>
+          <a:stretch>
+            <a:fillRect/>
+          </a:stretch>
+        </p:blipFill>
+        <p:spPr>
+          <a:xfrm>
+            <a:off x="35169" y="4000802"/>
+            <a:ext cx="5451231" cy="2857198"/>
+          </a:xfrm>
+          <a:prstGeom prst="rect">
+            <a:avLst/>
+          </a:prstGeom>
+        </p:spPr>
+      </p:pic>
+      <p:sp>
+        <p:nvSpPr>
+          <p:cNvPr id="9" name="左右箭头 8"/>
+          <p:cNvSpPr/>
+          <p:nvPr/>
+        </p:nvSpPr>
+        <p:spPr>
+          <a:xfrm rot="5400000">
+            <a:off x="2455619" y="3996486"/>
+            <a:ext cx="610329" cy="239619"/>
+          </a:xfrm>
+          <a:prstGeom prst="leftRightArrow">
+            <a:avLst/>
+          </a:prstGeom>
+        </p:spPr>
+        <p:style>
+          <a:lnRef idx="2">
+            <a:schemeClr val="accent1">
+              <a:shade val="50000"/>
+            </a:schemeClr>
+          </a:lnRef>
+          <a:fillRef idx="1">
+            <a:schemeClr val="accent1"/>
+          </a:fillRef>
+          <a:effectRef idx="0">
+            <a:schemeClr val="accent1"/>
+          </a:effectRef>
+          <a:fontRef idx="minor">
+            <a:schemeClr val="lt1"/>
+          </a:fontRef>
+        </p:style>
+        <p:txBody>
+          <a:bodyPr rtlCol="0" anchor="ctr"/>
+          <a:lstStyle/>
+          <a:p>
+            <a:pPr algn="ctr"/>
+            <a:endParaRPr lang="en-US"/>
+          </a:p>
+        </p:txBody>
+      </p:sp>
+      <p:sp>
+        <p:nvSpPr>
+          <p:cNvPr id="11" name="TextBox 10"/>
+          <p:cNvSpPr txBox="1"/>
+          <p:nvPr/>
+        </p:nvSpPr>
+        <p:spPr>
+          <a:xfrm>
+            <a:off x="107504" y="44626"/>
+            <a:ext cx="8813758" cy="646331"/>
+          </a:xfrm>
+          <a:prstGeom prst="rect">
+            <a:avLst/>
+          </a:prstGeom>
+          <a:noFill/>
+        </p:spPr>
+        <p:txBody>
+          <a:bodyPr wrap="square" rtlCol="0">
+            <a:spAutoFit/>
+          </a:bodyPr>
+          <a:lstStyle/>
+          <a:p>
+            <a:r>
+              <a:rPr lang="en-US" altLang="ko-KR" sz="3600" b="1" dirty="0" smtClean="0">
+                <a:latin typeface="Ebrima" panose="02000000000000000000" pitchFamily="2" charset="0"/>
+                <a:ea typeface="Ebrima" panose="02000000000000000000" pitchFamily="2" charset="0"/>
+                <a:cs typeface="Ebrima" panose="02000000000000000000" pitchFamily="2" charset="0"/>
+              </a:rPr>
+              <a:t>R</a:t>
+            </a:r>
+            <a:r>
+              <a:rPr lang="en-US" altLang="ko-KR" sz="2800" b="1" dirty="0" smtClean="0">
+                <a:latin typeface="Ebrima" panose="02000000000000000000" pitchFamily="2" charset="0"/>
+                <a:ea typeface="Ebrima" panose="02000000000000000000" pitchFamily="2" charset="0"/>
+                <a:cs typeface="Ebrima" panose="02000000000000000000" pitchFamily="2" charset="0"/>
+              </a:rPr>
+              <a:t>ESULTS: </a:t>
+            </a:r>
+            <a:r>
+              <a:rPr lang="en-US" altLang="ko-KR" sz="3600" b="1" dirty="0" smtClean="0">
+                <a:latin typeface="Ebrima" panose="02000000000000000000" pitchFamily="2" charset="0"/>
+                <a:ea typeface="Ebrima" panose="02000000000000000000" pitchFamily="2" charset="0"/>
+                <a:cs typeface="Ebrima" panose="02000000000000000000" pitchFamily="2" charset="0"/>
+              </a:rPr>
+              <a:t>I</a:t>
+            </a:r>
+            <a:r>
+              <a:rPr lang="en-US" altLang="ko-KR" sz="2800" b="1" dirty="0" smtClean="0">
+                <a:latin typeface="Ebrima" panose="02000000000000000000" pitchFamily="2" charset="0"/>
+                <a:ea typeface="Ebrima" panose="02000000000000000000" pitchFamily="2" charset="0"/>
+                <a:cs typeface="Ebrima" panose="02000000000000000000" pitchFamily="2" charset="0"/>
+              </a:rPr>
+              <a:t>MPROVING </a:t>
+            </a:r>
+            <a:r>
+              <a:rPr lang="en-US" altLang="ko-KR" sz="3600" b="1" dirty="0" smtClean="0">
+                <a:latin typeface="Ebrima" panose="02000000000000000000" pitchFamily="2" charset="0"/>
+                <a:ea typeface="Ebrima" panose="02000000000000000000" pitchFamily="2" charset="0"/>
+                <a:cs typeface="Ebrima" panose="02000000000000000000" pitchFamily="2" charset="0"/>
+              </a:rPr>
+              <a:t>R</a:t>
+            </a:r>
+            <a:r>
+              <a:rPr lang="en-US" altLang="ko-KR" sz="2800" b="1" dirty="0" smtClean="0">
+                <a:latin typeface="Ebrima" panose="02000000000000000000" pitchFamily="2" charset="0"/>
+                <a:ea typeface="Ebrima" panose="02000000000000000000" pitchFamily="2" charset="0"/>
+                <a:cs typeface="Ebrima" panose="02000000000000000000" pitchFamily="2" charset="0"/>
+              </a:rPr>
+              <a:t>OBUSTNESS</a:t>
+            </a:r>
+            <a:endParaRPr lang="ko-KR" altLang="en-US" sz="2800" b="1" dirty="0">
+              <a:latin typeface="Ebrima" panose="02000000000000000000" pitchFamily="2" charset="0"/>
+              <a:cs typeface="Ebrima" panose="02000000000000000000" pitchFamily="2" charset="0"/>
+            </a:endParaRPr>
+          </a:p>
+        </p:txBody>
+      </p:sp>
+    </p:spTree>
+    <p:extLst>
+      <p:ext uri="{BB962C8B-B14F-4D97-AF65-F5344CB8AC3E}">
+        <p14:creationId xmlns:p14="http://schemas.microsoft.com/office/powerpoint/2010/main" val="3765624115"/>
+      </p:ext>
+    </p:extLst>
+  </p:cSld>
+  <p:clrMapOvr>
+    <a:masterClrMapping/>
+  </p:clrMapOvr>
+  <p:timing>
+    <p:tnLst>
+      <p:par>
+        <p:cTn id="1" dur="indefinite" restart="never" nodeType="tmRoot"/>
+      </p:par>
+    </p:tnLst>
+  </p:timing>
+</p:sld>
+</file>
+
+<file path=ppt/slides/slide13.xml><?xml version="1.0" encoding="utf-8"?>
+<p:sld xmlns:a="http://schemas.openxmlformats.org/drawingml/2006/main" xmlns:r="http://schemas.openxmlformats.org/officeDocument/2006/relationships" xmlns:p="http://schemas.openxmlformats.org/presentationml/2006/main">
+  <p:cSld>
+    <p:spTree>
+      <p:nvGrpSpPr>
+        <p:cNvPr id="1" name=""/>
+        <p:cNvGrpSpPr/>
+        <p:nvPr/>
+      </p:nvGrpSpPr>
+      <p:grpSpPr>
+        <a:xfrm>
+          <a:off x="0" y="0"/>
+          <a:ext cx="0" cy="0"/>
+          <a:chOff x="0" y="0"/>
+          <a:chExt cx="0" cy="0"/>
+        </a:xfrm>
+      </p:grpSpPr>
+      <p:sp>
+        <p:nvSpPr>
+          <p:cNvPr id="4" name="직사각형 3"/>
+          <p:cNvSpPr/>
+          <p:nvPr/>
+        </p:nvSpPr>
+        <p:spPr>
+          <a:xfrm>
+            <a:off x="-16295" y="692696"/>
+            <a:ext cx="9176590" cy="72000"/>
+          </a:xfrm>
+          <a:prstGeom prst="rect">
+            <a:avLst/>
+          </a:prstGeom>
+          <a:solidFill>
+            <a:srgbClr val="0070C0"/>
+          </a:solidFill>
+          <a:ln>
+            <a:noFill/>
+          </a:ln>
+        </p:spPr>
+        <p:style>
+          <a:lnRef idx="2">
+            <a:schemeClr val="accent1">
+              <a:shade val="50000"/>
+            </a:schemeClr>
+          </a:lnRef>
+          <a:fillRef idx="1">
+            <a:schemeClr val="accent1"/>
+          </a:fillRef>
+          <a:effectRef idx="0">
+            <a:schemeClr val="accent1"/>
+          </a:effectRef>
+          <a:fontRef idx="minor">
+            <a:schemeClr val="lt1"/>
+          </a:fontRef>
+        </p:style>
+        <p:txBody>
+          <a:bodyPr rtlCol="0" anchor="ctr"/>
+          <a:lstStyle/>
+          <a:p>
+            <a:pPr algn="ctr"/>
+            <a:endParaRPr lang="ko-KR" altLang="en-US"/>
+          </a:p>
+        </p:txBody>
+      </p:sp>
+      <p:sp>
+        <p:nvSpPr>
+          <p:cNvPr id="3" name="矩形 2"/>
+          <p:cNvSpPr/>
+          <p:nvPr/>
+        </p:nvSpPr>
+        <p:spPr>
+          <a:xfrm>
+            <a:off x="242186" y="870723"/>
+            <a:ext cx="6727315" cy="1766189"/>
+          </a:xfrm>
+          <a:prstGeom prst="rect">
+            <a:avLst/>
+          </a:prstGeom>
+        </p:spPr>
+        <p:txBody>
+          <a:bodyPr wrap="square">
+            <a:spAutoFit/>
+          </a:bodyPr>
+          <a:lstStyle/>
+          <a:p>
+            <a:pPr marL="457200" lvl="0" indent="-457200" latinLnBrk="0">
+              <a:lnSpc>
+                <a:spcPct val="107000"/>
+              </a:lnSpc>
+              <a:spcAft>
+                <a:spcPts val="800"/>
+              </a:spcAft>
+              <a:buAutoNum type="alphaLcParenBoth"/>
+            </a:pPr>
+            <a:r>
+              <a:rPr lang="en-US" b="1" dirty="0" smtClean="0">
+                <a:solidFill>
+                  <a:srgbClr val="C00000"/>
+                </a:solidFill>
+                <a:latin typeface="Ebrima" panose="02000000000000000000" pitchFamily="2" charset="0"/>
+                <a:ea typeface="Ebrima" panose="02000000000000000000" pitchFamily="2" charset="0"/>
+                <a:cs typeface="Ebrima" panose="02000000000000000000" pitchFamily="2" charset="0"/>
+              </a:rPr>
+              <a:t>Cost </a:t>
+            </a:r>
+            <a:r>
+              <a:rPr lang="en-US" b="1" dirty="0">
+                <a:solidFill>
+                  <a:srgbClr val="C00000"/>
+                </a:solidFill>
+                <a:latin typeface="Ebrima" panose="02000000000000000000" pitchFamily="2" charset="0"/>
+                <a:ea typeface="Ebrima" panose="02000000000000000000" pitchFamily="2" charset="0"/>
+                <a:cs typeface="Ebrima" panose="02000000000000000000" pitchFamily="2" charset="0"/>
+              </a:rPr>
+              <a:t>decreases </a:t>
+            </a:r>
+            <a:r>
+              <a:rPr lang="en-US" dirty="0">
+                <a:latin typeface="Ebrima" panose="02000000000000000000" pitchFamily="2" charset="0"/>
+                <a:ea typeface="Ebrima" panose="02000000000000000000" pitchFamily="2" charset="0"/>
+                <a:cs typeface="Ebrima" panose="02000000000000000000" pitchFamily="2" charset="0"/>
+              </a:rPr>
+              <a:t>as optimization is performed</a:t>
+            </a:r>
+            <a:r>
+              <a:rPr lang="en-US" dirty="0" smtClean="0">
+                <a:latin typeface="Ebrima" panose="02000000000000000000" pitchFamily="2" charset="0"/>
+                <a:ea typeface="Ebrima" panose="02000000000000000000" pitchFamily="2" charset="0"/>
+                <a:cs typeface="Ebrima" panose="02000000000000000000" pitchFamily="2" charset="0"/>
+              </a:rPr>
+              <a:t>. (</a:t>
+            </a:r>
+            <a:r>
+              <a:rPr lang="en-US" b="1" dirty="0" smtClean="0">
+                <a:solidFill>
+                  <a:srgbClr val="C00000"/>
+                </a:solidFill>
+                <a:latin typeface="Ebrima" panose="02000000000000000000" pitchFamily="2" charset="0"/>
+                <a:ea typeface="Ebrima" panose="02000000000000000000" pitchFamily="2" charset="0"/>
+                <a:cs typeface="Ebrima" panose="02000000000000000000" pitchFamily="2" charset="0"/>
+              </a:rPr>
+              <a:t>32.6</a:t>
+            </a:r>
+            <a:r>
+              <a:rPr lang="en-US" b="1" dirty="0">
+                <a:solidFill>
+                  <a:srgbClr val="C00000"/>
+                </a:solidFill>
+                <a:latin typeface="Ebrima" panose="02000000000000000000" pitchFamily="2" charset="0"/>
+                <a:ea typeface="Ebrima" panose="02000000000000000000" pitchFamily="2" charset="0"/>
+                <a:cs typeface="Ebrima" panose="02000000000000000000" pitchFamily="2" charset="0"/>
+              </a:rPr>
+              <a:t>%</a:t>
+            </a:r>
+            <a:r>
+              <a:rPr lang="en-US" dirty="0">
+                <a:latin typeface="Ebrima" panose="02000000000000000000" pitchFamily="2" charset="0"/>
+                <a:ea typeface="Ebrima" panose="02000000000000000000" pitchFamily="2" charset="0"/>
+                <a:cs typeface="Ebrima" panose="02000000000000000000" pitchFamily="2" charset="0"/>
+              </a:rPr>
+              <a:t> cost </a:t>
+            </a:r>
+            <a:r>
+              <a:rPr lang="en-US" dirty="0" smtClean="0">
+                <a:latin typeface="Ebrima" panose="02000000000000000000" pitchFamily="2" charset="0"/>
+                <a:ea typeface="Ebrima" panose="02000000000000000000" pitchFamily="2" charset="0"/>
+                <a:cs typeface="Ebrima" panose="02000000000000000000" pitchFamily="2" charset="0"/>
+              </a:rPr>
+              <a:t>saved, when best </a:t>
+            </a:r>
+            <a:r>
+              <a:rPr lang="en-US" dirty="0" smtClean="0">
+                <a:latin typeface="Ebrima" panose="02000000000000000000" pitchFamily="2" charset="0"/>
+                <a:ea typeface="Ebrima" panose="02000000000000000000" pitchFamily="2" charset="0"/>
+                <a:cs typeface="Ebrima" panose="02000000000000000000" pitchFamily="2" charset="0"/>
+              </a:rPr>
+              <a:t>and worse </a:t>
+            </a:r>
+            <a:r>
+              <a:rPr lang="en-US" dirty="0" smtClean="0">
+                <a:latin typeface="Ebrima" panose="02000000000000000000" pitchFamily="2" charset="0"/>
+                <a:ea typeface="Ebrima" panose="02000000000000000000" pitchFamily="2" charset="0"/>
+                <a:cs typeface="Ebrima" panose="02000000000000000000" pitchFamily="2" charset="0"/>
+              </a:rPr>
+              <a:t>cases are compared) </a:t>
+            </a:r>
+            <a:endParaRPr lang="en-US" dirty="0" smtClean="0">
+              <a:latin typeface="Ebrima" panose="02000000000000000000" pitchFamily="2" charset="0"/>
+              <a:ea typeface="Ebrima" panose="02000000000000000000" pitchFamily="2" charset="0"/>
+              <a:cs typeface="Ebrima" panose="02000000000000000000" pitchFamily="2" charset="0"/>
+            </a:endParaRPr>
+          </a:p>
+          <a:p>
+            <a:pPr marL="457200" lvl="0" indent="-457200" latinLnBrk="0">
+              <a:lnSpc>
+                <a:spcPct val="107000"/>
+              </a:lnSpc>
+              <a:spcAft>
+                <a:spcPts val="800"/>
+              </a:spcAft>
+              <a:buAutoNum type="alphaLcParenBoth"/>
+            </a:pPr>
+            <a:r>
+              <a:rPr lang="en-US" b="1" dirty="0" smtClean="0">
+                <a:solidFill>
+                  <a:srgbClr val="C00000"/>
+                </a:solidFill>
+                <a:latin typeface="Ebrima" panose="02000000000000000000" pitchFamily="2" charset="0"/>
+                <a:ea typeface="Ebrima" panose="02000000000000000000" pitchFamily="2" charset="0"/>
+                <a:cs typeface="Ebrima" panose="02000000000000000000" pitchFamily="2" charset="0"/>
+              </a:rPr>
+              <a:t>The higher</a:t>
+            </a:r>
+            <a:r>
+              <a:rPr lang="en-US" dirty="0" smtClean="0">
+                <a:latin typeface="Ebrima" panose="02000000000000000000" pitchFamily="2" charset="0"/>
+                <a:ea typeface="Ebrima" panose="02000000000000000000" pitchFamily="2" charset="0"/>
+                <a:cs typeface="Ebrima" panose="02000000000000000000" pitchFamily="2" charset="0"/>
+              </a:rPr>
+              <a:t> </a:t>
+            </a:r>
+            <a:r>
+              <a:rPr lang="en-US" dirty="0" smtClean="0">
+                <a:latin typeface="Ebrima" panose="02000000000000000000" pitchFamily="2" charset="0"/>
+                <a:ea typeface="Ebrima" panose="02000000000000000000" pitchFamily="2" charset="0"/>
+                <a:cs typeface="Ebrima" panose="02000000000000000000" pitchFamily="2" charset="0"/>
+              </a:rPr>
+              <a:t>the </a:t>
+            </a:r>
+            <a:r>
+              <a:rPr lang="en-US" dirty="0" smtClean="0">
+                <a:latin typeface="Ebrima" panose="02000000000000000000" pitchFamily="2" charset="0"/>
+                <a:ea typeface="Ebrima" panose="02000000000000000000" pitchFamily="2" charset="0"/>
+                <a:cs typeface="Ebrima" panose="02000000000000000000" pitchFamily="2" charset="0"/>
+              </a:rPr>
+              <a:t>percentage</a:t>
+            </a:r>
+            <a:r>
+              <a:rPr lang="en-US" dirty="0" smtClean="0">
+                <a:latin typeface="Ebrima" panose="02000000000000000000" pitchFamily="2" charset="0"/>
+                <a:ea typeface="Ebrima" panose="02000000000000000000" pitchFamily="2" charset="0"/>
+                <a:cs typeface="Ebrima" panose="02000000000000000000" pitchFamily="2" charset="0"/>
+              </a:rPr>
+              <a:t> </a:t>
+            </a:r>
+            <a:r>
+              <a:rPr lang="en-US" dirty="0" smtClean="0">
+                <a:latin typeface="Ebrima" panose="02000000000000000000" pitchFamily="2" charset="0"/>
+                <a:ea typeface="Ebrima" panose="02000000000000000000" pitchFamily="2" charset="0"/>
+                <a:cs typeface="Ebrima" panose="02000000000000000000" pitchFamily="2" charset="0"/>
+              </a:rPr>
+              <a:t>of flexible </a:t>
+            </a:r>
+            <a:r>
+              <a:rPr lang="en-US" dirty="0" smtClean="0">
+                <a:latin typeface="Ebrima" panose="02000000000000000000" pitchFamily="2" charset="0"/>
+                <a:ea typeface="Ebrima" panose="02000000000000000000" pitchFamily="2" charset="0"/>
+                <a:cs typeface="Ebrima" panose="02000000000000000000" pitchFamily="2" charset="0"/>
+              </a:rPr>
+              <a:t>EVs, </a:t>
+            </a:r>
+            <a:r>
+              <a:rPr lang="en-US" b="1" dirty="0" smtClean="0">
+                <a:solidFill>
+                  <a:srgbClr val="C00000"/>
+                </a:solidFill>
+                <a:latin typeface="Ebrima" panose="02000000000000000000" pitchFamily="2" charset="0"/>
+                <a:ea typeface="Ebrima" panose="02000000000000000000" pitchFamily="2" charset="0"/>
+                <a:cs typeface="Ebrima" panose="02000000000000000000" pitchFamily="2" charset="0"/>
+              </a:rPr>
+              <a:t>the lower</a:t>
+            </a:r>
+            <a:r>
+              <a:rPr lang="en-US" dirty="0" smtClean="0">
+                <a:latin typeface="Ebrima" panose="02000000000000000000" pitchFamily="2" charset="0"/>
+                <a:ea typeface="Ebrima" panose="02000000000000000000" pitchFamily="2" charset="0"/>
+                <a:cs typeface="Ebrima" panose="02000000000000000000" pitchFamily="2" charset="0"/>
+              </a:rPr>
+              <a:t> </a:t>
+            </a:r>
+            <a:r>
+              <a:rPr lang="en-US" dirty="0" smtClean="0">
+                <a:latin typeface="Ebrima" panose="02000000000000000000" pitchFamily="2" charset="0"/>
+                <a:ea typeface="Ebrima" panose="02000000000000000000" pitchFamily="2" charset="0"/>
+                <a:cs typeface="Ebrima" panose="02000000000000000000" pitchFamily="2" charset="0"/>
+              </a:rPr>
+              <a:t>the total </a:t>
+            </a:r>
+            <a:r>
+              <a:rPr lang="en-US" dirty="0" smtClean="0">
+                <a:latin typeface="Ebrima" panose="02000000000000000000" pitchFamily="2" charset="0"/>
+                <a:ea typeface="Ebrima" panose="02000000000000000000" pitchFamily="2" charset="0"/>
+                <a:cs typeface="Ebrima" panose="02000000000000000000" pitchFamily="2" charset="0"/>
+              </a:rPr>
+              <a:t>cost</a:t>
+            </a:r>
+            <a:endParaRPr lang="en-US" dirty="0" smtClean="0">
+              <a:latin typeface="Ebrima" panose="02000000000000000000" pitchFamily="2" charset="0"/>
+              <a:ea typeface="Ebrima" panose="02000000000000000000" pitchFamily="2" charset="0"/>
+              <a:cs typeface="Ebrima" panose="02000000000000000000" pitchFamily="2" charset="0"/>
+            </a:endParaRPr>
+          </a:p>
+          <a:p>
+            <a:pPr marL="457200" lvl="0" indent="-457200">
+              <a:lnSpc>
+                <a:spcPct val="107000"/>
+              </a:lnSpc>
+              <a:spcAft>
+                <a:spcPts val="800"/>
+              </a:spcAft>
+              <a:buAutoNum type="alphaLcParenBoth"/>
+            </a:pPr>
+            <a:endParaRPr lang="en-US" dirty="0">
+              <a:latin typeface="Ebrima" panose="02000000000000000000" pitchFamily="2" charset="0"/>
+              <a:ea typeface="Ebrima" panose="02000000000000000000" pitchFamily="2" charset="0"/>
+              <a:cs typeface="Ebrima" panose="02000000000000000000" pitchFamily="2" charset="0"/>
+            </a:endParaRPr>
+          </a:p>
+        </p:txBody>
+      </p:sp>
+      <p:pic>
+        <p:nvPicPr>
+          <p:cNvPr id="11" name="图片 10"/>
+          <p:cNvPicPr/>
+          <p:nvPr/>
+        </p:nvPicPr>
+        <p:blipFill>
+          <a:blip r:embed="rId2">
+            <a:extLst>
+              <a:ext uri="{28A0092B-C50C-407E-A947-70E740481C1C}">
+                <a14:useLocalDpi xmlns:a14="http://schemas.microsoft.com/office/drawing/2010/main" val="0"/>
+              </a:ext>
+            </a:extLst>
+          </a:blip>
+          <a:srcRect/>
+          <a:stretch>
+            <a:fillRect/>
+          </a:stretch>
+        </p:blipFill>
+        <p:spPr bwMode="auto">
+          <a:xfrm>
+            <a:off x="107503" y="2237257"/>
+            <a:ext cx="8895819" cy="4503512"/>
+          </a:xfrm>
+          <a:prstGeom prst="rect">
+            <a:avLst/>
+          </a:prstGeom>
+          <a:noFill/>
+        </p:spPr>
+      </p:pic>
+      <p:sp>
+        <p:nvSpPr>
+          <p:cNvPr id="12" name="矩形 11"/>
+          <p:cNvSpPr/>
+          <p:nvPr/>
+        </p:nvSpPr>
+        <p:spPr>
+          <a:xfrm>
+            <a:off x="4953123" y="5624119"/>
+            <a:ext cx="1491085" cy="369332"/>
+          </a:xfrm>
+          <a:prstGeom prst="rect">
+            <a:avLst/>
+          </a:prstGeom>
+        </p:spPr>
+        <p:style>
+          <a:lnRef idx="2">
+            <a:schemeClr val="accent2"/>
+          </a:lnRef>
+          <a:fillRef idx="1">
+            <a:schemeClr val="lt1"/>
+          </a:fillRef>
+          <a:effectRef idx="0">
+            <a:schemeClr val="accent2"/>
+          </a:effectRef>
+          <a:fontRef idx="minor">
+            <a:schemeClr val="dk1"/>
+          </a:fontRef>
+        </p:style>
+        <p:txBody>
+          <a:bodyPr wrap="none">
+            <a:spAutoFit/>
+          </a:bodyPr>
+          <a:lstStyle/>
+          <a:p>
+            <a:r>
+              <a:rPr lang="en-US" b="1" dirty="0" smtClean="0">
+                <a:effectLst/>
+                <a:latin typeface="Ebrima" panose="02000000000000000000" pitchFamily="2" charset="0"/>
+                <a:ea typeface="Ebrima" panose="02000000000000000000" pitchFamily="2" charset="0"/>
+                <a:cs typeface="Ebrima" panose="02000000000000000000" pitchFamily="2" charset="0"/>
+              </a:rPr>
+              <a:t>1022.35 USD </a:t>
+            </a:r>
+            <a:endParaRPr lang="en-US" b="1" dirty="0">
+              <a:latin typeface="Ebrima" panose="02000000000000000000" pitchFamily="2" charset="0"/>
+              <a:ea typeface="Ebrima" panose="02000000000000000000" pitchFamily="2" charset="0"/>
+              <a:cs typeface="Ebrima" panose="02000000000000000000" pitchFamily="2" charset="0"/>
+            </a:endParaRPr>
+          </a:p>
+        </p:txBody>
+      </p:sp>
+      <p:cxnSp>
+        <p:nvCxnSpPr>
+          <p:cNvPr id="13" name="直接连接符 12"/>
+          <p:cNvCxnSpPr/>
+          <p:nvPr/>
+        </p:nvCxnSpPr>
+        <p:spPr>
+          <a:xfrm flipH="1">
+            <a:off x="6455699" y="5826142"/>
+            <a:ext cx="366001" cy="0"/>
+          </a:xfrm>
+          <a:prstGeom prst="line">
+            <a:avLst/>
+          </a:prstGeom>
+        </p:spPr>
+        <p:style>
+          <a:lnRef idx="3">
+            <a:schemeClr val="accent2"/>
+          </a:lnRef>
+          <a:fillRef idx="0">
+            <a:schemeClr val="accent2"/>
+          </a:fillRef>
+          <a:effectRef idx="2">
+            <a:schemeClr val="accent2"/>
+          </a:effectRef>
+          <a:fontRef idx="minor">
+            <a:schemeClr val="tx1"/>
+          </a:fontRef>
+        </p:style>
+      </p:cxnSp>
+      <p:sp>
+        <p:nvSpPr>
+          <p:cNvPr id="15" name="矩形 14"/>
+          <p:cNvSpPr/>
+          <p:nvPr/>
+        </p:nvSpPr>
+        <p:spPr>
+          <a:xfrm>
+            <a:off x="4778505" y="2621011"/>
+            <a:ext cx="1521687" cy="369332"/>
+          </a:xfrm>
+          <a:prstGeom prst="rect">
+            <a:avLst/>
+          </a:prstGeom>
+        </p:spPr>
+        <p:style>
+          <a:lnRef idx="2">
+            <a:schemeClr val="accent2"/>
+          </a:lnRef>
+          <a:fillRef idx="1">
+            <a:schemeClr val="lt1"/>
+          </a:fillRef>
+          <a:effectRef idx="0">
+            <a:schemeClr val="accent2"/>
+          </a:effectRef>
+          <a:fontRef idx="minor">
+            <a:schemeClr val="dk1"/>
+          </a:fontRef>
+        </p:style>
+        <p:txBody>
+          <a:bodyPr wrap="none">
+            <a:spAutoFit/>
+          </a:bodyPr>
+          <a:lstStyle/>
+          <a:p>
+            <a:r>
+              <a:rPr lang="en-US" b="1" dirty="0"/>
+              <a:t>1494.42 </a:t>
+            </a:r>
+            <a:r>
+              <a:rPr lang="en-US" b="1" dirty="0">
+                <a:latin typeface="Ebrima" panose="02000000000000000000" pitchFamily="2" charset="0"/>
+                <a:ea typeface="Ebrima" panose="02000000000000000000" pitchFamily="2" charset="0"/>
+                <a:cs typeface="Ebrima" panose="02000000000000000000" pitchFamily="2" charset="0"/>
+              </a:rPr>
+              <a:t>USD</a:t>
+            </a:r>
+            <a:r>
+              <a:rPr lang="en-US" b="1" dirty="0"/>
+              <a:t> </a:t>
+            </a:r>
+          </a:p>
+        </p:txBody>
+      </p:sp>
+      <p:cxnSp>
+        <p:nvCxnSpPr>
+          <p:cNvPr id="16" name="直接连接符 15"/>
+          <p:cNvCxnSpPr/>
+          <p:nvPr/>
+        </p:nvCxnSpPr>
+        <p:spPr>
+          <a:xfrm flipH="1">
+            <a:off x="6272698" y="2823034"/>
+            <a:ext cx="366001" cy="0"/>
+          </a:xfrm>
+          <a:prstGeom prst="line">
+            <a:avLst/>
+          </a:prstGeom>
+        </p:spPr>
+        <p:style>
+          <a:lnRef idx="3">
+            <a:schemeClr val="accent2"/>
+          </a:lnRef>
+          <a:fillRef idx="0">
+            <a:schemeClr val="accent2"/>
+          </a:fillRef>
+          <a:effectRef idx="2">
+            <a:schemeClr val="accent2"/>
+          </a:effectRef>
+          <a:fontRef idx="minor">
+            <a:schemeClr val="tx1"/>
+          </a:fontRef>
+        </p:style>
+      </p:cxnSp>
+      <p:pic>
+        <p:nvPicPr>
+          <p:cNvPr id="20" name="图片 19"/>
+          <p:cNvPicPr>
+            <a:picLocks noChangeAspect="1"/>
+          </p:cNvPicPr>
+          <p:nvPr/>
+        </p:nvPicPr>
+        <p:blipFill rotWithShape="1">
+          <a:blip r:embed="rId3"/>
+          <a:srcRect l="3836" t="4953" r="29908" b="32674"/>
+          <a:stretch/>
+        </p:blipFill>
+        <p:spPr>
+          <a:xfrm>
+            <a:off x="6916615" y="1024529"/>
+            <a:ext cx="2086707" cy="1138989"/>
+          </a:xfrm>
+          <a:prstGeom prst="rect">
+            <a:avLst/>
+          </a:prstGeom>
+        </p:spPr>
+      </p:pic>
+      <p:graphicFrame>
+        <p:nvGraphicFramePr>
+          <p:cNvPr id="27" name="表格 26"/>
+          <p:cNvGraphicFramePr>
+            <a:graphicFrameLocks noGrp="1"/>
+          </p:cNvGraphicFramePr>
+          <p:nvPr>
+            <p:extLst>
+              <p:ext uri="{D42A27DB-BD31-4B8C-83A1-F6EECF244321}">
+                <p14:modId xmlns:p14="http://schemas.microsoft.com/office/powerpoint/2010/main" val="3641866702"/>
+              </p:ext>
+            </p:extLst>
+          </p:nvPr>
+        </p:nvGraphicFramePr>
+        <p:xfrm>
+          <a:off x="1920162" y="2590799"/>
+          <a:ext cx="1737438" cy="1898214"/>
+        </p:xfrm>
+        <a:graphic>
+          <a:graphicData uri="http://schemas.openxmlformats.org/drawingml/2006/table">
+            <a:tbl>
+              <a:tblPr>
+                <a:tableStyleId>{5940675A-B579-460E-94D1-54222C63F5DA}</a:tableStyleId>
+              </a:tblPr>
+              <a:tblGrid>
+                <a:gridCol w="504525"/>
+                <a:gridCol w="1232913"/>
+              </a:tblGrid>
+              <a:tr h="316369">
+                <a:tc>
+                  <a:txBody>
+                    <a:bodyPr/>
+                    <a:lstStyle/>
+                    <a:p>
+                      <a:pPr algn="l" fontAlgn="b"/>
+                      <a:r>
+                        <a:rPr lang="en-US" sz="1600" b="1" u="none" strike="noStrike" dirty="0" smtClean="0">
+                          <a:effectLst/>
+                          <a:latin typeface="Ebrima" panose="02000000000000000000" pitchFamily="2" charset="0"/>
+                          <a:ea typeface="Ebrima" panose="02000000000000000000" pitchFamily="2" charset="0"/>
+                          <a:cs typeface="Ebrima" panose="02000000000000000000" pitchFamily="2" charset="0"/>
+                        </a:rPr>
+                        <a:t>0</a:t>
+                      </a:r>
+                      <a:endParaRPr lang="en-US" sz="1600" b="1" i="0" u="none" strike="noStrike" dirty="0">
+                        <a:solidFill>
+                          <a:srgbClr val="000000"/>
+                        </a:solidFill>
+                        <a:effectLst/>
+                        <a:latin typeface="Ebrima" panose="02000000000000000000" pitchFamily="2" charset="0"/>
+                        <a:ea typeface="Ebrima" panose="02000000000000000000" pitchFamily="2" charset="0"/>
+                        <a:cs typeface="Ebrima" panose="02000000000000000000" pitchFamily="2" charset="0"/>
+                      </a:endParaRPr>
+                    </a:p>
+                  </a:txBody>
+                  <a:tcPr marL="7620" marR="7620" marT="7620" marB="0" anchor="ctr">
+                    <a:lnL w="12700" cmpd="sng">
+                      <a:noFill/>
+                    </a:lnL>
+                    <a:lnR w="12700" cap="flat" cmpd="sng" algn="ctr">
+                      <a:noFill/>
+                      <a:prstDash val="solid"/>
+                      <a:round/>
+                      <a:headEnd type="none" w="med" len="med"/>
+                      <a:tailEnd type="none" w="med" len="med"/>
+                    </a:lnR>
+                    <a:lnT w="12700" cmpd="sng">
+                      <a:noFill/>
+                    </a:lnT>
+                    <a:lnB w="12700" cap="flat" cmpd="sng" algn="ctr">
+                      <a:noFill/>
+                      <a:prstDash val="solid"/>
+                      <a:round/>
+                      <a:headEnd type="none" w="med" len="med"/>
+                      <a:tailEnd type="none" w="med" len="med"/>
+                    </a:lnB>
+                    <a:lnTlToBr w="12700" cmpd="sng">
+                      <a:noFill/>
+                      <a:prstDash val="solid"/>
+                    </a:lnTlToBr>
+                    <a:lnBlToTr w="12700" cmpd="sng">
+                      <a:noFill/>
+                      <a:prstDash val="solid"/>
+                    </a:lnBlToTr>
+                    <a:solidFill>
+                      <a:schemeClr val="bg1"/>
+                    </a:solidFill>
+                  </a:tcPr>
+                </a:tc>
+                <a:tc>
+                  <a:txBody>
+                    <a:bodyPr/>
+                    <a:lstStyle/>
+                    <a:p>
+                      <a:pPr algn="l" fontAlgn="b"/>
+                      <a:r>
+                        <a:rPr lang="en-US" sz="1600" b="1" u="none" strike="noStrike" dirty="0">
+                          <a:effectLst/>
+                          <a:latin typeface="Ebrima" panose="02000000000000000000" pitchFamily="2" charset="0"/>
+                          <a:ea typeface="Ebrima" panose="02000000000000000000" pitchFamily="2" charset="0"/>
+                          <a:cs typeface="Ebrima" panose="02000000000000000000" pitchFamily="2" charset="0"/>
+                        </a:rPr>
+                        <a:t> </a:t>
+                      </a:r>
+                      <a:r>
+                        <a:rPr lang="en-US" sz="1600" b="1" u="none" strike="noStrike" dirty="0" smtClean="0">
+                          <a:effectLst/>
+                          <a:latin typeface="Ebrima" panose="02000000000000000000" pitchFamily="2" charset="0"/>
+                          <a:ea typeface="Ebrima" panose="02000000000000000000" pitchFamily="2" charset="0"/>
+                          <a:cs typeface="Ebrima" panose="02000000000000000000" pitchFamily="2" charset="0"/>
+                        </a:rPr>
+                        <a:t>($ 1,494.42)</a:t>
+                      </a:r>
+                      <a:endParaRPr lang="en-US" sz="1600" b="1" i="0" u="none" strike="noStrike" dirty="0">
+                        <a:solidFill>
+                          <a:srgbClr val="000000"/>
+                        </a:solidFill>
+                        <a:effectLst/>
+                        <a:latin typeface="Ebrima" panose="02000000000000000000" pitchFamily="2" charset="0"/>
+                        <a:ea typeface="Ebrima" panose="02000000000000000000" pitchFamily="2" charset="0"/>
+                        <a:cs typeface="Ebrima" panose="02000000000000000000" pitchFamily="2" charset="0"/>
+                      </a:endParaRPr>
+                    </a:p>
+                  </a:txBody>
+                  <a:tcPr marL="7620" marR="7620" marT="7620" marB="0" anchor="ctr">
+                    <a:lnL w="12700" cap="flat" cmpd="sng" algn="ctr">
+                      <a:noFill/>
+                      <a:prstDash val="solid"/>
+                      <a:round/>
+                      <a:headEnd type="none" w="med" len="med"/>
+                      <a:tailEnd type="none" w="med" len="med"/>
+                    </a:lnL>
+                    <a:lnR w="12700" cmpd="sng">
+                      <a:noFill/>
+                    </a:lnR>
+                    <a:lnT w="12700" cmpd="sng">
+                      <a:noFill/>
+                    </a:lnT>
+                    <a:lnB w="12700" cap="flat" cmpd="sng" algn="ctr">
+                      <a:noFill/>
+                      <a:prstDash val="solid"/>
+                      <a:round/>
+                      <a:headEnd type="none" w="med" len="med"/>
+                      <a:tailEnd type="none" w="med" len="med"/>
+                    </a:lnB>
+                    <a:lnTlToBr w="12700" cmpd="sng">
+                      <a:noFill/>
+                      <a:prstDash val="solid"/>
+                    </a:lnTlToBr>
+                    <a:lnBlToTr w="12700" cmpd="sng">
+                      <a:noFill/>
+                      <a:prstDash val="solid"/>
+                    </a:lnBlToTr>
+                    <a:solidFill>
+                      <a:schemeClr val="bg1"/>
+                    </a:solidFill>
+                  </a:tcPr>
+                </a:tc>
+              </a:tr>
+              <a:tr h="316369">
+                <a:tc>
+                  <a:txBody>
+                    <a:bodyPr/>
+                    <a:lstStyle/>
+                    <a:p>
+                      <a:pPr algn="l" fontAlgn="b"/>
+                      <a:r>
+                        <a:rPr lang="en-US" sz="1600" b="1" u="none" strike="noStrike" dirty="0">
+                          <a:effectLst/>
+                          <a:latin typeface="Ebrima" panose="02000000000000000000" pitchFamily="2" charset="0"/>
+                          <a:ea typeface="Ebrima" panose="02000000000000000000" pitchFamily="2" charset="0"/>
+                          <a:cs typeface="Ebrima" panose="02000000000000000000" pitchFamily="2" charset="0"/>
+                        </a:rPr>
+                        <a:t>0.2</a:t>
+                      </a:r>
+                      <a:endParaRPr lang="en-US" sz="1600" b="1" i="0" u="none" strike="noStrike" dirty="0">
+                        <a:solidFill>
+                          <a:srgbClr val="000000"/>
+                        </a:solidFill>
+                        <a:effectLst/>
+                        <a:latin typeface="Ebrima" panose="02000000000000000000" pitchFamily="2" charset="0"/>
+                        <a:ea typeface="Ebrima" panose="02000000000000000000" pitchFamily="2" charset="0"/>
+                        <a:cs typeface="Ebrima" panose="02000000000000000000" pitchFamily="2" charset="0"/>
+                      </a:endParaRPr>
+                    </a:p>
+                  </a:txBody>
+                  <a:tcPr marL="7620" marR="7620" marT="7620" marB="0" anchor="ctr">
+                    <a:lnL w="12700" cmpd="sng">
+                      <a:noFill/>
+                    </a:lnL>
+                    <a:lnR w="12700" cap="flat" cmpd="sng" algn="ctr">
+                      <a:noFill/>
+                      <a:prstDash val="solid"/>
+                      <a:round/>
+                      <a:headEnd type="none" w="med" len="med"/>
+                      <a:tailEnd type="none" w="med" len="med"/>
+                    </a:lnR>
+                    <a:lnT w="12700" cap="flat" cmpd="sng" algn="ctr">
+                      <a:noFill/>
+                      <a:prstDash val="solid"/>
+                      <a:round/>
+                      <a:headEnd type="none" w="med" len="med"/>
+                      <a:tailEnd type="none" w="med" len="med"/>
+                    </a:lnT>
+                    <a:lnB w="12700" cap="flat" cmpd="sng" algn="ctr">
+                      <a:noFill/>
+                      <a:prstDash val="solid"/>
+                      <a:round/>
+                      <a:headEnd type="none" w="med" len="med"/>
+                      <a:tailEnd type="none" w="med" len="med"/>
+                    </a:lnB>
+                    <a:lnTlToBr w="12700" cmpd="sng">
+                      <a:noFill/>
+                      <a:prstDash val="solid"/>
+                    </a:lnTlToBr>
+                    <a:lnBlToTr w="12700" cmpd="sng">
+                      <a:noFill/>
+                      <a:prstDash val="solid"/>
+                    </a:lnBlToTr>
+                    <a:solidFill>
+                      <a:schemeClr val="bg1"/>
+                    </a:solidFill>
+                  </a:tcPr>
+                </a:tc>
+                <a:tc>
+                  <a:txBody>
+                    <a:bodyPr/>
+                    <a:lstStyle/>
+                    <a:p>
+                      <a:pPr algn="l" fontAlgn="b"/>
+                      <a:r>
+                        <a:rPr lang="en-US" sz="1600" b="1" u="none" strike="noStrike" dirty="0">
+                          <a:effectLst/>
+                          <a:latin typeface="Ebrima" panose="02000000000000000000" pitchFamily="2" charset="0"/>
+                          <a:ea typeface="Ebrima" panose="02000000000000000000" pitchFamily="2" charset="0"/>
+                          <a:cs typeface="Ebrima" panose="02000000000000000000" pitchFamily="2" charset="0"/>
+                        </a:rPr>
+                        <a:t> </a:t>
+                      </a:r>
+                      <a:r>
+                        <a:rPr lang="en-US" sz="1600" b="1" u="none" strike="noStrike" dirty="0" smtClean="0">
+                          <a:effectLst/>
+                          <a:latin typeface="Ebrima" panose="02000000000000000000" pitchFamily="2" charset="0"/>
+                          <a:ea typeface="Ebrima" panose="02000000000000000000" pitchFamily="2" charset="0"/>
+                          <a:cs typeface="Ebrima" panose="02000000000000000000" pitchFamily="2" charset="0"/>
+                        </a:rPr>
+                        <a:t>($</a:t>
+                      </a:r>
+                      <a:r>
+                        <a:rPr lang="en-US" sz="1600" b="1" u="none" strike="noStrike" baseline="0" dirty="0" smtClean="0">
+                          <a:effectLst/>
+                          <a:latin typeface="Ebrima" panose="02000000000000000000" pitchFamily="2" charset="0"/>
+                          <a:ea typeface="Ebrima" panose="02000000000000000000" pitchFamily="2" charset="0"/>
+                          <a:cs typeface="Ebrima" panose="02000000000000000000" pitchFamily="2" charset="0"/>
+                        </a:rPr>
+                        <a:t> </a:t>
+                      </a:r>
+                      <a:r>
+                        <a:rPr lang="en-US" sz="1600" b="1" u="none" strike="noStrike" dirty="0" smtClean="0">
+                          <a:effectLst/>
+                          <a:latin typeface="Ebrima" panose="02000000000000000000" pitchFamily="2" charset="0"/>
+                          <a:ea typeface="Ebrima" panose="02000000000000000000" pitchFamily="2" charset="0"/>
+                          <a:cs typeface="Ebrima" panose="02000000000000000000" pitchFamily="2" charset="0"/>
+                        </a:rPr>
+                        <a:t>1,406.21) </a:t>
+                      </a:r>
+                      <a:endParaRPr lang="en-US" sz="1600" b="1" i="0" u="none" strike="noStrike" dirty="0">
+                        <a:solidFill>
+                          <a:srgbClr val="000000"/>
+                        </a:solidFill>
+                        <a:effectLst/>
+                        <a:latin typeface="Ebrima" panose="02000000000000000000" pitchFamily="2" charset="0"/>
+                        <a:ea typeface="Ebrima" panose="02000000000000000000" pitchFamily="2" charset="0"/>
+                        <a:cs typeface="Ebrima" panose="02000000000000000000" pitchFamily="2" charset="0"/>
+                      </a:endParaRPr>
+                    </a:p>
+                  </a:txBody>
+                  <a:tcPr marL="7620" marR="7620" marT="7620" marB="0" anchor="ctr">
+                    <a:lnL w="12700" cap="flat" cmpd="sng" algn="ctr">
+                      <a:noFill/>
+                      <a:prstDash val="solid"/>
+                      <a:round/>
+                      <a:headEnd type="none" w="med" len="med"/>
+                      <a:tailEnd type="none" w="med" len="med"/>
+                    </a:lnL>
+                    <a:lnR w="12700" cmpd="sng">
+                      <a:noFill/>
+                    </a:lnR>
+                    <a:lnT w="12700" cap="flat" cmpd="sng" algn="ctr">
+                      <a:noFill/>
+                      <a:prstDash val="solid"/>
+                      <a:round/>
+                      <a:headEnd type="none" w="med" len="med"/>
+                      <a:tailEnd type="none" w="med" len="med"/>
+                    </a:lnT>
+                    <a:lnB w="12700" cap="flat" cmpd="sng" algn="ctr">
+                      <a:noFill/>
+                      <a:prstDash val="solid"/>
+                      <a:round/>
+                      <a:headEnd type="none" w="med" len="med"/>
+                      <a:tailEnd type="none" w="med" len="med"/>
+                    </a:lnB>
+                    <a:lnTlToBr w="12700" cmpd="sng">
+                      <a:noFill/>
+                      <a:prstDash val="solid"/>
+                    </a:lnTlToBr>
+                    <a:lnBlToTr w="12700" cmpd="sng">
+                      <a:noFill/>
+                      <a:prstDash val="solid"/>
+                    </a:lnBlToTr>
+                    <a:solidFill>
+                      <a:schemeClr val="bg1"/>
+                    </a:solidFill>
+                  </a:tcPr>
+                </a:tc>
+              </a:tr>
+              <a:tr h="316369">
+                <a:tc>
+                  <a:txBody>
+                    <a:bodyPr/>
+                    <a:lstStyle/>
+                    <a:p>
+                      <a:pPr algn="l" fontAlgn="b"/>
+                      <a:r>
+                        <a:rPr lang="en-US" sz="1600" b="1" u="none" strike="noStrike" dirty="0">
+                          <a:effectLst/>
+                          <a:latin typeface="Ebrima" panose="02000000000000000000" pitchFamily="2" charset="0"/>
+                          <a:ea typeface="Ebrima" panose="02000000000000000000" pitchFamily="2" charset="0"/>
+                          <a:cs typeface="Ebrima" panose="02000000000000000000" pitchFamily="2" charset="0"/>
+                        </a:rPr>
+                        <a:t>0.4</a:t>
+                      </a:r>
+                      <a:endParaRPr lang="en-US" sz="1600" b="1" i="0" u="none" strike="noStrike" dirty="0">
+                        <a:solidFill>
+                          <a:srgbClr val="000000"/>
+                        </a:solidFill>
+                        <a:effectLst/>
+                        <a:latin typeface="Ebrima" panose="02000000000000000000" pitchFamily="2" charset="0"/>
+                        <a:ea typeface="Ebrima" panose="02000000000000000000" pitchFamily="2" charset="0"/>
+                        <a:cs typeface="Ebrima" panose="02000000000000000000" pitchFamily="2" charset="0"/>
+                      </a:endParaRPr>
+                    </a:p>
+                  </a:txBody>
+                  <a:tcPr marL="7620" marR="7620" marT="7620" marB="0" anchor="ctr">
+                    <a:lnL w="12700" cmpd="sng">
+                      <a:noFill/>
+                    </a:lnL>
+                    <a:lnR w="12700" cap="flat" cmpd="sng" algn="ctr">
+                      <a:noFill/>
+                      <a:prstDash val="solid"/>
+                      <a:round/>
+                      <a:headEnd type="none" w="med" len="med"/>
+                      <a:tailEnd type="none" w="med" len="med"/>
+                    </a:lnR>
+                    <a:lnT w="12700" cap="flat" cmpd="sng" algn="ctr">
+                      <a:noFill/>
+                      <a:prstDash val="solid"/>
+                      <a:round/>
+                      <a:headEnd type="none" w="med" len="med"/>
+                      <a:tailEnd type="none" w="med" len="med"/>
+                    </a:lnT>
+                    <a:lnB w="12700" cap="flat" cmpd="sng" algn="ctr">
+                      <a:noFill/>
+                      <a:prstDash val="solid"/>
+                      <a:round/>
+                      <a:headEnd type="none" w="med" len="med"/>
+                      <a:tailEnd type="none" w="med" len="med"/>
+                    </a:lnB>
+                    <a:lnTlToBr w="12700" cmpd="sng">
+                      <a:noFill/>
+                      <a:prstDash val="solid"/>
+                    </a:lnTlToBr>
+                    <a:lnBlToTr w="12700" cmpd="sng">
+                      <a:noFill/>
+                      <a:prstDash val="solid"/>
+                    </a:lnBlToTr>
+                    <a:solidFill>
+                      <a:schemeClr val="bg1"/>
+                    </a:solidFill>
+                  </a:tcPr>
+                </a:tc>
+                <a:tc>
+                  <a:txBody>
+                    <a:bodyPr/>
+                    <a:lstStyle/>
+                    <a:p>
+                      <a:pPr algn="l" fontAlgn="b"/>
+                      <a:r>
+                        <a:rPr lang="en-US" sz="1600" b="1" u="none" strike="noStrike" dirty="0">
+                          <a:effectLst/>
+                          <a:latin typeface="Ebrima" panose="02000000000000000000" pitchFamily="2" charset="0"/>
+                          <a:ea typeface="Ebrima" panose="02000000000000000000" pitchFamily="2" charset="0"/>
+                          <a:cs typeface="Ebrima" panose="02000000000000000000" pitchFamily="2" charset="0"/>
+                        </a:rPr>
+                        <a:t> </a:t>
+                      </a:r>
+                      <a:r>
+                        <a:rPr lang="en-US" sz="1600" b="1" u="none" strike="noStrike" dirty="0" smtClean="0">
+                          <a:effectLst/>
+                          <a:latin typeface="Ebrima" panose="02000000000000000000" pitchFamily="2" charset="0"/>
+                          <a:ea typeface="Ebrima" panose="02000000000000000000" pitchFamily="2" charset="0"/>
+                          <a:cs typeface="Ebrima" panose="02000000000000000000" pitchFamily="2" charset="0"/>
+                        </a:rPr>
+                        <a:t>($</a:t>
+                      </a:r>
+                      <a:r>
+                        <a:rPr lang="en-US" sz="1600" b="1" u="none" strike="noStrike" baseline="0" dirty="0" smtClean="0">
+                          <a:effectLst/>
+                          <a:latin typeface="Ebrima" panose="02000000000000000000" pitchFamily="2" charset="0"/>
+                          <a:ea typeface="Ebrima" panose="02000000000000000000" pitchFamily="2" charset="0"/>
+                          <a:cs typeface="Ebrima" panose="02000000000000000000" pitchFamily="2" charset="0"/>
+                        </a:rPr>
+                        <a:t> </a:t>
+                      </a:r>
+                      <a:r>
+                        <a:rPr lang="en-US" sz="1600" b="1" u="none" strike="noStrike" dirty="0" smtClean="0">
+                          <a:effectLst/>
+                          <a:latin typeface="Ebrima" panose="02000000000000000000" pitchFamily="2" charset="0"/>
+                          <a:ea typeface="Ebrima" panose="02000000000000000000" pitchFamily="2" charset="0"/>
+                          <a:cs typeface="Ebrima" panose="02000000000000000000" pitchFamily="2" charset="0"/>
+                        </a:rPr>
+                        <a:t>1,301.65) </a:t>
+                      </a:r>
+                      <a:endParaRPr lang="en-US" sz="1600" b="1" i="0" u="none" strike="noStrike" dirty="0">
+                        <a:solidFill>
+                          <a:srgbClr val="000000"/>
+                        </a:solidFill>
+                        <a:effectLst/>
+                        <a:latin typeface="Ebrima" panose="02000000000000000000" pitchFamily="2" charset="0"/>
+                        <a:ea typeface="Ebrima" panose="02000000000000000000" pitchFamily="2" charset="0"/>
+                        <a:cs typeface="Ebrima" panose="02000000000000000000" pitchFamily="2" charset="0"/>
+                      </a:endParaRPr>
+                    </a:p>
+                  </a:txBody>
+                  <a:tcPr marL="7620" marR="7620" marT="7620" marB="0" anchor="ctr">
+                    <a:lnL w="12700" cap="flat" cmpd="sng" algn="ctr">
+                      <a:noFill/>
+                      <a:prstDash val="solid"/>
+                      <a:round/>
+                      <a:headEnd type="none" w="med" len="med"/>
+                      <a:tailEnd type="none" w="med" len="med"/>
+                    </a:lnL>
+                    <a:lnR w="12700" cmpd="sng">
+                      <a:noFill/>
+                    </a:lnR>
+                    <a:lnT w="12700" cap="flat" cmpd="sng" algn="ctr">
+                      <a:noFill/>
+                      <a:prstDash val="solid"/>
+                      <a:round/>
+                      <a:headEnd type="none" w="med" len="med"/>
+                      <a:tailEnd type="none" w="med" len="med"/>
+                    </a:lnT>
+                    <a:lnB w="12700" cap="flat" cmpd="sng" algn="ctr">
+                      <a:noFill/>
+                      <a:prstDash val="solid"/>
+                      <a:round/>
+                      <a:headEnd type="none" w="med" len="med"/>
+                      <a:tailEnd type="none" w="med" len="med"/>
+                    </a:lnB>
+                    <a:lnTlToBr w="12700" cmpd="sng">
+                      <a:noFill/>
+                      <a:prstDash val="solid"/>
+                    </a:lnTlToBr>
+                    <a:lnBlToTr w="12700" cmpd="sng">
+                      <a:noFill/>
+                      <a:prstDash val="solid"/>
+                    </a:lnBlToTr>
+                    <a:solidFill>
+                      <a:schemeClr val="bg1"/>
+                    </a:solidFill>
+                  </a:tcPr>
+                </a:tc>
+              </a:tr>
+              <a:tr h="316369">
+                <a:tc>
+                  <a:txBody>
+                    <a:bodyPr/>
+                    <a:lstStyle/>
+                    <a:p>
+                      <a:pPr algn="l" fontAlgn="b"/>
+                      <a:r>
+                        <a:rPr lang="en-US" sz="1600" b="1" u="none" strike="noStrike" dirty="0">
+                          <a:effectLst/>
+                          <a:latin typeface="Ebrima" panose="02000000000000000000" pitchFamily="2" charset="0"/>
+                          <a:ea typeface="Ebrima" panose="02000000000000000000" pitchFamily="2" charset="0"/>
+                          <a:cs typeface="Ebrima" panose="02000000000000000000" pitchFamily="2" charset="0"/>
+                        </a:rPr>
+                        <a:t>0.6</a:t>
+                      </a:r>
+                      <a:endParaRPr lang="en-US" sz="1600" b="1" i="0" u="none" strike="noStrike" dirty="0">
+                        <a:solidFill>
+                          <a:srgbClr val="000000"/>
+                        </a:solidFill>
+                        <a:effectLst/>
+                        <a:latin typeface="Ebrima" panose="02000000000000000000" pitchFamily="2" charset="0"/>
+                        <a:ea typeface="Ebrima" panose="02000000000000000000" pitchFamily="2" charset="0"/>
+                        <a:cs typeface="Ebrima" panose="02000000000000000000" pitchFamily="2" charset="0"/>
+                      </a:endParaRPr>
+                    </a:p>
+                  </a:txBody>
+                  <a:tcPr marL="7620" marR="7620" marT="7620" marB="0" anchor="ctr">
+                    <a:lnL w="12700" cmpd="sng">
+                      <a:noFill/>
+                    </a:lnL>
+                    <a:lnR w="12700" cap="flat" cmpd="sng" algn="ctr">
+                      <a:noFill/>
+                      <a:prstDash val="solid"/>
+                      <a:round/>
+                      <a:headEnd type="none" w="med" len="med"/>
+                      <a:tailEnd type="none" w="med" len="med"/>
+                    </a:lnR>
+                    <a:lnT w="12700" cap="flat" cmpd="sng" algn="ctr">
+                      <a:noFill/>
+                      <a:prstDash val="solid"/>
+                      <a:round/>
+                      <a:headEnd type="none" w="med" len="med"/>
+                      <a:tailEnd type="none" w="med" len="med"/>
+                    </a:lnT>
+                    <a:lnB w="12700" cap="flat" cmpd="sng" algn="ctr">
+                      <a:noFill/>
+                      <a:prstDash val="solid"/>
+                      <a:round/>
+                      <a:headEnd type="none" w="med" len="med"/>
+                      <a:tailEnd type="none" w="med" len="med"/>
+                    </a:lnB>
+                    <a:lnTlToBr w="12700" cmpd="sng">
+                      <a:noFill/>
+                      <a:prstDash val="solid"/>
+                    </a:lnTlToBr>
+                    <a:lnBlToTr w="12700" cmpd="sng">
+                      <a:noFill/>
+                      <a:prstDash val="solid"/>
+                    </a:lnBlToTr>
+                    <a:solidFill>
+                      <a:schemeClr val="bg1"/>
+                    </a:solidFill>
+                  </a:tcPr>
+                </a:tc>
+                <a:tc>
+                  <a:txBody>
+                    <a:bodyPr/>
+                    <a:lstStyle/>
+                    <a:p>
+                      <a:pPr algn="l" fontAlgn="b"/>
+                      <a:r>
+                        <a:rPr lang="en-US" sz="1600" b="1" u="none" strike="noStrike" dirty="0">
+                          <a:effectLst/>
+                          <a:latin typeface="Ebrima" panose="02000000000000000000" pitchFamily="2" charset="0"/>
+                          <a:ea typeface="Ebrima" panose="02000000000000000000" pitchFamily="2" charset="0"/>
+                          <a:cs typeface="Ebrima" panose="02000000000000000000" pitchFamily="2" charset="0"/>
+                        </a:rPr>
+                        <a:t> </a:t>
+                      </a:r>
+                      <a:r>
+                        <a:rPr lang="en-US" sz="1600" b="1" u="none" strike="noStrike" dirty="0" smtClean="0">
+                          <a:effectLst/>
+                          <a:latin typeface="Ebrima" panose="02000000000000000000" pitchFamily="2" charset="0"/>
+                          <a:ea typeface="Ebrima" panose="02000000000000000000" pitchFamily="2" charset="0"/>
+                          <a:cs typeface="Ebrima" panose="02000000000000000000" pitchFamily="2" charset="0"/>
+                        </a:rPr>
+                        <a:t>($ 1,215.60) </a:t>
+                      </a:r>
+                      <a:endParaRPr lang="en-US" sz="1600" b="1" i="0" u="none" strike="noStrike" dirty="0">
+                        <a:solidFill>
+                          <a:srgbClr val="000000"/>
+                        </a:solidFill>
+                        <a:effectLst/>
+                        <a:latin typeface="Ebrima" panose="02000000000000000000" pitchFamily="2" charset="0"/>
+                        <a:ea typeface="Ebrima" panose="02000000000000000000" pitchFamily="2" charset="0"/>
+                        <a:cs typeface="Ebrima" panose="02000000000000000000" pitchFamily="2" charset="0"/>
+                      </a:endParaRPr>
+                    </a:p>
+                  </a:txBody>
+                  <a:tcPr marL="7620" marR="7620" marT="7620" marB="0" anchor="ctr">
+                    <a:lnL w="12700" cap="flat" cmpd="sng" algn="ctr">
+                      <a:noFill/>
+                      <a:prstDash val="solid"/>
+                      <a:round/>
+                      <a:headEnd type="none" w="med" len="med"/>
+                      <a:tailEnd type="none" w="med" len="med"/>
+                    </a:lnL>
+                    <a:lnR w="12700" cmpd="sng">
+                      <a:noFill/>
+                    </a:lnR>
+                    <a:lnT w="12700" cap="flat" cmpd="sng" algn="ctr">
+                      <a:noFill/>
+                      <a:prstDash val="solid"/>
+                      <a:round/>
+                      <a:headEnd type="none" w="med" len="med"/>
+                      <a:tailEnd type="none" w="med" len="med"/>
+                    </a:lnT>
+                    <a:lnB w="12700" cap="flat" cmpd="sng" algn="ctr">
+                      <a:noFill/>
+                      <a:prstDash val="solid"/>
+                      <a:round/>
+                      <a:headEnd type="none" w="med" len="med"/>
+                      <a:tailEnd type="none" w="med" len="med"/>
+                    </a:lnB>
+                    <a:lnTlToBr w="12700" cmpd="sng">
+                      <a:noFill/>
+                      <a:prstDash val="solid"/>
+                    </a:lnTlToBr>
+                    <a:lnBlToTr w="12700" cmpd="sng">
+                      <a:noFill/>
+                      <a:prstDash val="solid"/>
+                    </a:lnBlToTr>
+                    <a:solidFill>
+                      <a:schemeClr val="bg1"/>
+                    </a:solidFill>
+                  </a:tcPr>
+                </a:tc>
+              </a:tr>
+              <a:tr h="316369">
+                <a:tc>
+                  <a:txBody>
+                    <a:bodyPr/>
+                    <a:lstStyle/>
+                    <a:p>
+                      <a:pPr algn="l" fontAlgn="b"/>
+                      <a:r>
+                        <a:rPr lang="en-US" sz="1600" b="1" u="none" strike="noStrike" dirty="0">
+                          <a:effectLst/>
+                          <a:latin typeface="Ebrima" panose="02000000000000000000" pitchFamily="2" charset="0"/>
+                          <a:ea typeface="Ebrima" panose="02000000000000000000" pitchFamily="2" charset="0"/>
+                          <a:cs typeface="Ebrima" panose="02000000000000000000" pitchFamily="2" charset="0"/>
+                        </a:rPr>
+                        <a:t>0.8</a:t>
+                      </a:r>
+                      <a:endParaRPr lang="en-US" sz="1600" b="1" i="0" u="none" strike="noStrike" dirty="0">
+                        <a:solidFill>
+                          <a:srgbClr val="000000"/>
+                        </a:solidFill>
+                        <a:effectLst/>
+                        <a:latin typeface="Ebrima" panose="02000000000000000000" pitchFamily="2" charset="0"/>
+                        <a:ea typeface="Ebrima" panose="02000000000000000000" pitchFamily="2" charset="0"/>
+                        <a:cs typeface="Ebrima" panose="02000000000000000000" pitchFamily="2" charset="0"/>
+                      </a:endParaRPr>
+                    </a:p>
+                  </a:txBody>
+                  <a:tcPr marL="7620" marR="7620" marT="7620" marB="0" anchor="ctr">
+                    <a:lnL w="12700" cmpd="sng">
+                      <a:noFill/>
+                    </a:lnL>
+                    <a:lnR w="12700" cap="flat" cmpd="sng" algn="ctr">
+                      <a:noFill/>
+                      <a:prstDash val="solid"/>
+                      <a:round/>
+                      <a:headEnd type="none" w="med" len="med"/>
+                      <a:tailEnd type="none" w="med" len="med"/>
+                    </a:lnR>
+                    <a:lnT w="12700" cap="flat" cmpd="sng" algn="ctr">
+                      <a:noFill/>
+                      <a:prstDash val="solid"/>
+                      <a:round/>
+                      <a:headEnd type="none" w="med" len="med"/>
+                      <a:tailEnd type="none" w="med" len="med"/>
+                    </a:lnT>
+                    <a:lnB w="12700" cap="flat" cmpd="sng" algn="ctr">
+                      <a:noFill/>
+                      <a:prstDash val="solid"/>
+                      <a:round/>
+                      <a:headEnd type="none" w="med" len="med"/>
+                      <a:tailEnd type="none" w="med" len="med"/>
+                    </a:lnB>
+                    <a:lnTlToBr w="12700" cmpd="sng">
+                      <a:noFill/>
+                      <a:prstDash val="solid"/>
+                    </a:lnTlToBr>
+                    <a:lnBlToTr w="12700" cmpd="sng">
+                      <a:noFill/>
+                      <a:prstDash val="solid"/>
+                    </a:lnBlToTr>
+                    <a:solidFill>
+                      <a:schemeClr val="bg1"/>
+                    </a:solidFill>
+                  </a:tcPr>
+                </a:tc>
+                <a:tc>
+                  <a:txBody>
+                    <a:bodyPr/>
+                    <a:lstStyle/>
+                    <a:p>
+                      <a:pPr algn="l" fontAlgn="b"/>
+                      <a:r>
+                        <a:rPr lang="en-US" sz="1600" b="1" u="none" strike="noStrike" dirty="0">
+                          <a:effectLst/>
+                          <a:latin typeface="Ebrima" panose="02000000000000000000" pitchFamily="2" charset="0"/>
+                          <a:ea typeface="Ebrima" panose="02000000000000000000" pitchFamily="2" charset="0"/>
+                          <a:cs typeface="Ebrima" panose="02000000000000000000" pitchFamily="2" charset="0"/>
+                        </a:rPr>
+                        <a:t> </a:t>
+                      </a:r>
+                      <a:r>
+                        <a:rPr lang="en-US" sz="1600" b="1" u="none" strike="noStrike" dirty="0" smtClean="0">
+                          <a:effectLst/>
+                          <a:latin typeface="Ebrima" panose="02000000000000000000" pitchFamily="2" charset="0"/>
+                          <a:ea typeface="Ebrima" panose="02000000000000000000" pitchFamily="2" charset="0"/>
+                          <a:cs typeface="Ebrima" panose="02000000000000000000" pitchFamily="2" charset="0"/>
+                        </a:rPr>
+                        <a:t>($ 1,112.46) </a:t>
+                      </a:r>
+                      <a:endParaRPr lang="en-US" sz="1600" b="1" i="0" u="none" strike="noStrike" dirty="0">
+                        <a:solidFill>
+                          <a:srgbClr val="000000"/>
+                        </a:solidFill>
+                        <a:effectLst/>
+                        <a:latin typeface="Ebrima" panose="02000000000000000000" pitchFamily="2" charset="0"/>
+                        <a:ea typeface="Ebrima" panose="02000000000000000000" pitchFamily="2" charset="0"/>
+                        <a:cs typeface="Ebrima" panose="02000000000000000000" pitchFamily="2" charset="0"/>
+                      </a:endParaRPr>
+                    </a:p>
+                  </a:txBody>
+                  <a:tcPr marL="7620" marR="7620" marT="7620" marB="0" anchor="ctr">
+                    <a:lnL w="12700" cap="flat" cmpd="sng" algn="ctr">
+                      <a:noFill/>
+                      <a:prstDash val="solid"/>
+                      <a:round/>
+                      <a:headEnd type="none" w="med" len="med"/>
+                      <a:tailEnd type="none" w="med" len="med"/>
+                    </a:lnL>
+                    <a:lnR w="12700" cmpd="sng">
+                      <a:noFill/>
+                    </a:lnR>
+                    <a:lnT w="12700" cap="flat" cmpd="sng" algn="ctr">
+                      <a:noFill/>
+                      <a:prstDash val="solid"/>
+                      <a:round/>
+                      <a:headEnd type="none" w="med" len="med"/>
+                      <a:tailEnd type="none" w="med" len="med"/>
+                    </a:lnT>
+                    <a:lnB w="12700" cap="flat" cmpd="sng" algn="ctr">
+                      <a:noFill/>
+                      <a:prstDash val="solid"/>
+                      <a:round/>
+                      <a:headEnd type="none" w="med" len="med"/>
+                      <a:tailEnd type="none" w="med" len="med"/>
+                    </a:lnB>
+                    <a:lnTlToBr w="12700" cmpd="sng">
+                      <a:noFill/>
+                      <a:prstDash val="solid"/>
+                    </a:lnTlToBr>
+                    <a:lnBlToTr w="12700" cmpd="sng">
+                      <a:noFill/>
+                      <a:prstDash val="solid"/>
+                    </a:lnBlToTr>
+                    <a:solidFill>
+                      <a:schemeClr val="bg1"/>
+                    </a:solidFill>
+                  </a:tcPr>
+                </a:tc>
+              </a:tr>
+              <a:tr h="316369">
+                <a:tc>
+                  <a:txBody>
+                    <a:bodyPr/>
+                    <a:lstStyle/>
+                    <a:p>
+                      <a:pPr algn="l" fontAlgn="b"/>
+                      <a:r>
+                        <a:rPr lang="en-US" sz="1600" b="1" u="none" strike="noStrike" dirty="0">
+                          <a:effectLst/>
+                          <a:latin typeface="Ebrima" panose="02000000000000000000" pitchFamily="2" charset="0"/>
+                          <a:ea typeface="Ebrima" panose="02000000000000000000" pitchFamily="2" charset="0"/>
+                          <a:cs typeface="Ebrima" panose="02000000000000000000" pitchFamily="2" charset="0"/>
+                        </a:rPr>
+                        <a:t>1</a:t>
+                      </a:r>
+                      <a:endParaRPr lang="en-US" sz="1600" b="1" i="0" u="none" strike="noStrike" dirty="0">
+                        <a:solidFill>
+                          <a:srgbClr val="000000"/>
+                        </a:solidFill>
+                        <a:effectLst/>
+                        <a:latin typeface="Ebrima" panose="02000000000000000000" pitchFamily="2" charset="0"/>
+                        <a:ea typeface="Ebrima" panose="02000000000000000000" pitchFamily="2" charset="0"/>
+                        <a:cs typeface="Ebrima" panose="02000000000000000000" pitchFamily="2" charset="0"/>
+                      </a:endParaRPr>
+                    </a:p>
+                  </a:txBody>
+                  <a:tcPr marL="7620" marR="7620" marT="7620" marB="0" anchor="ctr">
+                    <a:lnL w="12700" cmpd="sng">
+                      <a:noFill/>
+                    </a:lnL>
+                    <a:lnR w="12700" cap="flat" cmpd="sng" algn="ctr">
+                      <a:noFill/>
+                      <a:prstDash val="solid"/>
+                      <a:round/>
+                      <a:headEnd type="none" w="med" len="med"/>
+                      <a:tailEnd type="none" w="med" len="med"/>
+                    </a:lnR>
+                    <a:lnT w="12700" cap="flat" cmpd="sng" algn="ctr">
+                      <a:noFill/>
+                      <a:prstDash val="solid"/>
+                      <a:round/>
+                      <a:headEnd type="none" w="med" len="med"/>
+                      <a:tailEnd type="none" w="med" len="med"/>
+                    </a:lnT>
+                    <a:lnB w="12700" cmpd="sng">
+                      <a:noFill/>
+                    </a:lnB>
+                    <a:lnTlToBr w="12700" cmpd="sng">
+                      <a:noFill/>
+                      <a:prstDash val="solid"/>
+                    </a:lnTlToBr>
+                    <a:lnBlToTr w="12700" cmpd="sng">
+                      <a:noFill/>
+                      <a:prstDash val="solid"/>
+                    </a:lnBlToTr>
+                    <a:solidFill>
+                      <a:schemeClr val="bg1"/>
+                    </a:solidFill>
+                  </a:tcPr>
+                </a:tc>
+                <a:tc>
+                  <a:txBody>
+                    <a:bodyPr/>
+                    <a:lstStyle/>
+                    <a:p>
+                      <a:pPr algn="l" fontAlgn="b"/>
+                      <a:r>
+                        <a:rPr lang="en-US" sz="1600" b="1" u="none" strike="noStrike" dirty="0">
+                          <a:effectLst/>
+                          <a:latin typeface="Ebrima" panose="02000000000000000000" pitchFamily="2" charset="0"/>
+                          <a:ea typeface="Ebrima" panose="02000000000000000000" pitchFamily="2" charset="0"/>
+                          <a:cs typeface="Ebrima" panose="02000000000000000000" pitchFamily="2" charset="0"/>
+                        </a:rPr>
+                        <a:t> </a:t>
+                      </a:r>
+                      <a:r>
+                        <a:rPr lang="en-US" sz="1600" b="1" u="none" strike="noStrike" dirty="0" smtClean="0">
+                          <a:effectLst/>
+                          <a:latin typeface="Ebrima" panose="02000000000000000000" pitchFamily="2" charset="0"/>
+                          <a:ea typeface="Ebrima" panose="02000000000000000000" pitchFamily="2" charset="0"/>
+                          <a:cs typeface="Ebrima" panose="02000000000000000000" pitchFamily="2" charset="0"/>
+                        </a:rPr>
+                        <a:t>($ 1,022.35) </a:t>
+                      </a:r>
+                      <a:endParaRPr lang="en-US" sz="1600" b="1" i="0" u="none" strike="noStrike" dirty="0">
+                        <a:solidFill>
+                          <a:srgbClr val="000000"/>
+                        </a:solidFill>
+                        <a:effectLst/>
+                        <a:latin typeface="Ebrima" panose="02000000000000000000" pitchFamily="2" charset="0"/>
+                        <a:ea typeface="Ebrima" panose="02000000000000000000" pitchFamily="2" charset="0"/>
+                        <a:cs typeface="Ebrima" panose="02000000000000000000" pitchFamily="2" charset="0"/>
+                      </a:endParaRPr>
+                    </a:p>
+                  </a:txBody>
+                  <a:tcPr marL="7620" marR="7620" marT="7620" marB="0" anchor="ctr">
+                    <a:lnL w="12700" cap="flat" cmpd="sng" algn="ctr">
+                      <a:noFill/>
+                      <a:prstDash val="solid"/>
+                      <a:round/>
+                      <a:headEnd type="none" w="med" len="med"/>
+                      <a:tailEnd type="none" w="med" len="med"/>
+                    </a:lnL>
+                    <a:lnR w="12700" cmpd="sng">
+                      <a:noFill/>
+                    </a:lnR>
+                    <a:lnT w="12700" cap="flat" cmpd="sng" algn="ctr">
+                      <a:noFill/>
+                      <a:prstDash val="solid"/>
+                      <a:round/>
+                      <a:headEnd type="none" w="med" len="med"/>
+                      <a:tailEnd type="none" w="med" len="med"/>
+                    </a:lnT>
+                    <a:lnB w="12700" cmpd="sng">
+                      <a:noFill/>
+                    </a:lnB>
+                    <a:lnTlToBr w="12700" cmpd="sng">
+                      <a:noFill/>
+                      <a:prstDash val="solid"/>
+                    </a:lnTlToBr>
+                    <a:lnBlToTr w="12700" cmpd="sng">
+                      <a:noFill/>
+                      <a:prstDash val="solid"/>
+                    </a:lnBlToTr>
+                    <a:solidFill>
+                      <a:schemeClr val="bg1"/>
+                    </a:solidFill>
+                  </a:tcPr>
+                </a:tc>
+              </a:tr>
+            </a:tbl>
+          </a:graphicData>
+        </a:graphic>
+      </p:graphicFrame>
+      <p:cxnSp>
+        <p:nvCxnSpPr>
+          <p:cNvPr id="30" name="直接连接符 29"/>
+          <p:cNvCxnSpPr/>
+          <p:nvPr/>
+        </p:nvCxnSpPr>
+        <p:spPr>
+          <a:xfrm flipV="1">
+            <a:off x="4771292" y="2391508"/>
+            <a:ext cx="0" cy="3601943"/>
+          </a:xfrm>
+          <a:prstGeom prst="line">
+            <a:avLst/>
+          </a:prstGeom>
+          <a:ln>
+            <a:prstDash val="sysDot"/>
+          </a:ln>
+        </p:spPr>
+        <p:style>
+          <a:lnRef idx="3">
+            <a:schemeClr val="accent2"/>
+          </a:lnRef>
+          <a:fillRef idx="0">
+            <a:schemeClr val="accent2"/>
+          </a:fillRef>
+          <a:effectRef idx="2">
+            <a:schemeClr val="accent2"/>
+          </a:effectRef>
+          <a:fontRef idx="minor">
+            <a:schemeClr val="tx1"/>
+          </a:fontRef>
+        </p:style>
+      </p:cxnSp>
+      <p:cxnSp>
+        <p:nvCxnSpPr>
+          <p:cNvPr id="31" name="直接连接符 30"/>
+          <p:cNvCxnSpPr/>
+          <p:nvPr/>
+        </p:nvCxnSpPr>
+        <p:spPr>
+          <a:xfrm flipV="1">
+            <a:off x="7326923" y="2391508"/>
+            <a:ext cx="0" cy="3601943"/>
+          </a:xfrm>
+          <a:prstGeom prst="line">
+            <a:avLst/>
+          </a:prstGeom>
+          <a:ln>
+            <a:prstDash val="sysDot"/>
+          </a:ln>
+        </p:spPr>
+        <p:style>
+          <a:lnRef idx="3">
+            <a:schemeClr val="accent2"/>
+          </a:lnRef>
+          <a:fillRef idx="0">
+            <a:schemeClr val="accent2"/>
+          </a:fillRef>
+          <a:effectRef idx="2">
+            <a:schemeClr val="accent2"/>
+          </a:effectRef>
+          <a:fontRef idx="minor">
+            <a:schemeClr val="tx1"/>
+          </a:fontRef>
+        </p:style>
+      </p:cxnSp>
+      <p:sp>
+        <p:nvSpPr>
+          <p:cNvPr id="14" name="TextBox 13"/>
+          <p:cNvSpPr txBox="1"/>
+          <p:nvPr/>
+        </p:nvSpPr>
+        <p:spPr>
+          <a:xfrm>
+            <a:off x="107504" y="44626"/>
+            <a:ext cx="8813758" cy="646331"/>
+          </a:xfrm>
+          <a:prstGeom prst="rect">
+            <a:avLst/>
+          </a:prstGeom>
+          <a:noFill/>
+        </p:spPr>
+        <p:txBody>
+          <a:bodyPr wrap="square" rtlCol="0">
+            <a:spAutoFit/>
+          </a:bodyPr>
+          <a:lstStyle/>
+          <a:p>
+            <a:r>
+              <a:rPr lang="en-US" altLang="ko-KR" sz="3600" b="1" dirty="0" smtClean="0">
+                <a:latin typeface="Ebrima" panose="02000000000000000000" pitchFamily="2" charset="0"/>
+                <a:ea typeface="Ebrima" panose="02000000000000000000" pitchFamily="2" charset="0"/>
+                <a:cs typeface="Ebrima" panose="02000000000000000000" pitchFamily="2" charset="0"/>
+              </a:rPr>
+              <a:t>R</a:t>
+            </a:r>
+            <a:r>
+              <a:rPr lang="en-US" altLang="ko-KR" sz="2800" b="1" dirty="0" smtClean="0">
+                <a:latin typeface="Ebrima" panose="02000000000000000000" pitchFamily="2" charset="0"/>
+                <a:ea typeface="Ebrima" panose="02000000000000000000" pitchFamily="2" charset="0"/>
+                <a:cs typeface="Ebrima" panose="02000000000000000000" pitchFamily="2" charset="0"/>
+              </a:rPr>
+              <a:t>ESULTS: </a:t>
+            </a:r>
+            <a:r>
+              <a:rPr lang="en-US" altLang="ko-KR" sz="3600" b="1" dirty="0" smtClean="0">
+                <a:latin typeface="Ebrima" panose="02000000000000000000" pitchFamily="2" charset="0"/>
+                <a:ea typeface="Ebrima" panose="02000000000000000000" pitchFamily="2" charset="0"/>
+                <a:cs typeface="Ebrima" panose="02000000000000000000" pitchFamily="2" charset="0"/>
+              </a:rPr>
+              <a:t>M</a:t>
+            </a:r>
+            <a:r>
+              <a:rPr lang="en-US" altLang="ko-KR" sz="2800" b="1" dirty="0" smtClean="0">
+                <a:latin typeface="Ebrima" panose="02000000000000000000" pitchFamily="2" charset="0"/>
+                <a:ea typeface="Ebrima" panose="02000000000000000000" pitchFamily="2" charset="0"/>
+                <a:cs typeface="Ebrima" panose="02000000000000000000" pitchFamily="2" charset="0"/>
+              </a:rPr>
+              <a:t>INIMIZING</a:t>
+            </a:r>
+            <a:r>
+              <a:rPr lang="en-US" altLang="ko-KR" sz="3600" b="1" dirty="0" smtClean="0">
+                <a:latin typeface="Ebrima" panose="02000000000000000000" pitchFamily="2" charset="0"/>
+                <a:ea typeface="Ebrima" panose="02000000000000000000" pitchFamily="2" charset="0"/>
+                <a:cs typeface="Ebrima" panose="02000000000000000000" pitchFamily="2" charset="0"/>
+              </a:rPr>
+              <a:t> C</a:t>
+            </a:r>
+            <a:r>
+              <a:rPr lang="en-US" altLang="ko-KR" sz="2800" b="1" dirty="0" smtClean="0">
+                <a:latin typeface="Ebrima" panose="02000000000000000000" pitchFamily="2" charset="0"/>
+                <a:ea typeface="Ebrima" panose="02000000000000000000" pitchFamily="2" charset="0"/>
+                <a:cs typeface="Ebrima" panose="02000000000000000000" pitchFamily="2" charset="0"/>
+              </a:rPr>
+              <a:t>OST</a:t>
+            </a:r>
+            <a:endParaRPr lang="ko-KR" altLang="en-US" sz="2800" b="1" dirty="0">
+              <a:latin typeface="Ebrima" panose="02000000000000000000" pitchFamily="2" charset="0"/>
+              <a:cs typeface="Ebrima" panose="02000000000000000000" pitchFamily="2" charset="0"/>
+            </a:endParaRPr>
+          </a:p>
+        </p:txBody>
+      </p:sp>
+    </p:spTree>
+    <p:extLst>
+      <p:ext uri="{BB962C8B-B14F-4D97-AF65-F5344CB8AC3E}">
+        <p14:creationId xmlns:p14="http://schemas.microsoft.com/office/powerpoint/2010/main" val="3000157043"/>
+      </p:ext>
+    </p:extLst>
+  </p:cSld>
+  <p:clrMapOvr>
+    <a:masterClrMapping/>
+  </p:clrMapOvr>
+  <p:timing>
+    <p:tnLst>
+      <p:par>
+        <p:cTn id="1" dur="indefinite" restart="never" nodeType="tmRoot"/>
+      </p:par>
+    </p:tnLst>
+  </p:timing>
+</p:sld>
+</file>
+
+<file path=ppt/slides/slide14.xml><?xml version="1.0" encoding="utf-8"?>
+<p:sld xmlns:a="http://schemas.openxmlformats.org/drawingml/2006/main" xmlns:r="http://schemas.openxmlformats.org/officeDocument/2006/relationships" xmlns:p="http://schemas.openxmlformats.org/presentationml/2006/main">
+  <p:cSld>
+    <p:spTree>
+      <p:nvGrpSpPr>
+        <p:cNvPr id="1" name=""/>
+        <p:cNvGrpSpPr/>
+        <p:nvPr/>
+      </p:nvGrpSpPr>
+      <p:grpSpPr>
+        <a:xfrm>
+          <a:off x="0" y="0"/>
+          <a:ext cx="0" cy="0"/>
+          <a:chOff x="0" y="0"/>
+          <a:chExt cx="0" cy="0"/>
+        </a:xfrm>
+      </p:grpSpPr>
+      <p:sp>
+        <p:nvSpPr>
+          <p:cNvPr id="4" name="직사각형 3"/>
+          <p:cNvSpPr/>
+          <p:nvPr/>
+        </p:nvSpPr>
+        <p:spPr>
+          <a:xfrm>
+            <a:off x="-16295" y="692696"/>
+            <a:ext cx="9176590" cy="72000"/>
+          </a:xfrm>
+          <a:prstGeom prst="rect">
+            <a:avLst/>
+          </a:prstGeom>
+          <a:solidFill>
+            <a:srgbClr val="0070C0"/>
+          </a:solidFill>
+          <a:ln>
+            <a:noFill/>
+          </a:ln>
+        </p:spPr>
+        <p:style>
+          <a:lnRef idx="2">
+            <a:schemeClr val="accent1">
+              <a:shade val="50000"/>
+            </a:schemeClr>
+          </a:lnRef>
+          <a:fillRef idx="1">
+            <a:schemeClr val="accent1"/>
+          </a:fillRef>
+          <a:effectRef idx="0">
+            <a:schemeClr val="accent1"/>
+          </a:effectRef>
+          <a:fontRef idx="minor">
+            <a:schemeClr val="lt1"/>
+          </a:fontRef>
+        </p:style>
+        <p:txBody>
+          <a:bodyPr rtlCol="0" anchor="ctr"/>
+          <a:lstStyle/>
+          <a:p>
+            <a:pPr algn="ctr"/>
+            <a:endParaRPr lang="ko-KR" altLang="en-US"/>
+          </a:p>
+        </p:txBody>
+      </p:sp>
+      <p:sp>
+        <p:nvSpPr>
+          <p:cNvPr id="3" name="矩形 2"/>
+          <p:cNvSpPr/>
+          <p:nvPr/>
+        </p:nvSpPr>
+        <p:spPr>
+          <a:xfrm>
+            <a:off x="107502" y="903650"/>
+            <a:ext cx="7920882" cy="1285480"/>
+          </a:xfrm>
+          <a:prstGeom prst="rect">
+            <a:avLst/>
+          </a:prstGeom>
+        </p:spPr>
+        <p:txBody>
+          <a:bodyPr wrap="square">
+            <a:spAutoFit/>
+          </a:bodyPr>
+          <a:lstStyle/>
+          <a:p>
+            <a:pPr lvl="0" latinLnBrk="0">
+              <a:lnSpc>
+                <a:spcPct val="107000"/>
+              </a:lnSpc>
+              <a:spcAft>
+                <a:spcPts val="800"/>
+              </a:spcAft>
+            </a:pPr>
+            <a:r>
+              <a:rPr lang="en-US" sz="2000" dirty="0" smtClean="0">
+                <a:latin typeface="Ebrima" panose="02000000000000000000" pitchFamily="2" charset="0"/>
+                <a:ea typeface="Ebrima" panose="02000000000000000000" pitchFamily="2" charset="0"/>
+                <a:cs typeface="Ebrima" panose="02000000000000000000" pitchFamily="2" charset="0"/>
+              </a:rPr>
+              <a:t>(c)   </a:t>
+            </a:r>
+            <a:r>
+              <a:rPr lang="en-US" sz="2000" dirty="0" smtClean="0">
+                <a:latin typeface="Ebrima" panose="02000000000000000000" pitchFamily="2" charset="0"/>
+                <a:ea typeface="Ebrima" panose="02000000000000000000" pitchFamily="2" charset="0"/>
+                <a:cs typeface="Ebrima" panose="02000000000000000000" pitchFamily="2" charset="0"/>
+              </a:rPr>
+              <a:t>Cost </a:t>
+            </a:r>
+            <a:r>
+              <a:rPr lang="en-US" sz="2000" dirty="0" smtClean="0">
+                <a:latin typeface="Ebrima" panose="02000000000000000000" pitchFamily="2" charset="0"/>
+                <a:ea typeface="Ebrima" panose="02000000000000000000" pitchFamily="2" charset="0"/>
+                <a:cs typeface="Ebrima" panose="02000000000000000000" pitchFamily="2" charset="0"/>
+              </a:rPr>
+              <a:t>minimization </a:t>
+            </a:r>
+            <a:r>
+              <a:rPr lang="en-US" sz="2000" dirty="0" smtClean="0">
+                <a:latin typeface="Ebrima" panose="02000000000000000000" pitchFamily="2" charset="0"/>
+                <a:ea typeface="Ebrima" panose="02000000000000000000" pitchFamily="2" charset="0"/>
+                <a:cs typeface="Ebrima" panose="02000000000000000000" pitchFamily="2" charset="0"/>
+              </a:rPr>
+              <a:t>has an </a:t>
+            </a:r>
+            <a:r>
+              <a:rPr lang="en-US" sz="2000" b="1" dirty="0" smtClean="0">
+                <a:solidFill>
+                  <a:srgbClr val="C00000"/>
+                </a:solidFill>
+                <a:latin typeface="Ebrima" panose="02000000000000000000" pitchFamily="2" charset="0"/>
+                <a:ea typeface="Ebrima" panose="02000000000000000000" pitchFamily="2" charset="0"/>
+                <a:cs typeface="Ebrima" panose="02000000000000000000" pitchFamily="2" charset="0"/>
+              </a:rPr>
+              <a:t>impact on </a:t>
+            </a:r>
+            <a:r>
+              <a:rPr lang="en-US" sz="2000" b="1" dirty="0" smtClean="0">
+                <a:solidFill>
+                  <a:srgbClr val="C00000"/>
+                </a:solidFill>
+                <a:latin typeface="Ebrima" panose="02000000000000000000" pitchFamily="2" charset="0"/>
+                <a:ea typeface="Ebrima" panose="02000000000000000000" pitchFamily="2" charset="0"/>
+                <a:cs typeface="Ebrima" panose="02000000000000000000" pitchFamily="2" charset="0"/>
+              </a:rPr>
+              <a:t>grid robustness</a:t>
+            </a:r>
+            <a:endParaRPr lang="en-US" sz="2000" b="1" dirty="0" smtClean="0">
+              <a:solidFill>
+                <a:srgbClr val="C00000"/>
+              </a:solidFill>
+              <a:latin typeface="Ebrima" panose="02000000000000000000" pitchFamily="2" charset="0"/>
+              <a:ea typeface="Ebrima" panose="02000000000000000000" pitchFamily="2" charset="0"/>
+              <a:cs typeface="Ebrima" panose="02000000000000000000" pitchFamily="2" charset="0"/>
+            </a:endParaRPr>
+          </a:p>
+          <a:p>
+            <a:pPr lvl="0" latinLnBrk="0">
+              <a:lnSpc>
+                <a:spcPct val="107000"/>
+              </a:lnSpc>
+              <a:spcAft>
+                <a:spcPts val="800"/>
+              </a:spcAft>
+            </a:pPr>
+            <a:r>
+              <a:rPr lang="en-US" sz="2000" dirty="0" smtClean="0">
+                <a:latin typeface="Ebrima" panose="02000000000000000000" pitchFamily="2" charset="0"/>
+                <a:ea typeface="Ebrima" panose="02000000000000000000" pitchFamily="2" charset="0"/>
+                <a:cs typeface="Ebrima" panose="02000000000000000000" pitchFamily="2" charset="0"/>
+              </a:rPr>
+              <a:t>	! </a:t>
+            </a:r>
+            <a:r>
+              <a:rPr lang="en-US" sz="2000" dirty="0" smtClean="0">
+                <a:latin typeface="Ebrima" panose="02000000000000000000" pitchFamily="2" charset="0"/>
+                <a:ea typeface="Ebrima" panose="02000000000000000000" pitchFamily="2" charset="0"/>
+                <a:cs typeface="Ebrima" panose="02000000000000000000" pitchFamily="2" charset="0"/>
+              </a:rPr>
+              <a:t>Can </a:t>
+            </a:r>
+            <a:r>
+              <a:rPr lang="en-US" sz="2000" dirty="0" smtClean="0">
+                <a:latin typeface="Ebrima" panose="02000000000000000000" pitchFamily="2" charset="0"/>
+                <a:ea typeface="Ebrima" panose="02000000000000000000" pitchFamily="2" charset="0"/>
+                <a:cs typeface="Ebrima" panose="02000000000000000000" pitchFamily="2" charset="0"/>
+              </a:rPr>
+              <a:t>be a positive influence </a:t>
+            </a:r>
+            <a:endParaRPr lang="en-US" sz="2000" dirty="0" smtClean="0">
+              <a:latin typeface="Ebrima" panose="02000000000000000000" pitchFamily="2" charset="0"/>
+              <a:ea typeface="Ebrima" panose="02000000000000000000" pitchFamily="2" charset="0"/>
+              <a:cs typeface="Ebrima" panose="02000000000000000000" pitchFamily="2" charset="0"/>
+            </a:endParaRPr>
+          </a:p>
+          <a:p>
+            <a:pPr lvl="0" latinLnBrk="0">
+              <a:lnSpc>
+                <a:spcPct val="107000"/>
+              </a:lnSpc>
+              <a:spcAft>
+                <a:spcPts val="800"/>
+              </a:spcAft>
+            </a:pPr>
+            <a:r>
+              <a:rPr lang="en-US" sz="2000" dirty="0" smtClean="0">
+                <a:latin typeface="Ebrima" panose="02000000000000000000" pitchFamily="2" charset="0"/>
+                <a:ea typeface="Ebrima" panose="02000000000000000000" pitchFamily="2" charset="0"/>
+                <a:cs typeface="Ebrima" panose="02000000000000000000" pitchFamily="2" charset="0"/>
+              </a:rPr>
+              <a:t>	! </a:t>
+            </a:r>
+            <a:r>
+              <a:rPr lang="en-US" sz="2000" dirty="0" smtClean="0">
+                <a:latin typeface="Ebrima" panose="02000000000000000000" pitchFamily="2" charset="0"/>
+                <a:ea typeface="Ebrima" panose="02000000000000000000" pitchFamily="2" charset="0"/>
+                <a:cs typeface="Ebrima" panose="02000000000000000000" pitchFamily="2" charset="0"/>
+              </a:rPr>
+              <a:t>Can be </a:t>
+            </a:r>
+            <a:r>
+              <a:rPr lang="en-US" sz="2000" dirty="0" smtClean="0">
+                <a:latin typeface="Ebrima" panose="02000000000000000000" pitchFamily="2" charset="0"/>
+                <a:ea typeface="Ebrima" panose="02000000000000000000" pitchFamily="2" charset="0"/>
+                <a:cs typeface="Ebrima" panose="02000000000000000000" pitchFamily="2" charset="0"/>
+              </a:rPr>
+              <a:t>a negative </a:t>
+            </a:r>
+            <a:r>
+              <a:rPr lang="en-US" sz="2000" dirty="0" smtClean="0">
+                <a:latin typeface="Ebrima" panose="02000000000000000000" pitchFamily="2" charset="0"/>
+                <a:ea typeface="Ebrima" panose="02000000000000000000" pitchFamily="2" charset="0"/>
+                <a:cs typeface="Ebrima" panose="02000000000000000000" pitchFamily="2" charset="0"/>
+              </a:rPr>
+              <a:t>effect (when </a:t>
+            </a:r>
+            <a:r>
+              <a:rPr lang="en-US" sz="2000" dirty="0" smtClean="0">
+                <a:latin typeface="Ebrima" panose="02000000000000000000" pitchFamily="2" charset="0"/>
+                <a:ea typeface="Ebrima" panose="02000000000000000000" pitchFamily="2" charset="0"/>
+                <a:cs typeface="Ebrima" panose="02000000000000000000" pitchFamily="2" charset="0"/>
+              </a:rPr>
+              <a:t>too many EVs participate)</a:t>
+            </a:r>
+            <a:endParaRPr lang="en-US" sz="2000" dirty="0">
+              <a:latin typeface="Ebrima" panose="02000000000000000000" pitchFamily="2" charset="0"/>
+              <a:ea typeface="Ebrima" panose="02000000000000000000" pitchFamily="2" charset="0"/>
+              <a:cs typeface="Ebrima" panose="02000000000000000000" pitchFamily="2" charset="0"/>
+            </a:endParaRPr>
+          </a:p>
+        </p:txBody>
+      </p:sp>
+      <p:grpSp>
+        <p:nvGrpSpPr>
+          <p:cNvPr id="7" name="组合 6"/>
+          <p:cNvGrpSpPr/>
+          <p:nvPr/>
+        </p:nvGrpSpPr>
+        <p:grpSpPr>
+          <a:xfrm>
+            <a:off x="107502" y="3799616"/>
+            <a:ext cx="8870431" cy="2919046"/>
+            <a:chOff x="340629" y="2237257"/>
+            <a:chExt cx="8461935" cy="4526958"/>
+          </a:xfrm>
+        </p:grpSpPr>
+        <p:pic>
+          <p:nvPicPr>
+            <p:cNvPr id="11" name="图片 10"/>
+            <p:cNvPicPr/>
+            <p:nvPr/>
+          </p:nvPicPr>
+          <p:blipFill>
+            <a:blip r:embed="rId2" cstate="print">
+              <a:extLst>
+                <a:ext uri="{28A0092B-C50C-407E-A947-70E740481C1C}">
+                  <a14:useLocalDpi xmlns:a14="http://schemas.microsoft.com/office/drawing/2010/main" val="0"/>
+                </a:ext>
+              </a:extLst>
+            </a:blip>
+            <a:srcRect/>
+            <a:stretch>
+              <a:fillRect/>
+            </a:stretch>
+          </p:blipFill>
+          <p:spPr bwMode="auto">
+            <a:xfrm>
+              <a:off x="340629" y="2237257"/>
+              <a:ext cx="8461935" cy="4526958"/>
+            </a:xfrm>
+            <a:prstGeom prst="rect">
+              <a:avLst/>
+            </a:prstGeom>
+            <a:noFill/>
+          </p:spPr>
+        </p:pic>
+        <p:sp>
+          <p:nvSpPr>
+            <p:cNvPr id="17" name="矩形 16"/>
+            <p:cNvSpPr/>
+            <p:nvPr/>
+          </p:nvSpPr>
+          <p:spPr>
+            <a:xfrm>
+              <a:off x="4755478" y="2391508"/>
+              <a:ext cx="2483290" cy="3645878"/>
+            </a:xfrm>
+            <a:prstGeom prst="rect">
+              <a:avLst/>
+            </a:prstGeom>
+            <a:solidFill>
+              <a:srgbClr val="FFD966">
+                <a:alpha val="36078"/>
+              </a:srgbClr>
+            </a:solidFill>
+            <a:ln>
+              <a:noFill/>
+            </a:ln>
+          </p:spPr>
+          <p:style>
+            <a:lnRef idx="2">
+              <a:schemeClr val="accent1">
+                <a:shade val="50000"/>
+              </a:schemeClr>
+            </a:lnRef>
+            <a:fillRef idx="1">
+              <a:schemeClr val="accent1"/>
+            </a:fillRef>
+            <a:effectRef idx="0">
+              <a:schemeClr val="accent1"/>
+            </a:effectRef>
+            <a:fontRef idx="minor">
+              <a:schemeClr val="lt1"/>
+            </a:fontRef>
+          </p:style>
+          <p:txBody>
+            <a:bodyPr rtlCol="0" anchor="ctr"/>
+            <a:lstStyle/>
+            <a:p>
+              <a:pPr algn="ctr"/>
+              <a:endParaRPr lang="en-US"/>
+            </a:p>
+          </p:txBody>
+        </p:sp>
+      </p:grpSp>
+      <p:graphicFrame>
+        <p:nvGraphicFramePr>
+          <p:cNvPr id="21" name="表格 20"/>
+          <p:cNvGraphicFramePr>
+            <a:graphicFrameLocks noGrp="1"/>
+          </p:cNvGraphicFramePr>
+          <p:nvPr>
+            <p:extLst>
+              <p:ext uri="{D42A27DB-BD31-4B8C-83A1-F6EECF244321}">
+                <p14:modId xmlns:p14="http://schemas.microsoft.com/office/powerpoint/2010/main" val="1241014073"/>
+              </p:ext>
+            </p:extLst>
+          </p:nvPr>
+        </p:nvGraphicFramePr>
+        <p:xfrm>
+          <a:off x="107502" y="2362280"/>
+          <a:ext cx="8895817" cy="1289857"/>
+        </p:xfrm>
+        <a:graphic>
+          <a:graphicData uri="http://schemas.openxmlformats.org/drawingml/2006/table">
+            <a:tbl>
+              <a:tblPr>
+                <a:tableStyleId>{9D7B26C5-4107-4FEC-AEDC-1716B250A1EF}</a:tableStyleId>
+              </a:tblPr>
+              <a:tblGrid>
+                <a:gridCol w="1224138"/>
+                <a:gridCol w="1539789"/>
+                <a:gridCol w="1226378"/>
+                <a:gridCol w="1226378"/>
+                <a:gridCol w="1226378"/>
+                <a:gridCol w="1226378"/>
+                <a:gridCol w="1226378"/>
+              </a:tblGrid>
+              <a:tr h="753277">
+                <a:tc>
+                  <a:txBody>
+                    <a:bodyPr/>
+                    <a:lstStyle/>
+                    <a:p>
+                      <a:pPr algn="ctr" fontAlgn="b"/>
+                      <a:r>
+                        <a:rPr lang="en-US" sz="1600" u="none" strike="noStrike" dirty="0" smtClean="0">
+                          <a:effectLst/>
+                          <a:latin typeface="Ebrima" panose="02000000000000000000" pitchFamily="2" charset="0"/>
+                          <a:ea typeface="Ebrima" panose="02000000000000000000" pitchFamily="2" charset="0"/>
+                          <a:cs typeface="Ebrima" panose="02000000000000000000" pitchFamily="2" charset="0"/>
+                        </a:rPr>
+                        <a:t>Flexibility</a:t>
+                      </a:r>
+                      <a:endParaRPr lang="en-US" sz="1400" b="0" i="0" u="none" strike="noStrike" dirty="0">
+                        <a:solidFill>
+                          <a:srgbClr val="000000"/>
+                        </a:solidFill>
+                        <a:effectLst/>
+                        <a:latin typeface="Ebrima" panose="02000000000000000000" pitchFamily="2" charset="0"/>
+                        <a:ea typeface="Ebrima" panose="02000000000000000000" pitchFamily="2" charset="0"/>
+                        <a:cs typeface="Ebrima" panose="02000000000000000000" pitchFamily="2" charset="0"/>
+                      </a:endParaRPr>
+                    </a:p>
+                  </a:txBody>
+                  <a:tcPr marL="7620" marR="7620" marT="7620" marB="0" anchor="ctr">
+                    <a:lnB w="12700" cap="flat" cmpd="sng" algn="ctr">
+                      <a:solidFill>
+                        <a:schemeClr val="tx1"/>
+                      </a:solidFill>
+                      <a:prstDash val="solid"/>
+                      <a:round/>
+                      <a:headEnd type="none" w="med" len="med"/>
+                      <a:tailEnd type="none" w="med" len="med"/>
+                    </a:lnB>
+                  </a:tcPr>
+                </a:tc>
+                <a:tc>
+                  <a:txBody>
+                    <a:bodyPr/>
+                    <a:lstStyle/>
+                    <a:p>
+                      <a:pPr algn="ctr" fontAlgn="b"/>
+                      <a:r>
+                        <a:rPr lang="en-US" sz="1600" b="0" i="0" u="none" strike="noStrike" dirty="0" smtClean="0">
+                          <a:solidFill>
+                            <a:schemeClr val="tx1"/>
+                          </a:solidFill>
+                          <a:effectLst/>
+                          <a:latin typeface="Ebrima" panose="02000000000000000000" pitchFamily="2" charset="0"/>
+                          <a:ea typeface="Ebrima" panose="02000000000000000000" pitchFamily="2" charset="0"/>
+                          <a:cs typeface="Ebrima" panose="02000000000000000000" pitchFamily="2" charset="0"/>
+                        </a:rPr>
+                        <a:t>0%</a:t>
+                      </a:r>
+                      <a:r>
+                        <a:rPr lang="en-US" sz="1600" b="0" i="0" u="none" strike="noStrike" baseline="0" dirty="0" smtClean="0">
+                          <a:solidFill>
+                            <a:schemeClr val="tx1"/>
+                          </a:solidFill>
+                          <a:effectLst/>
+                          <a:latin typeface="Ebrima" panose="02000000000000000000" pitchFamily="2" charset="0"/>
+                          <a:ea typeface="Ebrima" panose="02000000000000000000" pitchFamily="2" charset="0"/>
+                          <a:cs typeface="Ebrima" panose="02000000000000000000" pitchFamily="2" charset="0"/>
+                        </a:rPr>
+                        <a:t> (benchmark)</a:t>
+                      </a:r>
+                      <a:endParaRPr lang="en-US" sz="1600" b="0" i="0" u="none" strike="noStrike" dirty="0">
+                        <a:solidFill>
+                          <a:srgbClr val="000000"/>
+                        </a:solidFill>
+                        <a:effectLst/>
+                        <a:latin typeface="Ebrima" panose="02000000000000000000" pitchFamily="2" charset="0"/>
+                        <a:ea typeface="Ebrima" panose="02000000000000000000" pitchFamily="2" charset="0"/>
+                        <a:cs typeface="Ebrima" panose="02000000000000000000" pitchFamily="2" charset="0"/>
+                      </a:endParaRPr>
+                    </a:p>
+                  </a:txBody>
+                  <a:tcPr marL="7620" marR="7620" marT="7620" marB="0" anchor="ctr">
+                    <a:lnB w="12700" cap="flat" cmpd="sng" algn="ctr">
+                      <a:solidFill>
+                        <a:schemeClr val="tx1"/>
+                      </a:solidFill>
+                      <a:prstDash val="solid"/>
+                      <a:round/>
+                      <a:headEnd type="none" w="med" len="med"/>
+                      <a:tailEnd type="none" w="med" len="med"/>
+                    </a:lnB>
+                  </a:tcPr>
+                </a:tc>
+                <a:tc>
+                  <a:txBody>
+                    <a:bodyPr/>
+                    <a:lstStyle/>
+                    <a:p>
+                      <a:pPr algn="ctr" fontAlgn="b"/>
+                      <a:r>
+                        <a:rPr lang="en-US" sz="1600" u="none" strike="noStrike" dirty="0">
+                          <a:effectLst/>
+                          <a:latin typeface="Ebrima" panose="02000000000000000000" pitchFamily="2" charset="0"/>
+                          <a:ea typeface="Ebrima" panose="02000000000000000000" pitchFamily="2" charset="0"/>
+                          <a:cs typeface="Ebrima" panose="02000000000000000000" pitchFamily="2" charset="0"/>
+                        </a:rPr>
+                        <a:t>20%</a:t>
+                      </a:r>
+                      <a:endParaRPr lang="en-US" sz="1600" b="0" i="0" u="none" strike="noStrike" dirty="0">
+                        <a:solidFill>
+                          <a:srgbClr val="000000"/>
+                        </a:solidFill>
+                        <a:effectLst/>
+                        <a:latin typeface="Ebrima" panose="02000000000000000000" pitchFamily="2" charset="0"/>
+                        <a:ea typeface="Ebrima" panose="02000000000000000000" pitchFamily="2" charset="0"/>
+                        <a:cs typeface="Ebrima" panose="02000000000000000000" pitchFamily="2" charset="0"/>
+                      </a:endParaRPr>
+                    </a:p>
+                  </a:txBody>
+                  <a:tcPr marL="7620" marR="7620" marT="7620" marB="0" anchor="ctr">
+                    <a:lnB w="12700" cap="flat" cmpd="sng" algn="ctr">
+                      <a:solidFill>
+                        <a:schemeClr val="tx1"/>
+                      </a:solidFill>
+                      <a:prstDash val="solid"/>
+                      <a:round/>
+                      <a:headEnd type="none" w="med" len="med"/>
+                      <a:tailEnd type="none" w="med" len="med"/>
+                    </a:lnB>
+                  </a:tcPr>
+                </a:tc>
+                <a:tc>
+                  <a:txBody>
+                    <a:bodyPr/>
+                    <a:lstStyle/>
+                    <a:p>
+                      <a:pPr algn="ctr" fontAlgn="b"/>
+                      <a:r>
+                        <a:rPr lang="en-US" sz="1600" u="none" strike="noStrike" dirty="0">
+                          <a:effectLst/>
+                          <a:latin typeface="Ebrima" panose="02000000000000000000" pitchFamily="2" charset="0"/>
+                          <a:ea typeface="Ebrima" panose="02000000000000000000" pitchFamily="2" charset="0"/>
+                          <a:cs typeface="Ebrima" panose="02000000000000000000" pitchFamily="2" charset="0"/>
+                        </a:rPr>
+                        <a:t>40%</a:t>
+                      </a:r>
+                      <a:endParaRPr lang="en-US" sz="1600" b="0" i="0" u="none" strike="noStrike" dirty="0">
+                        <a:solidFill>
+                          <a:srgbClr val="000000"/>
+                        </a:solidFill>
+                        <a:effectLst/>
+                        <a:latin typeface="Ebrima" panose="02000000000000000000" pitchFamily="2" charset="0"/>
+                        <a:ea typeface="Ebrima" panose="02000000000000000000" pitchFamily="2" charset="0"/>
+                        <a:cs typeface="Ebrima" panose="02000000000000000000" pitchFamily="2" charset="0"/>
+                      </a:endParaRPr>
+                    </a:p>
+                  </a:txBody>
+                  <a:tcPr marL="7620" marR="7620" marT="7620" marB="0" anchor="ctr">
+                    <a:lnB w="12700" cap="flat" cmpd="sng" algn="ctr">
+                      <a:solidFill>
+                        <a:schemeClr val="tx1"/>
+                      </a:solidFill>
+                      <a:prstDash val="solid"/>
+                      <a:round/>
+                      <a:headEnd type="none" w="med" len="med"/>
+                      <a:tailEnd type="none" w="med" len="med"/>
+                    </a:lnB>
+                  </a:tcPr>
+                </a:tc>
+                <a:tc>
+                  <a:txBody>
+                    <a:bodyPr/>
+                    <a:lstStyle/>
+                    <a:p>
+                      <a:pPr algn="ctr" fontAlgn="b"/>
+                      <a:r>
+                        <a:rPr lang="en-US" sz="1600" u="none" strike="noStrike" dirty="0">
+                          <a:effectLst/>
+                          <a:latin typeface="Ebrima" panose="02000000000000000000" pitchFamily="2" charset="0"/>
+                          <a:ea typeface="Ebrima" panose="02000000000000000000" pitchFamily="2" charset="0"/>
+                          <a:cs typeface="Ebrima" panose="02000000000000000000" pitchFamily="2" charset="0"/>
+                        </a:rPr>
+                        <a:t>60%</a:t>
+                      </a:r>
+                      <a:endParaRPr lang="en-US" sz="1600" b="0" i="0" u="none" strike="noStrike" dirty="0">
+                        <a:solidFill>
+                          <a:srgbClr val="000000"/>
+                        </a:solidFill>
+                        <a:effectLst/>
+                        <a:latin typeface="Ebrima" panose="02000000000000000000" pitchFamily="2" charset="0"/>
+                        <a:ea typeface="Ebrima" panose="02000000000000000000" pitchFamily="2" charset="0"/>
+                        <a:cs typeface="Ebrima" panose="02000000000000000000" pitchFamily="2" charset="0"/>
+                      </a:endParaRPr>
+                    </a:p>
+                  </a:txBody>
+                  <a:tcPr marL="7620" marR="7620" marT="7620" marB="0" anchor="ctr">
+                    <a:lnB w="12700" cap="flat" cmpd="sng" algn="ctr">
+                      <a:solidFill>
+                        <a:schemeClr val="tx1"/>
+                      </a:solidFill>
+                      <a:prstDash val="solid"/>
+                      <a:round/>
+                      <a:headEnd type="none" w="med" len="med"/>
+                      <a:tailEnd type="none" w="med" len="med"/>
+                    </a:lnB>
+                  </a:tcPr>
+                </a:tc>
+                <a:tc>
+                  <a:txBody>
+                    <a:bodyPr/>
+                    <a:lstStyle/>
+                    <a:p>
+                      <a:pPr algn="ctr" fontAlgn="b"/>
+                      <a:r>
+                        <a:rPr lang="en-US" sz="1600" u="none" strike="noStrike" dirty="0">
+                          <a:effectLst/>
+                          <a:latin typeface="Ebrima" panose="02000000000000000000" pitchFamily="2" charset="0"/>
+                          <a:ea typeface="Ebrima" panose="02000000000000000000" pitchFamily="2" charset="0"/>
+                          <a:cs typeface="Ebrima" panose="02000000000000000000" pitchFamily="2" charset="0"/>
+                        </a:rPr>
+                        <a:t>80%</a:t>
+                      </a:r>
+                      <a:endParaRPr lang="en-US" sz="1600" b="0" i="0" u="none" strike="noStrike" dirty="0">
+                        <a:solidFill>
+                          <a:srgbClr val="000000"/>
+                        </a:solidFill>
+                        <a:effectLst/>
+                        <a:latin typeface="Ebrima" panose="02000000000000000000" pitchFamily="2" charset="0"/>
+                        <a:ea typeface="Ebrima" panose="02000000000000000000" pitchFamily="2" charset="0"/>
+                        <a:cs typeface="Ebrima" panose="02000000000000000000" pitchFamily="2" charset="0"/>
+                      </a:endParaRPr>
+                    </a:p>
+                  </a:txBody>
+                  <a:tcPr marL="7620" marR="7620" marT="7620" marB="0" anchor="ctr">
+                    <a:lnB w="12700" cap="flat" cmpd="sng" algn="ctr">
+                      <a:solidFill>
+                        <a:schemeClr val="tx1"/>
+                      </a:solidFill>
+                      <a:prstDash val="solid"/>
+                      <a:round/>
+                      <a:headEnd type="none" w="med" len="med"/>
+                      <a:tailEnd type="none" w="med" len="med"/>
+                    </a:lnB>
+                  </a:tcPr>
+                </a:tc>
+                <a:tc>
+                  <a:txBody>
+                    <a:bodyPr/>
+                    <a:lstStyle/>
+                    <a:p>
+                      <a:pPr algn="ctr" fontAlgn="b"/>
+                      <a:r>
+                        <a:rPr lang="en-US" sz="1600" u="none" strike="noStrike" dirty="0">
+                          <a:effectLst/>
+                          <a:latin typeface="Ebrima" panose="02000000000000000000" pitchFamily="2" charset="0"/>
+                          <a:ea typeface="Ebrima" panose="02000000000000000000" pitchFamily="2" charset="0"/>
+                          <a:cs typeface="Ebrima" panose="02000000000000000000" pitchFamily="2" charset="0"/>
+                        </a:rPr>
+                        <a:t>100%</a:t>
+                      </a:r>
+                      <a:endParaRPr lang="en-US" sz="1600" b="0" i="0" u="none" strike="noStrike" dirty="0">
+                        <a:solidFill>
+                          <a:srgbClr val="000000"/>
+                        </a:solidFill>
+                        <a:effectLst/>
+                        <a:latin typeface="Ebrima" panose="02000000000000000000" pitchFamily="2" charset="0"/>
+                        <a:ea typeface="Ebrima" panose="02000000000000000000" pitchFamily="2" charset="0"/>
+                        <a:cs typeface="Ebrima" panose="02000000000000000000" pitchFamily="2" charset="0"/>
+                      </a:endParaRPr>
+                    </a:p>
+                  </a:txBody>
+                  <a:tcPr marL="7620" marR="7620" marT="7620" marB="0" anchor="ctr">
+                    <a:lnB w="12700" cap="flat" cmpd="sng" algn="ctr">
+                      <a:solidFill>
+                        <a:schemeClr val="tx1"/>
+                      </a:solidFill>
+                      <a:prstDash val="solid"/>
+                      <a:round/>
+                      <a:headEnd type="none" w="med" len="med"/>
+                      <a:tailEnd type="none" w="med" len="med"/>
+                    </a:lnB>
+                  </a:tcPr>
+                </a:tc>
+              </a:tr>
+              <a:tr h="268290">
+                <a:tc>
+                  <a:txBody>
+                    <a:bodyPr/>
+                    <a:lstStyle/>
+                    <a:p>
+                      <a:pPr algn="ctr" fontAlgn="b"/>
+                      <a:r>
+                        <a:rPr lang="en-US" sz="1600" u="none" strike="noStrike">
+                          <a:effectLst/>
+                          <a:latin typeface="Ebrima" panose="02000000000000000000" pitchFamily="2" charset="0"/>
+                          <a:ea typeface="Ebrima" panose="02000000000000000000" pitchFamily="2" charset="0"/>
+                          <a:cs typeface="Ebrima" panose="02000000000000000000" pitchFamily="2" charset="0"/>
+                        </a:rPr>
+                        <a:t>Average/KW</a:t>
+                      </a:r>
+                      <a:endParaRPr lang="en-US" sz="1600" b="0" i="0" u="none" strike="noStrike">
+                        <a:solidFill>
+                          <a:srgbClr val="000000"/>
+                        </a:solidFill>
+                        <a:effectLst/>
+                        <a:latin typeface="Ebrima" panose="02000000000000000000" pitchFamily="2" charset="0"/>
+                        <a:ea typeface="Ebrima" panose="02000000000000000000" pitchFamily="2" charset="0"/>
+                        <a:cs typeface="Ebrima" panose="02000000000000000000" pitchFamily="2" charset="0"/>
+                      </a:endParaRPr>
+                    </a:p>
+                  </a:txBody>
+                  <a:tcPr marL="7620" marR="7620" marT="7620" marB="0" anchor="ctr">
+                    <a:lnT w="12700" cap="flat" cmpd="sng" algn="ctr">
+                      <a:solidFill>
+                        <a:schemeClr val="tx1"/>
+                      </a:solidFill>
+                      <a:prstDash val="solid"/>
+                      <a:round/>
+                      <a:headEnd type="none" w="med" len="med"/>
+                      <a:tailEnd type="none" w="med" len="med"/>
+                    </a:lnT>
+                  </a:tcPr>
+                </a:tc>
+                <a:tc>
+                  <a:txBody>
+                    <a:bodyPr/>
+                    <a:lstStyle/>
+                    <a:p>
+                      <a:pPr algn="ctr" fontAlgn="b"/>
+                      <a:r>
+                        <a:rPr lang="en-US" sz="1600" u="none" strike="noStrike" dirty="0">
+                          <a:effectLst/>
+                          <a:latin typeface="Ebrima" panose="02000000000000000000" pitchFamily="2" charset="0"/>
+                          <a:ea typeface="Ebrima" panose="02000000000000000000" pitchFamily="2" charset="0"/>
+                          <a:cs typeface="Ebrima" panose="02000000000000000000" pitchFamily="2" charset="0"/>
+                        </a:rPr>
+                        <a:t>496.037804</a:t>
+                      </a:r>
+                      <a:endParaRPr lang="en-US" sz="1600" b="0" i="0" u="none" strike="noStrike" dirty="0">
+                        <a:solidFill>
+                          <a:srgbClr val="000000"/>
+                        </a:solidFill>
+                        <a:effectLst/>
+                        <a:latin typeface="Ebrima" panose="02000000000000000000" pitchFamily="2" charset="0"/>
+                        <a:ea typeface="Ebrima" panose="02000000000000000000" pitchFamily="2" charset="0"/>
+                        <a:cs typeface="Ebrima" panose="02000000000000000000" pitchFamily="2" charset="0"/>
+                      </a:endParaRPr>
+                    </a:p>
+                  </a:txBody>
+                  <a:tcPr marL="7620" marR="7620" marT="7620" marB="0" anchor="ctr">
+                    <a:lnT w="12700" cap="flat" cmpd="sng" algn="ctr">
+                      <a:solidFill>
+                        <a:schemeClr val="tx1"/>
+                      </a:solidFill>
+                      <a:prstDash val="solid"/>
+                      <a:round/>
+                      <a:headEnd type="none" w="med" len="med"/>
+                      <a:tailEnd type="none" w="med" len="med"/>
+                    </a:lnT>
+                  </a:tcPr>
+                </a:tc>
+                <a:tc>
+                  <a:txBody>
+                    <a:bodyPr/>
+                    <a:lstStyle/>
+                    <a:p>
+                      <a:pPr algn="ctr" fontAlgn="b"/>
+                      <a:r>
+                        <a:rPr lang="en-US" sz="1600" u="none" strike="noStrike" dirty="0">
+                          <a:effectLst/>
+                          <a:latin typeface="Ebrima" panose="02000000000000000000" pitchFamily="2" charset="0"/>
+                          <a:ea typeface="Ebrima" panose="02000000000000000000" pitchFamily="2" charset="0"/>
+                          <a:cs typeface="Ebrima" panose="02000000000000000000" pitchFamily="2" charset="0"/>
+                        </a:rPr>
+                        <a:t>495.924392</a:t>
+                      </a:r>
+                      <a:endParaRPr lang="en-US" sz="1600" b="0" i="0" u="none" strike="noStrike" dirty="0">
+                        <a:solidFill>
+                          <a:srgbClr val="000000"/>
+                        </a:solidFill>
+                        <a:effectLst/>
+                        <a:latin typeface="Ebrima" panose="02000000000000000000" pitchFamily="2" charset="0"/>
+                        <a:ea typeface="Ebrima" panose="02000000000000000000" pitchFamily="2" charset="0"/>
+                        <a:cs typeface="Ebrima" panose="02000000000000000000" pitchFamily="2" charset="0"/>
+                      </a:endParaRPr>
+                    </a:p>
+                  </a:txBody>
+                  <a:tcPr marL="7620" marR="7620" marT="7620" marB="0" anchor="ctr">
+                    <a:lnT w="12700" cap="flat" cmpd="sng" algn="ctr">
+                      <a:solidFill>
+                        <a:schemeClr val="tx1"/>
+                      </a:solidFill>
+                      <a:prstDash val="solid"/>
+                      <a:round/>
+                      <a:headEnd type="none" w="med" len="med"/>
+                      <a:tailEnd type="none" w="med" len="med"/>
+                    </a:lnT>
+                  </a:tcPr>
+                </a:tc>
+                <a:tc>
+                  <a:txBody>
+                    <a:bodyPr/>
+                    <a:lstStyle/>
+                    <a:p>
+                      <a:pPr algn="ctr" fontAlgn="b"/>
+                      <a:r>
+                        <a:rPr lang="en-US" sz="1600" u="none" strike="noStrike" dirty="0">
+                          <a:effectLst/>
+                          <a:latin typeface="Ebrima" panose="02000000000000000000" pitchFamily="2" charset="0"/>
+                          <a:ea typeface="Ebrima" panose="02000000000000000000" pitchFamily="2" charset="0"/>
+                          <a:cs typeface="Ebrima" panose="02000000000000000000" pitchFamily="2" charset="0"/>
+                        </a:rPr>
+                        <a:t>495.804309</a:t>
+                      </a:r>
+                      <a:endParaRPr lang="en-US" sz="1600" b="0" i="0" u="none" strike="noStrike" dirty="0">
+                        <a:solidFill>
+                          <a:srgbClr val="000000"/>
+                        </a:solidFill>
+                        <a:effectLst/>
+                        <a:latin typeface="Ebrima" panose="02000000000000000000" pitchFamily="2" charset="0"/>
+                        <a:ea typeface="Ebrima" panose="02000000000000000000" pitchFamily="2" charset="0"/>
+                        <a:cs typeface="Ebrima" panose="02000000000000000000" pitchFamily="2" charset="0"/>
+                      </a:endParaRPr>
+                    </a:p>
+                  </a:txBody>
+                  <a:tcPr marL="7620" marR="7620" marT="7620" marB="0" anchor="ctr">
+                    <a:lnT w="12700" cap="flat" cmpd="sng" algn="ctr">
+                      <a:solidFill>
+                        <a:schemeClr val="tx1"/>
+                      </a:solidFill>
+                      <a:prstDash val="solid"/>
+                      <a:round/>
+                      <a:headEnd type="none" w="med" len="med"/>
+                      <a:tailEnd type="none" w="med" len="med"/>
+                    </a:lnT>
+                  </a:tcPr>
+                </a:tc>
+                <a:tc>
+                  <a:txBody>
+                    <a:bodyPr/>
+                    <a:lstStyle/>
+                    <a:p>
+                      <a:pPr algn="ctr" fontAlgn="b"/>
+                      <a:r>
+                        <a:rPr lang="en-US" sz="1600" u="none" strike="noStrike" dirty="0">
+                          <a:effectLst/>
+                          <a:latin typeface="Ebrima" panose="02000000000000000000" pitchFamily="2" charset="0"/>
+                          <a:ea typeface="Ebrima" panose="02000000000000000000" pitchFamily="2" charset="0"/>
+                          <a:cs typeface="Ebrima" panose="02000000000000000000" pitchFamily="2" charset="0"/>
+                        </a:rPr>
+                        <a:t>495.644197</a:t>
+                      </a:r>
+                      <a:endParaRPr lang="en-US" sz="1600" b="0" i="0" u="none" strike="noStrike" dirty="0">
+                        <a:solidFill>
+                          <a:srgbClr val="000000"/>
+                        </a:solidFill>
+                        <a:effectLst/>
+                        <a:latin typeface="Ebrima" panose="02000000000000000000" pitchFamily="2" charset="0"/>
+                        <a:ea typeface="Ebrima" panose="02000000000000000000" pitchFamily="2" charset="0"/>
+                        <a:cs typeface="Ebrima" panose="02000000000000000000" pitchFamily="2" charset="0"/>
+                      </a:endParaRPr>
+                    </a:p>
+                  </a:txBody>
+                  <a:tcPr marL="7620" marR="7620" marT="7620" marB="0" anchor="ctr">
+                    <a:lnT w="12700" cap="flat" cmpd="sng" algn="ctr">
+                      <a:solidFill>
+                        <a:schemeClr val="tx1"/>
+                      </a:solidFill>
+                      <a:prstDash val="solid"/>
+                      <a:round/>
+                      <a:headEnd type="none" w="med" len="med"/>
+                      <a:tailEnd type="none" w="med" len="med"/>
+                    </a:lnT>
+                  </a:tcPr>
+                </a:tc>
+                <a:tc>
+                  <a:txBody>
+                    <a:bodyPr/>
+                    <a:lstStyle/>
+                    <a:p>
+                      <a:pPr algn="ctr" fontAlgn="b"/>
+                      <a:r>
+                        <a:rPr lang="en-US" sz="1600" u="none" strike="noStrike" dirty="0">
+                          <a:effectLst/>
+                          <a:latin typeface="Ebrima" panose="02000000000000000000" pitchFamily="2" charset="0"/>
+                          <a:ea typeface="Ebrima" panose="02000000000000000000" pitchFamily="2" charset="0"/>
+                          <a:cs typeface="Ebrima" panose="02000000000000000000" pitchFamily="2" charset="0"/>
+                        </a:rPr>
+                        <a:t>495.597498</a:t>
+                      </a:r>
+                      <a:endParaRPr lang="en-US" sz="1600" b="0" i="0" u="none" strike="noStrike" dirty="0">
+                        <a:solidFill>
+                          <a:srgbClr val="000000"/>
+                        </a:solidFill>
+                        <a:effectLst/>
+                        <a:latin typeface="Ebrima" panose="02000000000000000000" pitchFamily="2" charset="0"/>
+                        <a:ea typeface="Ebrima" panose="02000000000000000000" pitchFamily="2" charset="0"/>
+                        <a:cs typeface="Ebrima" panose="02000000000000000000" pitchFamily="2" charset="0"/>
+                      </a:endParaRPr>
+                    </a:p>
+                  </a:txBody>
+                  <a:tcPr marL="7620" marR="7620" marT="7620" marB="0" anchor="ctr">
+                    <a:lnT w="12700" cap="flat" cmpd="sng" algn="ctr">
+                      <a:solidFill>
+                        <a:schemeClr val="tx1"/>
+                      </a:solidFill>
+                      <a:prstDash val="solid"/>
+                      <a:round/>
+                      <a:headEnd type="none" w="med" len="med"/>
+                      <a:tailEnd type="none" w="med" len="med"/>
+                    </a:lnT>
+                  </a:tcPr>
+                </a:tc>
+                <a:tc>
+                  <a:txBody>
+                    <a:bodyPr/>
+                    <a:lstStyle/>
+                    <a:p>
+                      <a:pPr algn="ctr" fontAlgn="b"/>
+                      <a:r>
+                        <a:rPr lang="en-US" sz="1600" u="none" strike="noStrike" dirty="0">
+                          <a:effectLst/>
+                          <a:latin typeface="Ebrima" panose="02000000000000000000" pitchFamily="2" charset="0"/>
+                          <a:ea typeface="Ebrima" panose="02000000000000000000" pitchFamily="2" charset="0"/>
+                          <a:cs typeface="Ebrima" panose="02000000000000000000" pitchFamily="2" charset="0"/>
+                        </a:rPr>
+                        <a:t>495.55747</a:t>
+                      </a:r>
+                      <a:endParaRPr lang="en-US" sz="1600" b="0" i="0" u="none" strike="noStrike" dirty="0">
+                        <a:solidFill>
+                          <a:srgbClr val="000000"/>
+                        </a:solidFill>
+                        <a:effectLst/>
+                        <a:latin typeface="Ebrima" panose="02000000000000000000" pitchFamily="2" charset="0"/>
+                        <a:ea typeface="Ebrima" panose="02000000000000000000" pitchFamily="2" charset="0"/>
+                        <a:cs typeface="Ebrima" panose="02000000000000000000" pitchFamily="2" charset="0"/>
+                      </a:endParaRPr>
+                    </a:p>
+                  </a:txBody>
+                  <a:tcPr marL="7620" marR="7620" marT="7620" marB="0" anchor="ctr">
+                    <a:lnT w="12700" cap="flat" cmpd="sng" algn="ctr">
+                      <a:solidFill>
+                        <a:schemeClr val="tx1"/>
+                      </a:solidFill>
+                      <a:prstDash val="solid"/>
+                      <a:round/>
+                      <a:headEnd type="none" w="med" len="med"/>
+                      <a:tailEnd type="none" w="med" len="med"/>
+                    </a:lnT>
+                  </a:tcPr>
+                </a:tc>
+              </a:tr>
+              <a:tr h="268290">
+                <a:tc>
+                  <a:txBody>
+                    <a:bodyPr/>
+                    <a:lstStyle/>
+                    <a:p>
+                      <a:pPr algn="ctr" fontAlgn="b"/>
+                      <a:r>
+                        <a:rPr lang="en-US" sz="1600" u="none" strike="noStrike" dirty="0" smtClean="0">
+                          <a:effectLst/>
+                          <a:latin typeface="Ebrima" panose="02000000000000000000" pitchFamily="2" charset="0"/>
+                          <a:ea typeface="Ebrima" panose="02000000000000000000" pitchFamily="2" charset="0"/>
+                          <a:cs typeface="Ebrima" panose="02000000000000000000" pitchFamily="2" charset="0"/>
+                        </a:rPr>
+                        <a:t>SDV/KW</a:t>
+                      </a:r>
+                      <a:endParaRPr lang="en-US" sz="1600" b="0" i="0" u="none" strike="noStrike" dirty="0">
+                        <a:solidFill>
+                          <a:srgbClr val="000000"/>
+                        </a:solidFill>
+                        <a:effectLst/>
+                        <a:latin typeface="Ebrima" panose="02000000000000000000" pitchFamily="2" charset="0"/>
+                        <a:ea typeface="Ebrima" panose="02000000000000000000" pitchFamily="2" charset="0"/>
+                        <a:cs typeface="Ebrima" panose="02000000000000000000" pitchFamily="2" charset="0"/>
+                      </a:endParaRPr>
+                    </a:p>
+                  </a:txBody>
+                  <a:tcPr marL="7620" marR="7620" marT="7620" marB="0" anchor="ctr"/>
+                </a:tc>
+                <a:tc>
+                  <a:txBody>
+                    <a:bodyPr/>
+                    <a:lstStyle/>
+                    <a:p>
+                      <a:pPr algn="ctr" fontAlgn="b"/>
+                      <a:r>
+                        <a:rPr lang="en-US" sz="1600" u="none" strike="noStrike" dirty="0">
+                          <a:effectLst/>
+                          <a:latin typeface="Ebrima" panose="02000000000000000000" pitchFamily="2" charset="0"/>
+                          <a:ea typeface="Ebrima" panose="02000000000000000000" pitchFamily="2" charset="0"/>
+                          <a:cs typeface="Ebrima" panose="02000000000000000000" pitchFamily="2" charset="0"/>
+                        </a:rPr>
+                        <a:t>450.0195038</a:t>
+                      </a:r>
+                      <a:endParaRPr lang="en-US" sz="1600" b="0" i="0" u="none" strike="noStrike" dirty="0">
+                        <a:solidFill>
+                          <a:srgbClr val="000000"/>
+                        </a:solidFill>
+                        <a:effectLst/>
+                        <a:latin typeface="Ebrima" panose="02000000000000000000" pitchFamily="2" charset="0"/>
+                        <a:ea typeface="Ebrima" panose="02000000000000000000" pitchFamily="2" charset="0"/>
+                        <a:cs typeface="Ebrima" panose="02000000000000000000" pitchFamily="2" charset="0"/>
+                      </a:endParaRPr>
+                    </a:p>
+                  </a:txBody>
+                  <a:tcPr marL="7620" marR="7620" marT="7620" marB="0" anchor="ctr"/>
+                </a:tc>
+                <a:tc>
+                  <a:txBody>
+                    <a:bodyPr/>
+                    <a:lstStyle/>
+                    <a:p>
+                      <a:pPr algn="ctr" fontAlgn="b"/>
+                      <a:r>
+                        <a:rPr lang="en-US" sz="1600" u="none" strike="noStrike" dirty="0">
+                          <a:effectLst/>
+                          <a:latin typeface="Ebrima" panose="02000000000000000000" pitchFamily="2" charset="0"/>
+                          <a:ea typeface="Ebrima" panose="02000000000000000000" pitchFamily="2" charset="0"/>
+                          <a:cs typeface="Ebrima" panose="02000000000000000000" pitchFamily="2" charset="0"/>
+                        </a:rPr>
+                        <a:t>366.037821</a:t>
+                      </a:r>
+                      <a:endParaRPr lang="en-US" sz="1600" b="0" i="0" u="none" strike="noStrike" dirty="0">
+                        <a:solidFill>
+                          <a:srgbClr val="000000"/>
+                        </a:solidFill>
+                        <a:effectLst/>
+                        <a:latin typeface="Ebrima" panose="02000000000000000000" pitchFamily="2" charset="0"/>
+                        <a:ea typeface="Ebrima" panose="02000000000000000000" pitchFamily="2" charset="0"/>
+                        <a:cs typeface="Ebrima" panose="02000000000000000000" pitchFamily="2" charset="0"/>
+                      </a:endParaRPr>
+                    </a:p>
+                  </a:txBody>
+                  <a:tcPr marL="7620" marR="7620" marT="7620" marB="0" anchor="ctr"/>
+                </a:tc>
+                <a:tc>
+                  <a:txBody>
+                    <a:bodyPr/>
+                    <a:lstStyle/>
+                    <a:p>
+                      <a:pPr algn="ctr" fontAlgn="b"/>
+                      <a:r>
+                        <a:rPr lang="en-US" sz="1600" u="none" strike="noStrike" dirty="0">
+                          <a:effectLst/>
+                          <a:latin typeface="Ebrima" panose="02000000000000000000" pitchFamily="2" charset="0"/>
+                          <a:ea typeface="Ebrima" panose="02000000000000000000" pitchFamily="2" charset="0"/>
+                          <a:cs typeface="Ebrima" panose="02000000000000000000" pitchFamily="2" charset="0"/>
+                        </a:rPr>
+                        <a:t>295.897607</a:t>
+                      </a:r>
+                      <a:endParaRPr lang="en-US" sz="1600" b="0" i="0" u="none" strike="noStrike" dirty="0">
+                        <a:solidFill>
+                          <a:srgbClr val="000000"/>
+                        </a:solidFill>
+                        <a:effectLst/>
+                        <a:latin typeface="Ebrima" panose="02000000000000000000" pitchFamily="2" charset="0"/>
+                        <a:ea typeface="Ebrima" panose="02000000000000000000" pitchFamily="2" charset="0"/>
+                        <a:cs typeface="Ebrima" panose="02000000000000000000" pitchFamily="2" charset="0"/>
+                      </a:endParaRPr>
+                    </a:p>
+                  </a:txBody>
+                  <a:tcPr marL="7620" marR="7620" marT="7620" marB="0" anchor="ctr"/>
+                </a:tc>
+                <a:tc>
+                  <a:txBody>
+                    <a:bodyPr/>
+                    <a:lstStyle/>
+                    <a:p>
+                      <a:pPr algn="ctr" fontAlgn="b"/>
+                      <a:r>
+                        <a:rPr lang="en-US" sz="1600" u="none" strike="noStrike" dirty="0">
+                          <a:effectLst/>
+                          <a:latin typeface="Ebrima" panose="02000000000000000000" pitchFamily="2" charset="0"/>
+                          <a:ea typeface="Ebrima" panose="02000000000000000000" pitchFamily="2" charset="0"/>
+                          <a:cs typeface="Ebrima" panose="02000000000000000000" pitchFamily="2" charset="0"/>
+                        </a:rPr>
+                        <a:t>255.979446</a:t>
+                      </a:r>
+                      <a:endParaRPr lang="en-US" sz="1600" b="0" i="0" u="none" strike="noStrike" dirty="0">
+                        <a:solidFill>
+                          <a:srgbClr val="000000"/>
+                        </a:solidFill>
+                        <a:effectLst/>
+                        <a:latin typeface="Ebrima" panose="02000000000000000000" pitchFamily="2" charset="0"/>
+                        <a:ea typeface="Ebrima" panose="02000000000000000000" pitchFamily="2" charset="0"/>
+                        <a:cs typeface="Ebrima" panose="02000000000000000000" pitchFamily="2" charset="0"/>
+                      </a:endParaRPr>
+                    </a:p>
+                  </a:txBody>
+                  <a:tcPr marL="7620" marR="7620" marT="7620" marB="0" anchor="ctr"/>
+                </a:tc>
+                <a:tc>
+                  <a:txBody>
+                    <a:bodyPr/>
+                    <a:lstStyle/>
+                    <a:p>
+                      <a:pPr algn="ctr" fontAlgn="b"/>
+                      <a:r>
+                        <a:rPr lang="en-US" sz="1600" u="none" strike="noStrike">
+                          <a:effectLst/>
+                          <a:latin typeface="Ebrima" panose="02000000000000000000" pitchFamily="2" charset="0"/>
+                          <a:ea typeface="Ebrima" panose="02000000000000000000" pitchFamily="2" charset="0"/>
+                          <a:cs typeface="Ebrima" panose="02000000000000000000" pitchFamily="2" charset="0"/>
+                        </a:rPr>
+                        <a:t>259.316847</a:t>
+                      </a:r>
+                      <a:endParaRPr lang="en-US" sz="1600" b="0" i="0" u="none" strike="noStrike">
+                        <a:solidFill>
+                          <a:srgbClr val="000000"/>
+                        </a:solidFill>
+                        <a:effectLst/>
+                        <a:latin typeface="Ebrima" panose="02000000000000000000" pitchFamily="2" charset="0"/>
+                        <a:ea typeface="Ebrima" panose="02000000000000000000" pitchFamily="2" charset="0"/>
+                        <a:cs typeface="Ebrima" panose="02000000000000000000" pitchFamily="2" charset="0"/>
+                      </a:endParaRPr>
+                    </a:p>
+                  </a:txBody>
+                  <a:tcPr marL="7620" marR="7620" marT="7620" marB="0" anchor="ctr"/>
+                </a:tc>
+                <a:tc>
+                  <a:txBody>
+                    <a:bodyPr/>
+                    <a:lstStyle/>
+                    <a:p>
+                      <a:pPr algn="ctr" fontAlgn="b"/>
+                      <a:r>
+                        <a:rPr lang="en-US" sz="1600" u="none" strike="noStrike" dirty="0">
+                          <a:effectLst/>
+                          <a:latin typeface="Ebrima" panose="02000000000000000000" pitchFamily="2" charset="0"/>
+                          <a:ea typeface="Ebrima" panose="02000000000000000000" pitchFamily="2" charset="0"/>
+                          <a:cs typeface="Ebrima" panose="02000000000000000000" pitchFamily="2" charset="0"/>
+                        </a:rPr>
+                        <a:t>277.148421</a:t>
+                      </a:r>
+                      <a:endParaRPr lang="en-US" sz="1600" b="0" i="0" u="none" strike="noStrike" dirty="0">
+                        <a:solidFill>
+                          <a:srgbClr val="000000"/>
+                        </a:solidFill>
+                        <a:effectLst/>
+                        <a:latin typeface="Ebrima" panose="02000000000000000000" pitchFamily="2" charset="0"/>
+                        <a:ea typeface="Ebrima" panose="02000000000000000000" pitchFamily="2" charset="0"/>
+                        <a:cs typeface="Ebrima" panose="02000000000000000000" pitchFamily="2" charset="0"/>
+                      </a:endParaRPr>
+                    </a:p>
+                  </a:txBody>
+                  <a:tcPr marL="7620" marR="7620" marT="7620" marB="0" anchor="ctr"/>
+                </a:tc>
+              </a:tr>
+            </a:tbl>
+          </a:graphicData>
+        </a:graphic>
+      </p:graphicFrame>
+      <p:sp>
+        <p:nvSpPr>
+          <p:cNvPr id="9" name="TextBox 8"/>
+          <p:cNvSpPr txBox="1"/>
+          <p:nvPr/>
+        </p:nvSpPr>
+        <p:spPr>
+          <a:xfrm>
+            <a:off x="107504" y="44626"/>
+            <a:ext cx="8813758" cy="646331"/>
+          </a:xfrm>
+          <a:prstGeom prst="rect">
+            <a:avLst/>
+          </a:prstGeom>
+          <a:noFill/>
+        </p:spPr>
+        <p:txBody>
+          <a:bodyPr wrap="square" rtlCol="0">
+            <a:spAutoFit/>
+          </a:bodyPr>
+          <a:lstStyle/>
+          <a:p>
+            <a:r>
+              <a:rPr lang="en-US" altLang="ko-KR" sz="3600" b="1" dirty="0" smtClean="0">
+                <a:latin typeface="Ebrima" panose="02000000000000000000" pitchFamily="2" charset="0"/>
+                <a:ea typeface="Ebrima" panose="02000000000000000000" pitchFamily="2" charset="0"/>
+                <a:cs typeface="Ebrima" panose="02000000000000000000" pitchFamily="2" charset="0"/>
+              </a:rPr>
+              <a:t>R</a:t>
+            </a:r>
+            <a:r>
+              <a:rPr lang="en-US" altLang="ko-KR" sz="2800" b="1" dirty="0" smtClean="0">
+                <a:latin typeface="Ebrima" panose="02000000000000000000" pitchFamily="2" charset="0"/>
+                <a:ea typeface="Ebrima" panose="02000000000000000000" pitchFamily="2" charset="0"/>
+                <a:cs typeface="Ebrima" panose="02000000000000000000" pitchFamily="2" charset="0"/>
+              </a:rPr>
+              <a:t>ESULTS: </a:t>
+            </a:r>
+            <a:r>
+              <a:rPr lang="en-US" altLang="ko-KR" sz="3600" b="1" dirty="0" smtClean="0">
+                <a:latin typeface="Ebrima" panose="02000000000000000000" pitchFamily="2" charset="0"/>
+                <a:ea typeface="Ebrima" panose="02000000000000000000" pitchFamily="2" charset="0"/>
+                <a:cs typeface="Ebrima" panose="02000000000000000000" pitchFamily="2" charset="0"/>
+              </a:rPr>
+              <a:t>M</a:t>
+            </a:r>
+            <a:r>
+              <a:rPr lang="en-US" altLang="ko-KR" sz="2800" b="1" dirty="0" smtClean="0">
+                <a:latin typeface="Ebrima" panose="02000000000000000000" pitchFamily="2" charset="0"/>
+                <a:ea typeface="Ebrima" panose="02000000000000000000" pitchFamily="2" charset="0"/>
+                <a:cs typeface="Ebrima" panose="02000000000000000000" pitchFamily="2" charset="0"/>
+              </a:rPr>
+              <a:t>INIMIZING</a:t>
+            </a:r>
+            <a:r>
+              <a:rPr lang="en-US" altLang="ko-KR" sz="3600" b="1" dirty="0" smtClean="0">
+                <a:latin typeface="Ebrima" panose="02000000000000000000" pitchFamily="2" charset="0"/>
+                <a:ea typeface="Ebrima" panose="02000000000000000000" pitchFamily="2" charset="0"/>
+                <a:cs typeface="Ebrima" panose="02000000000000000000" pitchFamily="2" charset="0"/>
+              </a:rPr>
+              <a:t> C</a:t>
+            </a:r>
+            <a:r>
+              <a:rPr lang="en-US" altLang="ko-KR" sz="2800" b="1" dirty="0" smtClean="0">
+                <a:latin typeface="Ebrima" panose="02000000000000000000" pitchFamily="2" charset="0"/>
+                <a:ea typeface="Ebrima" panose="02000000000000000000" pitchFamily="2" charset="0"/>
+                <a:cs typeface="Ebrima" panose="02000000000000000000" pitchFamily="2" charset="0"/>
+              </a:rPr>
+              <a:t>OST</a:t>
+            </a:r>
+            <a:endParaRPr lang="ko-KR" altLang="en-US" sz="2800" b="1" dirty="0">
+              <a:latin typeface="Ebrima" panose="02000000000000000000" pitchFamily="2" charset="0"/>
+              <a:cs typeface="Ebrima" panose="02000000000000000000" pitchFamily="2" charset="0"/>
+            </a:endParaRPr>
+          </a:p>
+        </p:txBody>
+      </p:sp>
+    </p:spTree>
+    <p:extLst>
+      <p:ext uri="{BB962C8B-B14F-4D97-AF65-F5344CB8AC3E}">
+        <p14:creationId xmlns:p14="http://schemas.microsoft.com/office/powerpoint/2010/main" val="874660201"/>
+      </p:ext>
+    </p:extLst>
+  </p:cSld>
+  <p:clrMapOvr>
+    <a:masterClrMapping/>
+  </p:clrMapOvr>
+  <p:timing>
+    <p:tnLst>
+      <p:par>
+        <p:cTn id="1" dur="indefinite" restart="never" nodeType="tmRoot"/>
+      </p:par>
+    </p:tnLst>
+  </p:timing>
+</p:sld>
+</file>
+
+<file path=ppt/slides/slide15.xml><?xml version="1.0" encoding="utf-8"?>
+<p:sld xmlns:a="http://schemas.openxmlformats.org/drawingml/2006/main" xmlns:r="http://schemas.openxmlformats.org/officeDocument/2006/relationships" xmlns:p="http://schemas.openxmlformats.org/presentationml/2006/main">
+  <p:cSld>
+    <p:spTree>
+      <p:nvGrpSpPr>
+        <p:cNvPr id="1" name=""/>
+        <p:cNvGrpSpPr/>
+        <p:nvPr/>
+      </p:nvGrpSpPr>
+      <p:grpSpPr>
+        <a:xfrm>
+          <a:off x="0" y="0"/>
+          <a:ext cx="0" cy="0"/>
+          <a:chOff x="0" y="0"/>
+          <a:chExt cx="0" cy="0"/>
+        </a:xfrm>
+      </p:grpSpPr>
+      <p:sp>
+        <p:nvSpPr>
+          <p:cNvPr id="27" name="矩形 26"/>
+          <p:cNvSpPr/>
+          <p:nvPr/>
+        </p:nvSpPr>
+        <p:spPr>
+          <a:xfrm>
+            <a:off x="899011" y="980728"/>
+            <a:ext cx="7345978" cy="3323987"/>
+          </a:xfrm>
+          <a:prstGeom prst="rect">
+            <a:avLst/>
+          </a:prstGeom>
+        </p:spPr>
+        <p:txBody>
+          <a:bodyPr wrap="square">
+            <a:spAutoFit/>
+          </a:bodyPr>
+          <a:lstStyle/>
+          <a:p>
+            <a:pPr latinLnBrk="0">
+              <a:lnSpc>
+                <a:spcPct val="150000"/>
+              </a:lnSpc>
+            </a:pPr>
+            <a:r>
+              <a:rPr lang="en-US" sz="2800" b="1" dirty="0" smtClean="0">
+                <a:latin typeface="Ebrima" panose="02000000000000000000" pitchFamily="2" charset="0"/>
+                <a:ea typeface="Ebrima" panose="02000000000000000000" pitchFamily="2" charset="0"/>
+                <a:cs typeface="Ebrima" panose="02000000000000000000" pitchFamily="2" charset="0"/>
+              </a:rPr>
+              <a:t>Conclusion</a:t>
+            </a:r>
+          </a:p>
+          <a:p>
+            <a:pPr marL="457200" indent="-457200" latinLnBrk="0">
+              <a:buAutoNum type="arabicParenBoth"/>
+            </a:pPr>
+            <a:r>
+              <a:rPr lang="en-US" sz="2400" dirty="0" smtClean="0">
+                <a:latin typeface="Ebrima" panose="02000000000000000000" pitchFamily="2" charset="0"/>
+                <a:ea typeface="Ebrima" panose="02000000000000000000" pitchFamily="2" charset="0"/>
+                <a:cs typeface="Ebrima" panose="02000000000000000000" pitchFamily="2" charset="0"/>
+              </a:rPr>
+              <a:t>Our </a:t>
+            </a:r>
+            <a:r>
+              <a:rPr lang="en-US" sz="2400" dirty="0" smtClean="0">
+                <a:latin typeface="Ebrima" panose="02000000000000000000" pitchFamily="2" charset="0"/>
+                <a:ea typeface="Ebrima" panose="02000000000000000000" pitchFamily="2" charset="0"/>
+                <a:cs typeface="Ebrima" panose="02000000000000000000" pitchFamily="2" charset="0"/>
+              </a:rPr>
+              <a:t>smart </a:t>
+            </a:r>
+            <a:r>
+              <a:rPr lang="en-US" sz="2400" dirty="0" err="1" smtClean="0">
+                <a:latin typeface="Ebrima" panose="02000000000000000000" pitchFamily="2" charset="0"/>
+                <a:ea typeface="Ebrima" panose="02000000000000000000" pitchFamily="2" charset="0"/>
+                <a:cs typeface="Ebrima" panose="02000000000000000000" pitchFamily="2" charset="0"/>
+              </a:rPr>
+              <a:t>microgrid</a:t>
+            </a:r>
+            <a:r>
+              <a:rPr lang="en-US" sz="2400" dirty="0" smtClean="0">
+                <a:latin typeface="Ebrima" panose="02000000000000000000" pitchFamily="2" charset="0"/>
+                <a:ea typeface="Ebrima" panose="02000000000000000000" pitchFamily="2" charset="0"/>
+                <a:cs typeface="Ebrima" panose="02000000000000000000" pitchFamily="2" charset="0"/>
+              </a:rPr>
+              <a:t> improves grid robustness significantly by assigning alternative charging plans to EVs</a:t>
+            </a:r>
+            <a:endParaRPr lang="en-US" sz="2400" dirty="0">
+              <a:latin typeface="Ebrima" panose="02000000000000000000" pitchFamily="2" charset="0"/>
+              <a:ea typeface="Ebrima" panose="02000000000000000000" pitchFamily="2" charset="0"/>
+              <a:cs typeface="Ebrima" panose="02000000000000000000" pitchFamily="2" charset="0"/>
+            </a:endParaRPr>
+          </a:p>
+          <a:p>
+            <a:pPr latinLnBrk="0"/>
+            <a:endParaRPr lang="en-US" sz="2400" dirty="0" smtClean="0">
+              <a:latin typeface="Ebrima" panose="02000000000000000000" pitchFamily="2" charset="0"/>
+              <a:ea typeface="Ebrima" panose="02000000000000000000" pitchFamily="2" charset="0"/>
+              <a:cs typeface="Ebrima" panose="02000000000000000000" pitchFamily="2" charset="0"/>
+            </a:endParaRPr>
+          </a:p>
+          <a:p>
+            <a:pPr latinLnBrk="0"/>
+            <a:r>
+              <a:rPr lang="en-US" sz="2400" dirty="0" smtClean="0">
+                <a:latin typeface="Ebrima" panose="02000000000000000000" pitchFamily="2" charset="0"/>
+                <a:ea typeface="Ebrima" panose="02000000000000000000" pitchFamily="2" charset="0"/>
+                <a:cs typeface="Ebrima" panose="02000000000000000000" pitchFamily="2" charset="0"/>
+              </a:rPr>
+              <a:t>As </a:t>
+            </a:r>
+            <a:r>
+              <a:rPr lang="en-US" sz="2400" dirty="0" smtClean="0">
+                <a:latin typeface="Ebrima" panose="02000000000000000000" pitchFamily="2" charset="0"/>
+                <a:ea typeface="Ebrima" panose="02000000000000000000" pitchFamily="2" charset="0"/>
+                <a:cs typeface="Ebrima" panose="02000000000000000000" pitchFamily="2" charset="0"/>
+              </a:rPr>
+              <a:t>more EVs participate,</a:t>
+            </a:r>
+          </a:p>
+          <a:p>
+            <a:pPr latinLnBrk="0"/>
+            <a:r>
+              <a:rPr lang="en-US" sz="2400" dirty="0" smtClean="0">
+                <a:latin typeface="Ebrima" panose="02000000000000000000" pitchFamily="2" charset="0"/>
+                <a:ea typeface="Ebrima" panose="02000000000000000000" pitchFamily="2" charset="0"/>
+                <a:cs typeface="Ebrima" panose="02000000000000000000" pitchFamily="2" charset="0"/>
+              </a:rPr>
+              <a:t>(2)   Robustness </a:t>
+            </a:r>
+            <a:r>
+              <a:rPr lang="zh-CN" altLang="en-US" sz="2400" dirty="0" smtClean="0">
+                <a:latin typeface="Ebrima" panose="02000000000000000000" pitchFamily="2" charset="0"/>
+                <a:cs typeface="Ebrima" panose="02000000000000000000" pitchFamily="2" charset="0"/>
+              </a:rPr>
+              <a:t>↑</a:t>
+            </a:r>
+            <a:endParaRPr lang="en-US" sz="2400" dirty="0" smtClean="0">
+              <a:latin typeface="Ebrima" panose="02000000000000000000" pitchFamily="2" charset="0"/>
+              <a:ea typeface="Ebrima" panose="02000000000000000000" pitchFamily="2" charset="0"/>
+              <a:cs typeface="Ebrima" panose="02000000000000000000" pitchFamily="2" charset="0"/>
+            </a:endParaRPr>
+          </a:p>
+          <a:p>
+            <a:pPr latinLnBrk="0"/>
+            <a:r>
+              <a:rPr lang="en-US" sz="2400" dirty="0" smtClean="0">
+                <a:latin typeface="Ebrima" panose="02000000000000000000" pitchFamily="2" charset="0"/>
+                <a:ea typeface="Ebrima" panose="02000000000000000000" pitchFamily="2" charset="0"/>
+                <a:cs typeface="Ebrima" panose="02000000000000000000" pitchFamily="2" charset="0"/>
+              </a:rPr>
+              <a:t>(3)   Total energy cost </a:t>
+            </a:r>
+            <a:r>
+              <a:rPr lang="zh-CN" altLang="en-US" sz="2400" dirty="0" smtClean="0">
+                <a:latin typeface="Ebrima" panose="02000000000000000000" pitchFamily="2" charset="0"/>
+                <a:cs typeface="Ebrima" panose="02000000000000000000" pitchFamily="2" charset="0"/>
+              </a:rPr>
+              <a:t>↓</a:t>
+            </a:r>
+            <a:r>
+              <a:rPr lang="en-US" sz="2400" dirty="0" smtClean="0">
+                <a:latin typeface="Ebrima" panose="02000000000000000000" pitchFamily="2" charset="0"/>
+                <a:ea typeface="Ebrima" panose="02000000000000000000" pitchFamily="2" charset="0"/>
+                <a:cs typeface="Ebrima" panose="02000000000000000000" pitchFamily="2" charset="0"/>
+              </a:rPr>
+              <a:t>, but </a:t>
+            </a:r>
+            <a:r>
+              <a:rPr lang="en-US" altLang="zh-CN" sz="2400" dirty="0" smtClean="0">
+                <a:latin typeface="Ebrima" panose="02000000000000000000" pitchFamily="2" charset="0"/>
+                <a:ea typeface="Ebrima" panose="02000000000000000000" pitchFamily="2" charset="0"/>
+                <a:cs typeface="Ebrima" panose="02000000000000000000" pitchFamily="2" charset="0"/>
+              </a:rPr>
+              <a:t>robustness might </a:t>
+            </a:r>
+            <a:r>
+              <a:rPr lang="zh-CN" altLang="en-US" sz="2400" dirty="0">
+                <a:latin typeface="Ebrima" panose="02000000000000000000" pitchFamily="2" charset="0"/>
+                <a:cs typeface="Ebrima" panose="02000000000000000000" pitchFamily="2" charset="0"/>
+              </a:rPr>
+              <a:t>↓</a:t>
+            </a:r>
+            <a:endParaRPr lang="en-US" sz="2400" dirty="0" smtClean="0">
+              <a:latin typeface="Ebrima" panose="02000000000000000000" pitchFamily="2" charset="0"/>
+              <a:ea typeface="Ebrima" panose="02000000000000000000" pitchFamily="2" charset="0"/>
+              <a:cs typeface="Ebrima" panose="02000000000000000000" pitchFamily="2" charset="0"/>
+            </a:endParaRPr>
+          </a:p>
+        </p:txBody>
+      </p:sp>
+      <p:sp>
+        <p:nvSpPr>
+          <p:cNvPr id="4" name="직사각형 3"/>
+          <p:cNvSpPr/>
+          <p:nvPr/>
+        </p:nvSpPr>
+        <p:spPr>
+          <a:xfrm>
+            <a:off x="-16295" y="692696"/>
+            <a:ext cx="9176590" cy="72000"/>
+          </a:xfrm>
+          <a:prstGeom prst="rect">
+            <a:avLst/>
+          </a:prstGeom>
+          <a:solidFill>
+            <a:srgbClr val="0070C0"/>
+          </a:solidFill>
+          <a:ln>
+            <a:noFill/>
+          </a:ln>
+        </p:spPr>
+        <p:style>
+          <a:lnRef idx="2">
+            <a:schemeClr val="accent1">
+              <a:shade val="50000"/>
+            </a:schemeClr>
+          </a:lnRef>
+          <a:fillRef idx="1">
+            <a:schemeClr val="accent1"/>
+          </a:fillRef>
+          <a:effectRef idx="0">
+            <a:schemeClr val="accent1"/>
+          </a:effectRef>
+          <a:fontRef idx="minor">
+            <a:schemeClr val="lt1"/>
+          </a:fontRef>
+        </p:style>
+        <p:txBody>
+          <a:bodyPr rtlCol="0" anchor="ctr"/>
+          <a:lstStyle/>
+          <a:p>
+            <a:pPr algn="ctr"/>
+            <a:endParaRPr lang="ko-KR" altLang="en-US"/>
+          </a:p>
+        </p:txBody>
+      </p:sp>
+      <p:sp>
+        <p:nvSpPr>
+          <p:cNvPr id="5" name="TextBox 4"/>
+          <p:cNvSpPr txBox="1"/>
+          <p:nvPr/>
+        </p:nvSpPr>
+        <p:spPr>
+          <a:xfrm>
+            <a:off x="107503" y="44626"/>
+            <a:ext cx="8895819" cy="646331"/>
+          </a:xfrm>
+          <a:prstGeom prst="rect">
+            <a:avLst/>
+          </a:prstGeom>
+          <a:noFill/>
+        </p:spPr>
+        <p:txBody>
+          <a:bodyPr wrap="square" rtlCol="0">
+            <a:spAutoFit/>
+          </a:bodyPr>
+          <a:lstStyle/>
+          <a:p>
+            <a:r>
+              <a:rPr lang="en-US" altLang="ko-KR" sz="3600" b="1" dirty="0" smtClean="0">
+                <a:latin typeface="Ebrima" panose="02000000000000000000" pitchFamily="2" charset="0"/>
+                <a:ea typeface="Ebrima" panose="02000000000000000000" pitchFamily="2" charset="0"/>
+                <a:cs typeface="Ebrima" panose="02000000000000000000" pitchFamily="2" charset="0"/>
+              </a:rPr>
+              <a:t>S</a:t>
+            </a:r>
+            <a:r>
+              <a:rPr lang="en-US" altLang="ko-KR" sz="2800" b="1" dirty="0" smtClean="0">
+                <a:latin typeface="Ebrima" panose="02000000000000000000" pitchFamily="2" charset="0"/>
+                <a:ea typeface="Ebrima" panose="02000000000000000000" pitchFamily="2" charset="0"/>
+                <a:cs typeface="Ebrima" panose="02000000000000000000" pitchFamily="2" charset="0"/>
+              </a:rPr>
+              <a:t>UMMARY </a:t>
+            </a:r>
+            <a:r>
+              <a:rPr lang="en-US" altLang="ko-KR" sz="2800" b="1" dirty="0">
+                <a:latin typeface="Ebrima" panose="02000000000000000000" pitchFamily="2" charset="0"/>
+                <a:ea typeface="Ebrima" panose="02000000000000000000" pitchFamily="2" charset="0"/>
+                <a:cs typeface="Ebrima" panose="02000000000000000000" pitchFamily="2" charset="0"/>
+              </a:rPr>
+              <a:t>AND </a:t>
+            </a:r>
+            <a:r>
+              <a:rPr lang="en-US" altLang="ko-KR" sz="3600" b="1" dirty="0" smtClean="0">
+                <a:latin typeface="Ebrima" panose="02000000000000000000" pitchFamily="2" charset="0"/>
+                <a:ea typeface="Ebrima" panose="02000000000000000000" pitchFamily="2" charset="0"/>
+                <a:cs typeface="Ebrima" panose="02000000000000000000" pitchFamily="2" charset="0"/>
+              </a:rPr>
+              <a:t>O</a:t>
+            </a:r>
+            <a:r>
+              <a:rPr lang="en-US" altLang="ko-KR" sz="2800" b="1" dirty="0" smtClean="0">
+                <a:latin typeface="Ebrima" panose="02000000000000000000" pitchFamily="2" charset="0"/>
+                <a:ea typeface="Ebrima" panose="02000000000000000000" pitchFamily="2" charset="0"/>
+                <a:cs typeface="Ebrima" panose="02000000000000000000" pitchFamily="2" charset="0"/>
+              </a:rPr>
+              <a:t>UTLOOK</a:t>
+            </a:r>
+            <a:endParaRPr lang="ko-KR" altLang="en-US" sz="2800" b="1" dirty="0">
+              <a:latin typeface="Ebrima" panose="02000000000000000000" pitchFamily="2" charset="0"/>
+              <a:cs typeface="Ebrima" panose="02000000000000000000" pitchFamily="2" charset="0"/>
+            </a:endParaRPr>
+          </a:p>
+        </p:txBody>
+      </p:sp>
+      <p:sp>
+        <p:nvSpPr>
+          <p:cNvPr id="9" name="矩形 8"/>
+          <p:cNvSpPr/>
+          <p:nvPr/>
+        </p:nvSpPr>
+        <p:spPr>
+          <a:xfrm>
+            <a:off x="899011" y="4437112"/>
+            <a:ext cx="7841272" cy="1846659"/>
+          </a:xfrm>
+          <a:prstGeom prst="rect">
+            <a:avLst/>
+          </a:prstGeom>
+        </p:spPr>
+        <p:txBody>
+          <a:bodyPr wrap="square">
+            <a:spAutoFit/>
+          </a:bodyPr>
+          <a:lstStyle/>
+          <a:p>
+            <a:pPr>
+              <a:lnSpc>
+                <a:spcPct val="150000"/>
+              </a:lnSpc>
+            </a:pPr>
+            <a:r>
+              <a:rPr lang="en-US" sz="2800" b="1" dirty="0" smtClean="0">
+                <a:latin typeface="Ebrima" panose="02000000000000000000" pitchFamily="2" charset="0"/>
+                <a:ea typeface="Ebrima" panose="02000000000000000000" pitchFamily="2" charset="0"/>
+                <a:cs typeface="Ebrima" panose="02000000000000000000" pitchFamily="2" charset="0"/>
+              </a:rPr>
+              <a:t>Outlook</a:t>
+            </a:r>
+          </a:p>
+          <a:p>
+            <a:pPr marL="457200" indent="-457200">
+              <a:buAutoNum type="arabicParenBoth"/>
+            </a:pPr>
+            <a:r>
+              <a:rPr lang="en-US" sz="2400" dirty="0" smtClean="0">
+                <a:latin typeface="Ebrima" panose="02000000000000000000" pitchFamily="2" charset="0"/>
+                <a:ea typeface="Ebrima" panose="02000000000000000000" pitchFamily="2" charset="0"/>
+                <a:cs typeface="Ebrima" panose="02000000000000000000" pitchFamily="2" charset="0"/>
+              </a:rPr>
+              <a:t>Optimization </a:t>
+            </a:r>
+            <a:r>
+              <a:rPr lang="en-US" sz="2400" dirty="0">
+                <a:latin typeface="Ebrima" panose="02000000000000000000" pitchFamily="2" charset="0"/>
+                <a:ea typeface="Ebrima" panose="02000000000000000000" pitchFamily="2" charset="0"/>
+                <a:cs typeface="Ebrima" panose="02000000000000000000" pitchFamily="2" charset="0"/>
+              </a:rPr>
+              <a:t>of </a:t>
+            </a:r>
+            <a:r>
+              <a:rPr lang="en-US" sz="2400" dirty="0" smtClean="0">
+                <a:latin typeface="Ebrima" panose="02000000000000000000" pitchFamily="2" charset="0"/>
+                <a:ea typeface="Ebrima" panose="02000000000000000000" pitchFamily="2" charset="0"/>
+                <a:cs typeface="Ebrima" panose="02000000000000000000" pitchFamily="2" charset="0"/>
+              </a:rPr>
+              <a:t>both </a:t>
+            </a:r>
+            <a:r>
+              <a:rPr lang="en-US" sz="2400" dirty="0">
+                <a:latin typeface="Ebrima" panose="02000000000000000000" pitchFamily="2" charset="0"/>
+                <a:ea typeface="Ebrima" panose="02000000000000000000" pitchFamily="2" charset="0"/>
+                <a:cs typeface="Ebrima" panose="02000000000000000000" pitchFamily="2" charset="0"/>
+              </a:rPr>
+              <a:t>cost and </a:t>
+            </a:r>
+            <a:r>
+              <a:rPr lang="en-US" sz="2400" dirty="0" smtClean="0">
+                <a:latin typeface="Ebrima" panose="02000000000000000000" pitchFamily="2" charset="0"/>
+                <a:ea typeface="Ebrima" panose="02000000000000000000" pitchFamily="2" charset="0"/>
+                <a:cs typeface="Ebrima" panose="02000000000000000000" pitchFamily="2" charset="0"/>
+              </a:rPr>
+              <a:t>robustness</a:t>
+            </a:r>
+          </a:p>
+          <a:p>
+            <a:pPr marL="457200" indent="-457200">
+              <a:buAutoNum type="arabicParenBoth"/>
+            </a:pPr>
+            <a:r>
+              <a:rPr lang="en-US" sz="2400" dirty="0" smtClean="0">
+                <a:latin typeface="Ebrima" panose="02000000000000000000" pitchFamily="2" charset="0"/>
+                <a:ea typeface="Ebrima" panose="02000000000000000000" pitchFamily="2" charset="0"/>
+                <a:cs typeface="Ebrima" panose="02000000000000000000" pitchFamily="2" charset="0"/>
+              </a:rPr>
+              <a:t>Easy execution in real life</a:t>
+            </a:r>
+          </a:p>
+          <a:p>
+            <a:pPr marL="457200" indent="-457200">
+              <a:buAutoNum type="arabicParenBoth"/>
+            </a:pPr>
+            <a:endParaRPr lang="en-US" sz="2400" dirty="0" smtClean="0">
+              <a:latin typeface="Ebrima" panose="02000000000000000000" pitchFamily="2" charset="0"/>
+              <a:ea typeface="Ebrima" panose="02000000000000000000" pitchFamily="2" charset="0"/>
+              <a:cs typeface="Ebrima" panose="02000000000000000000" pitchFamily="2" charset="0"/>
+            </a:endParaRPr>
+          </a:p>
+        </p:txBody>
+      </p:sp>
+    </p:spTree>
+    <p:extLst>
+      <p:ext uri="{BB962C8B-B14F-4D97-AF65-F5344CB8AC3E}">
+        <p14:creationId xmlns:p14="http://schemas.microsoft.com/office/powerpoint/2010/main" val="3536446985"/>
+      </p:ext>
+    </p:extLst>
+  </p:cSld>
+  <p:clrMapOvr>
+    <a:masterClrMapping/>
+  </p:clrMapOvr>
+  <p:timing>
+    <p:tnLst>
+      <p:par>
+        <p:cTn id="1" dur="indefinite" restart="never" nodeType="tmRoot"/>
+      </p:par>
+    </p:tnLst>
+  </p:timing>
+</p:sld>
+</file>
+
+<file path=ppt/slides/slide16.xml><?xml version="1.0" encoding="utf-8"?>
+<p:sld xmlns:a="http://schemas.openxmlformats.org/drawingml/2006/main" xmlns:r="http://schemas.openxmlformats.org/officeDocument/2006/relationships" xmlns:p="http://schemas.openxmlformats.org/presentationml/2006/main">
+  <p:cSld>
+    <p:spTree>
+      <p:nvGrpSpPr>
+        <p:cNvPr id="1" name=""/>
+        <p:cNvGrpSpPr/>
+        <p:nvPr/>
+      </p:nvGrpSpPr>
+      <p:grpSpPr>
+        <a:xfrm>
+          <a:off x="0" y="0"/>
+          <a:ext cx="0" cy="0"/>
+          <a:chOff x="0" y="0"/>
+          <a:chExt cx="0" cy="0"/>
+        </a:xfrm>
+      </p:grpSpPr>
+      <p:sp>
+        <p:nvSpPr>
+          <p:cNvPr id="4" name="직사각형 3"/>
+          <p:cNvSpPr/>
+          <p:nvPr/>
+        </p:nvSpPr>
+        <p:spPr>
+          <a:xfrm>
+            <a:off x="-16295" y="692696"/>
+            <a:ext cx="9176590" cy="72000"/>
+          </a:xfrm>
+          <a:prstGeom prst="rect">
+            <a:avLst/>
+          </a:prstGeom>
+          <a:solidFill>
+            <a:srgbClr val="0070C0"/>
+          </a:solidFill>
+          <a:ln>
+            <a:noFill/>
+          </a:ln>
+        </p:spPr>
+        <p:style>
+          <a:lnRef idx="2">
+            <a:schemeClr val="accent1">
+              <a:shade val="50000"/>
+            </a:schemeClr>
+          </a:lnRef>
+          <a:fillRef idx="1">
+            <a:schemeClr val="accent1"/>
+          </a:fillRef>
+          <a:effectRef idx="0">
+            <a:schemeClr val="accent1"/>
+          </a:effectRef>
+          <a:fontRef idx="minor">
+            <a:schemeClr val="lt1"/>
+          </a:fontRef>
+        </p:style>
+        <p:txBody>
+          <a:bodyPr rtlCol="0" anchor="ctr"/>
+          <a:lstStyle/>
+          <a:p>
+            <a:pPr algn="ctr"/>
+            <a:endParaRPr lang="ko-KR" altLang="en-US"/>
+          </a:p>
+        </p:txBody>
+      </p:sp>
+      <p:sp>
+        <p:nvSpPr>
+          <p:cNvPr id="5" name="TextBox 4"/>
+          <p:cNvSpPr txBox="1"/>
+          <p:nvPr/>
+        </p:nvSpPr>
+        <p:spPr>
+          <a:xfrm>
             <a:off x="107504" y="44624"/>
             <a:ext cx="6300192" cy="646331"/>
           </a:xfrm>
@@ -4007,63 +9553,7 @@
             </a:endParaRPr>
           </a:p>
           <a:p>
-            <a:r>
-              <a:rPr lang="en-US" altLang="ko-KR" sz="2000" dirty="0" smtClean="0">
-                <a:latin typeface="Ebrima" panose="02000000000000000000" pitchFamily="2" charset="0"/>
-                <a:ea typeface="Ebrima" panose="02000000000000000000" pitchFamily="2" charset="0"/>
-                <a:cs typeface="Ebrima" panose="02000000000000000000" pitchFamily="2" charset="0"/>
-              </a:rPr>
-              <a:t>[2] R. E. Brown, J. G. </a:t>
-            </a:r>
-            <a:r>
-              <a:rPr lang="en-US" altLang="ko-KR" sz="2000" dirty="0" err="1" smtClean="0">
-                <a:latin typeface="Ebrima" panose="02000000000000000000" pitchFamily="2" charset="0"/>
-                <a:ea typeface="Ebrima" panose="02000000000000000000" pitchFamily="2" charset="0"/>
-                <a:cs typeface="Ebrima" panose="02000000000000000000" pitchFamily="2" charset="0"/>
-              </a:rPr>
-              <a:t>Koomey</a:t>
-            </a:r>
-            <a:r>
-              <a:rPr lang="en-US" altLang="ko-KR" sz="2000" dirty="0" smtClean="0">
-                <a:latin typeface="Ebrima" panose="02000000000000000000" pitchFamily="2" charset="0"/>
-                <a:ea typeface="Ebrima" panose="02000000000000000000" pitchFamily="2" charset="0"/>
-                <a:cs typeface="Ebrima" panose="02000000000000000000" pitchFamily="2" charset="0"/>
-              </a:rPr>
-              <a:t>, </a:t>
-            </a:r>
-            <a:r>
-              <a:rPr lang="en-US" altLang="ko-KR" sz="2000" dirty="0">
-                <a:latin typeface="Ebrima" panose="02000000000000000000" pitchFamily="2" charset="0"/>
-                <a:ea typeface="Ebrima" panose="02000000000000000000" pitchFamily="2" charset="0"/>
-                <a:cs typeface="Ebrima" panose="02000000000000000000" pitchFamily="2" charset="0"/>
-              </a:rPr>
-              <a:t>Electricity Use in </a:t>
-            </a:r>
-            <a:r>
-              <a:rPr lang="en-US" altLang="ko-KR" sz="2000" dirty="0" smtClean="0">
-                <a:latin typeface="Ebrima" panose="02000000000000000000" pitchFamily="2" charset="0"/>
-                <a:ea typeface="Ebrima" panose="02000000000000000000" pitchFamily="2" charset="0"/>
-                <a:cs typeface="Ebrima" panose="02000000000000000000" pitchFamily="2" charset="0"/>
-              </a:rPr>
-              <a:t>California: Past </a:t>
-            </a:r>
-            <a:r>
-              <a:rPr lang="en-US" altLang="ko-KR" sz="2000" dirty="0">
-                <a:latin typeface="Ebrima" panose="02000000000000000000" pitchFamily="2" charset="0"/>
-                <a:ea typeface="Ebrima" panose="02000000000000000000" pitchFamily="2" charset="0"/>
-                <a:cs typeface="Ebrima" panose="02000000000000000000" pitchFamily="2" charset="0"/>
-              </a:rPr>
-              <a:t>Trends and Present Usage </a:t>
-            </a:r>
-            <a:r>
-              <a:rPr lang="en-US" altLang="ko-KR" sz="2000" dirty="0" smtClean="0">
-                <a:latin typeface="Ebrima" panose="02000000000000000000" pitchFamily="2" charset="0"/>
-                <a:ea typeface="Ebrima" panose="02000000000000000000" pitchFamily="2" charset="0"/>
-                <a:cs typeface="Ebrima" panose="02000000000000000000" pitchFamily="2" charset="0"/>
-              </a:rPr>
-              <a:t>Patterns (2002)</a:t>
-            </a:r>
-            <a:endParaRPr lang="en-US" altLang="ko-KR" sz="2000" dirty="0">
+            <a:endParaRPr lang="en-US" altLang="ko-KR" sz="2000" dirty="0" smtClean="0">
               <a:latin typeface="Ebrima" panose="02000000000000000000" pitchFamily="2" charset="0"/>
               <a:ea typeface="Ebrima" panose="02000000000000000000" pitchFamily="2" charset="0"/>
               <a:cs typeface="Ebrima" panose="02000000000000000000" pitchFamily="2" charset="0"/>
@@ -4073,12 +9563,94 @@
             <a:r>
               <a:rPr lang="en-US" altLang="ko-KR" sz="2000" dirty="0" smtClean="0">
                 <a:latin typeface="Ebrima" panose="02000000000000000000" pitchFamily="2" charset="0"/>
-                <a:cs typeface="Ebrima" panose="02000000000000000000" pitchFamily="2" charset="0"/>
-              </a:rPr>
-              <a:t>[3]</a:t>
-            </a:r>
-            <a:endParaRPr lang="ko-KR" altLang="en-US" sz="2000" dirty="0">
+                <a:ea typeface="Ebrima" panose="02000000000000000000" pitchFamily="2" charset="0"/>
+                <a:cs typeface="Ebrima" panose="02000000000000000000" pitchFamily="2" charset="0"/>
+              </a:rPr>
+              <a:t>[</a:t>
+            </a:r>
+            <a:r>
+              <a:rPr lang="en-US" altLang="ko-KR" sz="2000" dirty="0" smtClean="0">
+                <a:latin typeface="Ebrima" panose="02000000000000000000" pitchFamily="2" charset="0"/>
+                <a:ea typeface="Ebrima" panose="02000000000000000000" pitchFamily="2" charset="0"/>
+                <a:cs typeface="Ebrima" panose="02000000000000000000" pitchFamily="2" charset="0"/>
+              </a:rPr>
+              <a:t>2] </a:t>
+            </a:r>
+            <a:r>
+              <a:rPr lang="en-US" altLang="ko-KR" sz="2000" dirty="0" smtClean="0">
+                <a:latin typeface="Ebrima" panose="02000000000000000000" pitchFamily="2" charset="0"/>
+                <a:ea typeface="Ebrima" panose="02000000000000000000" pitchFamily="2" charset="0"/>
+                <a:cs typeface="Ebrima" panose="02000000000000000000" pitchFamily="2" charset="0"/>
+              </a:rPr>
+              <a:t>Power consumption graph on Page 3: R</a:t>
+            </a:r>
+            <a:r>
+              <a:rPr lang="en-US" altLang="ko-KR" sz="2000" dirty="0" smtClean="0">
+                <a:latin typeface="Ebrima" panose="02000000000000000000" pitchFamily="2" charset="0"/>
+                <a:ea typeface="Ebrima" panose="02000000000000000000" pitchFamily="2" charset="0"/>
+                <a:cs typeface="Ebrima" panose="02000000000000000000" pitchFamily="2" charset="0"/>
+              </a:rPr>
+              <a:t>. E. Brown, J. G. </a:t>
+            </a:r>
+            <a:r>
+              <a:rPr lang="en-US" altLang="ko-KR" sz="2000" dirty="0" err="1" smtClean="0">
+                <a:latin typeface="Ebrima" panose="02000000000000000000" pitchFamily="2" charset="0"/>
+                <a:ea typeface="Ebrima" panose="02000000000000000000" pitchFamily="2" charset="0"/>
+                <a:cs typeface="Ebrima" panose="02000000000000000000" pitchFamily="2" charset="0"/>
+              </a:rPr>
+              <a:t>Koomey</a:t>
+            </a:r>
+            <a:r>
+              <a:rPr lang="en-US" altLang="ko-KR" sz="2000" dirty="0" smtClean="0">
+                <a:latin typeface="Ebrima" panose="02000000000000000000" pitchFamily="2" charset="0"/>
+                <a:ea typeface="Ebrima" panose="02000000000000000000" pitchFamily="2" charset="0"/>
+                <a:cs typeface="Ebrima" panose="02000000000000000000" pitchFamily="2" charset="0"/>
+              </a:rPr>
+              <a:t>, </a:t>
+            </a:r>
+            <a:r>
+              <a:rPr lang="en-US" altLang="ko-KR" sz="2000" dirty="0">
+                <a:latin typeface="Ebrima" panose="02000000000000000000" pitchFamily="2" charset="0"/>
+                <a:ea typeface="Ebrima" panose="02000000000000000000" pitchFamily="2" charset="0"/>
+                <a:cs typeface="Ebrima" panose="02000000000000000000" pitchFamily="2" charset="0"/>
+              </a:rPr>
+              <a:t>Electricity Use in </a:t>
+            </a:r>
+            <a:r>
+              <a:rPr lang="en-US" altLang="ko-KR" sz="2000" dirty="0" smtClean="0">
+                <a:latin typeface="Ebrima" panose="02000000000000000000" pitchFamily="2" charset="0"/>
+                <a:ea typeface="Ebrima" panose="02000000000000000000" pitchFamily="2" charset="0"/>
+                <a:cs typeface="Ebrima" panose="02000000000000000000" pitchFamily="2" charset="0"/>
+              </a:rPr>
+              <a:t>California: Past </a:t>
+            </a:r>
+            <a:r>
+              <a:rPr lang="en-US" altLang="ko-KR" sz="2000" dirty="0">
+                <a:latin typeface="Ebrima" panose="02000000000000000000" pitchFamily="2" charset="0"/>
+                <a:ea typeface="Ebrima" panose="02000000000000000000" pitchFamily="2" charset="0"/>
+                <a:cs typeface="Ebrima" panose="02000000000000000000" pitchFamily="2" charset="0"/>
+              </a:rPr>
+              <a:t>Trends and Present Usage </a:t>
+            </a:r>
+            <a:r>
+              <a:rPr lang="en-US" altLang="ko-KR" sz="2000" dirty="0" smtClean="0">
+                <a:latin typeface="Ebrima" panose="02000000000000000000" pitchFamily="2" charset="0"/>
+                <a:ea typeface="Ebrima" panose="02000000000000000000" pitchFamily="2" charset="0"/>
+                <a:cs typeface="Ebrima" panose="02000000000000000000" pitchFamily="2" charset="0"/>
+              </a:rPr>
+              <a:t>Patterns (2002</a:t>
+            </a:r>
+            <a:r>
+              <a:rPr lang="en-US" altLang="ko-KR" sz="2000" dirty="0" smtClean="0">
+                <a:latin typeface="Ebrima" panose="02000000000000000000" pitchFamily="2" charset="0"/>
+                <a:ea typeface="Ebrima" panose="02000000000000000000" pitchFamily="2" charset="0"/>
+                <a:cs typeface="Ebrima" panose="02000000000000000000" pitchFamily="2" charset="0"/>
+              </a:rPr>
+              <a:t>)</a:t>
+            </a:r>
+            <a:endParaRPr lang="en-US" altLang="ko-KR" sz="2000" dirty="0">
               <a:latin typeface="Ebrima" panose="02000000000000000000" pitchFamily="2" charset="0"/>
+              <a:ea typeface="Ebrima" panose="02000000000000000000" pitchFamily="2" charset="0"/>
               <a:cs typeface="Ebrima" panose="02000000000000000000" pitchFamily="2" charset="0"/>
             </a:endParaRPr>
           </a:p>
@@ -4931,7 +10503,17 @@
                 <a:latin typeface="Ebrima" panose="02000000000000000000" pitchFamily="2" charset="0"/>
                 <a:cs typeface="Ebrima" panose="02000000000000000000" pitchFamily="2" charset="0"/>
               </a:rPr>
-              <a:t>Expected to increase due to EV Charging</a:t>
+              <a:t>Expected to increase due to EV </a:t>
+            </a:r>
+            <a:r>
+              <a:rPr lang="en-US" altLang="ko-KR" sz="2000" b="1" dirty="0" smtClean="0">
+                <a:solidFill>
+                  <a:srgbClr val="FF0000"/>
+                </a:solidFill>
+                <a:latin typeface="Ebrima" panose="02000000000000000000" pitchFamily="2" charset="0"/>
+                <a:cs typeface="Ebrima" panose="02000000000000000000" pitchFamily="2" charset="0"/>
+              </a:rPr>
+              <a:t>charging</a:t>
             </a:r>
             <a:endParaRPr lang="ko-KR" altLang="en-US" sz="2000" b="1" dirty="0">
               <a:solidFill>
@@ -6903,7 +12485,7 @@
         <p:spPr>
           <a:xfrm>
             <a:off x="107504" y="1925402"/>
-            <a:ext cx="4329608" cy="4708981"/>
+            <a:ext cx="4329608" cy="2400657"/>
           </a:xfrm>
           <a:prstGeom prst="rect">
             <a:avLst/>
@@ -6950,13 +12532,6 @@
               </a:rPr>
               <a:t>Valley</a:t>
             </a:r>
-            <a:endParaRPr lang="en-US" altLang="ko-KR" sz="2000" b="1" dirty="0" smtClean="0">
-              <a:solidFill>
-                <a:srgbClr val="00B050"/>
-              </a:solidFill>
-              <a:latin typeface="Ebrima" panose="02000000000000000000" pitchFamily="2" charset="0"/>
-              <a:cs typeface="Ebrima" panose="02000000000000000000" pitchFamily="2" charset="0"/>
-            </a:endParaRPr>
           </a:p>
           <a:p>
             <a:pPr>
@@ -6999,7 +12574,7 @@
                 <a:latin typeface="Ebrima" panose="02000000000000000000" pitchFamily="2" charset="0"/>
                 <a:cs typeface="Ebrima" panose="02000000000000000000" pitchFamily="2" charset="0"/>
               </a:rPr>
-              <a:t>Off/ </a:t>
+              <a:t>Off-</a:t>
             </a:r>
             <a:r>
               <a:rPr lang="en-US" altLang="ko-KR" sz="2000" b="1" dirty="0" smtClean="0">
@@ -7009,7 +12584,17 @@
                 <a:latin typeface="Ebrima" panose="02000000000000000000" pitchFamily="2" charset="0"/>
                 <a:cs typeface="Ebrima" panose="02000000000000000000" pitchFamily="2" charset="0"/>
               </a:rPr>
-              <a:t>Peak Pricing</a:t>
+              <a:t>Peak </a:t>
+            </a:r>
+            <a:r>
+              <a:rPr lang="en-US" altLang="ko-KR" sz="2000" b="1" dirty="0" smtClean="0">
+                <a:solidFill>
+                  <a:srgbClr val="FFC000"/>
+                </a:solidFill>
+                <a:latin typeface="Ebrima" panose="02000000000000000000" pitchFamily="2" charset="0"/>
+                <a:cs typeface="Ebrima" panose="02000000000000000000" pitchFamily="2" charset="0"/>
+              </a:rPr>
+              <a:t>Pricing</a:t>
             </a:r>
             <a:endParaRPr lang="en-US" altLang="ko-KR" sz="2000" b="1" dirty="0">
               <a:solidFill>
@@ -7053,60 +12638,16 @@
                 <a:latin typeface="Ebrima" panose="02000000000000000000" pitchFamily="2" charset="0"/>
                 <a:cs typeface="Ebrima" panose="02000000000000000000" pitchFamily="2" charset="0"/>
               </a:rPr>
-              <a:t>Diurnal Driving</a:t>
-            </a:r>
-          </a:p>
-          <a:p>
-            <a:pPr>
-              <a:lnSpc>
-                <a:spcPct val="150000"/>
-              </a:lnSpc>
-            </a:pPr>
-            <a:endParaRPr lang="en-US" altLang="ko-KR" sz="2000" dirty="0">
-              <a:latin typeface="Ebrima" panose="02000000000000000000" pitchFamily="2" charset="0"/>
-              <a:cs typeface="Ebrima" panose="02000000000000000000" pitchFamily="2" charset="0"/>
-            </a:endParaRPr>
-          </a:p>
-          <a:p>
-            <a:pPr>
-              <a:lnSpc>
-                <a:spcPct val="150000"/>
-              </a:lnSpc>
-            </a:pPr>
-            <a:endParaRPr lang="en-US" altLang="ko-KR" sz="2000" dirty="0" smtClean="0">
-              <a:latin typeface="Ebrima" panose="02000000000000000000" pitchFamily="2" charset="0"/>
-              <a:cs typeface="Ebrima" panose="02000000000000000000" pitchFamily="2" charset="0"/>
-            </a:endParaRPr>
-          </a:p>
-          <a:p>
-            <a:pPr>
-              <a:lnSpc>
-                <a:spcPct val="150000"/>
-              </a:lnSpc>
-            </a:pPr>
-            <a:endParaRPr lang="en-US" altLang="ko-KR" sz="2000" dirty="0">
-              <a:latin typeface="Ebrima" panose="02000000000000000000" pitchFamily="2" charset="0"/>
-              <a:cs typeface="Ebrima" panose="02000000000000000000" pitchFamily="2" charset="0"/>
-            </a:endParaRPr>
-          </a:p>
-          <a:p>
-            <a:pPr>
-              <a:lnSpc>
-                <a:spcPct val="150000"/>
-              </a:lnSpc>
-            </a:pPr>
-            <a:endParaRPr lang="en-US" altLang="ko-KR" sz="2000" dirty="0" smtClean="0">
-              <a:latin typeface="Ebrima" panose="02000000000000000000" pitchFamily="2" charset="0"/>
-              <a:cs typeface="Ebrima" panose="02000000000000000000" pitchFamily="2" charset="0"/>
-            </a:endParaRPr>
-          </a:p>
-          <a:p>
-            <a:pPr>
-              <a:lnSpc>
-                <a:spcPct val="150000"/>
-              </a:lnSpc>
-            </a:pPr>
-            <a:endParaRPr lang="en-US" altLang="ko-KR" sz="2000" dirty="0" smtClean="0">
+              <a:t>Diurnal </a:t>
+            </a:r>
+            <a:r>
+              <a:rPr lang="en-US" altLang="ko-KR" sz="2000" b="1" dirty="0" smtClean="0">
+                <a:latin typeface="Ebrima" panose="02000000000000000000" pitchFamily="2" charset="0"/>
+                <a:cs typeface="Ebrima" panose="02000000000000000000" pitchFamily="2" charset="0"/>
+              </a:rPr>
+              <a:t>Driving</a:t>
+            </a:r>
+            <a:endParaRPr lang="en-US" altLang="ko-KR" sz="2000" b="1" dirty="0">
               <a:latin typeface="Ebrima" panose="02000000000000000000" pitchFamily="2" charset="0"/>
               <a:cs typeface="Ebrima" panose="02000000000000000000" pitchFamily="2" charset="0"/>
             </a:endParaRPr>
@@ -7129,7 +12670,7 @@
         </p:blipFill>
         <p:spPr>
           <a:xfrm>
-            <a:off x="3059832" y="908721"/>
+            <a:off x="3132520" y="908721"/>
             <a:ext cx="6120000" cy="4602585"/>
           </a:xfrm>
           <a:prstGeom prst="rect">
@@ -7329,7 +12870,7 @@
                 <a:ea typeface="Ebrima" panose="02000000000000000000" pitchFamily="2" charset="0"/>
                 <a:cs typeface="Ebrima" panose="02000000000000000000" pitchFamily="2" charset="0"/>
               </a:rPr>
-              <a:t>ESULTS AND </a:t>
+              <a:t>ESULTS: </a:t>
             </a:r>
             <a:r>
               <a:rPr lang="en-US" altLang="ko-KR" sz="3600" b="1" dirty="0" smtClean="0">
@@ -7337,7 +12878,7 @@
                 <a:ea typeface="Ebrima" panose="02000000000000000000" pitchFamily="2" charset="0"/>
                 <a:cs typeface="Ebrima" panose="02000000000000000000" pitchFamily="2" charset="0"/>
               </a:rPr>
-              <a:t>D</a:t>
+              <a:t>P</a:t>
             </a:r>
             <a:r>
               <a:rPr lang="en-US" altLang="ko-KR" sz="2800" b="1" dirty="0" smtClean="0">
@@ -7345,23 +12886,23 @@
                 <a:ea typeface="Ebrima" panose="02000000000000000000" pitchFamily="2" charset="0"/>
                 <a:cs typeface="Ebrima" panose="02000000000000000000" pitchFamily="2" charset="0"/>
               </a:rPr>
-              <a:t>ISCUSSION- </a:t>
-            </a:r>
-            <a:r>
-              <a:rPr lang="en-US" altLang="ko-KR" sz="2400" b="1" dirty="0" smtClean="0">
-                <a:latin typeface="Ebrima" panose="02000000000000000000" pitchFamily="2" charset="0"/>
-                <a:ea typeface="Ebrima" panose="02000000000000000000" pitchFamily="2" charset="0"/>
-                <a:cs typeface="Ebrima" panose="02000000000000000000" pitchFamily="2" charset="0"/>
-              </a:rPr>
-              <a:t>Preliminary </a:t>
-            </a:r>
-            <a:r>
-              <a:rPr lang="en-US" altLang="ko-KR" sz="2400" b="1" dirty="0">
-                <a:latin typeface="Ebrima" panose="02000000000000000000" pitchFamily="2" charset="0"/>
-                <a:ea typeface="Ebrima" panose="02000000000000000000" pitchFamily="2" charset="0"/>
-                <a:cs typeface="Ebrima" panose="02000000000000000000" pitchFamily="2" charset="0"/>
-              </a:rPr>
-              <a:t>Experiment</a:t>
+              <a:t>RELIMINARY </a:t>
+            </a:r>
+            <a:r>
+              <a:rPr lang="en-US" altLang="ko-KR" sz="3600" b="1" dirty="0" smtClean="0">
+                <a:latin typeface="Ebrima" panose="02000000000000000000" pitchFamily="2" charset="0"/>
+                <a:ea typeface="Ebrima" panose="02000000000000000000" pitchFamily="2" charset="0"/>
+                <a:cs typeface="Ebrima" panose="02000000000000000000" pitchFamily="2" charset="0"/>
+              </a:rPr>
+              <a:t>E</a:t>
+            </a:r>
+            <a:r>
+              <a:rPr lang="en-US" altLang="ko-KR" sz="2800" b="1" dirty="0" smtClean="0">
+                <a:latin typeface="Ebrima" panose="02000000000000000000" pitchFamily="2" charset="0"/>
+                <a:ea typeface="Ebrima" panose="02000000000000000000" pitchFamily="2" charset="0"/>
+                <a:cs typeface="Ebrima" panose="02000000000000000000" pitchFamily="2" charset="0"/>
+              </a:rPr>
+              <a:t>XPERIMENT</a:t>
             </a:r>
             <a:endParaRPr lang="ko-KR" altLang="en-US" sz="2400" b="1" dirty="0">
               <a:latin typeface="Ebrima" panose="02000000000000000000" pitchFamily="2" charset="0"/>
@@ -7471,140 +13012,155 @@
           </a:prstGeom>
         </p:spPr>
       </p:pic>
-      <p:pic>
-        <p:nvPicPr>
-          <p:cNvPr id="17" name="图片 16"/>
-          <p:cNvPicPr>
-            <a:picLocks noChangeAspect="1"/>
-          </p:cNvPicPr>
+      <p:grpSp>
+        <p:nvGrpSpPr>
+          <p:cNvPr id="2" name="그룹 1"/>
+          <p:cNvGrpSpPr/>
           <p:nvPr/>
-        </p:nvPicPr>
-        <p:blipFill>
-          <a:blip r:embed="rId3"/>
-          <a:stretch>
-            <a:fillRect/>
-          </a:stretch>
-        </p:blipFill>
-        <p:spPr>
+        </p:nvGrpSpPr>
+        <p:grpSpPr>
           <a:xfrm>
-            <a:off x="3059832" y="908720"/>
+            <a:off x="3059832" y="764704"/>
             <a:ext cx="6120000" cy="4602586"/>
+            <a:chOff x="3059832" y="908720"/>
+            <a:chExt cx="6120000" cy="4602586"/>
           </a:xfrm>
-          <a:prstGeom prst="rect">
-            <a:avLst/>
-          </a:prstGeom>
-        </p:spPr>
-      </p:pic>
-      <p:cxnSp>
-        <p:nvCxnSpPr>
-          <p:cNvPr id="8" name="直线连接符 7"/>
-          <p:cNvCxnSpPr/>
-          <p:nvPr/>
-        </p:nvCxnSpPr>
-        <p:spPr>
-          <a:xfrm>
-            <a:off x="3635216" y="4725144"/>
-            <a:ext cx="5400600" cy="0"/>
-          </a:xfrm>
-          <a:prstGeom prst="line">
-            <a:avLst/>
-          </a:prstGeom>
-          <a:ln w="28575"/>
-        </p:spPr>
-        <p:style>
-          <a:lnRef idx="1">
-            <a:schemeClr val="accent3"/>
-          </a:lnRef>
-          <a:fillRef idx="0">
-            <a:schemeClr val="accent3"/>
-          </a:fillRef>
-          <a:effectRef idx="0">
-            <a:schemeClr val="accent3"/>
-          </a:effectRef>
-          <a:fontRef idx="minor">
-            <a:schemeClr val="tx1"/>
-          </a:fontRef>
-        </p:style>
-      </p:cxnSp>
-      <p:cxnSp>
-        <p:nvCxnSpPr>
-          <p:cNvPr id="9" name="直线连接符 8"/>
-          <p:cNvCxnSpPr/>
-          <p:nvPr/>
-        </p:nvCxnSpPr>
-        <p:spPr>
-          <a:xfrm>
-            <a:off x="3635216" y="3356992"/>
-            <a:ext cx="5400600" cy="0"/>
-          </a:xfrm>
-          <a:prstGeom prst="line">
-            <a:avLst/>
-          </a:prstGeom>
-          <a:ln w="28575"/>
-        </p:spPr>
-        <p:style>
-          <a:lnRef idx="1">
-            <a:schemeClr val="accent6"/>
-          </a:lnRef>
-          <a:fillRef idx="0">
-            <a:schemeClr val="accent6"/>
-          </a:fillRef>
-          <a:effectRef idx="0">
-            <a:schemeClr val="accent6"/>
-          </a:effectRef>
-          <a:fontRef idx="minor">
-            <a:schemeClr val="tx1"/>
-          </a:fontRef>
-        </p:style>
-      </p:cxnSp>
-      <p:sp>
-        <p:nvSpPr>
-          <p:cNvPr id="10" name="矩形 9"/>
-          <p:cNvSpPr/>
-          <p:nvPr/>
-        </p:nvSpPr>
-        <p:spPr>
-          <a:xfrm>
-            <a:off x="6299512" y="1268760"/>
-            <a:ext cx="1800200" cy="3744416"/>
-          </a:xfrm>
-          <a:prstGeom prst="rect">
-            <a:avLst/>
-          </a:prstGeom>
-          <a:solidFill>
-            <a:srgbClr val="FFC000">
-              <a:alpha val="30000"/>
-            </a:srgbClr>
-          </a:solidFill>
-          <a:ln>
-            <a:noFill/>
-          </a:ln>
-        </p:spPr>
-        <p:style>
-          <a:lnRef idx="2">
-            <a:schemeClr val="accent1">
-              <a:shade val="50000"/>
-            </a:schemeClr>
-          </a:lnRef>
-          <a:fillRef idx="1">
-            <a:schemeClr val="accent1"/>
-          </a:fillRef>
-          <a:effectRef idx="0">
-            <a:schemeClr val="accent1"/>
-          </a:effectRef>
-          <a:fontRef idx="minor">
-            <a:schemeClr val="lt1"/>
-          </a:fontRef>
-        </p:style>
-        <p:txBody>
-          <a:bodyPr rtlCol="0" anchor="ctr"/>
-          <a:lstStyle/>
-          <a:p>
-            <a:pPr algn="ctr"/>
-            <a:endParaRPr kumimoji="1" lang="zh-CN" altLang="en-US"/>
-          </a:p>
-        </p:txBody>
-      </p:sp>
+        </p:grpSpPr>
+        <p:pic>
+          <p:nvPicPr>
+            <p:cNvPr id="17" name="图片 16"/>
+            <p:cNvPicPr>
+              <a:picLocks noChangeAspect="1"/>
+            </p:cNvPicPr>
+            <p:nvPr/>
+          </p:nvPicPr>
+          <p:blipFill>
+            <a:blip r:embed="rId3"/>
+            <a:stretch>
+              <a:fillRect/>
+            </a:stretch>
+          </p:blipFill>
+          <p:spPr>
+            <a:xfrm>
+              <a:off x="3059832" y="908720"/>
+              <a:ext cx="6120000" cy="4602586"/>
+            </a:xfrm>
+            <a:prstGeom prst="rect">
+              <a:avLst/>
+            </a:prstGeom>
+          </p:spPr>
+        </p:pic>
+        <p:cxnSp>
+          <p:nvCxnSpPr>
+            <p:cNvPr id="8" name="直线连接符 7"/>
+            <p:cNvCxnSpPr/>
+            <p:nvPr/>
+          </p:nvCxnSpPr>
+          <p:spPr>
+            <a:xfrm>
+              <a:off x="3635216" y="4725144"/>
+              <a:ext cx="5400600" cy="0"/>
+            </a:xfrm>
+            <a:prstGeom prst="line">
+              <a:avLst/>
+            </a:prstGeom>
+            <a:ln w="28575"/>
+          </p:spPr>
+          <p:style>
+            <a:lnRef idx="1">
+              <a:schemeClr val="accent3"/>
+            </a:lnRef>
+            <a:fillRef idx="0">
+              <a:schemeClr val="accent3"/>
+            </a:fillRef>
+            <a:effectRef idx="0">
+              <a:schemeClr val="accent3"/>
+            </a:effectRef>
+            <a:fontRef idx="minor">
+              <a:schemeClr val="tx1"/>
+            </a:fontRef>
+          </p:style>
+        </p:cxnSp>
+        <p:cxnSp>
+          <p:nvCxnSpPr>
+            <p:cNvPr id="9" name="直线连接符 8"/>
+            <p:cNvCxnSpPr/>
+            <p:nvPr/>
+          </p:nvCxnSpPr>
+          <p:spPr>
+            <a:xfrm>
+              <a:off x="3635216" y="3356992"/>
+              <a:ext cx="5400600" cy="0"/>
+            </a:xfrm>
+            <a:prstGeom prst="line">
+              <a:avLst/>
+            </a:prstGeom>
+            <a:ln w="28575"/>
+          </p:spPr>
+          <p:style>
+            <a:lnRef idx="1">
+              <a:schemeClr val="accent6"/>
+            </a:lnRef>
+            <a:fillRef idx="0">
+              <a:schemeClr val="accent6"/>
+            </a:fillRef>
+            <a:effectRef idx="0">
+              <a:schemeClr val="accent6"/>
+            </a:effectRef>
+            <a:fontRef idx="minor">
+              <a:schemeClr val="tx1"/>
+            </a:fontRef>
+          </p:style>
+        </p:cxnSp>
+        <p:sp>
+          <p:nvSpPr>
+            <p:cNvPr id="10" name="矩形 9"/>
+            <p:cNvSpPr/>
+            <p:nvPr/>
+          </p:nvSpPr>
+          <p:spPr>
+            <a:xfrm>
+              <a:off x="6299512" y="1268760"/>
+              <a:ext cx="1800200" cy="3744416"/>
+            </a:xfrm>
+            <a:prstGeom prst="rect">
+              <a:avLst/>
+            </a:prstGeom>
+            <a:solidFill>
+              <a:srgbClr val="FFC000">
+                <a:alpha val="30000"/>
+              </a:srgbClr>
+            </a:solidFill>
+            <a:ln>
+              <a:noFill/>
+            </a:ln>
+          </p:spPr>
+          <p:style>
+            <a:lnRef idx="2">
+              <a:schemeClr val="accent1">
+                <a:shade val="50000"/>
+              </a:schemeClr>
+            </a:lnRef>
+            <a:fillRef idx="1">
+              <a:schemeClr val="accent1"/>
+            </a:fillRef>
+            <a:effectRef idx="0">
+              <a:schemeClr val="accent1"/>
+            </a:effectRef>
+            <a:fontRef idx="minor">
+              <a:schemeClr val="lt1"/>
+            </a:fontRef>
+          </p:style>
+          <p:txBody>
+            <a:bodyPr rtlCol="0" anchor="ctr"/>
+            <a:lstStyle/>
+            <a:p>
+              <a:pPr algn="ctr"/>
+              <a:endParaRPr kumimoji="1" lang="zh-CN" altLang="en-US"/>
+            </a:p>
+          </p:txBody>
+        </p:sp>
+      </p:grpSp>
       <p:sp>
         <p:nvSpPr>
           <p:cNvPr id="16" name="TextBox 23"/>
@@ -7613,8 +13169,8 @@
         </p:nvSpPr>
         <p:spPr>
           <a:xfrm>
-            <a:off x="108003" y="1803588"/>
-            <a:ext cx="3095846" cy="3785652"/>
+            <a:off x="108002" y="1803588"/>
+            <a:ext cx="3311870" cy="3785652"/>
           </a:xfrm>
           <a:prstGeom prst="rect">
             <a:avLst/>
@@ -7640,8 +13196,21 @@
                 <a:ea typeface="Ebrima" panose="02000000000000000000" pitchFamily="2" charset="0"/>
                 <a:cs typeface="Ebrima" panose="02000000000000000000" pitchFamily="2" charset="0"/>
               </a:rPr>
-              <a:t>Optimization for 	Robustness</a:t>
-            </a:r>
+              <a:t>Optimization </a:t>
+            </a:r>
+            <a:r>
+              <a:rPr lang="en-US" altLang="ko-KR" sz="2000" dirty="0" smtClean="0">
+                <a:latin typeface="Ebrima" panose="02000000000000000000" pitchFamily="2" charset="0"/>
+                <a:ea typeface="Ebrima" panose="02000000000000000000" pitchFamily="2" charset="0"/>
+                <a:cs typeface="Ebrima" panose="02000000000000000000" pitchFamily="2" charset="0"/>
+              </a:rPr>
+              <a:t>for Robustness</a:t>
+            </a:r>
+            <a:endParaRPr lang="en-US" altLang="ko-KR" sz="2000" dirty="0" smtClean="0">
+              <a:latin typeface="Ebrima" panose="02000000000000000000" pitchFamily="2" charset="0"/>
+              <a:ea typeface="Ebrima" panose="02000000000000000000" pitchFamily="2" charset="0"/>
+              <a:cs typeface="Ebrima" panose="02000000000000000000" pitchFamily="2" charset="0"/>
+            </a:endParaRPr>
           </a:p>
           <a:p>
             <a:pPr marL="342900" indent="-342900">
@@ -7657,7 +13226,7 @@
                 <a:ea typeface="Ebrima" panose="02000000000000000000" pitchFamily="2" charset="0"/>
                 <a:cs typeface="Ebrima" panose="02000000000000000000" pitchFamily="2" charset="0"/>
               </a:rPr>
-              <a:t>SCHEME 1(0,1,1,1): 	good AP1</a:t>
+              <a:t>Scheme 1 (0,1,1,1)</a:t>
             </a:r>
           </a:p>
           <a:p>
@@ -7672,7 +13241,32 @@
                 <a:ea typeface="Ebrima" panose="02000000000000000000" pitchFamily="2" charset="0"/>
                 <a:cs typeface="Ebrima" panose="02000000000000000000" pitchFamily="2" charset="0"/>
               </a:rPr>
-              <a:t>-&gt;  SCHEME 2(0,2,2,2), 	4(0,4,4,4): </a:t>
+              <a:t>     : </a:t>
+            </a:r>
+            <a:r>
+              <a:rPr lang="en-US" altLang="ko-KR" sz="2000" dirty="0" smtClean="0">
+                <a:latin typeface="Ebrima" panose="02000000000000000000" pitchFamily="2" charset="0"/>
+                <a:ea typeface="Ebrima" panose="02000000000000000000" pitchFamily="2" charset="0"/>
+                <a:cs typeface="Ebrima" panose="02000000000000000000" pitchFamily="2" charset="0"/>
+              </a:rPr>
+              <a:t>AP1 most effective</a:t>
+            </a:r>
+          </a:p>
+          <a:p>
+            <a:pPr marL="342900" indent="-342900">
+              <a:lnSpc>
+                <a:spcPct val="120000"/>
+              </a:lnSpc>
+              <a:buFont typeface="Arial" panose="020B0604020202020204" pitchFamily="34" charset="0"/>
+              <a:buChar char="•"/>
+            </a:pPr>
+            <a:r>
+              <a:rPr lang="en-US" altLang="ko-KR" sz="2000" dirty="0" smtClean="0">
+                <a:latin typeface="Ebrima" panose="02000000000000000000" pitchFamily="2" charset="0"/>
+                <a:ea typeface="Ebrima" panose="02000000000000000000" pitchFamily="2" charset="0"/>
+                <a:cs typeface="Ebrima" panose="02000000000000000000" pitchFamily="2" charset="0"/>
+              </a:rPr>
+              <a:t>Schemes 2 (0,2,2,2)</a:t>
             </a:r>
           </a:p>
           <a:p>
@@ -7682,14 +13276,30 @@
               </a:lnSpc>
             </a:pPr>
             <a:r>
+              <a:rPr lang="en-US" altLang="ko-KR" sz="2000" dirty="0">
+                <a:latin typeface="Ebrima" panose="02000000000000000000" pitchFamily="2" charset="0"/>
+                <a:ea typeface="Ebrima" panose="02000000000000000000" pitchFamily="2" charset="0"/>
+                <a:cs typeface="Ebrima" panose="02000000000000000000" pitchFamily="2" charset="0"/>
+              </a:rPr>
+              <a:t> </a:t>
+            </a:r>
+            <a:r>
               <a:rPr lang="en-US" altLang="ko-KR" sz="2000" dirty="0" smtClean="0">
                 <a:latin typeface="Ebrima" panose="02000000000000000000" pitchFamily="2" charset="0"/>
                 <a:ea typeface="Ebrima" panose="02000000000000000000" pitchFamily="2" charset="0"/>
                 <a:cs typeface="Ebrima" panose="02000000000000000000" pitchFamily="2" charset="0"/>
               </a:rPr>
-              <a:t>	Random starting 	for AP 2 and 4 	needed</a:t>
-            </a:r>
-            <a:endParaRPr lang="en-US" altLang="ko-KR" sz="2000" dirty="0">
+              <a:t>    </a:t>
+            </a:r>
+            <a:r>
+              <a:rPr lang="en-US" altLang="ko-KR" sz="2000" dirty="0" smtClean="0">
+                <a:latin typeface="Ebrima" panose="02000000000000000000" pitchFamily="2" charset="0"/>
+                <a:ea typeface="Ebrima" panose="02000000000000000000" pitchFamily="2" charset="0"/>
+                <a:cs typeface="Ebrima" panose="02000000000000000000" pitchFamily="2" charset="0"/>
+              </a:rPr>
+              <a:t>and 3 (0,4,4,4)</a:t>
+            </a:r>
+            <a:endParaRPr lang="en-US" altLang="ko-KR" sz="2000" dirty="0" smtClean="0">
               <a:latin typeface="Ebrima" panose="02000000000000000000" pitchFamily="2" charset="0"/>
               <a:ea typeface="Ebrima" panose="02000000000000000000" pitchFamily="2" charset="0"/>
               <a:cs typeface="Ebrima" panose="02000000000000000000" pitchFamily="2" charset="0"/>
@@ -7704,9 +13314,95 @@
             <a:r>
               <a:rPr lang="en-US" altLang="ko-KR" sz="2000" dirty="0" smtClean="0">
                 <a:latin typeface="Ebrima" panose="02000000000000000000" pitchFamily="2" charset="0"/>
-                <a:cs typeface="Ebrima" panose="02000000000000000000" pitchFamily="2" charset="0"/>
-              </a:rPr>
-              <a:t>-&gt;  Optimization for cost</a:t>
+                <a:ea typeface="Ebrima" panose="02000000000000000000" pitchFamily="2" charset="0"/>
+                <a:cs typeface="Ebrima" panose="02000000000000000000" pitchFamily="2" charset="0"/>
+              </a:rPr>
+              <a:t>     : Improvement expected</a:t>
+            </a:r>
+          </a:p>
+          <a:p>
+            <a:pPr>
+              <a:lnSpc>
+                <a:spcPct val="120000"/>
+              </a:lnSpc>
+            </a:pPr>
+            <a:r>
+              <a:rPr lang="en-US" altLang="ko-KR" sz="2000" dirty="0">
+                <a:latin typeface="Ebrima" panose="02000000000000000000" pitchFamily="2" charset="0"/>
+                <a:ea typeface="Ebrima" panose="02000000000000000000" pitchFamily="2" charset="0"/>
+                <a:cs typeface="Ebrima" panose="02000000000000000000" pitchFamily="2" charset="0"/>
+              </a:rPr>
+              <a:t> </a:t>
+            </a:r>
+            <a:r>
+              <a:rPr lang="en-US" altLang="ko-KR" sz="2000" dirty="0" smtClean="0">
+                <a:latin typeface="Ebrima" panose="02000000000000000000" pitchFamily="2" charset="0"/>
+                <a:ea typeface="Ebrima" panose="02000000000000000000" pitchFamily="2" charset="0"/>
+                <a:cs typeface="Ebrima" panose="02000000000000000000" pitchFamily="2" charset="0"/>
+              </a:rPr>
+              <a:t>    </a:t>
+            </a:r>
+            <a:r>
+              <a:rPr lang="en-US" altLang="ko-KR" sz="2000" dirty="0" smtClean="0">
+                <a:latin typeface="Ebrima" panose="02000000000000000000" pitchFamily="2" charset="0"/>
+                <a:ea typeface="Ebrima" panose="02000000000000000000" pitchFamily="2" charset="0"/>
+                <a:cs typeface="Ebrima" panose="02000000000000000000" pitchFamily="2" charset="0"/>
+              </a:rPr>
+              <a:t>if first steps </a:t>
+            </a:r>
+            <a:r>
+              <a:rPr lang="en-US" altLang="ko-KR" sz="2000" dirty="0" smtClean="0">
+                <a:latin typeface="Ebrima" panose="02000000000000000000" pitchFamily="2" charset="0"/>
+                <a:ea typeface="Ebrima" panose="02000000000000000000" pitchFamily="2" charset="0"/>
+                <a:cs typeface="Ebrima" panose="02000000000000000000" pitchFamily="2" charset="0"/>
+              </a:rPr>
+              <a:t>determined</a:t>
+            </a:r>
+          </a:p>
+          <a:p>
+            <a:pPr>
+              <a:lnSpc>
+                <a:spcPct val="120000"/>
+              </a:lnSpc>
+            </a:pPr>
+            <a:r>
+              <a:rPr lang="en-US" altLang="ko-KR" sz="2000" dirty="0">
+                <a:latin typeface="Ebrima" panose="02000000000000000000" pitchFamily="2" charset="0"/>
+                <a:ea typeface="Ebrima" panose="02000000000000000000" pitchFamily="2" charset="0"/>
+                <a:cs typeface="Ebrima" panose="02000000000000000000" pitchFamily="2" charset="0"/>
+              </a:rPr>
+              <a:t> </a:t>
+            </a:r>
+            <a:r>
+              <a:rPr lang="en-US" altLang="ko-KR" sz="2000" dirty="0" smtClean="0">
+                <a:latin typeface="Ebrima" panose="02000000000000000000" pitchFamily="2" charset="0"/>
+                <a:ea typeface="Ebrima" panose="02000000000000000000" pitchFamily="2" charset="0"/>
+                <a:cs typeface="Ebrima" panose="02000000000000000000" pitchFamily="2" charset="0"/>
+              </a:rPr>
+              <a:t>    randomly</a:t>
+            </a:r>
+          </a:p>
+          <a:p>
+            <a:pPr marL="342900" indent="-342900">
+              <a:lnSpc>
+                <a:spcPct val="120000"/>
+              </a:lnSpc>
+              <a:buFont typeface="Arial" panose="020B0604020202020204" pitchFamily="34" charset="0"/>
+              <a:buChar char="•"/>
+            </a:pPr>
+            <a:r>
+              <a:rPr lang="en-US" altLang="ko-KR" sz="2000" dirty="0" smtClean="0">
+                <a:latin typeface="Ebrima" panose="02000000000000000000" pitchFamily="2" charset="0"/>
+                <a:cs typeface="Ebrima" panose="02000000000000000000" pitchFamily="2" charset="0"/>
+              </a:rPr>
+              <a:t>Optimization </a:t>
+            </a:r>
+            <a:r>
+              <a:rPr lang="en-US" altLang="ko-KR" sz="2000" dirty="0" smtClean="0">
+                <a:latin typeface="Ebrima" panose="02000000000000000000" pitchFamily="2" charset="0"/>
+                <a:cs typeface="Ebrima" panose="02000000000000000000" pitchFamily="2" charset="0"/>
+              </a:rPr>
+              <a:t>for cost</a:t>
             </a:r>
             <a:endParaRPr lang="en-US" altLang="ko-KR" sz="2000" dirty="0">
               <a:latin typeface="Ebrima" panose="02000000000000000000" pitchFamily="2" charset="0"/>
@@ -7763,83 +13459,6 @@
       </p:sp>
       <p:sp>
         <p:nvSpPr>
-          <p:cNvPr id="5" name="TextBox 4"/>
-          <p:cNvSpPr txBox="1"/>
-          <p:nvPr/>
-        </p:nvSpPr>
-        <p:spPr>
-          <a:xfrm>
-            <a:off x="107504" y="44624"/>
-            <a:ext cx="8784976" cy="646331"/>
-          </a:xfrm>
-          <a:prstGeom prst="rect">
-            <a:avLst/>
-          </a:prstGeom>
-          <a:noFill/>
-        </p:spPr>
-        <p:txBody>
-          <a:bodyPr wrap="square" rtlCol="0">
-            <a:spAutoFit/>
-          </a:bodyPr>
-          <a:lstStyle/>
-          <a:p>
-            <a:r>
-              <a:rPr lang="en-US" altLang="ko-KR" sz="3600" b="1" dirty="0" smtClean="0">
-                <a:latin typeface="Ebrima" panose="02000000000000000000" pitchFamily="2" charset="0"/>
-                <a:ea typeface="Ebrima" panose="02000000000000000000" pitchFamily="2" charset="0"/>
-                <a:cs typeface="Ebrima" panose="02000000000000000000" pitchFamily="2" charset="0"/>
-              </a:rPr>
-              <a:t>R</a:t>
-            </a:r>
-            <a:r>
-              <a:rPr lang="en-US" altLang="ko-KR" sz="2800" b="1" dirty="0" smtClean="0">
-                <a:latin typeface="Ebrima" panose="02000000000000000000" pitchFamily="2" charset="0"/>
-                <a:ea typeface="Ebrima" panose="02000000000000000000" pitchFamily="2" charset="0"/>
-                <a:cs typeface="Ebrima" panose="02000000000000000000" pitchFamily="2" charset="0"/>
-              </a:rPr>
-              <a:t>ESULTS AND </a:t>
-            </a:r>
-            <a:r>
-              <a:rPr lang="en-US" altLang="ko-KR" sz="3600" b="1" dirty="0" smtClean="0">
-                <a:latin typeface="Ebrima" panose="02000000000000000000" pitchFamily="2" charset="0"/>
-                <a:ea typeface="Ebrima" panose="02000000000000000000" pitchFamily="2" charset="0"/>
-                <a:cs typeface="Ebrima" panose="02000000000000000000" pitchFamily="2" charset="0"/>
-              </a:rPr>
-              <a:t>D</a:t>
-            </a:r>
-            <a:r>
-              <a:rPr lang="en-US" altLang="ko-KR" sz="2800" b="1" dirty="0" smtClean="0">
-                <a:latin typeface="Ebrima" panose="02000000000000000000" pitchFamily="2" charset="0"/>
-                <a:ea typeface="Ebrima" panose="02000000000000000000" pitchFamily="2" charset="0"/>
-                <a:cs typeface="Ebrima" panose="02000000000000000000" pitchFamily="2" charset="0"/>
-              </a:rPr>
-              <a:t>ISCUSSION- </a:t>
-            </a:r>
-            <a:r>
-              <a:rPr lang="en-US" altLang="ko-KR" sz="2400" b="1" dirty="0" smtClean="0">
-                <a:latin typeface="Ebrima" panose="02000000000000000000" pitchFamily="2" charset="0"/>
-                <a:ea typeface="Ebrima" panose="02000000000000000000" pitchFamily="2" charset="0"/>
-                <a:cs typeface="Ebrima" panose="02000000000000000000" pitchFamily="2" charset="0"/>
-              </a:rPr>
-              <a:t>Preliminary </a:t>
-            </a:r>
-            <a:r>
-              <a:rPr lang="en-US" altLang="ko-KR" sz="2400" b="1" dirty="0">
-                <a:latin typeface="Ebrima" panose="02000000000000000000" pitchFamily="2" charset="0"/>
-                <a:ea typeface="Ebrima" panose="02000000000000000000" pitchFamily="2" charset="0"/>
-                <a:cs typeface="Ebrima" panose="02000000000000000000" pitchFamily="2" charset="0"/>
-              </a:rPr>
-              <a:t>Experiment</a:t>
-            </a:r>
-            <a:endParaRPr lang="ko-KR" altLang="en-US" sz="2400" b="1" dirty="0">
-              <a:latin typeface="Ebrima" panose="02000000000000000000" pitchFamily="2" charset="0"/>
-              <a:cs typeface="Ebrima" panose="02000000000000000000" pitchFamily="2" charset="0"/>
-            </a:endParaRPr>
-          </a:p>
-        </p:txBody>
-      </p:sp>
-      <p:sp>
-        <p:nvSpPr>
           <p:cNvPr id="11" name="TextBox 20"/>
           <p:cNvSpPr txBox="1"/>
           <p:nvPr/>
@@ -7887,13 +13506,13 @@
           <p:nvPr>
             <p:extLst>
               <p:ext uri="{D42A27DB-BD31-4B8C-83A1-F6EECF244321}">
-                <p14:modId xmlns:p14="http://schemas.microsoft.com/office/powerpoint/2010/main" val="1670809211"/>
+                <p14:modId xmlns:p14="http://schemas.microsoft.com/office/powerpoint/2010/main" val="2655234036"/>
               </p:ext>
             </p:extLst>
           </p:nvPr>
         </p:nvGraphicFramePr>
         <p:xfrm>
-          <a:off x="3383324" y="5445225"/>
+          <a:off x="3275820" y="5373216"/>
           <a:ext cx="5760676" cy="1386970"/>
         </p:xfrm>
         <a:graphic>
@@ -8365,6 +13984,83 @@
           </a:graphicData>
         </a:graphic>
       </p:graphicFrame>
+      <p:sp>
+        <p:nvSpPr>
+          <p:cNvPr id="14" name="TextBox 13"/>
+          <p:cNvSpPr txBox="1"/>
+          <p:nvPr/>
+        </p:nvSpPr>
+        <p:spPr>
+          <a:xfrm>
+            <a:off x="107504" y="44624"/>
+            <a:ext cx="8784976" cy="646331"/>
+          </a:xfrm>
+          <a:prstGeom prst="rect">
+            <a:avLst/>
+          </a:prstGeom>
+          <a:noFill/>
+        </p:spPr>
+        <p:txBody>
+          <a:bodyPr wrap="square" rtlCol="0">
+            <a:spAutoFit/>
+          </a:bodyPr>
+          <a:lstStyle/>
+          <a:p>
+            <a:r>
+              <a:rPr lang="en-US" altLang="ko-KR" sz="3600" b="1" dirty="0" smtClean="0">
+                <a:latin typeface="Ebrima" panose="02000000000000000000" pitchFamily="2" charset="0"/>
+                <a:ea typeface="Ebrima" panose="02000000000000000000" pitchFamily="2" charset="0"/>
+                <a:cs typeface="Ebrima" panose="02000000000000000000" pitchFamily="2" charset="0"/>
+              </a:rPr>
+              <a:t>R</a:t>
+            </a:r>
+            <a:r>
+              <a:rPr lang="en-US" altLang="ko-KR" sz="2800" b="1" dirty="0" smtClean="0">
+                <a:latin typeface="Ebrima" panose="02000000000000000000" pitchFamily="2" charset="0"/>
+                <a:ea typeface="Ebrima" panose="02000000000000000000" pitchFamily="2" charset="0"/>
+                <a:cs typeface="Ebrima" panose="02000000000000000000" pitchFamily="2" charset="0"/>
+              </a:rPr>
+              <a:t>ESULTS: </a:t>
+            </a:r>
+            <a:r>
+              <a:rPr lang="en-US" altLang="ko-KR" sz="3600" b="1" dirty="0" smtClean="0">
+                <a:latin typeface="Ebrima" panose="02000000000000000000" pitchFamily="2" charset="0"/>
+                <a:ea typeface="Ebrima" panose="02000000000000000000" pitchFamily="2" charset="0"/>
+                <a:cs typeface="Ebrima" panose="02000000000000000000" pitchFamily="2" charset="0"/>
+              </a:rPr>
+              <a:t>P</a:t>
+            </a:r>
+            <a:r>
+              <a:rPr lang="en-US" altLang="ko-KR" sz="2800" b="1" dirty="0" smtClean="0">
+                <a:latin typeface="Ebrima" panose="02000000000000000000" pitchFamily="2" charset="0"/>
+                <a:ea typeface="Ebrima" panose="02000000000000000000" pitchFamily="2" charset="0"/>
+                <a:cs typeface="Ebrima" panose="02000000000000000000" pitchFamily="2" charset="0"/>
+              </a:rPr>
+              <a:t>RELIMINARY </a:t>
+            </a:r>
+            <a:r>
+              <a:rPr lang="en-US" altLang="ko-KR" sz="3600" b="1" dirty="0" smtClean="0">
+                <a:latin typeface="Ebrima" panose="02000000000000000000" pitchFamily="2" charset="0"/>
+                <a:ea typeface="Ebrima" panose="02000000000000000000" pitchFamily="2" charset="0"/>
+                <a:cs typeface="Ebrima" panose="02000000000000000000" pitchFamily="2" charset="0"/>
+              </a:rPr>
+              <a:t>E</a:t>
+            </a:r>
+            <a:r>
+              <a:rPr lang="en-US" altLang="ko-KR" sz="2800" b="1" dirty="0" smtClean="0">
+                <a:latin typeface="Ebrima" panose="02000000000000000000" pitchFamily="2" charset="0"/>
+                <a:ea typeface="Ebrima" panose="02000000000000000000" pitchFamily="2" charset="0"/>
+                <a:cs typeface="Ebrima" panose="02000000000000000000" pitchFamily="2" charset="0"/>
+              </a:rPr>
+              <a:t>XPERIMENT</a:t>
+            </a:r>
+            <a:endParaRPr lang="ko-KR" altLang="en-US" sz="2400" b="1" dirty="0">
+              <a:latin typeface="Ebrima" panose="02000000000000000000" pitchFamily="2" charset="0"/>
+              <a:cs typeface="Ebrima" panose="02000000000000000000" pitchFamily="2" charset="0"/>
+            </a:endParaRPr>
+          </a:p>
+        </p:txBody>
+      </p:sp>
     </p:spTree>
     <p:extLst>
       <p:ext uri="{BB962C8B-B14F-4D97-AF65-F5344CB8AC3E}">

--- a/presentation/Final Presentation_mGrid.pptx
+++ b/presentation/Final Presentation_mGrid.pptx
@@ -124,7 +124,7 @@
   </p:defaultTextStyle>
   <p:extLst>
     <p:ext uri="{EFAFB233-063F-42B5-8137-9DF3F51BA10A}">
-      <p15:sldGuideLst xmlns:p15="http://schemas.microsoft.com/office/powerpoint/2012/main" xmlns="">
+      <p15:sldGuideLst xmlns="" xmlns:p15="http://schemas.microsoft.com/office/powerpoint/2012/main">
         <p15:guide id="1" orient="horz" pos="2160">
           <p15:clr>
             <a:srgbClr val="A4A3A4"/>
@@ -4644,7 +4644,16 @@
                 <a:ea typeface="Ebrima" panose="02000000000000000000" pitchFamily="2" charset="0"/>
                 <a:cs typeface="Ebrima" panose="02000000000000000000" pitchFamily="2" charset="0"/>
               </a:rPr>
-              <a:t>alternative </a:t>
+              <a:t>alternative plans   </a:t>
+            </a:r>
+            <a:r>
+              <a:rPr lang="en-US" dirty="0" smtClean="0">
+                <a:effectLst/>
+                <a:latin typeface="Ebrima" panose="02000000000000000000" pitchFamily="2" charset="0"/>
+                <a:ea typeface="Ebrima" panose="02000000000000000000" pitchFamily="2" charset="0"/>
+                <a:cs typeface="Ebrima" panose="02000000000000000000" pitchFamily="2" charset="0"/>
+              </a:rPr>
+              <a:t>can significantly </a:t>
             </a:r>
             <a:r>
               <a:rPr lang="en-US" b="1" dirty="0" smtClean="0">
@@ -4656,7 +4665,15 @@
                 <a:ea typeface="Ebrima" panose="02000000000000000000" pitchFamily="2" charset="0"/>
                 <a:cs typeface="Ebrima" panose="02000000000000000000" pitchFamily="2" charset="0"/>
               </a:rPr>
-              <a:t>plans   </a:t>
+              <a:t>improve robustness</a:t>
+            </a:r>
+            <a:r>
+              <a:rPr lang="en-US" dirty="0" smtClean="0">
+                <a:latin typeface="Ebrima" panose="02000000000000000000" pitchFamily="2" charset="0"/>
+                <a:ea typeface="Ebrima" panose="02000000000000000000" pitchFamily="2" charset="0"/>
+                <a:cs typeface="Ebrima" panose="02000000000000000000" pitchFamily="2" charset="0"/>
+              </a:rPr>
+              <a:t> throughout the</a:t>
             </a:r>
             <a:r>
               <a:rPr lang="en-US" dirty="0" smtClean="0">
@@ -4665,52 +4682,8 @@
                 <a:ea typeface="Ebrima" panose="02000000000000000000" pitchFamily="2" charset="0"/>
                 <a:cs typeface="Ebrima" panose="02000000000000000000" pitchFamily="2" charset="0"/>
               </a:rPr>
-              <a:t>can </a:t>
-            </a:r>
-            <a:r>
-              <a:rPr lang="en-US" dirty="0" smtClean="0">
-                <a:effectLst/>
-                <a:latin typeface="Ebrima" panose="02000000000000000000" pitchFamily="2" charset="0"/>
-                <a:ea typeface="Ebrima" panose="02000000000000000000" pitchFamily="2" charset="0"/>
-                <a:cs typeface="Ebrima" panose="02000000000000000000" pitchFamily="2" charset="0"/>
-              </a:rPr>
-              <a:t>significantly </a:t>
-            </a:r>
-            <a:r>
-              <a:rPr lang="en-US" b="1" dirty="0" smtClean="0">
-                <a:solidFill>
-                  <a:srgbClr val="C00000"/>
-                </a:solidFill>
-                <a:effectLst/>
-                <a:latin typeface="Ebrima" panose="02000000000000000000" pitchFamily="2" charset="0"/>
-                <a:ea typeface="Ebrima" panose="02000000000000000000" pitchFamily="2" charset="0"/>
-                <a:cs typeface="Ebrima" panose="02000000000000000000" pitchFamily="2" charset="0"/>
-              </a:rPr>
-              <a:t>improve robustness</a:t>
-            </a:r>
-            <a:r>
-              <a:rPr lang="en-US" dirty="0" smtClean="0">
-                <a:latin typeface="Ebrima" panose="02000000000000000000" pitchFamily="2" charset="0"/>
-                <a:ea typeface="Ebrima" panose="02000000000000000000" pitchFamily="2" charset="0"/>
-                <a:cs typeface="Ebrima" panose="02000000000000000000" pitchFamily="2" charset="0"/>
-              </a:rPr>
-              <a:t> throughout the</a:t>
-            </a:r>
-            <a:r>
-              <a:rPr lang="en-US" dirty="0" smtClean="0">
-                <a:effectLst/>
-                <a:latin typeface="Ebrima" panose="02000000000000000000" pitchFamily="2" charset="0"/>
-                <a:ea typeface="Ebrima" panose="02000000000000000000" pitchFamily="2" charset="0"/>
-                <a:cs typeface="Ebrima" panose="02000000000000000000" pitchFamily="2" charset="0"/>
-              </a:rPr>
               <a:t> day</a:t>
             </a:r>
-            <a:endParaRPr lang="en-US" dirty="0" smtClean="0">
-              <a:effectLst/>
-              <a:latin typeface="Ebrima" panose="02000000000000000000" pitchFamily="2" charset="0"/>
-              <a:ea typeface="Ebrima" panose="02000000000000000000" pitchFamily="2" charset="0"/>
-              <a:cs typeface="Ebrima" panose="02000000000000000000" pitchFamily="2" charset="0"/>
-            </a:endParaRPr>
           </a:p>
           <a:p>
             <a:pPr marL="342900" indent="-342900" latinLnBrk="0">
@@ -4813,15 +4786,7 @@
                 <a:ea typeface="Ebrima" panose="02000000000000000000" pitchFamily="2" charset="0"/>
                 <a:cs typeface="Ebrima" panose="02000000000000000000" pitchFamily="2" charset="0"/>
               </a:rPr>
-              <a:t>significant </a:t>
-            </a:r>
-            <a:r>
-              <a:rPr lang="en-US" dirty="0" smtClean="0">
-                <a:latin typeface="Ebrima" panose="02000000000000000000" pitchFamily="2" charset="0"/>
-                <a:ea typeface="Ebrima" panose="02000000000000000000" pitchFamily="2" charset="0"/>
-                <a:cs typeface="Ebrima" panose="02000000000000000000" pitchFamily="2" charset="0"/>
-              </a:rPr>
-              <a:t>differences</a:t>
+              <a:t>significant differences</a:t>
             </a:r>
             <a:endParaRPr lang="en-US" dirty="0">
               <a:latin typeface="Ebrima" panose="02000000000000000000" pitchFamily="2" charset="0"/>
@@ -4905,15 +4870,7 @@
                 <a:ea typeface="Ebrima" panose="02000000000000000000" pitchFamily="2" charset="0"/>
                 <a:cs typeface="Ebrima" panose="02000000000000000000" pitchFamily="2" charset="0"/>
               </a:rPr>
-              <a:t>With different </a:t>
-            </a:r>
-            <a:r>
-              <a:rPr lang="en-US" dirty="0" smtClean="0">
-                <a:latin typeface="Ebrima" panose="02000000000000000000" pitchFamily="2" charset="0"/>
-                <a:ea typeface="Ebrima" panose="02000000000000000000" pitchFamily="2" charset="0"/>
-                <a:cs typeface="Ebrima" panose="02000000000000000000" pitchFamily="2" charset="0"/>
-              </a:rPr>
-              <a:t>schemes</a:t>
+              <a:t>With different schemes</a:t>
             </a:r>
             <a:endParaRPr lang="en-US" dirty="0">
               <a:latin typeface="Ebrima" panose="02000000000000000000" pitchFamily="2" charset="0"/>
@@ -5310,70 +5267,7 @@
                           <a:ea typeface="바탕"/>
                           <a:cs typeface="Ebrima" panose="02000000000000000000" pitchFamily="2" charset="0"/>
                         </a:rPr>
-                        <a:t>0</a:t>
-                      </a:r>
-                      <a:r>
-                        <a:rPr lang="en-US" altLang="ko-KR" sz="1600" b="1" dirty="0" smtClean="0">
-                          <a:effectLst/>
-                          <a:latin typeface="Ebrima" panose="02000000000000000000" pitchFamily="2" charset="0"/>
-                          <a:ea typeface="바탕"/>
-                          <a:cs typeface="Ebrima" panose="02000000000000000000" pitchFamily="2" charset="0"/>
-                        </a:rPr>
-                        <a:t>%, </a:t>
-                      </a:r>
-                      <a:r>
-                        <a:rPr lang="en-US" altLang="ko-KR" sz="1600" b="1" dirty="0" smtClean="0">
-                          <a:effectLst/>
-                          <a:latin typeface="Ebrima" panose="02000000000000000000" pitchFamily="2" charset="0"/>
-                          <a:ea typeface="바탕"/>
-                          <a:cs typeface="Ebrima" panose="02000000000000000000" pitchFamily="2" charset="0"/>
-                        </a:rPr>
-                        <a:t>20</a:t>
-                      </a:r>
-                      <a:r>
-                        <a:rPr lang="en-US" altLang="ko-KR" sz="1600" b="1" dirty="0" smtClean="0">
-                          <a:effectLst/>
-                          <a:latin typeface="Ebrima" panose="02000000000000000000" pitchFamily="2" charset="0"/>
-                          <a:ea typeface="바탕"/>
-                          <a:cs typeface="Ebrima" panose="02000000000000000000" pitchFamily="2" charset="0"/>
-                        </a:rPr>
-                        <a:t>%, </a:t>
-                      </a:r>
-                      <a:r>
-                        <a:rPr lang="en-US" altLang="ko-KR" sz="1600" b="1" dirty="0" smtClean="0">
-                          <a:effectLst/>
-                          <a:latin typeface="Ebrima" panose="02000000000000000000" pitchFamily="2" charset="0"/>
-                          <a:ea typeface="바탕"/>
-                          <a:cs typeface="Ebrima" panose="02000000000000000000" pitchFamily="2" charset="0"/>
-                        </a:rPr>
-                        <a:t>40</a:t>
-                      </a:r>
-                      <a:r>
-                        <a:rPr lang="en-US" altLang="ko-KR" sz="1600" b="1" dirty="0" smtClean="0">
-                          <a:effectLst/>
-                          <a:latin typeface="Ebrima" panose="02000000000000000000" pitchFamily="2" charset="0"/>
-                          <a:ea typeface="바탕"/>
-                          <a:cs typeface="Ebrima" panose="02000000000000000000" pitchFamily="2" charset="0"/>
-                        </a:rPr>
-                        <a:t>%, </a:t>
-                      </a:r>
-                      <a:r>
-                        <a:rPr lang="en-US" altLang="ko-KR" sz="1600" b="1" dirty="0" smtClean="0">
-                          <a:effectLst/>
-                          <a:latin typeface="Ebrima" panose="02000000000000000000" pitchFamily="2" charset="0"/>
-                          <a:ea typeface="바탕"/>
-                          <a:cs typeface="Ebrima" panose="02000000000000000000" pitchFamily="2" charset="0"/>
-                        </a:rPr>
-                        <a:t>60</a:t>
-                      </a:r>
-                      <a:r>
-                        <a:rPr lang="en-US" altLang="ko-KR" sz="1600" b="1" dirty="0" smtClean="0">
-                          <a:effectLst/>
-                          <a:latin typeface="Ebrima" panose="02000000000000000000" pitchFamily="2" charset="0"/>
-                          <a:ea typeface="바탕"/>
-                          <a:cs typeface="Ebrima" panose="02000000000000000000" pitchFamily="2" charset="0"/>
-                        </a:rPr>
-                        <a:t>%,</a:t>
+                        <a:t>0%, 20%, 40%, 60%,</a:t>
                       </a:r>
                       <a:r>
                         <a:rPr lang="en-US" altLang="ko-KR" sz="1600" b="1" baseline="0" dirty="0" smtClean="0">
@@ -5382,34 +5276,7 @@
                           <a:ea typeface="바탕"/>
                           <a:cs typeface="Ebrima" panose="02000000000000000000" pitchFamily="2" charset="0"/>
                         </a:rPr>
-                        <a:t> </a:t>
-                      </a:r>
-                      <a:r>
-                        <a:rPr lang="en-US" altLang="ko-KR" sz="1600" b="1" baseline="0" dirty="0" smtClean="0">
-                          <a:effectLst/>
-                          <a:latin typeface="Ebrima" panose="02000000000000000000" pitchFamily="2" charset="0"/>
-                          <a:ea typeface="바탕"/>
-                          <a:cs typeface="Ebrima" panose="02000000000000000000" pitchFamily="2" charset="0"/>
-                        </a:rPr>
-                        <a:t>80</a:t>
-                      </a:r>
-                      <a:r>
-                        <a:rPr lang="en-US" altLang="ko-KR" sz="1600" b="1" baseline="0" dirty="0" smtClean="0">
-                          <a:effectLst/>
-                          <a:latin typeface="Ebrima" panose="02000000000000000000" pitchFamily="2" charset="0"/>
-                          <a:ea typeface="바탕"/>
-                          <a:cs typeface="Ebrima" panose="02000000000000000000" pitchFamily="2" charset="0"/>
-                        </a:rPr>
-                        <a:t>%, </a:t>
-                      </a:r>
-                      <a:r>
-                        <a:rPr lang="en-US" altLang="ko-KR" sz="1600" b="1" baseline="0" dirty="0" smtClean="0">
-                          <a:effectLst/>
-                          <a:latin typeface="Ebrima" panose="02000000000000000000" pitchFamily="2" charset="0"/>
-                          <a:ea typeface="바탕"/>
-                          <a:cs typeface="Ebrima" panose="02000000000000000000" pitchFamily="2" charset="0"/>
-                        </a:rPr>
-                        <a:t>100%</a:t>
+                        <a:t> 80%, 100%</a:t>
                       </a:r>
                       <a:endParaRPr lang="ko-KR" altLang="en-US" sz="1600" b="1" dirty="0" smtClean="0">
                         <a:effectLst/>
@@ -5525,16 +5392,7 @@
                 <a:ea typeface="Ebrima" panose="02000000000000000000" pitchFamily="2" charset="0"/>
                 <a:cs typeface="Ebrima" panose="02000000000000000000" pitchFamily="2" charset="0"/>
               </a:rPr>
-              <a:t>(c) </a:t>
-            </a:r>
-            <a:r>
-              <a:rPr lang="en-US" sz="2000" dirty="0" smtClean="0">
-                <a:effectLst/>
-                <a:latin typeface="Ebrima" panose="02000000000000000000" pitchFamily="2" charset="0"/>
-                <a:ea typeface="Ebrima" panose="02000000000000000000" pitchFamily="2" charset="0"/>
-                <a:cs typeface="Ebrima" panose="02000000000000000000" pitchFamily="2" charset="0"/>
-              </a:rPr>
-              <a:t>The </a:t>
+              <a:t>(c) The </a:t>
             </a:r>
             <a:r>
               <a:rPr lang="en-US" sz="2000" b="1" dirty="0" smtClean="0">
@@ -5578,12 +5436,6 @@
               </a:rPr>
               <a:t>the grid becomes</a:t>
             </a:r>
-            <a:endParaRPr lang="en-US" sz="2000" dirty="0" smtClean="0">
-              <a:effectLst/>
-              <a:latin typeface="Ebrima" panose="02000000000000000000" pitchFamily="2" charset="0"/>
-              <a:ea typeface="Ebrima" panose="02000000000000000000" pitchFamily="2" charset="0"/>
-              <a:cs typeface="Ebrima" panose="02000000000000000000" pitchFamily="2" charset="0"/>
-            </a:endParaRPr>
           </a:p>
         </p:txBody>
       </p:sp>
@@ -6329,29 +6181,8 @@
                 <a:ea typeface="Ebrima" panose="02000000000000000000" pitchFamily="2" charset="0"/>
                 <a:cs typeface="Ebrima" panose="02000000000000000000" pitchFamily="2" charset="0"/>
               </a:rPr>
-              <a:t>saved, when best </a:t>
-            </a:r>
-            <a:r>
-              <a:rPr lang="en-US" dirty="0" smtClean="0">
-                <a:latin typeface="Ebrima" panose="02000000000000000000" pitchFamily="2" charset="0"/>
-                <a:ea typeface="Ebrima" panose="02000000000000000000" pitchFamily="2" charset="0"/>
-                <a:cs typeface="Ebrima" panose="02000000000000000000" pitchFamily="2" charset="0"/>
-              </a:rPr>
-              <a:t>and worse </a:t>
-            </a:r>
-            <a:r>
-              <a:rPr lang="en-US" dirty="0" smtClean="0">
-                <a:latin typeface="Ebrima" panose="02000000000000000000" pitchFamily="2" charset="0"/>
-                <a:ea typeface="Ebrima" panose="02000000000000000000" pitchFamily="2" charset="0"/>
-                <a:cs typeface="Ebrima" panose="02000000000000000000" pitchFamily="2" charset="0"/>
-              </a:rPr>
-              <a:t>cases are compared) </a:t>
-            </a:r>
-            <a:endParaRPr lang="en-US" dirty="0" smtClean="0">
-              <a:latin typeface="Ebrima" panose="02000000000000000000" pitchFamily="2" charset="0"/>
-              <a:ea typeface="Ebrima" panose="02000000000000000000" pitchFamily="2" charset="0"/>
-              <a:cs typeface="Ebrima" panose="02000000000000000000" pitchFamily="2" charset="0"/>
-            </a:endParaRPr>
+              <a:t>saved, when best and worse cases are compared) </a:t>
+            </a:r>
           </a:p>
           <a:p>
             <a:pPr marL="457200" lvl="0" indent="-457200" latinLnBrk="0">
@@ -6380,47 +6211,7 @@
                 <a:ea typeface="Ebrima" panose="02000000000000000000" pitchFamily="2" charset="0"/>
                 <a:cs typeface="Ebrima" panose="02000000000000000000" pitchFamily="2" charset="0"/>
               </a:rPr>
-              <a:t> </a:t>
-            </a:r>
-            <a:r>
-              <a:rPr lang="en-US" dirty="0" smtClean="0">
-                <a:latin typeface="Ebrima" panose="02000000000000000000" pitchFamily="2" charset="0"/>
-                <a:ea typeface="Ebrima" panose="02000000000000000000" pitchFamily="2" charset="0"/>
-                <a:cs typeface="Ebrima" panose="02000000000000000000" pitchFamily="2" charset="0"/>
-              </a:rPr>
-              <a:t>the </a:t>
-            </a:r>
-            <a:r>
-              <a:rPr lang="en-US" dirty="0" smtClean="0">
-                <a:latin typeface="Ebrima" panose="02000000000000000000" pitchFamily="2" charset="0"/>
-                <a:ea typeface="Ebrima" panose="02000000000000000000" pitchFamily="2" charset="0"/>
-                <a:cs typeface="Ebrima" panose="02000000000000000000" pitchFamily="2" charset="0"/>
-              </a:rPr>
-              <a:t>percentage</a:t>
-            </a:r>
-            <a:r>
-              <a:rPr lang="en-US" dirty="0" smtClean="0">
-                <a:latin typeface="Ebrima" panose="02000000000000000000" pitchFamily="2" charset="0"/>
-                <a:ea typeface="Ebrima" panose="02000000000000000000" pitchFamily="2" charset="0"/>
-                <a:cs typeface="Ebrima" panose="02000000000000000000" pitchFamily="2" charset="0"/>
-              </a:rPr>
-              <a:t> </a:t>
-            </a:r>
-            <a:r>
-              <a:rPr lang="en-US" dirty="0" smtClean="0">
-                <a:latin typeface="Ebrima" panose="02000000000000000000" pitchFamily="2" charset="0"/>
-                <a:ea typeface="Ebrima" panose="02000000000000000000" pitchFamily="2" charset="0"/>
-                <a:cs typeface="Ebrima" panose="02000000000000000000" pitchFamily="2" charset="0"/>
-              </a:rPr>
-              <a:t>of flexible </a:t>
-            </a:r>
-            <a:r>
-              <a:rPr lang="en-US" dirty="0" smtClean="0">
-                <a:latin typeface="Ebrima" panose="02000000000000000000" pitchFamily="2" charset="0"/>
-                <a:ea typeface="Ebrima" panose="02000000000000000000" pitchFamily="2" charset="0"/>
-                <a:cs typeface="Ebrima" panose="02000000000000000000" pitchFamily="2" charset="0"/>
-              </a:rPr>
-              <a:t>EVs, </a:t>
+              <a:t> the percentage of flexible EVs, </a:t>
             </a:r>
             <a:r>
               <a:rPr lang="en-US" b="1" dirty="0" smtClean="0">
@@ -6439,29 +6230,8 @@
                 <a:ea typeface="Ebrima" panose="02000000000000000000" pitchFamily="2" charset="0"/>
                 <a:cs typeface="Ebrima" panose="02000000000000000000" pitchFamily="2" charset="0"/>
               </a:rPr>
-              <a:t> </a:t>
-            </a:r>
-            <a:r>
-              <a:rPr lang="en-US" dirty="0" smtClean="0">
-                <a:latin typeface="Ebrima" panose="02000000000000000000" pitchFamily="2" charset="0"/>
-                <a:ea typeface="Ebrima" panose="02000000000000000000" pitchFamily="2" charset="0"/>
-                <a:cs typeface="Ebrima" panose="02000000000000000000" pitchFamily="2" charset="0"/>
-              </a:rPr>
-              <a:t>the total </a:t>
-            </a:r>
-            <a:r>
-              <a:rPr lang="en-US" dirty="0" smtClean="0">
-                <a:latin typeface="Ebrima" panose="02000000000000000000" pitchFamily="2" charset="0"/>
-                <a:ea typeface="Ebrima" panose="02000000000000000000" pitchFamily="2" charset="0"/>
-                <a:cs typeface="Ebrima" panose="02000000000000000000" pitchFamily="2" charset="0"/>
-              </a:rPr>
-              <a:t>cost</a:t>
-            </a:r>
-            <a:endParaRPr lang="en-US" dirty="0" smtClean="0">
-              <a:latin typeface="Ebrima" panose="02000000000000000000" pitchFamily="2" charset="0"/>
-              <a:ea typeface="Ebrima" panose="02000000000000000000" pitchFamily="2" charset="0"/>
-              <a:cs typeface="Ebrima" panose="02000000000000000000" pitchFamily="2" charset="0"/>
-            </a:endParaRPr>
+              <a:t> the total cost</a:t>
+            </a:r>
           </a:p>
           <a:p>
             <a:pPr marL="457200" lvl="0" indent="-457200">
@@ -7847,31 +7617,7 @@
                 <a:ea typeface="Ebrima" panose="02000000000000000000" pitchFamily="2" charset="0"/>
                 <a:cs typeface="Ebrima" panose="02000000000000000000" pitchFamily="2" charset="0"/>
               </a:rPr>
-              <a:t>(c)   </a:t>
-            </a:r>
-            <a:r>
-              <a:rPr lang="en-US" sz="2000" dirty="0" smtClean="0">
-                <a:latin typeface="Ebrima" panose="02000000000000000000" pitchFamily="2" charset="0"/>
-                <a:ea typeface="Ebrima" panose="02000000000000000000" pitchFamily="2" charset="0"/>
-                <a:cs typeface="Ebrima" panose="02000000000000000000" pitchFamily="2" charset="0"/>
-              </a:rPr>
-              <a:t>Cost </a:t>
-            </a:r>
-            <a:r>
-              <a:rPr lang="en-US" sz="2000" dirty="0" smtClean="0">
-                <a:latin typeface="Ebrima" panose="02000000000000000000" pitchFamily="2" charset="0"/>
-                <a:ea typeface="Ebrima" panose="02000000000000000000" pitchFamily="2" charset="0"/>
-                <a:cs typeface="Ebrima" panose="02000000000000000000" pitchFamily="2" charset="0"/>
-              </a:rPr>
-              <a:t>minimization </a:t>
-            </a:r>
-            <a:r>
-              <a:rPr lang="en-US" sz="2000" dirty="0" smtClean="0">
-                <a:latin typeface="Ebrima" panose="02000000000000000000" pitchFamily="2" charset="0"/>
-                <a:ea typeface="Ebrima" panose="02000000000000000000" pitchFamily="2" charset="0"/>
-                <a:cs typeface="Ebrima" panose="02000000000000000000" pitchFamily="2" charset="0"/>
-              </a:rPr>
-              <a:t>has an </a:t>
+              <a:t>(c)   Cost minimization has an </a:t>
             </a:r>
             <a:r>
               <a:rPr lang="en-US" sz="2000" b="1" dirty="0" smtClean="0">
@@ -7882,27 +7628,8 @@
                 <a:ea typeface="Ebrima" panose="02000000000000000000" pitchFamily="2" charset="0"/>
                 <a:cs typeface="Ebrima" panose="02000000000000000000" pitchFamily="2" charset="0"/>
               </a:rPr>
-              <a:t>impact on </a:t>
-            </a:r>
-            <a:r>
-              <a:rPr lang="en-US" sz="2000" b="1" dirty="0" smtClean="0">
-                <a:solidFill>
-                  <a:srgbClr val="C00000"/>
-                </a:solidFill>
-                <a:latin typeface="Ebrima" panose="02000000000000000000" pitchFamily="2" charset="0"/>
-                <a:ea typeface="Ebrima" panose="02000000000000000000" pitchFamily="2" charset="0"/>
-                <a:cs typeface="Ebrima" panose="02000000000000000000" pitchFamily="2" charset="0"/>
-              </a:rPr>
-              <a:t>grid robustness</a:t>
-            </a:r>
-            <a:endParaRPr lang="en-US" sz="2000" b="1" dirty="0" smtClean="0">
-              <a:solidFill>
-                <a:srgbClr val="C00000"/>
-              </a:solidFill>
-              <a:latin typeface="Ebrima" panose="02000000000000000000" pitchFamily="2" charset="0"/>
-              <a:ea typeface="Ebrima" panose="02000000000000000000" pitchFamily="2" charset="0"/>
-              <a:cs typeface="Ebrima" panose="02000000000000000000" pitchFamily="2" charset="0"/>
-            </a:endParaRPr>
+              <a:t>impact on grid robustness</a:t>
+            </a:r>
           </a:p>
           <a:p>
             <a:pPr lvl="0" latinLnBrk="0">
@@ -7919,29 +7646,8 @@
                 <a:ea typeface="Ebrima" panose="02000000000000000000" pitchFamily="2" charset="0"/>
                 <a:cs typeface="Ebrima" panose="02000000000000000000" pitchFamily="2" charset="0"/>
               </a:rPr>
-              <a:t>	! </a:t>
-            </a:r>
-            <a:r>
-              <a:rPr lang="en-US" sz="2000" dirty="0" smtClean="0">
-                <a:latin typeface="Ebrima" panose="02000000000000000000" pitchFamily="2" charset="0"/>
-                <a:ea typeface="Ebrima" panose="02000000000000000000" pitchFamily="2" charset="0"/>
-                <a:cs typeface="Ebrima" panose="02000000000000000000" pitchFamily="2" charset="0"/>
-              </a:rPr>
-              <a:t>Can </a:t>
-            </a:r>
-            <a:r>
-              <a:rPr lang="en-US" sz="2000" dirty="0" smtClean="0">
-                <a:latin typeface="Ebrima" panose="02000000000000000000" pitchFamily="2" charset="0"/>
-                <a:ea typeface="Ebrima" panose="02000000000000000000" pitchFamily="2" charset="0"/>
-                <a:cs typeface="Ebrima" panose="02000000000000000000" pitchFamily="2" charset="0"/>
-              </a:rPr>
-              <a:t>be a positive influence </a:t>
-            </a:r>
-            <a:endParaRPr lang="en-US" sz="2000" dirty="0" smtClean="0">
-              <a:latin typeface="Ebrima" panose="02000000000000000000" pitchFamily="2" charset="0"/>
-              <a:ea typeface="Ebrima" panose="02000000000000000000" pitchFamily="2" charset="0"/>
-              <a:cs typeface="Ebrima" panose="02000000000000000000" pitchFamily="2" charset="0"/>
-            </a:endParaRPr>
+              <a:t>	! Can be a positive influence </a:t>
+            </a:r>
           </a:p>
           <a:p>
             <a:pPr lvl="0" latinLnBrk="0">
@@ -7958,39 +7664,7 @@
                 <a:ea typeface="Ebrima" panose="02000000000000000000" pitchFamily="2" charset="0"/>
                 <a:cs typeface="Ebrima" panose="02000000000000000000" pitchFamily="2" charset="0"/>
               </a:rPr>
-              <a:t>	! </a:t>
-            </a:r>
-            <a:r>
-              <a:rPr lang="en-US" sz="2000" dirty="0" smtClean="0">
-                <a:latin typeface="Ebrima" panose="02000000000000000000" pitchFamily="2" charset="0"/>
-                <a:ea typeface="Ebrima" panose="02000000000000000000" pitchFamily="2" charset="0"/>
-                <a:cs typeface="Ebrima" panose="02000000000000000000" pitchFamily="2" charset="0"/>
-              </a:rPr>
-              <a:t>Can be </a:t>
-            </a:r>
-            <a:r>
-              <a:rPr lang="en-US" sz="2000" dirty="0" smtClean="0">
-                <a:latin typeface="Ebrima" panose="02000000000000000000" pitchFamily="2" charset="0"/>
-                <a:ea typeface="Ebrima" panose="02000000000000000000" pitchFamily="2" charset="0"/>
-                <a:cs typeface="Ebrima" panose="02000000000000000000" pitchFamily="2" charset="0"/>
-              </a:rPr>
-              <a:t>a negative </a:t>
-            </a:r>
-            <a:r>
-              <a:rPr lang="en-US" sz="2000" dirty="0" smtClean="0">
-                <a:latin typeface="Ebrima" panose="02000000000000000000" pitchFamily="2" charset="0"/>
-                <a:ea typeface="Ebrima" panose="02000000000000000000" pitchFamily="2" charset="0"/>
-                <a:cs typeface="Ebrima" panose="02000000000000000000" pitchFamily="2" charset="0"/>
-              </a:rPr>
-              <a:t>effect (when </a:t>
-            </a:r>
-            <a:r>
-              <a:rPr lang="en-US" sz="2000" dirty="0" smtClean="0">
-                <a:latin typeface="Ebrima" panose="02000000000000000000" pitchFamily="2" charset="0"/>
-                <a:ea typeface="Ebrima" panose="02000000000000000000" pitchFamily="2" charset="0"/>
-                <a:cs typeface="Ebrima" panose="02000000000000000000" pitchFamily="2" charset="0"/>
-              </a:rPr>
-              <a:t>too many EVs participate)</a:t>
+              <a:t>	! Can be a negative effect (when too many EVs participate)</a:t>
             </a:r>
             <a:endParaRPr lang="en-US" sz="2000" dirty="0">
               <a:latin typeface="Ebrima" panose="02000000000000000000" pitchFamily="2" charset="0"/>
@@ -9038,15 +8712,7 @@
                 <a:ea typeface="Ebrima" panose="02000000000000000000" pitchFamily="2" charset="0"/>
                 <a:cs typeface="Ebrima" panose="02000000000000000000" pitchFamily="2" charset="0"/>
               </a:rPr>
-              <a:t>Our </a:t>
-            </a:r>
-            <a:r>
-              <a:rPr lang="en-US" sz="2400" dirty="0" smtClean="0">
-                <a:latin typeface="Ebrima" panose="02000000000000000000" pitchFamily="2" charset="0"/>
-                <a:ea typeface="Ebrima" panose="02000000000000000000" pitchFamily="2" charset="0"/>
-                <a:cs typeface="Ebrima" panose="02000000000000000000" pitchFamily="2" charset="0"/>
-              </a:rPr>
-              <a:t>smart </a:t>
+              <a:t>Our smart </a:t>
             </a:r>
             <a:r>
               <a:rPr lang="en-US" sz="2400" dirty="0" err="1" smtClean="0">
@@ -9086,15 +8752,7 @@
                 <a:ea typeface="Ebrima" panose="02000000000000000000" pitchFamily="2" charset="0"/>
                 <a:cs typeface="Ebrima" panose="02000000000000000000" pitchFamily="2" charset="0"/>
               </a:rPr>
-              <a:t>As </a:t>
-            </a:r>
-            <a:r>
-              <a:rPr lang="en-US" sz="2400" dirty="0" smtClean="0">
-                <a:latin typeface="Ebrima" panose="02000000000000000000" pitchFamily="2" charset="0"/>
-                <a:ea typeface="Ebrima" panose="02000000000000000000" pitchFamily="2" charset="0"/>
-                <a:cs typeface="Ebrima" panose="02000000000000000000" pitchFamily="2" charset="0"/>
-              </a:rPr>
-              <a:t>more EVs participate,</a:t>
+              <a:t>As more EVs participate,</a:t>
             </a:r>
           </a:p>
           <a:p>
@@ -9566,7 +9224,15 @@
                 <a:ea typeface="Ebrima" panose="02000000000000000000" pitchFamily="2" charset="0"/>
                 <a:cs typeface="Ebrima" panose="02000000000000000000" pitchFamily="2" charset="0"/>
               </a:rPr>
-              <a:t>[</a:t>
+              <a:t>[2] Power consumption graph on Page 3: R. E. Brown, J. G. </a:t>
+            </a:r>
+            <a:r>
+              <a:rPr lang="en-US" altLang="ko-KR" sz="2000" dirty="0" err="1" smtClean="0">
+                <a:latin typeface="Ebrima" panose="02000000000000000000" pitchFamily="2" charset="0"/>
+                <a:ea typeface="Ebrima" panose="02000000000000000000" pitchFamily="2" charset="0"/>
+                <a:cs typeface="Ebrima" panose="02000000000000000000" pitchFamily="2" charset="0"/>
+              </a:rPr>
+              <a:t>Koomey</a:t>
             </a:r>
             <a:r>
               <a:rPr lang="en-US" altLang="ko-KR" sz="2000" dirty="0" smtClean="0">
@@ -9574,7 +9240,15 @@
                 <a:ea typeface="Ebrima" panose="02000000000000000000" pitchFamily="2" charset="0"/>
                 <a:cs typeface="Ebrima" panose="02000000000000000000" pitchFamily="2" charset="0"/>
               </a:rPr>
-              <a:t>2] </a:t>
+              <a:t>, </a:t>
+            </a:r>
+            <a:r>
+              <a:rPr lang="en-US" altLang="ko-KR" sz="2000" dirty="0">
+                <a:latin typeface="Ebrima" panose="02000000000000000000" pitchFamily="2" charset="0"/>
+                <a:ea typeface="Ebrima" panose="02000000000000000000" pitchFamily="2" charset="0"/>
+                <a:cs typeface="Ebrima" panose="02000000000000000000" pitchFamily="2" charset="0"/>
+              </a:rPr>
+              <a:t>Electricity Use in </a:t>
             </a:r>
             <a:r>
               <a:rPr lang="en-US" altLang="ko-KR" sz="2000" dirty="0" smtClean="0">
@@ -9582,7 +9256,15 @@
                 <a:ea typeface="Ebrima" panose="02000000000000000000" pitchFamily="2" charset="0"/>
                 <a:cs typeface="Ebrima" panose="02000000000000000000" pitchFamily="2" charset="0"/>
               </a:rPr>
-              <a:t>Power consumption graph on Page 3: R</a:t>
+              <a:t>California: Past </a:t>
+            </a:r>
+            <a:r>
+              <a:rPr lang="en-US" altLang="ko-KR" sz="2000" dirty="0">
+                <a:latin typeface="Ebrima" panose="02000000000000000000" pitchFamily="2" charset="0"/>
+                <a:ea typeface="Ebrima" panose="02000000000000000000" pitchFamily="2" charset="0"/>
+                <a:cs typeface="Ebrima" panose="02000000000000000000" pitchFamily="2" charset="0"/>
+              </a:rPr>
+              <a:t>Trends and Present Usage </a:t>
             </a:r>
             <a:r>
               <a:rPr lang="en-US" altLang="ko-KR" sz="2000" dirty="0" smtClean="0">
@@ -9590,63 +9272,7 @@
                 <a:ea typeface="Ebrima" panose="02000000000000000000" pitchFamily="2" charset="0"/>
                 <a:cs typeface="Ebrima" panose="02000000000000000000" pitchFamily="2" charset="0"/>
               </a:rPr>
-              <a:t>. E. Brown, J. G. </a:t>
-            </a:r>
-            <a:r>
-              <a:rPr lang="en-US" altLang="ko-KR" sz="2000" dirty="0" err="1" smtClean="0">
-                <a:latin typeface="Ebrima" panose="02000000000000000000" pitchFamily="2" charset="0"/>
-                <a:ea typeface="Ebrima" panose="02000000000000000000" pitchFamily="2" charset="0"/>
-                <a:cs typeface="Ebrima" panose="02000000000000000000" pitchFamily="2" charset="0"/>
-              </a:rPr>
-              <a:t>Koomey</a:t>
-            </a:r>
-            <a:r>
-              <a:rPr lang="en-US" altLang="ko-KR" sz="2000" dirty="0" smtClean="0">
-                <a:latin typeface="Ebrima" panose="02000000000000000000" pitchFamily="2" charset="0"/>
-                <a:ea typeface="Ebrima" panose="02000000000000000000" pitchFamily="2" charset="0"/>
-                <a:cs typeface="Ebrima" panose="02000000000000000000" pitchFamily="2" charset="0"/>
-              </a:rPr>
-              <a:t>, </a:t>
-            </a:r>
-            <a:r>
-              <a:rPr lang="en-US" altLang="ko-KR" sz="2000" dirty="0">
-                <a:latin typeface="Ebrima" panose="02000000000000000000" pitchFamily="2" charset="0"/>
-                <a:ea typeface="Ebrima" panose="02000000000000000000" pitchFamily="2" charset="0"/>
-                <a:cs typeface="Ebrima" panose="02000000000000000000" pitchFamily="2" charset="0"/>
-              </a:rPr>
-              <a:t>Electricity Use in </a:t>
-            </a:r>
-            <a:r>
-              <a:rPr lang="en-US" altLang="ko-KR" sz="2000" dirty="0" smtClean="0">
-                <a:latin typeface="Ebrima" panose="02000000000000000000" pitchFamily="2" charset="0"/>
-                <a:ea typeface="Ebrima" panose="02000000000000000000" pitchFamily="2" charset="0"/>
-                <a:cs typeface="Ebrima" panose="02000000000000000000" pitchFamily="2" charset="0"/>
-              </a:rPr>
-              <a:t>California: Past </a:t>
-            </a:r>
-            <a:r>
-              <a:rPr lang="en-US" altLang="ko-KR" sz="2000" dirty="0">
-                <a:latin typeface="Ebrima" panose="02000000000000000000" pitchFamily="2" charset="0"/>
-                <a:ea typeface="Ebrima" panose="02000000000000000000" pitchFamily="2" charset="0"/>
-                <a:cs typeface="Ebrima" panose="02000000000000000000" pitchFamily="2" charset="0"/>
-              </a:rPr>
-              <a:t>Trends and Present Usage </a:t>
-            </a:r>
-            <a:r>
-              <a:rPr lang="en-US" altLang="ko-KR" sz="2000" dirty="0" smtClean="0">
-                <a:latin typeface="Ebrima" panose="02000000000000000000" pitchFamily="2" charset="0"/>
-                <a:ea typeface="Ebrima" panose="02000000000000000000" pitchFamily="2" charset="0"/>
-                <a:cs typeface="Ebrima" panose="02000000000000000000" pitchFamily="2" charset="0"/>
-              </a:rPr>
-              <a:t>Patterns (2002</a:t>
-            </a:r>
-            <a:r>
-              <a:rPr lang="en-US" altLang="ko-KR" sz="2000" dirty="0" smtClean="0">
-                <a:latin typeface="Ebrima" panose="02000000000000000000" pitchFamily="2" charset="0"/>
-                <a:ea typeface="Ebrima" panose="02000000000000000000" pitchFamily="2" charset="0"/>
-                <a:cs typeface="Ebrima" panose="02000000000000000000" pitchFamily="2" charset="0"/>
-              </a:rPr>
-              <a:t>)</a:t>
+              <a:t>Patterns (2002)</a:t>
             </a:r>
             <a:endParaRPr lang="en-US" altLang="ko-KR" sz="2000" dirty="0">
               <a:latin typeface="Ebrima" panose="02000000000000000000" pitchFamily="2" charset="0"/>
@@ -9925,7 +9551,7 @@
           <p:nvPr/>
         </p:nvPicPr>
         <p:blipFill>
-          <a:blip r:embed="rId2">
+          <a:blip r:embed="rId2" cstate="print">
             <a:extLst>
               <a:ext uri="{28A0092B-C50C-407E-A947-70E740481C1C}">
                 <a14:useLocalDpi xmlns:a14="http://schemas.microsoft.com/office/drawing/2010/main" val="0"/>
@@ -9938,8 +9564,8 @@
         </p:blipFill>
         <p:spPr>
           <a:xfrm>
-            <a:off x="179512" y="1484784"/>
-            <a:ext cx="4253404" cy="2880320"/>
+            <a:off x="268359" y="1484784"/>
+            <a:ext cx="4075709" cy="2880320"/>
           </a:xfrm>
           <a:prstGeom prst="rect">
             <a:avLst/>
@@ -10503,17 +10129,7 @@
                 <a:latin typeface="Ebrima" panose="02000000000000000000" pitchFamily="2" charset="0"/>
                 <a:cs typeface="Ebrima" panose="02000000000000000000" pitchFamily="2" charset="0"/>
               </a:rPr>
-              <a:t>Expected to increase due to EV </a:t>
-            </a:r>
-            <a:r>
-              <a:rPr lang="en-US" altLang="ko-KR" sz="2000" b="1" dirty="0" smtClean="0">
-                <a:solidFill>
-                  <a:srgbClr val="FF0000"/>
-                </a:solidFill>
-                <a:latin typeface="Ebrima" panose="02000000000000000000" pitchFamily="2" charset="0"/>
-                <a:cs typeface="Ebrima" panose="02000000000000000000" pitchFamily="2" charset="0"/>
-              </a:rPr>
-              <a:t>charging</a:t>
+              <a:t>Expected to increase due to EV charging</a:t>
             </a:r>
             <a:endParaRPr lang="ko-KR" altLang="en-US" sz="2000" b="1" dirty="0">
               <a:solidFill>
@@ -10807,8 +10423,8 @@
         </p:blipFill>
         <p:spPr>
           <a:xfrm>
-            <a:off x="107504" y="908720"/>
-            <a:ext cx="5529425" cy="3744416"/>
+            <a:off x="223005" y="908720"/>
+            <a:ext cx="5298422" cy="3744416"/>
           </a:xfrm>
           <a:prstGeom prst="rect">
             <a:avLst/>
@@ -12584,17 +12200,7 @@
                 <a:latin typeface="Ebrima" panose="02000000000000000000" pitchFamily="2" charset="0"/>
                 <a:cs typeface="Ebrima" panose="02000000000000000000" pitchFamily="2" charset="0"/>
               </a:rPr>
-              <a:t>Peak </a:t>
-            </a:r>
-            <a:r>
-              <a:rPr lang="en-US" altLang="ko-KR" sz="2000" b="1" dirty="0" smtClean="0">
-                <a:solidFill>
-                  <a:srgbClr val="FFC000"/>
-                </a:solidFill>
-                <a:latin typeface="Ebrima" panose="02000000000000000000" pitchFamily="2" charset="0"/>
-                <a:cs typeface="Ebrima" panose="02000000000000000000" pitchFamily="2" charset="0"/>
-              </a:rPr>
-              <a:t>Pricing</a:t>
+              <a:t>Peak Pricing</a:t>
             </a:r>
             <a:endParaRPr lang="en-US" altLang="ko-KR" sz="2000" b="1" dirty="0">
               <a:solidFill>
@@ -13196,21 +12802,8 @@
                 <a:ea typeface="Ebrima" panose="02000000000000000000" pitchFamily="2" charset="0"/>
                 <a:cs typeface="Ebrima" panose="02000000000000000000" pitchFamily="2" charset="0"/>
               </a:rPr>
-              <a:t>Optimization </a:t>
-            </a:r>
-            <a:r>
-              <a:rPr lang="en-US" altLang="ko-KR" sz="2000" dirty="0" smtClean="0">
-                <a:latin typeface="Ebrima" panose="02000000000000000000" pitchFamily="2" charset="0"/>
-                <a:ea typeface="Ebrima" panose="02000000000000000000" pitchFamily="2" charset="0"/>
-                <a:cs typeface="Ebrima" panose="02000000000000000000" pitchFamily="2" charset="0"/>
-              </a:rPr>
-              <a:t>for Robustness</a:t>
-            </a:r>
-            <a:endParaRPr lang="en-US" altLang="ko-KR" sz="2000" dirty="0" smtClean="0">
-              <a:latin typeface="Ebrima" panose="02000000000000000000" pitchFamily="2" charset="0"/>
-              <a:ea typeface="Ebrima" panose="02000000000000000000" pitchFamily="2" charset="0"/>
-              <a:cs typeface="Ebrima" panose="02000000000000000000" pitchFamily="2" charset="0"/>
-            </a:endParaRPr>
+              <a:t>Optimization for Robustness</a:t>
+            </a:r>
           </a:p>
           <a:p>
             <a:pPr marL="342900" indent="-342900">
@@ -13241,15 +12834,7 @@
                 <a:ea typeface="Ebrima" panose="02000000000000000000" pitchFamily="2" charset="0"/>
                 <a:cs typeface="Ebrima" panose="02000000000000000000" pitchFamily="2" charset="0"/>
               </a:rPr>
-              <a:t>     : </a:t>
-            </a:r>
-            <a:r>
-              <a:rPr lang="en-US" altLang="ko-KR" sz="2000" dirty="0" smtClean="0">
-                <a:latin typeface="Ebrima" panose="02000000000000000000" pitchFamily="2" charset="0"/>
-                <a:ea typeface="Ebrima" panose="02000000000000000000" pitchFamily="2" charset="0"/>
-                <a:cs typeface="Ebrima" panose="02000000000000000000" pitchFamily="2" charset="0"/>
-              </a:rPr>
-              <a:t>AP1 most effective</a:t>
+              <a:t>     : AP1 most effective</a:t>
             </a:r>
           </a:p>
           <a:p>
@@ -13289,21 +12874,8 @@
                 <a:ea typeface="Ebrima" panose="02000000000000000000" pitchFamily="2" charset="0"/>
                 <a:cs typeface="Ebrima" panose="02000000000000000000" pitchFamily="2" charset="0"/>
               </a:rPr>
-              <a:t>    </a:t>
-            </a:r>
-            <a:r>
-              <a:rPr lang="en-US" altLang="ko-KR" sz="2000" dirty="0" smtClean="0">
-                <a:latin typeface="Ebrima" panose="02000000000000000000" pitchFamily="2" charset="0"/>
-                <a:ea typeface="Ebrima" panose="02000000000000000000" pitchFamily="2" charset="0"/>
-                <a:cs typeface="Ebrima" panose="02000000000000000000" pitchFamily="2" charset="0"/>
-              </a:rPr>
-              <a:t>and 3 (0,4,4,4)</a:t>
-            </a:r>
-            <a:endParaRPr lang="en-US" altLang="ko-KR" sz="2000" dirty="0" smtClean="0">
-              <a:latin typeface="Ebrima" panose="02000000000000000000" pitchFamily="2" charset="0"/>
-              <a:ea typeface="Ebrima" panose="02000000000000000000" pitchFamily="2" charset="0"/>
-              <a:cs typeface="Ebrima" panose="02000000000000000000" pitchFamily="2" charset="0"/>
-            </a:endParaRPr>
+              <a:t>    and 3 (0,4,4,4)</a:t>
+            </a:r>
           </a:p>
           <a:p>
             <a:pPr>
@@ -13340,23 +12912,7 @@
                 <a:ea typeface="Ebrima" panose="02000000000000000000" pitchFamily="2" charset="0"/>
                 <a:cs typeface="Ebrima" panose="02000000000000000000" pitchFamily="2" charset="0"/>
               </a:rPr>
-              <a:t>    </a:t>
-            </a:r>
-            <a:r>
-              <a:rPr lang="en-US" altLang="ko-KR" sz="2000" dirty="0" smtClean="0">
-                <a:latin typeface="Ebrima" panose="02000000000000000000" pitchFamily="2" charset="0"/>
-                <a:ea typeface="Ebrima" panose="02000000000000000000" pitchFamily="2" charset="0"/>
-                <a:cs typeface="Ebrima" panose="02000000000000000000" pitchFamily="2" charset="0"/>
-              </a:rPr>
-              <a:t>if first steps </a:t>
-            </a:r>
-            <a:r>
-              <a:rPr lang="en-US" altLang="ko-KR" sz="2000" dirty="0" smtClean="0">
-                <a:latin typeface="Ebrima" panose="02000000000000000000" pitchFamily="2" charset="0"/>
-                <a:ea typeface="Ebrima" panose="02000000000000000000" pitchFamily="2" charset="0"/>
-                <a:cs typeface="Ebrima" panose="02000000000000000000" pitchFamily="2" charset="0"/>
-              </a:rPr>
-              <a:t>determined</a:t>
+              <a:t>    if first steps determined</a:t>
             </a:r>
           </a:p>
           <a:p>
@@ -13395,14 +12951,7 @@
                 <a:latin typeface="Ebrima" panose="02000000000000000000" pitchFamily="2" charset="0"/>
                 <a:cs typeface="Ebrima" panose="02000000000000000000" pitchFamily="2" charset="0"/>
               </a:rPr>
-              <a:t>Optimization </a:t>
-            </a:r>
-            <a:r>
-              <a:rPr lang="en-US" altLang="ko-KR" sz="2000" dirty="0" smtClean="0">
-                <a:latin typeface="Ebrima" panose="02000000000000000000" pitchFamily="2" charset="0"/>
-                <a:cs typeface="Ebrima" panose="02000000000000000000" pitchFamily="2" charset="0"/>
-              </a:rPr>
-              <a:t>for cost</a:t>
+              <a:t>Optimization for cost</a:t>
             </a:r>
             <a:endParaRPr lang="en-US" altLang="ko-KR" sz="2000" dirty="0">
               <a:latin typeface="Ebrima" panose="02000000000000000000" pitchFamily="2" charset="0"/>
